--- a/网页设计与制作/课件/4/css选择器.pptx
+++ b/网页设计与制作/课件/4/css选择器.pptx
@@ -5,16 +5,21 @@
     <p:sldMasterId id="2147483648" r:id="rId1"/>
   </p:sldMasterIdLst>
   <p:sldIdLst>
-    <p:sldId id="257" r:id="rId2"/>
-    <p:sldId id="258" r:id="rId3"/>
-    <p:sldId id="259" r:id="rId4"/>
-    <p:sldId id="260" r:id="rId5"/>
-    <p:sldId id="261" r:id="rId6"/>
-    <p:sldId id="262" r:id="rId7"/>
-    <p:sldId id="263" r:id="rId8"/>
-    <p:sldId id="264" r:id="rId9"/>
-    <p:sldId id="265" r:id="rId10"/>
-    <p:sldId id="266" r:id="rId11"/>
+    <p:sldId id="267" r:id="rId2"/>
+    <p:sldId id="268" r:id="rId3"/>
+    <p:sldId id="269" r:id="rId4"/>
+    <p:sldId id="270" r:id="rId5"/>
+    <p:sldId id="271" r:id="rId6"/>
+    <p:sldId id="257" r:id="rId7"/>
+    <p:sldId id="258" r:id="rId8"/>
+    <p:sldId id="259" r:id="rId9"/>
+    <p:sldId id="260" r:id="rId10"/>
+    <p:sldId id="261" r:id="rId11"/>
+    <p:sldId id="262" r:id="rId12"/>
+    <p:sldId id="263" r:id="rId13"/>
+    <p:sldId id="264" r:id="rId14"/>
+    <p:sldId id="265" r:id="rId15"/>
+    <p:sldId id="266" r:id="rId16"/>
   </p:sldIdLst>
   <p:sldSz cx="9144000" cy="6858000" type="screen4x3"/>
   <p:notesSz cx="6858000" cy="9144000"/>
@@ -297,7 +302,7 @@
           <a:p>
             <a:fld id="{530820CF-B880-4189-942D-D702A7CBA730}" type="datetimeFigureOut">
               <a:rPr lang="zh-CN" altLang="en-US" smtClean="0"/>
-              <a:t>2020/9/21</a:t>
+              <a:t>2020/9/25</a:t>
             </a:fld>
             <a:endParaRPr lang="zh-CN" altLang="en-US"/>
           </a:p>
@@ -462,7 +467,7 @@
           <a:p>
             <a:fld id="{530820CF-B880-4189-942D-D702A7CBA730}" type="datetimeFigureOut">
               <a:rPr lang="zh-CN" altLang="en-US" smtClean="0"/>
-              <a:t>2020/9/21</a:t>
+              <a:t>2020/9/25</a:t>
             </a:fld>
             <a:endParaRPr lang="zh-CN" altLang="en-US"/>
           </a:p>
@@ -637,7 +642,7 @@
           <a:p>
             <a:fld id="{530820CF-B880-4189-942D-D702A7CBA730}" type="datetimeFigureOut">
               <a:rPr lang="zh-CN" altLang="en-US" smtClean="0"/>
-              <a:t>2020/9/21</a:t>
+              <a:t>2020/9/25</a:t>
             </a:fld>
             <a:endParaRPr lang="zh-CN" altLang="en-US"/>
           </a:p>
@@ -802,7 +807,7 @@
           <a:p>
             <a:fld id="{530820CF-B880-4189-942D-D702A7CBA730}" type="datetimeFigureOut">
               <a:rPr lang="zh-CN" altLang="en-US" smtClean="0"/>
-              <a:t>2020/9/21</a:t>
+              <a:t>2020/9/25</a:t>
             </a:fld>
             <a:endParaRPr lang="zh-CN" altLang="en-US"/>
           </a:p>
@@ -1043,7 +1048,7 @@
           <a:p>
             <a:fld id="{530820CF-B880-4189-942D-D702A7CBA730}" type="datetimeFigureOut">
               <a:rPr lang="zh-CN" altLang="en-US" smtClean="0"/>
-              <a:t>2020/9/21</a:t>
+              <a:t>2020/9/25</a:t>
             </a:fld>
             <a:endParaRPr lang="zh-CN" altLang="en-US"/>
           </a:p>
@@ -1326,7 +1331,7 @@
           <a:p>
             <a:fld id="{530820CF-B880-4189-942D-D702A7CBA730}" type="datetimeFigureOut">
               <a:rPr lang="zh-CN" altLang="en-US" smtClean="0"/>
-              <a:t>2020/9/21</a:t>
+              <a:t>2020/9/25</a:t>
             </a:fld>
             <a:endParaRPr lang="zh-CN" altLang="en-US"/>
           </a:p>
@@ -1743,7 +1748,7 @@
           <a:p>
             <a:fld id="{530820CF-B880-4189-942D-D702A7CBA730}" type="datetimeFigureOut">
               <a:rPr lang="zh-CN" altLang="en-US" smtClean="0"/>
-              <a:t>2020/9/21</a:t>
+              <a:t>2020/9/25</a:t>
             </a:fld>
             <a:endParaRPr lang="zh-CN" altLang="en-US"/>
           </a:p>
@@ -1856,7 +1861,7 @@
           <a:p>
             <a:fld id="{530820CF-B880-4189-942D-D702A7CBA730}" type="datetimeFigureOut">
               <a:rPr lang="zh-CN" altLang="en-US" smtClean="0"/>
-              <a:t>2020/9/21</a:t>
+              <a:t>2020/9/25</a:t>
             </a:fld>
             <a:endParaRPr lang="zh-CN" altLang="en-US"/>
           </a:p>
@@ -1946,7 +1951,7 @@
           <a:p>
             <a:fld id="{530820CF-B880-4189-942D-D702A7CBA730}" type="datetimeFigureOut">
               <a:rPr lang="zh-CN" altLang="en-US" smtClean="0"/>
-              <a:t>2020/9/21</a:t>
+              <a:t>2020/9/25</a:t>
             </a:fld>
             <a:endParaRPr lang="zh-CN" altLang="en-US"/>
           </a:p>
@@ -2218,7 +2223,7 @@
           <a:p>
             <a:fld id="{530820CF-B880-4189-942D-D702A7CBA730}" type="datetimeFigureOut">
               <a:rPr lang="zh-CN" altLang="en-US" smtClean="0"/>
-              <a:t>2020/9/21</a:t>
+              <a:t>2020/9/25</a:t>
             </a:fld>
             <a:endParaRPr lang="zh-CN" altLang="en-US"/>
           </a:p>
@@ -2466,7 +2471,7 @@
           <a:p>
             <a:fld id="{530820CF-B880-4189-942D-D702A7CBA730}" type="datetimeFigureOut">
               <a:rPr lang="zh-CN" altLang="en-US" smtClean="0"/>
-              <a:t>2020/9/21</a:t>
+              <a:t>2020/9/25</a:t>
             </a:fld>
             <a:endParaRPr lang="zh-CN" altLang="en-US"/>
           </a:p>
@@ -2674,7 +2679,7 @@
           <a:p>
             <a:fld id="{530820CF-B880-4189-942D-D702A7CBA730}" type="datetimeFigureOut">
               <a:rPr lang="zh-CN" altLang="en-US" smtClean="0"/>
-              <a:t>2020/9/21</a:t>
+              <a:t>2020/9/25</a:t>
             </a:fld>
             <a:endParaRPr lang="zh-CN" altLang="en-US"/>
           </a:p>
@@ -3051,49 +3056,109 @@
             <a:spLocks noGrp="1"/>
           </p:cNvSpPr>
           <p:nvPr>
-            <p:ph type="ctrTitle"/>
-          </p:nvPr>
-        </p:nvSpPr>
-        <p:spPr/>
-        <p:txBody>
-          <a:bodyPr/>
-          <a:lstStyle/>
-          <a:p>
-            <a:r>
-              <a:rPr lang="en-US" altLang="zh-CN" smtClean="0"/>
+            <p:ph type="title"/>
+          </p:nvPr>
+        </p:nvSpPr>
+        <p:spPr/>
+        <p:txBody>
+          <a:bodyPr/>
+          <a:lstStyle/>
+          <a:p>
+            <a:r>
+              <a:rPr lang="zh-CN" altLang="en-US" smtClean="0"/>
+              <a:t>盒子模型</a:t>
+            </a:r>
+            <a:endParaRPr lang="zh-CN" altLang="en-US"/>
+          </a:p>
+        </p:txBody>
+      </p:sp>
+      <p:sp>
+        <p:nvSpPr>
+          <p:cNvPr id="3" name="内容占位符 2"/>
+          <p:cNvSpPr>
+            <a:spLocks noGrp="1"/>
+          </p:cNvSpPr>
+          <p:nvPr>
+            <p:ph idx="1"/>
+          </p:nvPr>
+        </p:nvSpPr>
+        <p:spPr/>
+        <p:txBody>
+          <a:bodyPr/>
+          <a:lstStyle/>
+          <a:p>
+            <a:r>
+              <a:rPr lang="zh-CN" altLang="en-US"/>
+              <a:t>所有</a:t>
+            </a:r>
+            <a:r>
+              <a:rPr lang="en-US" altLang="zh-CN"/>
+              <a:t>HTML</a:t>
+            </a:r>
+            <a:r>
+              <a:rPr lang="zh-CN" altLang="en-US"/>
+              <a:t>元素</a:t>
+            </a:r>
+            <a:r>
+              <a:rPr lang="zh-CN" altLang="en-US" smtClean="0"/>
+              <a:t>可以看作盒子。</a:t>
+            </a:r>
+            <a:endParaRPr lang="en-US" altLang="zh-CN" smtClean="0"/>
+          </a:p>
+          <a:p>
+            <a:r>
+              <a:rPr lang="en-US" altLang="zh-CN"/>
               <a:t>CSS</a:t>
             </a:r>
             <a:r>
-              <a:rPr lang="zh-CN" altLang="en-US" smtClean="0"/>
-              <a:t>基础选择器</a:t>
-            </a:r>
-            <a:endParaRPr lang="zh-CN" altLang="en-US"/>
-          </a:p>
-        </p:txBody>
-      </p:sp>
-      <p:sp>
-        <p:nvSpPr>
-          <p:cNvPr id="3" name="副标题 2"/>
-          <p:cNvSpPr>
-            <a:spLocks noGrp="1"/>
-          </p:cNvSpPr>
-          <p:nvPr>
-            <p:ph type="subTitle" idx="1"/>
-          </p:nvPr>
-        </p:nvSpPr>
-        <p:spPr/>
-        <p:txBody>
-          <a:bodyPr/>
-          <a:lstStyle/>
-          <a:p>
-            <a:endParaRPr lang="zh-CN" altLang="en-US"/>
-          </a:p>
-        </p:txBody>
-      </p:sp>
+              <a:rPr lang="zh-CN" altLang="en-US"/>
+              <a:t>盒模型本质上是一个盒子，封装周围的</a:t>
+            </a:r>
+            <a:r>
+              <a:rPr lang="en-US" altLang="zh-CN"/>
+              <a:t>HTML</a:t>
+            </a:r>
+            <a:r>
+              <a:rPr lang="zh-CN" altLang="en-US"/>
+              <a:t>元素，它包括：边距，边框，填充，和实际内容。</a:t>
+            </a:r>
+          </a:p>
+        </p:txBody>
+      </p:sp>
+      <p:pic>
+        <p:nvPicPr>
+          <p:cNvPr id="4" name="图片 3"/>
+          <p:cNvPicPr>
+            <a:picLocks noChangeAspect="1"/>
+          </p:cNvPicPr>
+          <p:nvPr/>
+        </p:nvPicPr>
+        <p:blipFill>
+          <a:blip r:embed="rId2">
+            <a:extLst>
+              <a:ext uri="{28A0092B-C50C-407E-A947-70E740481C1C}">
+                <a14:useLocalDpi xmlns:a14="http://schemas.microsoft.com/office/drawing/2010/main" val="0"/>
+              </a:ext>
+            </a:extLst>
+          </a:blip>
+          <a:stretch>
+            <a:fillRect/>
+          </a:stretch>
+        </p:blipFill>
+        <p:spPr>
+          <a:xfrm>
+            <a:off x="1907704" y="3789040"/>
+            <a:ext cx="5105400" cy="2752725"/>
+          </a:xfrm>
+          <a:prstGeom prst="rect">
+            <a:avLst/>
+          </a:prstGeom>
+        </p:spPr>
+      </p:pic>
     </p:spTree>
     <p:extLst>
       <p:ext uri="{BB962C8B-B14F-4D97-AF65-F5344CB8AC3E}">
-        <p14:creationId xmlns:p14="http://schemas.microsoft.com/office/powerpoint/2010/main" val="2374383559"/>
+        <p14:creationId xmlns:p14="http://schemas.microsoft.com/office/powerpoint/2010/main" val="649364958"/>
       </p:ext>
     </p:extLst>
   </p:cSld>
@@ -3136,510 +3201,6 @@
           <a:lstStyle/>
           <a:p>
             <a:r>
-              <a:rPr lang="zh-CN" altLang="en-US"/>
-              <a:t>子代选择器</a:t>
-            </a:r>
-            <a:endParaRPr lang="zh-CN" altLang="en-US"/>
-          </a:p>
-        </p:txBody>
-      </p:sp>
-      <p:sp>
-        <p:nvSpPr>
-          <p:cNvPr id="3" name="内容占位符 2"/>
-          <p:cNvSpPr>
-            <a:spLocks noGrp="1"/>
-          </p:cNvSpPr>
-          <p:nvPr>
-            <p:ph idx="1"/>
-          </p:nvPr>
-        </p:nvSpPr>
-        <p:spPr/>
-        <p:txBody>
-          <a:bodyPr/>
-          <a:lstStyle/>
-          <a:p>
-            <a:r>
-              <a:rPr lang="zh-CN" altLang="en-US" smtClean="0"/>
-              <a:t>作用：</a:t>
-            </a:r>
-            <a:r>
-              <a:rPr lang="zh-CN" altLang="en-US"/>
-              <a:t>只选择匹配元素中的</a:t>
-            </a:r>
-            <a:r>
-              <a:rPr lang="zh-CN" altLang="en-US"/>
-              <a:t>直接</a:t>
-            </a:r>
-            <a:r>
-              <a:rPr lang="zh-CN" altLang="en-US" smtClean="0"/>
-              <a:t>后代</a:t>
-            </a:r>
-            <a:endParaRPr lang="en-US" altLang="zh-CN" smtClean="0"/>
-          </a:p>
-          <a:p>
-            <a:r>
-              <a:rPr lang="zh-CN" altLang="en-US" smtClean="0"/>
-              <a:t>结构：</a:t>
-            </a:r>
-            <a:r>
-              <a:rPr lang="en-US" altLang="zh-CN"/>
-              <a:t>&lt;</a:t>
-            </a:r>
-            <a:r>
-              <a:rPr lang="zh-CN" altLang="en-US"/>
-              <a:t>第一个选择器</a:t>
-            </a:r>
-            <a:r>
-              <a:rPr lang="en-US" altLang="zh-CN"/>
-              <a:t>&gt; &gt; &lt;</a:t>
-            </a:r>
-            <a:r>
-              <a:rPr lang="zh-CN" altLang="en-US"/>
-              <a:t>第二个选择</a:t>
-            </a:r>
-            <a:r>
-              <a:rPr lang="zh-CN" altLang="en-US"/>
-              <a:t>器</a:t>
-            </a:r>
-            <a:r>
-              <a:rPr lang="en-US" altLang="zh-CN" smtClean="0"/>
-              <a:t>&gt;</a:t>
-            </a:r>
-          </a:p>
-          <a:p>
-            <a:endParaRPr lang="zh-CN" altLang="en-US"/>
-          </a:p>
-        </p:txBody>
-      </p:sp>
-    </p:spTree>
-    <p:extLst>
-      <p:ext uri="{BB962C8B-B14F-4D97-AF65-F5344CB8AC3E}">
-        <p14:creationId xmlns:p14="http://schemas.microsoft.com/office/powerpoint/2010/main" val="1628829551"/>
-      </p:ext>
-    </p:extLst>
-  </p:cSld>
-  <p:clrMapOvr>
-    <a:masterClrMapping/>
-  </p:clrMapOvr>
-</p:sld>
-</file>
-
-<file path=ppt/slides/slide2.xml><?xml version="1.0" encoding="utf-8"?>
-<p:sld xmlns:a="http://schemas.openxmlformats.org/drawingml/2006/main" xmlns:r="http://schemas.openxmlformats.org/officeDocument/2006/relationships" xmlns:p="http://schemas.openxmlformats.org/presentationml/2006/main">
-  <p:cSld>
-    <p:spTree>
-      <p:nvGrpSpPr>
-        <p:cNvPr id="1" name=""/>
-        <p:cNvGrpSpPr/>
-        <p:nvPr/>
-      </p:nvGrpSpPr>
-      <p:grpSpPr>
-        <a:xfrm>
-          <a:off x="0" y="0"/>
-          <a:ext cx="0" cy="0"/>
-          <a:chOff x="0" y="0"/>
-          <a:chExt cx="0" cy="0"/>
-        </a:xfrm>
-      </p:grpSpPr>
-      <p:sp>
-        <p:nvSpPr>
-          <p:cNvPr id="2" name="标题 1"/>
-          <p:cNvSpPr>
-            <a:spLocks noGrp="1"/>
-          </p:cNvSpPr>
-          <p:nvPr>
-            <p:ph type="title"/>
-          </p:nvPr>
-        </p:nvSpPr>
-        <p:spPr/>
-        <p:txBody>
-          <a:bodyPr/>
-          <a:lstStyle/>
-          <a:p>
-            <a:r>
-              <a:rPr lang="zh-CN" altLang="en-US" smtClean="0"/>
-              <a:t>通用选择器</a:t>
-            </a:r>
-            <a:endParaRPr lang="zh-CN" altLang="en-US"/>
-          </a:p>
-        </p:txBody>
-      </p:sp>
-      <p:sp>
-        <p:nvSpPr>
-          <p:cNvPr id="3" name="内容占位符 2"/>
-          <p:cNvSpPr>
-            <a:spLocks noGrp="1"/>
-          </p:cNvSpPr>
-          <p:nvPr>
-            <p:ph idx="1"/>
-          </p:nvPr>
-        </p:nvSpPr>
-        <p:spPr/>
-        <p:txBody>
-          <a:bodyPr/>
-          <a:lstStyle/>
-          <a:p>
-            <a:r>
-              <a:rPr lang="zh-CN" altLang="en-US" smtClean="0"/>
-              <a:t>作用：选择所有元素</a:t>
-            </a:r>
-            <a:endParaRPr lang="en-US" altLang="zh-CN" smtClean="0"/>
-          </a:p>
-          <a:p>
-            <a:r>
-              <a:rPr lang="zh-CN" altLang="en-US" smtClean="0"/>
-              <a:t>结构：</a:t>
-            </a:r>
-            <a:r>
-              <a:rPr lang="en-US" altLang="zh-CN" smtClean="0"/>
-              <a:t>* { … }</a:t>
-            </a:r>
-          </a:p>
-        </p:txBody>
-      </p:sp>
-    </p:spTree>
-    <p:extLst>
-      <p:ext uri="{BB962C8B-B14F-4D97-AF65-F5344CB8AC3E}">
-        <p14:creationId xmlns:p14="http://schemas.microsoft.com/office/powerpoint/2010/main" val="4109824833"/>
-      </p:ext>
-    </p:extLst>
-  </p:cSld>
-  <p:clrMapOvr>
-    <a:masterClrMapping/>
-  </p:clrMapOvr>
-</p:sld>
-</file>
-
-<file path=ppt/slides/slide3.xml><?xml version="1.0" encoding="utf-8"?>
-<p:sld xmlns:a="http://schemas.openxmlformats.org/drawingml/2006/main" xmlns:r="http://schemas.openxmlformats.org/officeDocument/2006/relationships" xmlns:p="http://schemas.openxmlformats.org/presentationml/2006/main">
-  <p:cSld>
-    <p:spTree>
-      <p:nvGrpSpPr>
-        <p:cNvPr id="1" name=""/>
-        <p:cNvGrpSpPr/>
-        <p:nvPr/>
-      </p:nvGrpSpPr>
-      <p:grpSpPr>
-        <a:xfrm>
-          <a:off x="0" y="0"/>
-          <a:ext cx="0" cy="0"/>
-          <a:chOff x="0" y="0"/>
-          <a:chExt cx="0" cy="0"/>
-        </a:xfrm>
-      </p:grpSpPr>
-      <p:sp>
-        <p:nvSpPr>
-          <p:cNvPr id="2" name="标题 1"/>
-          <p:cNvSpPr>
-            <a:spLocks noGrp="1"/>
-          </p:cNvSpPr>
-          <p:nvPr>
-            <p:ph type="title"/>
-          </p:nvPr>
-        </p:nvSpPr>
-        <p:spPr/>
-        <p:txBody>
-          <a:bodyPr/>
-          <a:lstStyle/>
-          <a:p>
-            <a:r>
-              <a:rPr lang="zh-CN" altLang="en-US" smtClean="0"/>
-              <a:t>元素类型选择器</a:t>
-            </a:r>
-            <a:endParaRPr lang="zh-CN" altLang="en-US"/>
-          </a:p>
-        </p:txBody>
-      </p:sp>
-      <p:sp>
-        <p:nvSpPr>
-          <p:cNvPr id="3" name="内容占位符 2"/>
-          <p:cNvSpPr>
-            <a:spLocks noGrp="1"/>
-          </p:cNvSpPr>
-          <p:nvPr>
-            <p:ph idx="1"/>
-          </p:nvPr>
-        </p:nvSpPr>
-        <p:spPr/>
-        <p:txBody>
-          <a:bodyPr/>
-          <a:lstStyle/>
-          <a:p>
-            <a:r>
-              <a:rPr lang="zh-CN" altLang="en-US" smtClean="0"/>
-              <a:t>作用：通过元素类型选择元素</a:t>
-            </a:r>
-            <a:endParaRPr lang="en-US" altLang="zh-CN" smtClean="0"/>
-          </a:p>
-          <a:p>
-            <a:r>
-              <a:rPr lang="zh-CN" altLang="en-US" smtClean="0"/>
-              <a:t>结构：</a:t>
-            </a:r>
-            <a:r>
-              <a:rPr lang="en-US" altLang="zh-CN" smtClean="0"/>
-              <a:t>&lt;</a:t>
-            </a:r>
-            <a:r>
-              <a:rPr lang="zh-CN" altLang="en-US" smtClean="0"/>
-              <a:t>元素标签</a:t>
-            </a:r>
-            <a:r>
-              <a:rPr lang="en-US" altLang="zh-CN" smtClean="0"/>
-              <a:t>&gt; { … }</a:t>
-            </a:r>
-          </a:p>
-          <a:p>
-            <a:r>
-              <a:rPr lang="zh-CN" altLang="en-US" smtClean="0"/>
-              <a:t>示例：</a:t>
-            </a:r>
-            <a:r>
-              <a:rPr lang="en-US" altLang="zh-CN" smtClean="0"/>
-              <a:t>p { … }</a:t>
-            </a:r>
-          </a:p>
-          <a:p>
-            <a:endParaRPr lang="zh-CN" altLang="en-US"/>
-          </a:p>
-        </p:txBody>
-      </p:sp>
-    </p:spTree>
-    <p:extLst>
-      <p:ext uri="{BB962C8B-B14F-4D97-AF65-F5344CB8AC3E}">
-        <p14:creationId xmlns:p14="http://schemas.microsoft.com/office/powerpoint/2010/main" val="1000922747"/>
-      </p:ext>
-    </p:extLst>
-  </p:cSld>
-  <p:clrMapOvr>
-    <a:masterClrMapping/>
-  </p:clrMapOvr>
-</p:sld>
-</file>
-
-<file path=ppt/slides/slide4.xml><?xml version="1.0" encoding="utf-8"?>
-<p:sld xmlns:a="http://schemas.openxmlformats.org/drawingml/2006/main" xmlns:r="http://schemas.openxmlformats.org/officeDocument/2006/relationships" xmlns:p="http://schemas.openxmlformats.org/presentationml/2006/main">
-  <p:cSld>
-    <p:spTree>
-      <p:nvGrpSpPr>
-        <p:cNvPr id="1" name=""/>
-        <p:cNvGrpSpPr/>
-        <p:nvPr/>
-      </p:nvGrpSpPr>
-      <p:grpSpPr>
-        <a:xfrm>
-          <a:off x="0" y="0"/>
-          <a:ext cx="0" cy="0"/>
-          <a:chOff x="0" y="0"/>
-          <a:chExt cx="0" cy="0"/>
-        </a:xfrm>
-      </p:grpSpPr>
-      <p:sp>
-        <p:nvSpPr>
-          <p:cNvPr id="2" name="标题 1"/>
-          <p:cNvSpPr>
-            <a:spLocks noGrp="1"/>
-          </p:cNvSpPr>
-          <p:nvPr>
-            <p:ph type="title"/>
-          </p:nvPr>
-        </p:nvSpPr>
-        <p:spPr/>
-        <p:txBody>
-          <a:bodyPr/>
-          <a:lstStyle/>
-          <a:p>
-            <a:r>
-              <a:rPr lang="zh-CN" altLang="en-US" smtClean="0"/>
-              <a:t>类选择器</a:t>
-            </a:r>
-            <a:endParaRPr lang="zh-CN" altLang="en-US"/>
-          </a:p>
-        </p:txBody>
-      </p:sp>
-      <p:sp>
-        <p:nvSpPr>
-          <p:cNvPr id="3" name="内容占位符 2"/>
-          <p:cNvSpPr>
-            <a:spLocks noGrp="1"/>
-          </p:cNvSpPr>
-          <p:nvPr>
-            <p:ph idx="1"/>
-          </p:nvPr>
-        </p:nvSpPr>
-        <p:spPr/>
-        <p:txBody>
-          <a:bodyPr>
-            <a:normAutofit fontScale="92500" lnSpcReduction="20000"/>
-          </a:bodyPr>
-          <a:lstStyle/>
-          <a:p>
-            <a:r>
-              <a:rPr lang="zh-CN" altLang="en-US" smtClean="0"/>
-              <a:t>作用：通过元素</a:t>
-            </a:r>
-            <a:r>
-              <a:rPr lang="en-US" altLang="zh-CN" smtClean="0"/>
-              <a:t>class</a:t>
-            </a:r>
-            <a:r>
-              <a:rPr lang="zh-CN" altLang="en-US" smtClean="0"/>
-              <a:t>属性的值选择元素</a:t>
-            </a:r>
-            <a:endParaRPr lang="en-US" altLang="zh-CN" smtClean="0"/>
-          </a:p>
-          <a:p>
-            <a:r>
-              <a:rPr lang="zh-CN" altLang="en-US" smtClean="0"/>
-              <a:t>结构：</a:t>
-            </a:r>
-            <a:r>
-              <a:rPr lang="en-US" altLang="zh-CN" smtClean="0"/>
-              <a:t>&lt;</a:t>
-            </a:r>
-            <a:r>
-              <a:rPr lang="zh-CN" altLang="en-US" smtClean="0"/>
-              <a:t>类名</a:t>
-            </a:r>
-            <a:r>
-              <a:rPr lang="en-US" altLang="zh-CN" smtClean="0"/>
-              <a:t>&gt; </a:t>
-            </a:r>
-            <a:r>
-              <a:rPr lang="zh-CN" altLang="en-US" smtClean="0"/>
-              <a:t>或 </a:t>
-            </a:r>
-            <a:r>
-              <a:rPr lang="en-US" altLang="zh-CN" smtClean="0"/>
-              <a:t>&lt;</a:t>
-            </a:r>
-            <a:r>
-              <a:rPr lang="zh-CN" altLang="en-US" smtClean="0"/>
-              <a:t>元素类型</a:t>
-            </a:r>
-            <a:r>
-              <a:rPr lang="en-US" altLang="zh-CN" smtClean="0"/>
-              <a:t>&gt;.&lt;</a:t>
-            </a:r>
-            <a:r>
-              <a:rPr lang="zh-CN" altLang="en-US" smtClean="0"/>
-              <a:t>类名</a:t>
-            </a:r>
-            <a:r>
-              <a:rPr lang="en-US" altLang="zh-CN" smtClean="0"/>
-              <a:t>&gt; { .. }</a:t>
-            </a:r>
-          </a:p>
-          <a:p>
-            <a:r>
-              <a:rPr lang="zh-CN" altLang="en-US" smtClean="0"/>
-              <a:t>示例：</a:t>
-            </a:r>
-            <a:r>
-              <a:rPr lang="en-US" altLang="zh-CN" smtClean="0"/>
-              <a:t>p.content { .. }</a:t>
-            </a:r>
-          </a:p>
-          <a:p>
-            <a:endParaRPr lang="en-US" altLang="zh-CN"/>
-          </a:p>
-          <a:p>
-            <a:r>
-              <a:rPr lang="zh-CN" altLang="en-US" smtClean="0"/>
-              <a:t>元素</a:t>
-            </a:r>
-            <a:r>
-              <a:rPr lang="en-US" altLang="zh-CN" smtClean="0"/>
-              <a:t>class</a:t>
-            </a:r>
-            <a:r>
-              <a:rPr lang="zh-CN" altLang="en-US" smtClean="0"/>
-              <a:t>属性的值，称位类名。</a:t>
-            </a:r>
-            <a:r>
-              <a:rPr lang="en-US" altLang="zh-CN" smtClean="0"/>
-              <a:t>class</a:t>
-            </a:r>
-            <a:r>
-              <a:rPr lang="zh-CN" altLang="en-US" smtClean="0"/>
-              <a:t>属性的值是一个自定义的字符串。</a:t>
-            </a:r>
-            <a:endParaRPr lang="en-US" altLang="zh-CN" smtClean="0"/>
-          </a:p>
-          <a:p>
-            <a:r>
-              <a:rPr lang="zh-CN" altLang="en-US" smtClean="0"/>
-              <a:t>一个</a:t>
-            </a:r>
-            <a:r>
-              <a:rPr lang="en-US" altLang="zh-CN" smtClean="0"/>
-              <a:t>HTML</a:t>
-            </a:r>
-            <a:r>
-              <a:rPr lang="zh-CN" altLang="en-US" smtClean="0"/>
-              <a:t>文档中，多个元素可以使用相同的类名</a:t>
-            </a:r>
-            <a:endParaRPr lang="en-US" altLang="zh-CN" smtClean="0"/>
-          </a:p>
-          <a:p>
-            <a:r>
-              <a:rPr lang="zh-CN" altLang="en-US"/>
-              <a:t>一</a:t>
-            </a:r>
-            <a:r>
-              <a:rPr lang="zh-CN" altLang="en-US" smtClean="0"/>
-              <a:t>个元素可以设置多个类名，类名与类名之间用空格隔开</a:t>
-            </a:r>
-            <a:endParaRPr lang="zh-CN" altLang="en-US"/>
-          </a:p>
-        </p:txBody>
-      </p:sp>
-    </p:spTree>
-    <p:extLst>
-      <p:ext uri="{BB962C8B-B14F-4D97-AF65-F5344CB8AC3E}">
-        <p14:creationId xmlns:p14="http://schemas.microsoft.com/office/powerpoint/2010/main" val="2403380466"/>
-      </p:ext>
-    </p:extLst>
-  </p:cSld>
-  <p:clrMapOvr>
-    <a:masterClrMapping/>
-  </p:clrMapOvr>
-</p:sld>
-</file>
-
-<file path=ppt/slides/slide5.xml><?xml version="1.0" encoding="utf-8"?>
-<p:sld xmlns:a="http://schemas.openxmlformats.org/drawingml/2006/main" xmlns:r="http://schemas.openxmlformats.org/officeDocument/2006/relationships" xmlns:p="http://schemas.openxmlformats.org/presentationml/2006/main">
-  <p:cSld>
-    <p:spTree>
-      <p:nvGrpSpPr>
-        <p:cNvPr id="1" name=""/>
-        <p:cNvGrpSpPr/>
-        <p:nvPr/>
-      </p:nvGrpSpPr>
-      <p:grpSpPr>
-        <a:xfrm>
-          <a:off x="0" y="0"/>
-          <a:ext cx="0" cy="0"/>
-          <a:chOff x="0" y="0"/>
-          <a:chExt cx="0" cy="0"/>
-        </a:xfrm>
-      </p:grpSpPr>
-      <p:sp>
-        <p:nvSpPr>
-          <p:cNvPr id="2" name="标题 1"/>
-          <p:cNvSpPr>
-            <a:spLocks noGrp="1"/>
-          </p:cNvSpPr>
-          <p:nvPr>
-            <p:ph type="title"/>
-          </p:nvPr>
-        </p:nvSpPr>
-        <p:spPr/>
-        <p:txBody>
-          <a:bodyPr/>
-          <a:lstStyle/>
-          <a:p>
-            <a:r>
               <a:rPr lang="en-US" altLang="zh-CN" smtClean="0"/>
               <a:t>ID</a:t>
             </a:r>
@@ -3774,7 +3335,7 @@
 </p:sld>
 </file>
 
-<file path=ppt/slides/slide6.xml><?xml version="1.0" encoding="utf-8"?>
+<file path=ppt/slides/slide11.xml><?xml version="1.0" encoding="utf-8"?>
 <p:sld xmlns:a="http://schemas.openxmlformats.org/drawingml/2006/main" xmlns:r="http://schemas.openxmlformats.org/officeDocument/2006/relationships" xmlns:p="http://schemas.openxmlformats.org/presentationml/2006/main">
   <p:cSld>
     <p:spTree>
@@ -4302,6 +3863,1061 @@
 </p:sld>
 </file>
 
+<file path=ppt/slides/slide12.xml><?xml version="1.0" encoding="utf-8"?>
+<p:sld xmlns:a="http://schemas.openxmlformats.org/drawingml/2006/main" xmlns:r="http://schemas.openxmlformats.org/officeDocument/2006/relationships" xmlns:p="http://schemas.openxmlformats.org/presentationml/2006/main">
+  <p:cSld>
+    <p:spTree>
+      <p:nvGrpSpPr>
+        <p:cNvPr id="1" name=""/>
+        <p:cNvGrpSpPr/>
+        <p:nvPr/>
+      </p:nvGrpSpPr>
+      <p:grpSpPr>
+        <a:xfrm>
+          <a:off x="0" y="0"/>
+          <a:ext cx="0" cy="0"/>
+          <a:chOff x="0" y="0"/>
+          <a:chExt cx="0" cy="0"/>
+        </a:xfrm>
+      </p:grpSpPr>
+      <p:sp>
+        <p:nvSpPr>
+          <p:cNvPr id="2" name="标题 1"/>
+          <p:cNvSpPr>
+            <a:spLocks noGrp="1"/>
+          </p:cNvSpPr>
+          <p:nvPr>
+            <p:ph type="ctrTitle"/>
+          </p:nvPr>
+        </p:nvSpPr>
+        <p:spPr/>
+        <p:txBody>
+          <a:bodyPr/>
+          <a:lstStyle/>
+          <a:p>
+            <a:r>
+              <a:rPr lang="zh-CN" altLang="en-US" smtClean="0"/>
+              <a:t>复合选择器</a:t>
+            </a:r>
+            <a:endParaRPr lang="zh-CN" altLang="en-US"/>
+          </a:p>
+        </p:txBody>
+      </p:sp>
+      <p:sp>
+        <p:nvSpPr>
+          <p:cNvPr id="3" name="副标题 2"/>
+          <p:cNvSpPr>
+            <a:spLocks noGrp="1"/>
+          </p:cNvSpPr>
+          <p:nvPr>
+            <p:ph type="subTitle" idx="1"/>
+          </p:nvPr>
+        </p:nvSpPr>
+        <p:spPr/>
+        <p:txBody>
+          <a:bodyPr/>
+          <a:lstStyle/>
+          <a:p>
+            <a:endParaRPr lang="zh-CN" altLang="en-US"/>
+          </a:p>
+        </p:txBody>
+      </p:sp>
+    </p:spTree>
+    <p:extLst>
+      <p:ext uri="{BB962C8B-B14F-4D97-AF65-F5344CB8AC3E}">
+        <p14:creationId xmlns:p14="http://schemas.microsoft.com/office/powerpoint/2010/main" val="2403874214"/>
+      </p:ext>
+    </p:extLst>
+  </p:cSld>
+  <p:clrMapOvr>
+    <a:masterClrMapping/>
+  </p:clrMapOvr>
+</p:sld>
+</file>
+
+<file path=ppt/slides/slide13.xml><?xml version="1.0" encoding="utf-8"?>
+<p:sld xmlns:a="http://schemas.openxmlformats.org/drawingml/2006/main" xmlns:r="http://schemas.openxmlformats.org/officeDocument/2006/relationships" xmlns:p="http://schemas.openxmlformats.org/presentationml/2006/main">
+  <p:cSld>
+    <p:spTree>
+      <p:nvGrpSpPr>
+        <p:cNvPr id="1" name=""/>
+        <p:cNvGrpSpPr/>
+        <p:nvPr/>
+      </p:nvGrpSpPr>
+      <p:grpSpPr>
+        <a:xfrm>
+          <a:off x="0" y="0"/>
+          <a:ext cx="0" cy="0"/>
+          <a:chOff x="0" y="0"/>
+          <a:chExt cx="0" cy="0"/>
+        </a:xfrm>
+      </p:grpSpPr>
+      <p:sp>
+        <p:nvSpPr>
+          <p:cNvPr id="2" name="标题 1"/>
+          <p:cNvSpPr>
+            <a:spLocks noGrp="1"/>
+          </p:cNvSpPr>
+          <p:nvPr>
+            <p:ph type="title"/>
+          </p:nvPr>
+        </p:nvSpPr>
+        <p:spPr/>
+        <p:txBody>
+          <a:bodyPr/>
+          <a:lstStyle/>
+          <a:p>
+            <a:r>
+              <a:rPr lang="zh-CN" altLang="en-US" smtClean="0"/>
+              <a:t>并集选择器</a:t>
+            </a:r>
+            <a:endParaRPr lang="zh-CN" altLang="en-US"/>
+          </a:p>
+        </p:txBody>
+      </p:sp>
+      <p:sp>
+        <p:nvSpPr>
+          <p:cNvPr id="3" name="内容占位符 2"/>
+          <p:cNvSpPr>
+            <a:spLocks noGrp="1"/>
+          </p:cNvSpPr>
+          <p:nvPr>
+            <p:ph idx="1"/>
+          </p:nvPr>
+        </p:nvSpPr>
+        <p:spPr/>
+        <p:txBody>
+          <a:bodyPr/>
+          <a:lstStyle/>
+          <a:p>
+            <a:r>
+              <a:rPr lang="zh-CN" altLang="en-US"/>
+              <a:t>作用：创建由逗号分隔的多个选择器可以将样式应用到单个</a:t>
+            </a:r>
+            <a:r>
+              <a:rPr lang="zh-CN" altLang="en-US" smtClean="0"/>
+              <a:t>选择器</a:t>
+            </a:r>
+            <a:r>
+              <a:rPr lang="zh-CN" altLang="en-US"/>
+              <a:t>匹配的所有元素</a:t>
+            </a:r>
+            <a:r>
+              <a:rPr lang="zh-CN" altLang="en-US" smtClean="0"/>
+              <a:t>。</a:t>
+            </a:r>
+            <a:endParaRPr lang="en-US" altLang="zh-CN" smtClean="0"/>
+          </a:p>
+          <a:p>
+            <a:r>
+              <a:rPr lang="zh-CN" altLang="en-US" smtClean="0"/>
+              <a:t>结构：</a:t>
+            </a:r>
+            <a:r>
+              <a:rPr lang="en-US" altLang="zh-CN"/>
+              <a:t>&lt;</a:t>
+            </a:r>
+            <a:r>
+              <a:rPr lang="zh-CN" altLang="en-US"/>
+              <a:t>选择器</a:t>
+            </a:r>
+            <a:r>
+              <a:rPr lang="en-US" altLang="zh-CN"/>
+              <a:t>&gt;,&lt;</a:t>
+            </a:r>
+            <a:r>
+              <a:rPr lang="zh-CN" altLang="en-US"/>
+              <a:t>选择器</a:t>
+            </a:r>
+            <a:r>
+              <a:rPr lang="en-US" altLang="zh-CN"/>
+              <a:t>&gt;,&lt;</a:t>
+            </a:r>
+            <a:r>
+              <a:rPr lang="zh-CN" altLang="en-US"/>
+              <a:t>选择器</a:t>
+            </a:r>
+            <a:r>
+              <a:rPr lang="en-US" altLang="zh-CN" smtClean="0"/>
+              <a:t>&gt;</a:t>
+            </a:r>
+          </a:p>
+          <a:p>
+            <a:r>
+              <a:rPr lang="zh-CN" altLang="en-US" smtClean="0"/>
+              <a:t>示例：</a:t>
+            </a:r>
+            <a:r>
+              <a:rPr lang="en-US" altLang="zh-CN" smtClean="0"/>
+              <a:t>p,span,input[type=“text”] { .. }</a:t>
+            </a:r>
+            <a:endParaRPr lang="zh-CN" altLang="en-US"/>
+          </a:p>
+        </p:txBody>
+      </p:sp>
+    </p:spTree>
+    <p:extLst>
+      <p:ext uri="{BB962C8B-B14F-4D97-AF65-F5344CB8AC3E}">
+        <p14:creationId xmlns:p14="http://schemas.microsoft.com/office/powerpoint/2010/main" val="2897063929"/>
+      </p:ext>
+    </p:extLst>
+  </p:cSld>
+  <p:clrMapOvr>
+    <a:masterClrMapping/>
+  </p:clrMapOvr>
+</p:sld>
+</file>
+
+<file path=ppt/slides/slide14.xml><?xml version="1.0" encoding="utf-8"?>
+<p:sld xmlns:a="http://schemas.openxmlformats.org/drawingml/2006/main" xmlns:r="http://schemas.openxmlformats.org/officeDocument/2006/relationships" xmlns:p="http://schemas.openxmlformats.org/presentationml/2006/main">
+  <p:cSld>
+    <p:spTree>
+      <p:nvGrpSpPr>
+        <p:cNvPr id="1" name=""/>
+        <p:cNvGrpSpPr/>
+        <p:nvPr/>
+      </p:nvGrpSpPr>
+      <p:grpSpPr>
+        <a:xfrm>
+          <a:off x="0" y="0"/>
+          <a:ext cx="0" cy="0"/>
+          <a:chOff x="0" y="0"/>
+          <a:chExt cx="0" cy="0"/>
+        </a:xfrm>
+      </p:grpSpPr>
+      <p:sp>
+        <p:nvSpPr>
+          <p:cNvPr id="2" name="标题 1"/>
+          <p:cNvSpPr>
+            <a:spLocks noGrp="1"/>
+          </p:cNvSpPr>
+          <p:nvPr>
+            <p:ph type="title"/>
+          </p:nvPr>
+        </p:nvSpPr>
+        <p:spPr/>
+        <p:txBody>
+          <a:bodyPr/>
+          <a:lstStyle/>
+          <a:p>
+            <a:r>
+              <a:rPr lang="zh-CN" altLang="en-US"/>
+              <a:t>后代选择器</a:t>
+            </a:r>
+          </a:p>
+        </p:txBody>
+      </p:sp>
+      <p:sp>
+        <p:nvSpPr>
+          <p:cNvPr id="3" name="内容占位符 2"/>
+          <p:cNvSpPr>
+            <a:spLocks noGrp="1"/>
+          </p:cNvSpPr>
+          <p:nvPr>
+            <p:ph idx="1"/>
+          </p:nvPr>
+        </p:nvSpPr>
+        <p:spPr/>
+        <p:txBody>
+          <a:bodyPr/>
+          <a:lstStyle/>
+          <a:p>
+            <a:r>
+              <a:rPr lang="zh-CN" altLang="en-US"/>
+              <a:t>作用：后代选择器用于选择包含在其他元素中的元素</a:t>
+            </a:r>
+            <a:r>
+              <a:rPr lang="zh-CN" altLang="en-US" smtClean="0"/>
+              <a:t>。</a:t>
+            </a:r>
+            <a:endParaRPr lang="en-US" altLang="zh-CN" smtClean="0"/>
+          </a:p>
+          <a:p>
+            <a:r>
+              <a:rPr lang="zh-CN" altLang="en-US" smtClean="0"/>
+              <a:t>结构：</a:t>
+            </a:r>
+            <a:r>
+              <a:rPr lang="en-US" altLang="zh-CN"/>
+              <a:t>&lt;</a:t>
+            </a:r>
+            <a:r>
+              <a:rPr lang="zh-CN" altLang="en-US"/>
+              <a:t>第一个选择器</a:t>
+            </a:r>
+            <a:r>
+              <a:rPr lang="en-US" altLang="zh-CN"/>
+              <a:t>&gt; &lt;</a:t>
+            </a:r>
+            <a:r>
+              <a:rPr lang="zh-CN" altLang="en-US"/>
+              <a:t>第二个选择器</a:t>
+            </a:r>
+            <a:r>
+              <a:rPr lang="en-US" altLang="zh-CN" smtClean="0"/>
+              <a:t>&gt;</a:t>
+            </a:r>
+          </a:p>
+          <a:p>
+            <a:r>
+              <a:rPr lang="zh-CN" altLang="en-US" smtClean="0"/>
+              <a:t>示例：</a:t>
+            </a:r>
+            <a:r>
+              <a:rPr lang="en-US" altLang="zh-CN" smtClean="0"/>
+              <a:t>p span { … }</a:t>
+            </a:r>
+            <a:endParaRPr lang="zh-CN" altLang="en-US"/>
+          </a:p>
+        </p:txBody>
+      </p:sp>
+    </p:spTree>
+    <p:extLst>
+      <p:ext uri="{BB962C8B-B14F-4D97-AF65-F5344CB8AC3E}">
+        <p14:creationId xmlns:p14="http://schemas.microsoft.com/office/powerpoint/2010/main" val="369452205"/>
+      </p:ext>
+    </p:extLst>
+  </p:cSld>
+  <p:clrMapOvr>
+    <a:masterClrMapping/>
+  </p:clrMapOvr>
+</p:sld>
+</file>
+
+<file path=ppt/slides/slide15.xml><?xml version="1.0" encoding="utf-8"?>
+<p:sld xmlns:a="http://schemas.openxmlformats.org/drawingml/2006/main" xmlns:r="http://schemas.openxmlformats.org/officeDocument/2006/relationships" xmlns:p="http://schemas.openxmlformats.org/presentationml/2006/main">
+  <p:cSld>
+    <p:spTree>
+      <p:nvGrpSpPr>
+        <p:cNvPr id="1" name=""/>
+        <p:cNvGrpSpPr/>
+        <p:nvPr/>
+      </p:nvGrpSpPr>
+      <p:grpSpPr>
+        <a:xfrm>
+          <a:off x="0" y="0"/>
+          <a:ext cx="0" cy="0"/>
+          <a:chOff x="0" y="0"/>
+          <a:chExt cx="0" cy="0"/>
+        </a:xfrm>
+      </p:grpSpPr>
+      <p:sp>
+        <p:nvSpPr>
+          <p:cNvPr id="2" name="标题 1"/>
+          <p:cNvSpPr>
+            <a:spLocks noGrp="1"/>
+          </p:cNvSpPr>
+          <p:nvPr>
+            <p:ph type="title"/>
+          </p:nvPr>
+        </p:nvSpPr>
+        <p:spPr/>
+        <p:txBody>
+          <a:bodyPr/>
+          <a:lstStyle/>
+          <a:p>
+            <a:r>
+              <a:rPr lang="zh-CN" altLang="en-US"/>
+              <a:t>子代选择器</a:t>
+            </a:r>
+          </a:p>
+        </p:txBody>
+      </p:sp>
+      <p:sp>
+        <p:nvSpPr>
+          <p:cNvPr id="3" name="内容占位符 2"/>
+          <p:cNvSpPr>
+            <a:spLocks noGrp="1"/>
+          </p:cNvSpPr>
+          <p:nvPr>
+            <p:ph idx="1"/>
+          </p:nvPr>
+        </p:nvSpPr>
+        <p:spPr/>
+        <p:txBody>
+          <a:bodyPr/>
+          <a:lstStyle/>
+          <a:p>
+            <a:r>
+              <a:rPr lang="zh-CN" altLang="en-US" smtClean="0"/>
+              <a:t>作用：</a:t>
+            </a:r>
+            <a:r>
+              <a:rPr lang="zh-CN" altLang="en-US"/>
+              <a:t>只选择匹配元素中的直接</a:t>
+            </a:r>
+            <a:r>
+              <a:rPr lang="zh-CN" altLang="en-US" smtClean="0"/>
+              <a:t>后代</a:t>
+            </a:r>
+            <a:endParaRPr lang="en-US" altLang="zh-CN" smtClean="0"/>
+          </a:p>
+          <a:p>
+            <a:r>
+              <a:rPr lang="zh-CN" altLang="en-US" smtClean="0"/>
+              <a:t>结构：</a:t>
+            </a:r>
+            <a:r>
+              <a:rPr lang="en-US" altLang="zh-CN"/>
+              <a:t>&lt;</a:t>
+            </a:r>
+            <a:r>
+              <a:rPr lang="zh-CN" altLang="en-US"/>
+              <a:t>第一个选择器</a:t>
+            </a:r>
+            <a:r>
+              <a:rPr lang="en-US" altLang="zh-CN"/>
+              <a:t>&gt; &gt; &lt;</a:t>
+            </a:r>
+            <a:r>
+              <a:rPr lang="zh-CN" altLang="en-US"/>
+              <a:t>第二个选择器</a:t>
+            </a:r>
+            <a:r>
+              <a:rPr lang="en-US" altLang="zh-CN" smtClean="0"/>
+              <a:t>&gt;</a:t>
+            </a:r>
+          </a:p>
+          <a:p>
+            <a:endParaRPr lang="zh-CN" altLang="en-US"/>
+          </a:p>
+        </p:txBody>
+      </p:sp>
+    </p:spTree>
+    <p:extLst>
+      <p:ext uri="{BB962C8B-B14F-4D97-AF65-F5344CB8AC3E}">
+        <p14:creationId xmlns:p14="http://schemas.microsoft.com/office/powerpoint/2010/main" val="1628829551"/>
+      </p:ext>
+    </p:extLst>
+  </p:cSld>
+  <p:clrMapOvr>
+    <a:masterClrMapping/>
+  </p:clrMapOvr>
+</p:sld>
+</file>
+
+<file path=ppt/slides/slide2.xml><?xml version="1.0" encoding="utf-8"?>
+<p:sld xmlns:a="http://schemas.openxmlformats.org/drawingml/2006/main" xmlns:r="http://schemas.openxmlformats.org/officeDocument/2006/relationships" xmlns:p="http://schemas.openxmlformats.org/presentationml/2006/main">
+  <p:cSld>
+    <p:spTree>
+      <p:nvGrpSpPr>
+        <p:cNvPr id="1" name=""/>
+        <p:cNvGrpSpPr/>
+        <p:nvPr/>
+      </p:nvGrpSpPr>
+      <p:grpSpPr>
+        <a:xfrm>
+          <a:off x="0" y="0"/>
+          <a:ext cx="0" cy="0"/>
+          <a:chOff x="0" y="0"/>
+          <a:chExt cx="0" cy="0"/>
+        </a:xfrm>
+      </p:grpSpPr>
+      <p:sp>
+        <p:nvSpPr>
+          <p:cNvPr id="2" name="标题 1"/>
+          <p:cNvSpPr>
+            <a:spLocks noGrp="1"/>
+          </p:cNvSpPr>
+          <p:nvPr>
+            <p:ph type="title"/>
+          </p:nvPr>
+        </p:nvSpPr>
+        <p:spPr/>
+        <p:txBody>
+          <a:bodyPr/>
+          <a:lstStyle/>
+          <a:p>
+            <a:r>
+              <a:rPr lang="zh-CN" altLang="en-US" smtClean="0"/>
+              <a:t>两种盒子标准</a:t>
+            </a:r>
+            <a:endParaRPr lang="zh-CN" altLang="en-US"/>
+          </a:p>
+        </p:txBody>
+      </p:sp>
+      <p:sp>
+        <p:nvSpPr>
+          <p:cNvPr id="3" name="内容占位符 2"/>
+          <p:cNvSpPr>
+            <a:spLocks noGrp="1"/>
+          </p:cNvSpPr>
+          <p:nvPr>
+            <p:ph idx="1"/>
+          </p:nvPr>
+        </p:nvSpPr>
+        <p:spPr/>
+        <p:txBody>
+          <a:bodyPr/>
+          <a:lstStyle/>
+          <a:p>
+            <a:r>
+              <a:rPr lang="zh-CN" altLang="en-US" smtClean="0"/>
+              <a:t>根据计算</a:t>
+            </a:r>
+            <a:r>
+              <a:rPr lang="en-US" altLang="zh-CN" smtClean="0"/>
+              <a:t>width</a:t>
+            </a:r>
+            <a:r>
+              <a:rPr lang="zh-CN" altLang="en-US" smtClean="0"/>
+              <a:t>的方式不同，盒子模型分为两个标准。</a:t>
+            </a:r>
+            <a:endParaRPr lang="en-US" altLang="zh-CN" smtClean="0"/>
+          </a:p>
+          <a:p>
+            <a:r>
+              <a:rPr lang="en-US" altLang="zh-CN" smtClean="0"/>
+              <a:t>IE</a:t>
+            </a:r>
+            <a:r>
+              <a:rPr lang="zh-CN" altLang="en-US" smtClean="0"/>
+              <a:t>盒子标准和</a:t>
+            </a:r>
+            <a:r>
+              <a:rPr lang="en-US" altLang="zh-CN" smtClean="0"/>
+              <a:t>W3C</a:t>
+            </a:r>
+            <a:r>
+              <a:rPr lang="zh-CN" altLang="en-US" smtClean="0"/>
+              <a:t>盒子标准。</a:t>
+            </a:r>
+            <a:endParaRPr lang="en-US" altLang="zh-CN" smtClean="0"/>
+          </a:p>
+          <a:p>
+            <a:r>
+              <a:rPr lang="en-US" altLang="zh-CN" smtClean="0"/>
+              <a:t>W3C</a:t>
+            </a:r>
+            <a:r>
+              <a:rPr lang="zh-CN" altLang="en-US" smtClean="0"/>
+              <a:t>盒子标准浏览器默认使用的盒子标准。但是在使用中，常用的是</a:t>
+            </a:r>
+            <a:r>
+              <a:rPr lang="en-US" altLang="zh-CN" smtClean="0"/>
+              <a:t>IE</a:t>
+            </a:r>
+            <a:r>
+              <a:rPr lang="zh-CN" altLang="en-US" smtClean="0"/>
+              <a:t>盒子标准。</a:t>
+            </a:r>
+            <a:endParaRPr lang="en-US" altLang="zh-CN" smtClean="0"/>
+          </a:p>
+          <a:p>
+            <a:r>
+              <a:rPr lang="zh-CN" altLang="en-US" smtClean="0"/>
+              <a:t>使用</a:t>
+            </a:r>
+            <a:r>
+              <a:rPr lang="en-US" altLang="zh-CN" smtClean="0"/>
+              <a:t>box-sizing:border-box</a:t>
+            </a:r>
+            <a:r>
+              <a:rPr lang="zh-CN" altLang="en-US" smtClean="0"/>
+              <a:t>将盒子标准设置为</a:t>
+            </a:r>
+            <a:r>
+              <a:rPr lang="en-US" altLang="zh-CN" smtClean="0"/>
+              <a:t>IE</a:t>
+            </a:r>
+            <a:r>
+              <a:rPr lang="zh-CN" altLang="en-US" smtClean="0"/>
+              <a:t>标准。</a:t>
+            </a:r>
+            <a:endParaRPr lang="en-US" altLang="zh-CN" smtClean="0"/>
+          </a:p>
+        </p:txBody>
+      </p:sp>
+    </p:spTree>
+    <p:extLst>
+      <p:ext uri="{BB962C8B-B14F-4D97-AF65-F5344CB8AC3E}">
+        <p14:creationId xmlns:p14="http://schemas.microsoft.com/office/powerpoint/2010/main" val="1959368802"/>
+      </p:ext>
+    </p:extLst>
+  </p:cSld>
+  <p:clrMapOvr>
+    <a:masterClrMapping/>
+  </p:clrMapOvr>
+</p:sld>
+</file>
+
+<file path=ppt/slides/slide3.xml><?xml version="1.0" encoding="utf-8"?>
+<p:sld xmlns:a="http://schemas.openxmlformats.org/drawingml/2006/main" xmlns:r="http://schemas.openxmlformats.org/officeDocument/2006/relationships" xmlns:p="http://schemas.openxmlformats.org/presentationml/2006/main">
+  <p:cSld>
+    <p:spTree>
+      <p:nvGrpSpPr>
+        <p:cNvPr id="1" name=""/>
+        <p:cNvGrpSpPr/>
+        <p:nvPr/>
+      </p:nvGrpSpPr>
+      <p:grpSpPr>
+        <a:xfrm>
+          <a:off x="0" y="0"/>
+          <a:ext cx="0" cy="0"/>
+          <a:chOff x="0" y="0"/>
+          <a:chExt cx="0" cy="0"/>
+        </a:xfrm>
+      </p:grpSpPr>
+      <p:sp>
+        <p:nvSpPr>
+          <p:cNvPr id="2" name="标题 1"/>
+          <p:cNvSpPr>
+            <a:spLocks noGrp="1"/>
+          </p:cNvSpPr>
+          <p:nvPr>
+            <p:ph type="title"/>
+          </p:nvPr>
+        </p:nvSpPr>
+        <p:spPr/>
+        <p:txBody>
+          <a:bodyPr/>
+          <a:lstStyle/>
+          <a:p>
+            <a:r>
+              <a:rPr lang="en-US" altLang="zh-CN" smtClean="0"/>
+              <a:t>W3C</a:t>
+            </a:r>
+            <a:r>
+              <a:rPr lang="zh-CN" altLang="en-US" smtClean="0"/>
+              <a:t>盒子标准</a:t>
+            </a:r>
+            <a:endParaRPr lang="zh-CN" altLang="en-US"/>
+          </a:p>
+        </p:txBody>
+      </p:sp>
+      <p:pic>
+        <p:nvPicPr>
+          <p:cNvPr id="4" name="内容占位符 3"/>
+          <p:cNvPicPr>
+            <a:picLocks noGrp="1" noChangeAspect="1"/>
+          </p:cNvPicPr>
+          <p:nvPr>
+            <p:ph idx="1"/>
+          </p:nvPr>
+        </p:nvPicPr>
+        <p:blipFill>
+          <a:blip r:embed="rId2">
+            <a:extLst>
+              <a:ext uri="{28A0092B-C50C-407E-A947-70E740481C1C}">
+                <a14:useLocalDpi xmlns:a14="http://schemas.microsoft.com/office/drawing/2010/main" val="0"/>
+              </a:ext>
+            </a:extLst>
+          </a:blip>
+          <a:stretch>
+            <a:fillRect/>
+          </a:stretch>
+        </p:blipFill>
+        <p:spPr>
+          <a:xfrm>
+            <a:off x="1019175" y="1696244"/>
+            <a:ext cx="7105650" cy="4333875"/>
+          </a:xfrm>
+        </p:spPr>
+      </p:pic>
+    </p:spTree>
+    <p:extLst>
+      <p:ext uri="{BB962C8B-B14F-4D97-AF65-F5344CB8AC3E}">
+        <p14:creationId xmlns:p14="http://schemas.microsoft.com/office/powerpoint/2010/main" val="602293995"/>
+      </p:ext>
+    </p:extLst>
+  </p:cSld>
+  <p:clrMapOvr>
+    <a:masterClrMapping/>
+  </p:clrMapOvr>
+</p:sld>
+</file>
+
+<file path=ppt/slides/slide4.xml><?xml version="1.0" encoding="utf-8"?>
+<p:sld xmlns:a="http://schemas.openxmlformats.org/drawingml/2006/main" xmlns:r="http://schemas.openxmlformats.org/officeDocument/2006/relationships" xmlns:p="http://schemas.openxmlformats.org/presentationml/2006/main">
+  <p:cSld>
+    <p:spTree>
+      <p:nvGrpSpPr>
+        <p:cNvPr id="1" name=""/>
+        <p:cNvGrpSpPr/>
+        <p:nvPr/>
+      </p:nvGrpSpPr>
+      <p:grpSpPr>
+        <a:xfrm>
+          <a:off x="0" y="0"/>
+          <a:ext cx="0" cy="0"/>
+          <a:chOff x="0" y="0"/>
+          <a:chExt cx="0" cy="0"/>
+        </a:xfrm>
+      </p:grpSpPr>
+      <p:sp>
+        <p:nvSpPr>
+          <p:cNvPr id="2" name="标题 1"/>
+          <p:cNvSpPr>
+            <a:spLocks noGrp="1"/>
+          </p:cNvSpPr>
+          <p:nvPr>
+            <p:ph type="title"/>
+          </p:nvPr>
+        </p:nvSpPr>
+        <p:spPr/>
+        <p:txBody>
+          <a:bodyPr/>
+          <a:lstStyle/>
+          <a:p>
+            <a:r>
+              <a:rPr lang="en-US" altLang="zh-CN" smtClean="0"/>
+              <a:t>IE</a:t>
+            </a:r>
+            <a:r>
+              <a:rPr lang="zh-CN" altLang="en-US" smtClean="0"/>
+              <a:t>盒子标准</a:t>
+            </a:r>
+            <a:endParaRPr lang="zh-CN" altLang="en-US"/>
+          </a:p>
+        </p:txBody>
+      </p:sp>
+      <p:pic>
+        <p:nvPicPr>
+          <p:cNvPr id="4" name="内容占位符 3"/>
+          <p:cNvPicPr>
+            <a:picLocks noGrp="1" noChangeAspect="1"/>
+          </p:cNvPicPr>
+          <p:nvPr>
+            <p:ph idx="1"/>
+          </p:nvPr>
+        </p:nvPicPr>
+        <p:blipFill>
+          <a:blip r:embed="rId2">
+            <a:extLst>
+              <a:ext uri="{28A0092B-C50C-407E-A947-70E740481C1C}">
+                <a14:useLocalDpi xmlns:a14="http://schemas.microsoft.com/office/drawing/2010/main" val="0"/>
+              </a:ext>
+            </a:extLst>
+          </a:blip>
+          <a:stretch>
+            <a:fillRect/>
+          </a:stretch>
+        </p:blipFill>
+        <p:spPr>
+          <a:xfrm>
+            <a:off x="804862" y="1662906"/>
+            <a:ext cx="7534275" cy="4400550"/>
+          </a:xfrm>
+        </p:spPr>
+      </p:pic>
+    </p:spTree>
+    <p:extLst>
+      <p:ext uri="{BB962C8B-B14F-4D97-AF65-F5344CB8AC3E}">
+        <p14:creationId xmlns:p14="http://schemas.microsoft.com/office/powerpoint/2010/main" val="3856797536"/>
+      </p:ext>
+    </p:extLst>
+  </p:cSld>
+  <p:clrMapOvr>
+    <a:masterClrMapping/>
+  </p:clrMapOvr>
+</p:sld>
+</file>
+
+<file path=ppt/slides/slide5.xml><?xml version="1.0" encoding="utf-8"?>
+<p:sld xmlns:a="http://schemas.openxmlformats.org/drawingml/2006/main" xmlns:r="http://schemas.openxmlformats.org/officeDocument/2006/relationships" xmlns:p="http://schemas.openxmlformats.org/presentationml/2006/main">
+  <p:cSld>
+    <p:spTree>
+      <p:nvGrpSpPr>
+        <p:cNvPr id="1" name=""/>
+        <p:cNvGrpSpPr/>
+        <p:nvPr/>
+      </p:nvGrpSpPr>
+      <p:grpSpPr>
+        <a:xfrm>
+          <a:off x="0" y="0"/>
+          <a:ext cx="0" cy="0"/>
+          <a:chOff x="0" y="0"/>
+          <a:chExt cx="0" cy="0"/>
+        </a:xfrm>
+      </p:grpSpPr>
+      <p:sp>
+        <p:nvSpPr>
+          <p:cNvPr id="2" name="标题 1"/>
+          <p:cNvSpPr>
+            <a:spLocks noGrp="1"/>
+          </p:cNvSpPr>
+          <p:nvPr>
+            <p:ph type="title"/>
+          </p:nvPr>
+        </p:nvSpPr>
+        <p:spPr/>
+        <p:txBody>
+          <a:bodyPr/>
+          <a:lstStyle/>
+          <a:p>
+            <a:r>
+              <a:rPr lang="en-US" altLang="zh-CN" smtClean="0"/>
+              <a:t>HTML</a:t>
+            </a:r>
+            <a:r>
+              <a:rPr lang="zh-CN" altLang="en-US" smtClean="0"/>
+              <a:t>元素间的层级关系</a:t>
+            </a:r>
+            <a:endParaRPr lang="zh-CN" altLang="en-US"/>
+          </a:p>
+        </p:txBody>
+      </p:sp>
+      <p:sp>
+        <p:nvSpPr>
+          <p:cNvPr id="3" name="内容占位符 2"/>
+          <p:cNvSpPr>
+            <a:spLocks noGrp="1"/>
+          </p:cNvSpPr>
+          <p:nvPr>
+            <p:ph idx="1"/>
+          </p:nvPr>
+        </p:nvSpPr>
+        <p:spPr/>
+        <p:txBody>
+          <a:bodyPr>
+            <a:normAutofit fontScale="92500" lnSpcReduction="20000"/>
+          </a:bodyPr>
+          <a:lstStyle/>
+          <a:p>
+            <a:pPr marL="0" indent="0">
+              <a:buNone/>
+            </a:pPr>
+            <a:r>
+              <a:rPr lang="en-US" altLang="zh-CN" smtClean="0"/>
+              <a:t>&lt;body&gt;</a:t>
+            </a:r>
+          </a:p>
+          <a:p>
+            <a:pPr marL="0" indent="0">
+              <a:buNone/>
+            </a:pPr>
+            <a:r>
+              <a:rPr lang="en-US" altLang="zh-CN" smtClean="0"/>
+              <a:t>	&lt;h1&gt;&lt;/h1&gt;</a:t>
+            </a:r>
+          </a:p>
+          <a:p>
+            <a:pPr marL="0" indent="0">
+              <a:buNone/>
+            </a:pPr>
+            <a:r>
+              <a:rPr lang="en-US" altLang="zh-CN" smtClean="0"/>
+              <a:t>	&lt;p&gt;</a:t>
+            </a:r>
+            <a:r>
+              <a:rPr lang="zh-CN" altLang="en-US" smtClean="0"/>
+              <a:t>第一段</a:t>
+            </a:r>
+            <a:r>
+              <a:rPr lang="en-US" altLang="zh-CN" smtClean="0"/>
+              <a:t>&lt;/p&gt;</a:t>
+            </a:r>
+          </a:p>
+          <a:p>
+            <a:pPr marL="0" indent="0">
+              <a:buNone/>
+            </a:pPr>
+            <a:r>
+              <a:rPr lang="en-US" altLang="zh-CN" smtClean="0"/>
+              <a:t>	&lt;ul&gt;</a:t>
+            </a:r>
+          </a:p>
+          <a:p>
+            <a:pPr marL="0" indent="0">
+              <a:buNone/>
+            </a:pPr>
+            <a:r>
+              <a:rPr lang="en-US" altLang="zh-CN" smtClean="0"/>
+              <a:t>		&lt;li&gt;</a:t>
+            </a:r>
+            <a:r>
+              <a:rPr lang="zh-CN" altLang="en-US" smtClean="0"/>
+              <a:t>第一项</a:t>
+            </a:r>
+            <a:r>
+              <a:rPr lang="en-US" altLang="zh-CN" smtClean="0"/>
+              <a:t>&lt;/li&gt;</a:t>
+            </a:r>
+          </a:p>
+          <a:p>
+            <a:pPr marL="0" indent="0">
+              <a:buNone/>
+            </a:pPr>
+            <a:r>
+              <a:rPr lang="en-US" altLang="zh-CN" smtClean="0"/>
+              <a:t>		&lt;</a:t>
+            </a:r>
+            <a:r>
+              <a:rPr lang="en-US" altLang="zh-CN"/>
+              <a:t>li</a:t>
+            </a:r>
+            <a:r>
+              <a:rPr lang="en-US" altLang="zh-CN" smtClean="0"/>
+              <a:t>&gt;</a:t>
+            </a:r>
+            <a:r>
+              <a:rPr lang="zh-CN" altLang="en-US" smtClean="0"/>
+              <a:t>第</a:t>
+            </a:r>
+            <a:r>
+              <a:rPr lang="en-US" altLang="zh-CN" smtClean="0"/>
+              <a:t>&lt;span&gt;</a:t>
+            </a:r>
+            <a:r>
+              <a:rPr lang="zh-CN" altLang="en-US" smtClean="0"/>
+              <a:t>二</a:t>
+            </a:r>
+            <a:r>
+              <a:rPr lang="en-US" altLang="zh-CN" smtClean="0"/>
+              <a:t>&lt;/span&gt;</a:t>
+            </a:r>
+            <a:r>
+              <a:rPr lang="zh-CN" altLang="en-US" smtClean="0"/>
+              <a:t>项</a:t>
+            </a:r>
+            <a:r>
+              <a:rPr lang="en-US" altLang="zh-CN"/>
+              <a:t>&lt;/li&gt;</a:t>
+            </a:r>
+          </a:p>
+          <a:p>
+            <a:pPr marL="0" indent="0">
+              <a:buNone/>
+            </a:pPr>
+            <a:r>
+              <a:rPr lang="en-US" altLang="zh-CN" smtClean="0"/>
+              <a:t>		&lt;</a:t>
+            </a:r>
+            <a:r>
+              <a:rPr lang="en-US" altLang="zh-CN"/>
+              <a:t>li</a:t>
+            </a:r>
+            <a:r>
+              <a:rPr lang="en-US" altLang="zh-CN"/>
+              <a:t>&gt;</a:t>
+            </a:r>
+            <a:r>
+              <a:rPr lang="zh-CN" altLang="en-US" smtClean="0"/>
+              <a:t>第三项</a:t>
+            </a:r>
+            <a:r>
+              <a:rPr lang="en-US" altLang="zh-CN"/>
+              <a:t>&lt;/</a:t>
+            </a:r>
+            <a:r>
+              <a:rPr lang="en-US" altLang="zh-CN"/>
+              <a:t>li</a:t>
+            </a:r>
+            <a:r>
+              <a:rPr lang="en-US" altLang="zh-CN" smtClean="0"/>
+              <a:t>&gt;</a:t>
+            </a:r>
+          </a:p>
+          <a:p>
+            <a:pPr marL="0" indent="0">
+              <a:buNone/>
+            </a:pPr>
+            <a:r>
+              <a:rPr lang="en-US" altLang="zh-CN" smtClean="0"/>
+              <a:t>	&lt;/ul&gt;</a:t>
+            </a:r>
+          </a:p>
+          <a:p>
+            <a:pPr marL="0" indent="0">
+              <a:buNone/>
+            </a:pPr>
+            <a:r>
+              <a:rPr lang="en-US" altLang="zh-CN" smtClean="0"/>
+              <a:t>&lt;/body&gt;</a:t>
+            </a:r>
+            <a:endParaRPr lang="zh-CN" altLang="en-US"/>
+          </a:p>
+        </p:txBody>
+      </p:sp>
+    </p:spTree>
+    <p:extLst>
+      <p:ext uri="{BB962C8B-B14F-4D97-AF65-F5344CB8AC3E}">
+        <p14:creationId xmlns:p14="http://schemas.microsoft.com/office/powerpoint/2010/main" val="907542127"/>
+      </p:ext>
+    </p:extLst>
+  </p:cSld>
+  <p:clrMapOvr>
+    <a:masterClrMapping/>
+  </p:clrMapOvr>
+</p:sld>
+</file>
+
+<file path=ppt/slides/slide6.xml><?xml version="1.0" encoding="utf-8"?>
+<p:sld xmlns:a="http://schemas.openxmlformats.org/drawingml/2006/main" xmlns:r="http://schemas.openxmlformats.org/officeDocument/2006/relationships" xmlns:p="http://schemas.openxmlformats.org/presentationml/2006/main">
+  <p:cSld>
+    <p:spTree>
+      <p:nvGrpSpPr>
+        <p:cNvPr id="1" name=""/>
+        <p:cNvGrpSpPr/>
+        <p:nvPr/>
+      </p:nvGrpSpPr>
+      <p:grpSpPr>
+        <a:xfrm>
+          <a:off x="0" y="0"/>
+          <a:ext cx="0" cy="0"/>
+          <a:chOff x="0" y="0"/>
+          <a:chExt cx="0" cy="0"/>
+        </a:xfrm>
+      </p:grpSpPr>
+      <p:sp>
+        <p:nvSpPr>
+          <p:cNvPr id="2" name="标题 1"/>
+          <p:cNvSpPr>
+            <a:spLocks noGrp="1"/>
+          </p:cNvSpPr>
+          <p:nvPr>
+            <p:ph type="ctrTitle"/>
+          </p:nvPr>
+        </p:nvSpPr>
+        <p:spPr/>
+        <p:txBody>
+          <a:bodyPr/>
+          <a:lstStyle/>
+          <a:p>
+            <a:r>
+              <a:rPr lang="en-US" altLang="zh-CN" smtClean="0"/>
+              <a:t>CSS</a:t>
+            </a:r>
+            <a:r>
+              <a:rPr lang="zh-CN" altLang="en-US" smtClean="0"/>
+              <a:t>基础选择器</a:t>
+            </a:r>
+            <a:endParaRPr lang="zh-CN" altLang="en-US"/>
+          </a:p>
+        </p:txBody>
+      </p:sp>
+      <p:sp>
+        <p:nvSpPr>
+          <p:cNvPr id="3" name="副标题 2"/>
+          <p:cNvSpPr>
+            <a:spLocks noGrp="1"/>
+          </p:cNvSpPr>
+          <p:nvPr>
+            <p:ph type="subTitle" idx="1"/>
+          </p:nvPr>
+        </p:nvSpPr>
+        <p:spPr/>
+        <p:txBody>
+          <a:bodyPr/>
+          <a:lstStyle/>
+          <a:p>
+            <a:endParaRPr lang="zh-CN" altLang="en-US"/>
+          </a:p>
+        </p:txBody>
+      </p:sp>
+    </p:spTree>
+    <p:extLst>
+      <p:ext uri="{BB962C8B-B14F-4D97-AF65-F5344CB8AC3E}">
+        <p14:creationId xmlns:p14="http://schemas.microsoft.com/office/powerpoint/2010/main" val="2374383559"/>
+      </p:ext>
+    </p:extLst>
+  </p:cSld>
+  <p:clrMapOvr>
+    <a:masterClrMapping/>
+  </p:clrMapOvr>
+</p:sld>
+</file>
+
 <file path=ppt/slides/slide7.xml><?xml version="1.0" encoding="utf-8"?>
 <p:sld xmlns:a="http://schemas.openxmlformats.org/drawingml/2006/main" xmlns:r="http://schemas.openxmlformats.org/officeDocument/2006/relationships" xmlns:p="http://schemas.openxmlformats.org/presentationml/2006/main">
   <p:cSld>
@@ -4326,45 +4942,59 @@
             <a:spLocks noGrp="1"/>
           </p:cNvSpPr>
           <p:nvPr>
-            <p:ph type="ctrTitle"/>
-          </p:nvPr>
-        </p:nvSpPr>
-        <p:spPr/>
-        <p:txBody>
-          <a:bodyPr/>
-          <a:lstStyle/>
-          <a:p>
-            <a:r>
-              <a:rPr lang="zh-CN" altLang="en-US" smtClean="0"/>
-              <a:t>复合选择器</a:t>
-            </a:r>
-            <a:endParaRPr lang="zh-CN" altLang="en-US"/>
-          </a:p>
-        </p:txBody>
-      </p:sp>
-      <p:sp>
-        <p:nvSpPr>
-          <p:cNvPr id="3" name="副标题 2"/>
-          <p:cNvSpPr>
-            <a:spLocks noGrp="1"/>
-          </p:cNvSpPr>
-          <p:nvPr>
-            <p:ph type="subTitle" idx="1"/>
-          </p:nvPr>
-        </p:nvSpPr>
-        <p:spPr/>
-        <p:txBody>
-          <a:bodyPr/>
-          <a:lstStyle/>
-          <a:p>
-            <a:endParaRPr lang="zh-CN" altLang="en-US"/>
+            <p:ph type="title"/>
+          </p:nvPr>
+        </p:nvSpPr>
+        <p:spPr/>
+        <p:txBody>
+          <a:bodyPr/>
+          <a:lstStyle/>
+          <a:p>
+            <a:r>
+              <a:rPr lang="zh-CN" altLang="en-US" smtClean="0"/>
+              <a:t>通用选择器</a:t>
+            </a:r>
+            <a:endParaRPr lang="zh-CN" altLang="en-US"/>
+          </a:p>
+        </p:txBody>
+      </p:sp>
+      <p:sp>
+        <p:nvSpPr>
+          <p:cNvPr id="3" name="内容占位符 2"/>
+          <p:cNvSpPr>
+            <a:spLocks noGrp="1"/>
+          </p:cNvSpPr>
+          <p:nvPr>
+            <p:ph idx="1"/>
+          </p:nvPr>
+        </p:nvSpPr>
+        <p:spPr/>
+        <p:txBody>
+          <a:bodyPr/>
+          <a:lstStyle/>
+          <a:p>
+            <a:r>
+              <a:rPr lang="zh-CN" altLang="en-US" smtClean="0"/>
+              <a:t>作用：选择所有元素</a:t>
+            </a:r>
+            <a:endParaRPr lang="en-US" altLang="zh-CN" smtClean="0"/>
+          </a:p>
+          <a:p>
+            <a:r>
+              <a:rPr lang="zh-CN" altLang="en-US" smtClean="0"/>
+              <a:t>结构：</a:t>
+            </a:r>
+            <a:r>
+              <a:rPr lang="en-US" altLang="zh-CN" smtClean="0"/>
+              <a:t>* { … }</a:t>
+            </a:r>
           </a:p>
         </p:txBody>
       </p:sp>
     </p:spTree>
     <p:extLst>
       <p:ext uri="{BB962C8B-B14F-4D97-AF65-F5344CB8AC3E}">
-        <p14:creationId xmlns:p14="http://schemas.microsoft.com/office/powerpoint/2010/main" val="2403874214"/>
+        <p14:creationId xmlns:p14="http://schemas.microsoft.com/office/powerpoint/2010/main" val="4109824833"/>
       </p:ext>
     </p:extLst>
   </p:cSld>
@@ -4408,7 +5038,7 @@
           <a:p>
             <a:r>
               <a:rPr lang="zh-CN" altLang="en-US" smtClean="0"/>
-              <a:t>并集选择器</a:t>
+              <a:t>元素类型选择器</a:t>
             </a:r>
             <a:endParaRPr lang="zh-CN" altLang="en-US"/>
           </a:p>
@@ -4430,28 +5060,8 @@
           <a:lstStyle/>
           <a:p>
             <a:r>
-              <a:rPr lang="zh-CN" altLang="en-US"/>
-              <a:t>作用：创建由逗号分隔的多个选择器可以将样式应用到</a:t>
-            </a:r>
-            <a:r>
-              <a:rPr lang="zh-CN" altLang="en-US"/>
-              <a:t>单个</a:t>
-            </a:r>
-            <a:r>
-              <a:rPr lang="zh-CN" altLang="en-US" smtClean="0"/>
-              <a:t>选择器</a:t>
-            </a:r>
-            <a:r>
-              <a:rPr lang="zh-CN" altLang="en-US"/>
-              <a:t>匹配的所有</a:t>
-            </a:r>
-            <a:r>
-              <a:rPr lang="zh-CN" altLang="en-US"/>
-              <a:t>元素</a:t>
-            </a:r>
-            <a:r>
-              <a:rPr lang="zh-CN" altLang="en-US" smtClean="0"/>
-              <a:t>。</a:t>
+              <a:rPr lang="zh-CN" altLang="en-US" smtClean="0"/>
+              <a:t>作用：通过元素类型选择元素</a:t>
             </a:r>
             <a:endParaRPr lang="en-US" altLang="zh-CN" smtClean="0"/>
           </a:p>
@@ -4461,36 +5071,16 @@
               <a:t>结构：</a:t>
             </a:r>
             <a:r>
-              <a:rPr lang="en-US" altLang="zh-CN"/>
+              <a:rPr lang="en-US" altLang="zh-CN" smtClean="0"/>
               <a:t>&lt;</a:t>
             </a:r>
             <a:r>
-              <a:rPr lang="zh-CN" altLang="en-US"/>
-              <a:t>选择器</a:t>
-            </a:r>
-            <a:r>
-              <a:rPr lang="en-US" altLang="zh-CN"/>
-              <a:t>&gt;,&lt;</a:t>
-            </a:r>
-            <a:r>
-              <a:rPr lang="zh-CN" altLang="en-US"/>
-              <a:t>选择器</a:t>
-            </a:r>
-            <a:r>
-              <a:rPr lang="en-US" altLang="zh-CN"/>
-              <a:t>&gt;,&lt;</a:t>
-            </a:r>
-            <a:r>
-              <a:rPr lang="zh-CN" altLang="en-US"/>
-              <a:t>选择</a:t>
-            </a:r>
-            <a:r>
-              <a:rPr lang="zh-CN" altLang="en-US"/>
-              <a:t>器</a:t>
-            </a:r>
-            <a:r>
-              <a:rPr lang="en-US" altLang="zh-CN" smtClean="0"/>
-              <a:t>&gt;</a:t>
+              <a:rPr lang="zh-CN" altLang="en-US" smtClean="0"/>
+              <a:t>元素标签</a:t>
+            </a:r>
+            <a:r>
+              <a:rPr lang="en-US" altLang="zh-CN" smtClean="0"/>
+              <a:t>&gt; { … }</a:t>
             </a:r>
           </a:p>
           <a:p>
@@ -4500,8 +5090,10 @@
             </a:r>
             <a:r>
               <a:rPr lang="en-US" altLang="zh-CN" smtClean="0"/>
-              <a:t>p,span,input[type=“text”] { .. }</a:t>
-            </a:r>
+              <a:t>p { … }</a:t>
+            </a:r>
+          </a:p>
+          <a:p>
             <a:endParaRPr lang="zh-CN" altLang="en-US"/>
           </a:p>
         </p:txBody>
@@ -4509,7 +5101,7 @@
     </p:spTree>
     <p:extLst>
       <p:ext uri="{BB962C8B-B14F-4D97-AF65-F5344CB8AC3E}">
-        <p14:creationId xmlns:p14="http://schemas.microsoft.com/office/powerpoint/2010/main" val="2897063929"/>
+        <p14:creationId xmlns:p14="http://schemas.microsoft.com/office/powerpoint/2010/main" val="1000922747"/>
       </p:ext>
     </p:extLst>
   </p:cSld>
@@ -4552,80 +5144,145 @@
           <a:lstStyle/>
           <a:p>
             <a:r>
+              <a:rPr lang="zh-CN" altLang="en-US" smtClean="0"/>
+              <a:t>类选择器</a:t>
+            </a:r>
+            <a:endParaRPr lang="zh-CN" altLang="en-US"/>
+          </a:p>
+        </p:txBody>
+      </p:sp>
+      <p:sp>
+        <p:nvSpPr>
+          <p:cNvPr id="3" name="内容占位符 2"/>
+          <p:cNvSpPr>
+            <a:spLocks noGrp="1"/>
+          </p:cNvSpPr>
+          <p:nvPr>
+            <p:ph idx="1"/>
+          </p:nvPr>
+        </p:nvSpPr>
+        <p:spPr/>
+        <p:txBody>
+          <a:bodyPr>
+            <a:normAutofit fontScale="92500" lnSpcReduction="20000"/>
+          </a:bodyPr>
+          <a:lstStyle/>
+          <a:p>
+            <a:r>
+              <a:rPr lang="zh-CN" altLang="en-US" smtClean="0"/>
+              <a:t>作用：通过元素</a:t>
+            </a:r>
+            <a:r>
+              <a:rPr lang="en-US" altLang="zh-CN" smtClean="0"/>
+              <a:t>class</a:t>
+            </a:r>
+            <a:r>
+              <a:rPr lang="zh-CN" altLang="en-US" smtClean="0"/>
+              <a:t>属性的值选择元素</a:t>
+            </a:r>
+            <a:endParaRPr lang="en-US" altLang="zh-CN" smtClean="0"/>
+          </a:p>
+          <a:p>
+            <a:r>
+              <a:rPr lang="zh-CN" altLang="en-US" smtClean="0"/>
+              <a:t>结构：</a:t>
+            </a:r>
+            <a:r>
+              <a:rPr lang="en-US" altLang="zh-CN" smtClean="0"/>
+              <a:t>&lt;</a:t>
+            </a:r>
+            <a:r>
+              <a:rPr lang="zh-CN" altLang="en-US" smtClean="0"/>
+              <a:t>类名</a:t>
+            </a:r>
+            <a:r>
+              <a:rPr lang="en-US" altLang="zh-CN" smtClean="0"/>
+              <a:t>&gt; </a:t>
+            </a:r>
+            <a:r>
+              <a:rPr lang="zh-CN" altLang="en-US" smtClean="0"/>
+              <a:t>或 </a:t>
+            </a:r>
+            <a:r>
+              <a:rPr lang="en-US" altLang="zh-CN" smtClean="0"/>
+              <a:t>&lt;</a:t>
+            </a:r>
+            <a:r>
+              <a:rPr lang="zh-CN" altLang="en-US" smtClean="0"/>
+              <a:t>元素类型</a:t>
+            </a:r>
+            <a:r>
+              <a:rPr lang="en-US" altLang="zh-CN" smtClean="0"/>
+              <a:t>&gt;.&lt;</a:t>
+            </a:r>
+            <a:r>
+              <a:rPr lang="zh-CN" altLang="en-US" smtClean="0"/>
+              <a:t>类名</a:t>
+            </a:r>
+            <a:r>
+              <a:rPr lang="en-US" altLang="zh-CN" smtClean="0"/>
+              <a:t>&gt; { .. }</a:t>
+            </a:r>
+          </a:p>
+          <a:p>
+            <a:r>
+              <a:rPr lang="zh-CN" altLang="en-US" smtClean="0"/>
+              <a:t>示例：</a:t>
+            </a:r>
+            <a:r>
+              <a:rPr lang="en-US" altLang="zh-CN" smtClean="0"/>
+              <a:t>p.content { .. }</a:t>
+            </a:r>
+          </a:p>
+          <a:p>
+            <a:endParaRPr lang="en-US" altLang="zh-CN"/>
+          </a:p>
+          <a:p>
+            <a:r>
+              <a:rPr lang="zh-CN" altLang="en-US" smtClean="0"/>
+              <a:t>元素</a:t>
+            </a:r>
+            <a:r>
+              <a:rPr lang="en-US" altLang="zh-CN" smtClean="0"/>
+              <a:t>class</a:t>
+            </a:r>
+            <a:r>
+              <a:rPr lang="zh-CN" altLang="en-US" smtClean="0"/>
+              <a:t>属性的值，称位类名。</a:t>
+            </a:r>
+            <a:r>
+              <a:rPr lang="en-US" altLang="zh-CN" smtClean="0"/>
+              <a:t>class</a:t>
+            </a:r>
+            <a:r>
+              <a:rPr lang="zh-CN" altLang="en-US" smtClean="0"/>
+              <a:t>属性的值是一个自定义的字符串。</a:t>
+            </a:r>
+            <a:endParaRPr lang="en-US" altLang="zh-CN" smtClean="0"/>
+          </a:p>
+          <a:p>
+            <a:r>
+              <a:rPr lang="zh-CN" altLang="en-US" smtClean="0"/>
+              <a:t>一个</a:t>
+            </a:r>
+            <a:r>
+              <a:rPr lang="en-US" altLang="zh-CN" smtClean="0"/>
+              <a:t>HTML</a:t>
+            </a:r>
+            <a:r>
+              <a:rPr lang="zh-CN" altLang="en-US" smtClean="0"/>
+              <a:t>文档中，多个元素可以使用相同的类名</a:t>
+            </a:r>
+            <a:endParaRPr lang="en-US" altLang="zh-CN" smtClean="0"/>
+          </a:p>
+          <a:p>
+            <a:r>
               <a:rPr lang="zh-CN" altLang="en-US"/>
-              <a:t>后代选择器</a:t>
-            </a:r>
-            <a:endParaRPr lang="zh-CN" altLang="en-US"/>
-          </a:p>
-        </p:txBody>
-      </p:sp>
-      <p:sp>
-        <p:nvSpPr>
-          <p:cNvPr id="3" name="内容占位符 2"/>
-          <p:cNvSpPr>
-            <a:spLocks noGrp="1"/>
-          </p:cNvSpPr>
-          <p:nvPr>
-            <p:ph idx="1"/>
-          </p:nvPr>
-        </p:nvSpPr>
-        <p:spPr/>
-        <p:txBody>
-          <a:bodyPr/>
-          <a:lstStyle/>
-          <a:p>
-            <a:r>
-              <a:rPr lang="zh-CN" altLang="en-US"/>
-              <a:t>作用：后代选择器用于选择包含在其他元素中的</a:t>
-            </a:r>
-            <a:r>
-              <a:rPr lang="zh-CN" altLang="en-US"/>
-              <a:t>元素</a:t>
-            </a:r>
-            <a:r>
-              <a:rPr lang="zh-CN" altLang="en-US" smtClean="0"/>
-              <a:t>。</a:t>
-            </a:r>
-            <a:endParaRPr lang="en-US" altLang="zh-CN" smtClean="0"/>
-          </a:p>
-          <a:p>
-            <a:r>
-              <a:rPr lang="zh-CN" altLang="en-US" smtClean="0"/>
-              <a:t>结构：</a:t>
-            </a:r>
-            <a:r>
-              <a:rPr lang="en-US" altLang="zh-CN"/>
-              <a:t>&lt;</a:t>
-            </a:r>
-            <a:r>
-              <a:rPr lang="zh-CN" altLang="en-US"/>
-              <a:t>第一个选择器</a:t>
-            </a:r>
-            <a:r>
-              <a:rPr lang="en-US" altLang="zh-CN"/>
-              <a:t>&gt; &lt;</a:t>
-            </a:r>
-            <a:r>
-              <a:rPr lang="zh-CN" altLang="en-US"/>
-              <a:t>第二个选择</a:t>
-            </a:r>
-            <a:r>
-              <a:rPr lang="zh-CN" altLang="en-US"/>
-              <a:t>器</a:t>
-            </a:r>
-            <a:r>
-              <a:rPr lang="en-US" altLang="zh-CN" smtClean="0"/>
-              <a:t>&gt;</a:t>
-            </a:r>
-          </a:p>
-          <a:p>
-            <a:r>
-              <a:rPr lang="zh-CN" altLang="en-US" smtClean="0"/>
-              <a:t>示例：</a:t>
-            </a:r>
-            <a:r>
-              <a:rPr lang="en-US" altLang="zh-CN" smtClean="0"/>
-              <a:t>p span { … }</a:t>
+              <a:t>一</a:t>
+            </a:r>
+            <a:r>
+              <a:rPr lang="zh-CN" altLang="en-US" smtClean="0"/>
+              <a:t>个元素可以设置多个类名，类名与类名之间用空格隔开</a:t>
             </a:r>
             <a:endParaRPr lang="zh-CN" altLang="en-US"/>
           </a:p>
@@ -4634,7 +5291,7 @@
     </p:spTree>
     <p:extLst>
       <p:ext uri="{BB962C8B-B14F-4D97-AF65-F5344CB8AC3E}">
-        <p14:creationId xmlns:p14="http://schemas.microsoft.com/office/powerpoint/2010/main" val="369452205"/>
+        <p14:creationId xmlns:p14="http://schemas.microsoft.com/office/powerpoint/2010/main" val="2403380466"/>
       </p:ext>
     </p:extLst>
   </p:cSld>

--- a/网页设计与制作/课件/4/css选择器.pptx
+++ b/网页设计与制作/课件/4/css选择器.pptx
@@ -10,16 +10,23 @@
     <p:sldId id="269" r:id="rId4"/>
     <p:sldId id="270" r:id="rId5"/>
     <p:sldId id="271" r:id="rId6"/>
-    <p:sldId id="257" r:id="rId7"/>
-    <p:sldId id="258" r:id="rId8"/>
-    <p:sldId id="259" r:id="rId9"/>
-    <p:sldId id="260" r:id="rId10"/>
-    <p:sldId id="261" r:id="rId11"/>
-    <p:sldId id="262" r:id="rId12"/>
-    <p:sldId id="263" r:id="rId13"/>
-    <p:sldId id="264" r:id="rId14"/>
-    <p:sldId id="265" r:id="rId15"/>
-    <p:sldId id="266" r:id="rId16"/>
+    <p:sldId id="272" r:id="rId7"/>
+    <p:sldId id="273" r:id="rId8"/>
+    <p:sldId id="274" r:id="rId9"/>
+    <p:sldId id="275" r:id="rId10"/>
+    <p:sldId id="276" r:id="rId11"/>
+    <p:sldId id="277" r:id="rId12"/>
+    <p:sldId id="278" r:id="rId13"/>
+    <p:sldId id="257" r:id="rId14"/>
+    <p:sldId id="258" r:id="rId15"/>
+    <p:sldId id="259" r:id="rId16"/>
+    <p:sldId id="260" r:id="rId17"/>
+    <p:sldId id="261" r:id="rId18"/>
+    <p:sldId id="262" r:id="rId19"/>
+    <p:sldId id="263" r:id="rId20"/>
+    <p:sldId id="264" r:id="rId21"/>
+    <p:sldId id="265" r:id="rId22"/>
+    <p:sldId id="266" r:id="rId23"/>
   </p:sldIdLst>
   <p:sldSz cx="9144000" cy="6858000" type="screen4x3"/>
   <p:notesSz cx="6858000" cy="9144000"/>
@@ -302,7 +309,7 @@
           <a:p>
             <a:fld id="{530820CF-B880-4189-942D-D702A7CBA730}" type="datetimeFigureOut">
               <a:rPr lang="zh-CN" altLang="en-US" smtClean="0"/>
-              <a:t>2020/9/25</a:t>
+              <a:t>2020/9/27</a:t>
             </a:fld>
             <a:endParaRPr lang="zh-CN" altLang="en-US"/>
           </a:p>
@@ -467,7 +474,7 @@
           <a:p>
             <a:fld id="{530820CF-B880-4189-942D-D702A7CBA730}" type="datetimeFigureOut">
               <a:rPr lang="zh-CN" altLang="en-US" smtClean="0"/>
-              <a:t>2020/9/25</a:t>
+              <a:t>2020/9/27</a:t>
             </a:fld>
             <a:endParaRPr lang="zh-CN" altLang="en-US"/>
           </a:p>
@@ -642,7 +649,7 @@
           <a:p>
             <a:fld id="{530820CF-B880-4189-942D-D702A7CBA730}" type="datetimeFigureOut">
               <a:rPr lang="zh-CN" altLang="en-US" smtClean="0"/>
-              <a:t>2020/9/25</a:t>
+              <a:t>2020/9/27</a:t>
             </a:fld>
             <a:endParaRPr lang="zh-CN" altLang="en-US"/>
           </a:p>
@@ -807,7 +814,7 @@
           <a:p>
             <a:fld id="{530820CF-B880-4189-942D-D702A7CBA730}" type="datetimeFigureOut">
               <a:rPr lang="zh-CN" altLang="en-US" smtClean="0"/>
-              <a:t>2020/9/25</a:t>
+              <a:t>2020/9/27</a:t>
             </a:fld>
             <a:endParaRPr lang="zh-CN" altLang="en-US"/>
           </a:p>
@@ -1048,7 +1055,7 @@
           <a:p>
             <a:fld id="{530820CF-B880-4189-942D-D702A7CBA730}" type="datetimeFigureOut">
               <a:rPr lang="zh-CN" altLang="en-US" smtClean="0"/>
-              <a:t>2020/9/25</a:t>
+              <a:t>2020/9/27</a:t>
             </a:fld>
             <a:endParaRPr lang="zh-CN" altLang="en-US"/>
           </a:p>
@@ -1331,7 +1338,7 @@
           <a:p>
             <a:fld id="{530820CF-B880-4189-942D-D702A7CBA730}" type="datetimeFigureOut">
               <a:rPr lang="zh-CN" altLang="en-US" smtClean="0"/>
-              <a:t>2020/9/25</a:t>
+              <a:t>2020/9/27</a:t>
             </a:fld>
             <a:endParaRPr lang="zh-CN" altLang="en-US"/>
           </a:p>
@@ -1748,7 +1755,7 @@
           <a:p>
             <a:fld id="{530820CF-B880-4189-942D-D702A7CBA730}" type="datetimeFigureOut">
               <a:rPr lang="zh-CN" altLang="en-US" smtClean="0"/>
-              <a:t>2020/9/25</a:t>
+              <a:t>2020/9/27</a:t>
             </a:fld>
             <a:endParaRPr lang="zh-CN" altLang="en-US"/>
           </a:p>
@@ -1861,7 +1868,7 @@
           <a:p>
             <a:fld id="{530820CF-B880-4189-942D-D702A7CBA730}" type="datetimeFigureOut">
               <a:rPr lang="zh-CN" altLang="en-US" smtClean="0"/>
-              <a:t>2020/9/25</a:t>
+              <a:t>2020/9/27</a:t>
             </a:fld>
             <a:endParaRPr lang="zh-CN" altLang="en-US"/>
           </a:p>
@@ -1951,7 +1958,7 @@
           <a:p>
             <a:fld id="{530820CF-B880-4189-942D-D702A7CBA730}" type="datetimeFigureOut">
               <a:rPr lang="zh-CN" altLang="en-US" smtClean="0"/>
-              <a:t>2020/9/25</a:t>
+              <a:t>2020/9/27</a:t>
             </a:fld>
             <a:endParaRPr lang="zh-CN" altLang="en-US"/>
           </a:p>
@@ -2223,7 +2230,7 @@
           <a:p>
             <a:fld id="{530820CF-B880-4189-942D-D702A7CBA730}" type="datetimeFigureOut">
               <a:rPr lang="zh-CN" altLang="en-US" smtClean="0"/>
-              <a:t>2020/9/25</a:t>
+              <a:t>2020/9/27</a:t>
             </a:fld>
             <a:endParaRPr lang="zh-CN" altLang="en-US"/>
           </a:p>
@@ -2471,7 +2478,7 @@
           <a:p>
             <a:fld id="{530820CF-B880-4189-942D-D702A7CBA730}" type="datetimeFigureOut">
               <a:rPr lang="zh-CN" altLang="en-US" smtClean="0"/>
-              <a:t>2020/9/25</a:t>
+              <a:t>2020/9/27</a:t>
             </a:fld>
             <a:endParaRPr lang="zh-CN" altLang="en-US"/>
           </a:p>
@@ -2679,7 +2686,7 @@
           <a:p>
             <a:fld id="{530820CF-B880-4189-942D-D702A7CBA730}" type="datetimeFigureOut">
               <a:rPr lang="zh-CN" altLang="en-US" smtClean="0"/>
-              <a:t>2020/9/25</a:t>
+              <a:t>2020/9/27</a:t>
             </a:fld>
             <a:endParaRPr lang="zh-CN" altLang="en-US"/>
           </a:p>
@@ -3201,6 +3208,976 @@
           <a:lstStyle/>
           <a:p>
             <a:r>
+              <a:rPr lang="zh-CN" altLang="en-US" smtClean="0"/>
+              <a:t>样式其他的来源</a:t>
+            </a:r>
+            <a:endParaRPr lang="zh-CN" altLang="en-US"/>
+          </a:p>
+        </p:txBody>
+      </p:sp>
+      <p:sp>
+        <p:nvSpPr>
+          <p:cNvPr id="3" name="内容占位符 2"/>
+          <p:cNvSpPr>
+            <a:spLocks noGrp="1"/>
+          </p:cNvSpPr>
+          <p:nvPr>
+            <p:ph idx="1"/>
+          </p:nvPr>
+        </p:nvSpPr>
+        <p:spPr/>
+        <p:txBody>
+          <a:bodyPr/>
+          <a:lstStyle/>
+          <a:p>
+            <a:pPr marL="514350" indent="-514350">
+              <a:buFont typeface="+mj-lt"/>
+              <a:buAutoNum type="arabicPeriod"/>
+            </a:pPr>
+            <a:r>
+              <a:rPr lang="zh-CN" altLang="en-US" smtClean="0"/>
+              <a:t>浏览器默认样式</a:t>
+            </a:r>
+            <a:endParaRPr lang="en-US" altLang="zh-CN" smtClean="0"/>
+          </a:p>
+          <a:p>
+            <a:pPr marL="400050" lvl="1" indent="0">
+              <a:buNone/>
+            </a:pPr>
+            <a:r>
+              <a:rPr lang="zh-CN" altLang="en-US" smtClean="0"/>
+              <a:t>有些元素在使用时，浏览器会默认给它设置一些样式。</a:t>
+            </a:r>
+            <a:endParaRPr lang="en-US" altLang="zh-CN" smtClean="0"/>
+          </a:p>
+          <a:p>
+            <a:pPr marL="514350" indent="-514350">
+              <a:buFont typeface="+mj-lt"/>
+              <a:buAutoNum type="arabicPeriod"/>
+            </a:pPr>
+            <a:r>
+              <a:rPr lang="zh-CN" altLang="en-US" smtClean="0"/>
+              <a:t>继承</a:t>
+            </a:r>
+            <a:endParaRPr lang="en-US" altLang="zh-CN" smtClean="0"/>
+          </a:p>
+          <a:p>
+            <a:pPr marL="400050" lvl="1" indent="0">
+              <a:buNone/>
+            </a:pPr>
+            <a:r>
+              <a:rPr lang="zh-CN" altLang="en-US" smtClean="0"/>
+              <a:t>如果浏览器在直接相关的样式中找不到某个属性的值，就会继承父元素的值。</a:t>
+            </a:r>
+            <a:endParaRPr lang="zh-CN" altLang="en-US"/>
+          </a:p>
+        </p:txBody>
+      </p:sp>
+    </p:spTree>
+    <p:extLst>
+      <p:ext uri="{BB962C8B-B14F-4D97-AF65-F5344CB8AC3E}">
+        <p14:creationId xmlns:p14="http://schemas.microsoft.com/office/powerpoint/2010/main" val="1777979328"/>
+      </p:ext>
+    </p:extLst>
+  </p:cSld>
+  <p:clrMapOvr>
+    <a:masterClrMapping/>
+  </p:clrMapOvr>
+</p:sld>
+</file>
+
+<file path=ppt/slides/slide11.xml><?xml version="1.0" encoding="utf-8"?>
+<p:sld xmlns:a="http://schemas.openxmlformats.org/drawingml/2006/main" xmlns:r="http://schemas.openxmlformats.org/officeDocument/2006/relationships" xmlns:p="http://schemas.openxmlformats.org/presentationml/2006/main">
+  <p:cSld>
+    <p:spTree>
+      <p:nvGrpSpPr>
+        <p:cNvPr id="1" name=""/>
+        <p:cNvGrpSpPr/>
+        <p:nvPr/>
+      </p:nvGrpSpPr>
+      <p:grpSpPr>
+        <a:xfrm>
+          <a:off x="0" y="0"/>
+          <a:ext cx="0" cy="0"/>
+          <a:chOff x="0" y="0"/>
+          <a:chExt cx="0" cy="0"/>
+        </a:xfrm>
+      </p:grpSpPr>
+      <p:sp>
+        <p:nvSpPr>
+          <p:cNvPr id="2" name="标题 1"/>
+          <p:cNvSpPr>
+            <a:spLocks noGrp="1"/>
+          </p:cNvSpPr>
+          <p:nvPr>
+            <p:ph type="title"/>
+          </p:nvPr>
+        </p:nvSpPr>
+        <p:spPr/>
+        <p:txBody>
+          <a:bodyPr/>
+          <a:lstStyle/>
+          <a:p>
+            <a:r>
+              <a:rPr lang="zh-CN" altLang="en-US" smtClean="0"/>
+              <a:t>继承</a:t>
+            </a:r>
+            <a:endParaRPr lang="zh-CN" altLang="en-US"/>
+          </a:p>
+        </p:txBody>
+      </p:sp>
+      <p:sp>
+        <p:nvSpPr>
+          <p:cNvPr id="3" name="内容占位符 2"/>
+          <p:cNvSpPr>
+            <a:spLocks noGrp="1"/>
+          </p:cNvSpPr>
+          <p:nvPr>
+            <p:ph idx="1"/>
+          </p:nvPr>
+        </p:nvSpPr>
+        <p:spPr/>
+        <p:txBody>
+          <a:bodyPr>
+            <a:normAutofit fontScale="62500" lnSpcReduction="20000"/>
+          </a:bodyPr>
+          <a:lstStyle/>
+          <a:p>
+            <a:pPr marL="0" indent="0">
+              <a:buNone/>
+            </a:pPr>
+            <a:r>
+              <a:rPr lang="en-US" altLang="zh-CN" smtClean="0"/>
+              <a:t>&lt;head&gt;</a:t>
+            </a:r>
+          </a:p>
+          <a:p>
+            <a:pPr marL="0" indent="0">
+              <a:buNone/>
+            </a:pPr>
+            <a:r>
+              <a:rPr lang="en-US" altLang="zh-CN"/>
+              <a:t>	</a:t>
+            </a:r>
+            <a:r>
+              <a:rPr lang="en-US" altLang="zh-CN" smtClean="0"/>
+              <a:t>&lt;style&gt;</a:t>
+            </a:r>
+          </a:p>
+          <a:p>
+            <a:pPr marL="0" indent="0">
+              <a:buNone/>
+            </a:pPr>
+            <a:r>
+              <a:rPr lang="en-US" altLang="zh-CN"/>
+              <a:t>	</a:t>
+            </a:r>
+            <a:r>
+              <a:rPr lang="en-US" altLang="zh-CN" smtClean="0"/>
+              <a:t>	p {</a:t>
+            </a:r>
+          </a:p>
+          <a:p>
+            <a:pPr marL="0" indent="0">
+              <a:buNone/>
+            </a:pPr>
+            <a:r>
+              <a:rPr lang="en-US" altLang="zh-CN" smtClean="0"/>
+              <a:t>			color:white;</a:t>
+            </a:r>
+          </a:p>
+          <a:p>
+            <a:pPr marL="0" indent="0">
+              <a:buNone/>
+            </a:pPr>
+            <a:r>
+              <a:rPr lang="en-US" altLang="zh-CN"/>
+              <a:t>	</a:t>
+            </a:r>
+            <a:r>
+              <a:rPr lang="en-US" altLang="zh-CN" smtClean="0"/>
+              <a:t>		background:grey;</a:t>
+            </a:r>
+          </a:p>
+          <a:p>
+            <a:pPr marL="0" indent="0">
+              <a:buNone/>
+            </a:pPr>
+            <a:r>
+              <a:rPr lang="en-US" altLang="zh-CN"/>
+              <a:t>	</a:t>
+            </a:r>
+            <a:r>
+              <a:rPr lang="en-US" altLang="zh-CN" smtClean="0"/>
+              <a:t>		border:medium solid blakc;</a:t>
+            </a:r>
+            <a:endParaRPr lang="en-US" altLang="zh-CN"/>
+          </a:p>
+          <a:p>
+            <a:pPr marL="0" indent="0">
+              <a:buNone/>
+            </a:pPr>
+            <a:r>
+              <a:rPr lang="en-US" altLang="zh-CN" smtClean="0"/>
+              <a:t>		}</a:t>
+            </a:r>
+          </a:p>
+          <a:p>
+            <a:pPr marL="0" indent="0">
+              <a:buNone/>
+            </a:pPr>
+            <a:r>
+              <a:rPr lang="en-US" altLang="zh-CN"/>
+              <a:t>	</a:t>
+            </a:r>
+            <a:r>
+              <a:rPr lang="en-US" altLang="zh-CN" smtClean="0"/>
+              <a:t>&lt;/style&gt; </a:t>
+            </a:r>
+          </a:p>
+          <a:p>
+            <a:pPr marL="0" indent="0">
+              <a:buNone/>
+            </a:pPr>
+            <a:r>
+              <a:rPr lang="en-US" altLang="zh-CN" smtClean="0"/>
+              <a:t>&lt;/head&gt;</a:t>
+            </a:r>
+          </a:p>
+          <a:p>
+            <a:pPr marL="0" indent="0">
+              <a:buNone/>
+            </a:pPr>
+            <a:r>
+              <a:rPr lang="en-US" altLang="zh-CN" smtClean="0"/>
+              <a:t>&lt;body&gt;</a:t>
+            </a:r>
+          </a:p>
+          <a:p>
+            <a:pPr marL="0" indent="0">
+              <a:buNone/>
+            </a:pPr>
+            <a:r>
+              <a:rPr lang="en-US" altLang="zh-CN"/>
+              <a:t>	</a:t>
+            </a:r>
+            <a:r>
+              <a:rPr lang="en-US" altLang="zh-CN" smtClean="0"/>
+              <a:t>&lt;p&gt;</a:t>
+            </a:r>
+            <a:r>
+              <a:rPr lang="zh-CN" altLang="en-US" smtClean="0"/>
+              <a:t>我喜欢</a:t>
+            </a:r>
+            <a:r>
+              <a:rPr lang="en-US" altLang="zh-CN" smtClean="0"/>
+              <a:t>&lt;span&gt;</a:t>
+            </a:r>
+            <a:r>
+              <a:rPr lang="zh-CN" altLang="en-US" smtClean="0"/>
+              <a:t>苹果</a:t>
+            </a:r>
+            <a:r>
+              <a:rPr lang="en-US" altLang="zh-CN" smtClean="0"/>
+              <a:t>&lt;span&gt;</a:t>
+            </a:r>
+            <a:r>
+              <a:rPr lang="zh-CN" altLang="en-US" smtClean="0"/>
+              <a:t>和橘子</a:t>
+            </a:r>
+            <a:r>
+              <a:rPr lang="en-US" altLang="zh-CN" smtClean="0"/>
+              <a:t>&lt;/p&gt;</a:t>
+            </a:r>
+          </a:p>
+          <a:p>
+            <a:pPr marL="0" indent="0">
+              <a:buNone/>
+            </a:pPr>
+            <a:r>
+              <a:rPr lang="en-US" altLang="zh-CN" smtClean="0"/>
+              <a:t>&lt;/body&gt;</a:t>
+            </a:r>
+          </a:p>
+          <a:p>
+            <a:pPr marL="0" indent="0">
+              <a:buNone/>
+            </a:pPr>
+            <a:r>
+              <a:rPr lang="en-US" altLang="zh-CN" smtClean="0"/>
+              <a:t>&lt;span&gt;</a:t>
+            </a:r>
+            <a:r>
+              <a:rPr lang="zh-CN" altLang="en-US" smtClean="0"/>
+              <a:t>元素字体颜色和背景色继承了父元素，但是</a:t>
+            </a:r>
+            <a:r>
+              <a:rPr lang="zh-CN" altLang="en-US"/>
+              <a:t>边框</a:t>
+            </a:r>
+            <a:r>
+              <a:rPr lang="zh-CN" altLang="en-US" smtClean="0"/>
+              <a:t>却没有。</a:t>
+            </a:r>
+            <a:endParaRPr lang="en-US" altLang="zh-CN" smtClean="0"/>
+          </a:p>
+          <a:p>
+            <a:pPr marL="0" indent="0">
+              <a:buNone/>
+            </a:pPr>
+            <a:r>
+              <a:rPr lang="zh-CN" altLang="en-US" smtClean="0"/>
+              <a:t>可以使用</a:t>
+            </a:r>
+            <a:r>
+              <a:rPr lang="en-US" altLang="zh-CN" smtClean="0"/>
+              <a:t>inherit</a:t>
+            </a:r>
+            <a:r>
+              <a:rPr lang="zh-CN" altLang="en-US" smtClean="0"/>
+              <a:t>这个特殊的值强行继承。</a:t>
+            </a:r>
+            <a:endParaRPr lang="zh-CN" altLang="en-US"/>
+          </a:p>
+        </p:txBody>
+      </p:sp>
+    </p:spTree>
+    <p:extLst>
+      <p:ext uri="{BB962C8B-B14F-4D97-AF65-F5344CB8AC3E}">
+        <p14:creationId xmlns:p14="http://schemas.microsoft.com/office/powerpoint/2010/main" val="1054382264"/>
+      </p:ext>
+    </p:extLst>
+  </p:cSld>
+  <p:clrMapOvr>
+    <a:masterClrMapping/>
+  </p:clrMapOvr>
+</p:sld>
+</file>
+
+<file path=ppt/slides/slide12.xml><?xml version="1.0" encoding="utf-8"?>
+<p:sld xmlns:a="http://schemas.openxmlformats.org/drawingml/2006/main" xmlns:r="http://schemas.openxmlformats.org/officeDocument/2006/relationships" xmlns:p="http://schemas.openxmlformats.org/presentationml/2006/main">
+  <p:cSld>
+    <p:spTree>
+      <p:nvGrpSpPr>
+        <p:cNvPr id="1" name=""/>
+        <p:cNvGrpSpPr/>
+        <p:nvPr/>
+      </p:nvGrpSpPr>
+      <p:grpSpPr>
+        <a:xfrm>
+          <a:off x="0" y="0"/>
+          <a:ext cx="0" cy="0"/>
+          <a:chOff x="0" y="0"/>
+          <a:chExt cx="0" cy="0"/>
+        </a:xfrm>
+      </p:grpSpPr>
+      <p:sp>
+        <p:nvSpPr>
+          <p:cNvPr id="2" name="标题 1"/>
+          <p:cNvSpPr>
+            <a:spLocks noGrp="1"/>
+          </p:cNvSpPr>
+          <p:nvPr>
+            <p:ph type="title"/>
+          </p:nvPr>
+        </p:nvSpPr>
+        <p:spPr/>
+        <p:txBody>
+          <a:bodyPr/>
+          <a:lstStyle/>
+          <a:p>
+            <a:r>
+              <a:rPr lang="zh-CN" altLang="en-US" smtClean="0"/>
+              <a:t>层叠顺序</a:t>
+            </a:r>
+            <a:endParaRPr lang="zh-CN" altLang="en-US"/>
+          </a:p>
+        </p:txBody>
+      </p:sp>
+      <p:sp>
+        <p:nvSpPr>
+          <p:cNvPr id="3" name="内容占位符 2"/>
+          <p:cNvSpPr>
+            <a:spLocks noGrp="1"/>
+          </p:cNvSpPr>
+          <p:nvPr>
+            <p:ph idx="1"/>
+          </p:nvPr>
+        </p:nvSpPr>
+        <p:spPr/>
+        <p:txBody>
+          <a:bodyPr/>
+          <a:lstStyle/>
+          <a:p>
+            <a:pPr marL="514350" indent="-514350">
+              <a:buFont typeface="+mj-lt"/>
+              <a:buAutoNum type="arabicPeriod"/>
+            </a:pPr>
+            <a:r>
+              <a:rPr lang="zh-CN" altLang="en-US" smtClean="0"/>
+              <a:t>如果样式属性值标记为</a:t>
+            </a:r>
+            <a:r>
+              <a:rPr lang="en-US" altLang="zh-CN" smtClean="0"/>
+              <a:t>important</a:t>
+            </a:r>
+            <a:r>
+              <a:rPr lang="zh-CN" altLang="en-US"/>
+              <a:t>。</a:t>
+            </a:r>
+            <a:endParaRPr lang="en-US" altLang="zh-CN" smtClean="0"/>
+          </a:p>
+          <a:p>
+            <a:pPr marL="514350" indent="-514350">
+              <a:buFont typeface="+mj-lt"/>
+              <a:buAutoNum type="arabicPeriod"/>
+            </a:pPr>
+            <a:r>
+              <a:rPr lang="zh-CN" altLang="en-US" smtClean="0"/>
+              <a:t>元素内嵌样式</a:t>
+            </a:r>
+            <a:endParaRPr lang="en-US" altLang="zh-CN" smtClean="0"/>
+          </a:p>
+          <a:p>
+            <a:pPr marL="514350" indent="-514350">
+              <a:buFont typeface="+mj-lt"/>
+              <a:buAutoNum type="arabicPeriod"/>
+            </a:pPr>
+            <a:r>
+              <a:rPr lang="zh-CN" altLang="en-US" smtClean="0"/>
+              <a:t>文档内嵌样式</a:t>
+            </a:r>
+            <a:endParaRPr lang="en-US" altLang="zh-CN" smtClean="0"/>
+          </a:p>
+          <a:p>
+            <a:pPr marL="514350" indent="-514350">
+              <a:buFont typeface="+mj-lt"/>
+              <a:buAutoNum type="arabicPeriod"/>
+            </a:pPr>
+            <a:r>
+              <a:rPr lang="zh-CN" altLang="en-US" smtClean="0"/>
+              <a:t>外部样式</a:t>
+            </a:r>
+            <a:endParaRPr lang="en-US" altLang="zh-CN" smtClean="0"/>
+          </a:p>
+          <a:p>
+            <a:pPr marL="514350" indent="-514350">
+              <a:buFont typeface="+mj-lt"/>
+              <a:buAutoNum type="arabicPeriod"/>
+            </a:pPr>
+            <a:r>
+              <a:rPr lang="zh-CN" altLang="en-US" smtClean="0"/>
+              <a:t>浏览器样式</a:t>
+            </a:r>
+            <a:endParaRPr lang="zh-CN" altLang="en-US"/>
+          </a:p>
+        </p:txBody>
+      </p:sp>
+    </p:spTree>
+    <p:extLst>
+      <p:ext uri="{BB962C8B-B14F-4D97-AF65-F5344CB8AC3E}">
+        <p14:creationId xmlns:p14="http://schemas.microsoft.com/office/powerpoint/2010/main" val="2112186898"/>
+      </p:ext>
+    </p:extLst>
+  </p:cSld>
+  <p:clrMapOvr>
+    <a:masterClrMapping/>
+  </p:clrMapOvr>
+</p:sld>
+</file>
+
+<file path=ppt/slides/slide13.xml><?xml version="1.0" encoding="utf-8"?>
+<p:sld xmlns:a="http://schemas.openxmlformats.org/drawingml/2006/main" xmlns:r="http://schemas.openxmlformats.org/officeDocument/2006/relationships" xmlns:p="http://schemas.openxmlformats.org/presentationml/2006/main">
+  <p:cSld>
+    <p:spTree>
+      <p:nvGrpSpPr>
+        <p:cNvPr id="1" name=""/>
+        <p:cNvGrpSpPr/>
+        <p:nvPr/>
+      </p:nvGrpSpPr>
+      <p:grpSpPr>
+        <a:xfrm>
+          <a:off x="0" y="0"/>
+          <a:ext cx="0" cy="0"/>
+          <a:chOff x="0" y="0"/>
+          <a:chExt cx="0" cy="0"/>
+        </a:xfrm>
+      </p:grpSpPr>
+      <p:sp>
+        <p:nvSpPr>
+          <p:cNvPr id="2" name="标题 1"/>
+          <p:cNvSpPr>
+            <a:spLocks noGrp="1"/>
+          </p:cNvSpPr>
+          <p:nvPr>
+            <p:ph type="ctrTitle"/>
+          </p:nvPr>
+        </p:nvSpPr>
+        <p:spPr/>
+        <p:txBody>
+          <a:bodyPr/>
+          <a:lstStyle/>
+          <a:p>
+            <a:r>
+              <a:rPr lang="en-US" altLang="zh-CN" smtClean="0"/>
+              <a:t>CSS</a:t>
+            </a:r>
+            <a:r>
+              <a:rPr lang="zh-CN" altLang="en-US" smtClean="0"/>
+              <a:t>基础选择器</a:t>
+            </a:r>
+            <a:endParaRPr lang="zh-CN" altLang="en-US"/>
+          </a:p>
+        </p:txBody>
+      </p:sp>
+      <p:sp>
+        <p:nvSpPr>
+          <p:cNvPr id="3" name="副标题 2"/>
+          <p:cNvSpPr>
+            <a:spLocks noGrp="1"/>
+          </p:cNvSpPr>
+          <p:nvPr>
+            <p:ph type="subTitle" idx="1"/>
+          </p:nvPr>
+        </p:nvSpPr>
+        <p:spPr/>
+        <p:txBody>
+          <a:bodyPr/>
+          <a:lstStyle/>
+          <a:p>
+            <a:endParaRPr lang="zh-CN" altLang="en-US"/>
+          </a:p>
+        </p:txBody>
+      </p:sp>
+    </p:spTree>
+    <p:extLst>
+      <p:ext uri="{BB962C8B-B14F-4D97-AF65-F5344CB8AC3E}">
+        <p14:creationId xmlns:p14="http://schemas.microsoft.com/office/powerpoint/2010/main" val="2374383559"/>
+      </p:ext>
+    </p:extLst>
+  </p:cSld>
+  <p:clrMapOvr>
+    <a:masterClrMapping/>
+  </p:clrMapOvr>
+</p:sld>
+</file>
+
+<file path=ppt/slides/slide14.xml><?xml version="1.0" encoding="utf-8"?>
+<p:sld xmlns:a="http://schemas.openxmlformats.org/drawingml/2006/main" xmlns:r="http://schemas.openxmlformats.org/officeDocument/2006/relationships" xmlns:p="http://schemas.openxmlformats.org/presentationml/2006/main">
+  <p:cSld>
+    <p:spTree>
+      <p:nvGrpSpPr>
+        <p:cNvPr id="1" name=""/>
+        <p:cNvGrpSpPr/>
+        <p:nvPr/>
+      </p:nvGrpSpPr>
+      <p:grpSpPr>
+        <a:xfrm>
+          <a:off x="0" y="0"/>
+          <a:ext cx="0" cy="0"/>
+          <a:chOff x="0" y="0"/>
+          <a:chExt cx="0" cy="0"/>
+        </a:xfrm>
+      </p:grpSpPr>
+      <p:sp>
+        <p:nvSpPr>
+          <p:cNvPr id="2" name="标题 1"/>
+          <p:cNvSpPr>
+            <a:spLocks noGrp="1"/>
+          </p:cNvSpPr>
+          <p:nvPr>
+            <p:ph type="title"/>
+          </p:nvPr>
+        </p:nvSpPr>
+        <p:spPr/>
+        <p:txBody>
+          <a:bodyPr/>
+          <a:lstStyle/>
+          <a:p>
+            <a:r>
+              <a:rPr lang="zh-CN" altLang="en-US" smtClean="0"/>
+              <a:t>通用选择器</a:t>
+            </a:r>
+            <a:endParaRPr lang="zh-CN" altLang="en-US"/>
+          </a:p>
+        </p:txBody>
+      </p:sp>
+      <p:sp>
+        <p:nvSpPr>
+          <p:cNvPr id="3" name="内容占位符 2"/>
+          <p:cNvSpPr>
+            <a:spLocks noGrp="1"/>
+          </p:cNvSpPr>
+          <p:nvPr>
+            <p:ph idx="1"/>
+          </p:nvPr>
+        </p:nvSpPr>
+        <p:spPr/>
+        <p:txBody>
+          <a:bodyPr/>
+          <a:lstStyle/>
+          <a:p>
+            <a:r>
+              <a:rPr lang="zh-CN" altLang="en-US" smtClean="0"/>
+              <a:t>作用：选择所有元素</a:t>
+            </a:r>
+            <a:endParaRPr lang="en-US" altLang="zh-CN" smtClean="0"/>
+          </a:p>
+          <a:p>
+            <a:r>
+              <a:rPr lang="zh-CN" altLang="en-US" smtClean="0"/>
+              <a:t>结构：</a:t>
+            </a:r>
+            <a:r>
+              <a:rPr lang="en-US" altLang="zh-CN" smtClean="0"/>
+              <a:t>* { … }</a:t>
+            </a:r>
+          </a:p>
+        </p:txBody>
+      </p:sp>
+    </p:spTree>
+    <p:extLst>
+      <p:ext uri="{BB962C8B-B14F-4D97-AF65-F5344CB8AC3E}">
+        <p14:creationId xmlns:p14="http://schemas.microsoft.com/office/powerpoint/2010/main" val="4109824833"/>
+      </p:ext>
+    </p:extLst>
+  </p:cSld>
+  <p:clrMapOvr>
+    <a:masterClrMapping/>
+  </p:clrMapOvr>
+</p:sld>
+</file>
+
+<file path=ppt/slides/slide15.xml><?xml version="1.0" encoding="utf-8"?>
+<p:sld xmlns:a="http://schemas.openxmlformats.org/drawingml/2006/main" xmlns:r="http://schemas.openxmlformats.org/officeDocument/2006/relationships" xmlns:p="http://schemas.openxmlformats.org/presentationml/2006/main">
+  <p:cSld>
+    <p:spTree>
+      <p:nvGrpSpPr>
+        <p:cNvPr id="1" name=""/>
+        <p:cNvGrpSpPr/>
+        <p:nvPr/>
+      </p:nvGrpSpPr>
+      <p:grpSpPr>
+        <a:xfrm>
+          <a:off x="0" y="0"/>
+          <a:ext cx="0" cy="0"/>
+          <a:chOff x="0" y="0"/>
+          <a:chExt cx="0" cy="0"/>
+        </a:xfrm>
+      </p:grpSpPr>
+      <p:sp>
+        <p:nvSpPr>
+          <p:cNvPr id="2" name="标题 1"/>
+          <p:cNvSpPr>
+            <a:spLocks noGrp="1"/>
+          </p:cNvSpPr>
+          <p:nvPr>
+            <p:ph type="title"/>
+          </p:nvPr>
+        </p:nvSpPr>
+        <p:spPr/>
+        <p:txBody>
+          <a:bodyPr/>
+          <a:lstStyle/>
+          <a:p>
+            <a:r>
+              <a:rPr lang="zh-CN" altLang="en-US" smtClean="0"/>
+              <a:t>元素类型选择器</a:t>
+            </a:r>
+            <a:endParaRPr lang="zh-CN" altLang="en-US"/>
+          </a:p>
+        </p:txBody>
+      </p:sp>
+      <p:sp>
+        <p:nvSpPr>
+          <p:cNvPr id="3" name="内容占位符 2"/>
+          <p:cNvSpPr>
+            <a:spLocks noGrp="1"/>
+          </p:cNvSpPr>
+          <p:nvPr>
+            <p:ph idx="1"/>
+          </p:nvPr>
+        </p:nvSpPr>
+        <p:spPr/>
+        <p:txBody>
+          <a:bodyPr/>
+          <a:lstStyle/>
+          <a:p>
+            <a:r>
+              <a:rPr lang="zh-CN" altLang="en-US" smtClean="0"/>
+              <a:t>作用：通过元素类型选择元素</a:t>
+            </a:r>
+            <a:endParaRPr lang="en-US" altLang="zh-CN" smtClean="0"/>
+          </a:p>
+          <a:p>
+            <a:r>
+              <a:rPr lang="zh-CN" altLang="en-US" smtClean="0"/>
+              <a:t>结构：</a:t>
+            </a:r>
+            <a:r>
+              <a:rPr lang="en-US" altLang="zh-CN" smtClean="0"/>
+              <a:t>&lt;</a:t>
+            </a:r>
+            <a:r>
+              <a:rPr lang="zh-CN" altLang="en-US" smtClean="0"/>
+              <a:t>元素标签</a:t>
+            </a:r>
+            <a:r>
+              <a:rPr lang="en-US" altLang="zh-CN" smtClean="0"/>
+              <a:t>&gt; { … }</a:t>
+            </a:r>
+          </a:p>
+          <a:p>
+            <a:r>
+              <a:rPr lang="zh-CN" altLang="en-US" smtClean="0"/>
+              <a:t>示例：</a:t>
+            </a:r>
+            <a:r>
+              <a:rPr lang="en-US" altLang="zh-CN" smtClean="0"/>
+              <a:t>p { … }</a:t>
+            </a:r>
+          </a:p>
+          <a:p>
+            <a:endParaRPr lang="zh-CN" altLang="en-US"/>
+          </a:p>
+        </p:txBody>
+      </p:sp>
+    </p:spTree>
+    <p:extLst>
+      <p:ext uri="{BB962C8B-B14F-4D97-AF65-F5344CB8AC3E}">
+        <p14:creationId xmlns:p14="http://schemas.microsoft.com/office/powerpoint/2010/main" val="1000922747"/>
+      </p:ext>
+    </p:extLst>
+  </p:cSld>
+  <p:clrMapOvr>
+    <a:masterClrMapping/>
+  </p:clrMapOvr>
+</p:sld>
+</file>
+
+<file path=ppt/slides/slide16.xml><?xml version="1.0" encoding="utf-8"?>
+<p:sld xmlns:a="http://schemas.openxmlformats.org/drawingml/2006/main" xmlns:r="http://schemas.openxmlformats.org/officeDocument/2006/relationships" xmlns:p="http://schemas.openxmlformats.org/presentationml/2006/main">
+  <p:cSld>
+    <p:spTree>
+      <p:nvGrpSpPr>
+        <p:cNvPr id="1" name=""/>
+        <p:cNvGrpSpPr/>
+        <p:nvPr/>
+      </p:nvGrpSpPr>
+      <p:grpSpPr>
+        <a:xfrm>
+          <a:off x="0" y="0"/>
+          <a:ext cx="0" cy="0"/>
+          <a:chOff x="0" y="0"/>
+          <a:chExt cx="0" cy="0"/>
+        </a:xfrm>
+      </p:grpSpPr>
+      <p:sp>
+        <p:nvSpPr>
+          <p:cNvPr id="2" name="标题 1"/>
+          <p:cNvSpPr>
+            <a:spLocks noGrp="1"/>
+          </p:cNvSpPr>
+          <p:nvPr>
+            <p:ph type="title"/>
+          </p:nvPr>
+        </p:nvSpPr>
+        <p:spPr/>
+        <p:txBody>
+          <a:bodyPr/>
+          <a:lstStyle/>
+          <a:p>
+            <a:r>
+              <a:rPr lang="zh-CN" altLang="en-US" smtClean="0"/>
+              <a:t>类选择器</a:t>
+            </a:r>
+            <a:endParaRPr lang="zh-CN" altLang="en-US"/>
+          </a:p>
+        </p:txBody>
+      </p:sp>
+      <p:sp>
+        <p:nvSpPr>
+          <p:cNvPr id="3" name="内容占位符 2"/>
+          <p:cNvSpPr>
+            <a:spLocks noGrp="1"/>
+          </p:cNvSpPr>
+          <p:nvPr>
+            <p:ph idx="1"/>
+          </p:nvPr>
+        </p:nvSpPr>
+        <p:spPr/>
+        <p:txBody>
+          <a:bodyPr>
+            <a:normAutofit fontScale="92500" lnSpcReduction="20000"/>
+          </a:bodyPr>
+          <a:lstStyle/>
+          <a:p>
+            <a:r>
+              <a:rPr lang="zh-CN" altLang="en-US" smtClean="0"/>
+              <a:t>作用：通过元素</a:t>
+            </a:r>
+            <a:r>
+              <a:rPr lang="en-US" altLang="zh-CN" smtClean="0"/>
+              <a:t>class</a:t>
+            </a:r>
+            <a:r>
+              <a:rPr lang="zh-CN" altLang="en-US" smtClean="0"/>
+              <a:t>属性的值选择元素</a:t>
+            </a:r>
+            <a:endParaRPr lang="en-US" altLang="zh-CN" smtClean="0"/>
+          </a:p>
+          <a:p>
+            <a:r>
+              <a:rPr lang="zh-CN" altLang="en-US" smtClean="0"/>
+              <a:t>结构：</a:t>
+            </a:r>
+            <a:r>
+              <a:rPr lang="en-US" altLang="zh-CN" smtClean="0"/>
+              <a:t>&lt;</a:t>
+            </a:r>
+            <a:r>
+              <a:rPr lang="zh-CN" altLang="en-US" smtClean="0"/>
+              <a:t>类名</a:t>
+            </a:r>
+            <a:r>
+              <a:rPr lang="en-US" altLang="zh-CN" smtClean="0"/>
+              <a:t>&gt; </a:t>
+            </a:r>
+            <a:r>
+              <a:rPr lang="zh-CN" altLang="en-US" smtClean="0"/>
+              <a:t>或 </a:t>
+            </a:r>
+            <a:r>
+              <a:rPr lang="en-US" altLang="zh-CN" smtClean="0"/>
+              <a:t>&lt;</a:t>
+            </a:r>
+            <a:r>
+              <a:rPr lang="zh-CN" altLang="en-US" smtClean="0"/>
+              <a:t>元素类型</a:t>
+            </a:r>
+            <a:r>
+              <a:rPr lang="en-US" altLang="zh-CN" smtClean="0"/>
+              <a:t>&gt;.&lt;</a:t>
+            </a:r>
+            <a:r>
+              <a:rPr lang="zh-CN" altLang="en-US" smtClean="0"/>
+              <a:t>类名</a:t>
+            </a:r>
+            <a:r>
+              <a:rPr lang="en-US" altLang="zh-CN" smtClean="0"/>
+              <a:t>&gt; { .. }</a:t>
+            </a:r>
+          </a:p>
+          <a:p>
+            <a:r>
+              <a:rPr lang="zh-CN" altLang="en-US" smtClean="0"/>
+              <a:t>示例：</a:t>
+            </a:r>
+            <a:r>
+              <a:rPr lang="en-US" altLang="zh-CN" smtClean="0"/>
+              <a:t>p.content { .. }</a:t>
+            </a:r>
+          </a:p>
+          <a:p>
+            <a:endParaRPr lang="en-US" altLang="zh-CN"/>
+          </a:p>
+          <a:p>
+            <a:r>
+              <a:rPr lang="zh-CN" altLang="en-US" smtClean="0"/>
+              <a:t>元素</a:t>
+            </a:r>
+            <a:r>
+              <a:rPr lang="en-US" altLang="zh-CN" smtClean="0"/>
+              <a:t>class</a:t>
+            </a:r>
+            <a:r>
+              <a:rPr lang="zh-CN" altLang="en-US" smtClean="0"/>
+              <a:t>属性的值，称位类名。</a:t>
+            </a:r>
+            <a:r>
+              <a:rPr lang="en-US" altLang="zh-CN" smtClean="0"/>
+              <a:t>class</a:t>
+            </a:r>
+            <a:r>
+              <a:rPr lang="zh-CN" altLang="en-US" smtClean="0"/>
+              <a:t>属性的值是一个自定义的字符串。</a:t>
+            </a:r>
+            <a:endParaRPr lang="en-US" altLang="zh-CN" smtClean="0"/>
+          </a:p>
+          <a:p>
+            <a:r>
+              <a:rPr lang="zh-CN" altLang="en-US" smtClean="0"/>
+              <a:t>一个</a:t>
+            </a:r>
+            <a:r>
+              <a:rPr lang="en-US" altLang="zh-CN" smtClean="0"/>
+              <a:t>HTML</a:t>
+            </a:r>
+            <a:r>
+              <a:rPr lang="zh-CN" altLang="en-US" smtClean="0"/>
+              <a:t>文档中，多个元素可以使用相同的类名</a:t>
+            </a:r>
+            <a:endParaRPr lang="en-US" altLang="zh-CN" smtClean="0"/>
+          </a:p>
+          <a:p>
+            <a:r>
+              <a:rPr lang="zh-CN" altLang="en-US"/>
+              <a:t>一</a:t>
+            </a:r>
+            <a:r>
+              <a:rPr lang="zh-CN" altLang="en-US" smtClean="0"/>
+              <a:t>个元素可以设置多个类名，类名与类名之间用空格隔开</a:t>
+            </a:r>
+            <a:endParaRPr lang="zh-CN" altLang="en-US"/>
+          </a:p>
+        </p:txBody>
+      </p:sp>
+    </p:spTree>
+    <p:extLst>
+      <p:ext uri="{BB962C8B-B14F-4D97-AF65-F5344CB8AC3E}">
+        <p14:creationId xmlns:p14="http://schemas.microsoft.com/office/powerpoint/2010/main" val="2403380466"/>
+      </p:ext>
+    </p:extLst>
+  </p:cSld>
+  <p:clrMapOvr>
+    <a:masterClrMapping/>
+  </p:clrMapOvr>
+</p:sld>
+</file>
+
+<file path=ppt/slides/slide17.xml><?xml version="1.0" encoding="utf-8"?>
+<p:sld xmlns:a="http://schemas.openxmlformats.org/drawingml/2006/main" xmlns:r="http://schemas.openxmlformats.org/officeDocument/2006/relationships" xmlns:p="http://schemas.openxmlformats.org/presentationml/2006/main">
+  <p:cSld>
+    <p:spTree>
+      <p:nvGrpSpPr>
+        <p:cNvPr id="1" name=""/>
+        <p:cNvGrpSpPr/>
+        <p:nvPr/>
+      </p:nvGrpSpPr>
+      <p:grpSpPr>
+        <a:xfrm>
+          <a:off x="0" y="0"/>
+          <a:ext cx="0" cy="0"/>
+          <a:chOff x="0" y="0"/>
+          <a:chExt cx="0" cy="0"/>
+        </a:xfrm>
+      </p:grpSpPr>
+      <p:sp>
+        <p:nvSpPr>
+          <p:cNvPr id="2" name="标题 1"/>
+          <p:cNvSpPr>
+            <a:spLocks noGrp="1"/>
+          </p:cNvSpPr>
+          <p:nvPr>
+            <p:ph type="title"/>
+          </p:nvPr>
+        </p:nvSpPr>
+        <p:spPr/>
+        <p:txBody>
+          <a:bodyPr/>
+          <a:lstStyle/>
+          <a:p>
+            <a:r>
               <a:rPr lang="en-US" altLang="zh-CN" smtClean="0"/>
               <a:t>ID</a:t>
             </a:r>
@@ -3335,7 +4312,7 @@
 </p:sld>
 </file>
 
-<file path=ppt/slides/slide11.xml><?xml version="1.0" encoding="utf-8"?>
+<file path=ppt/slides/slide18.xml><?xml version="1.0" encoding="utf-8"?>
 <p:sld xmlns:a="http://schemas.openxmlformats.org/drawingml/2006/main" xmlns:r="http://schemas.openxmlformats.org/officeDocument/2006/relationships" xmlns:p="http://schemas.openxmlformats.org/presentationml/2006/main">
   <p:cSld>
     <p:spTree>
@@ -3863,7 +4840,7 @@
 </p:sld>
 </file>
 
-<file path=ppt/slides/slide12.xml><?xml version="1.0" encoding="utf-8"?>
+<file path=ppt/slides/slide19.xml><?xml version="1.0" encoding="utf-8"?>
 <p:sld xmlns:a="http://schemas.openxmlformats.org/drawingml/2006/main" xmlns:r="http://schemas.openxmlformats.org/officeDocument/2006/relationships" xmlns:p="http://schemas.openxmlformats.org/presentationml/2006/main">
   <p:cSld>
     <p:spTree>
@@ -3926,367 +4903,6 @@
     <p:extLst>
       <p:ext uri="{BB962C8B-B14F-4D97-AF65-F5344CB8AC3E}">
         <p14:creationId xmlns:p14="http://schemas.microsoft.com/office/powerpoint/2010/main" val="2403874214"/>
-      </p:ext>
-    </p:extLst>
-  </p:cSld>
-  <p:clrMapOvr>
-    <a:masterClrMapping/>
-  </p:clrMapOvr>
-</p:sld>
-</file>
-
-<file path=ppt/slides/slide13.xml><?xml version="1.0" encoding="utf-8"?>
-<p:sld xmlns:a="http://schemas.openxmlformats.org/drawingml/2006/main" xmlns:r="http://schemas.openxmlformats.org/officeDocument/2006/relationships" xmlns:p="http://schemas.openxmlformats.org/presentationml/2006/main">
-  <p:cSld>
-    <p:spTree>
-      <p:nvGrpSpPr>
-        <p:cNvPr id="1" name=""/>
-        <p:cNvGrpSpPr/>
-        <p:nvPr/>
-      </p:nvGrpSpPr>
-      <p:grpSpPr>
-        <a:xfrm>
-          <a:off x="0" y="0"/>
-          <a:ext cx="0" cy="0"/>
-          <a:chOff x="0" y="0"/>
-          <a:chExt cx="0" cy="0"/>
-        </a:xfrm>
-      </p:grpSpPr>
-      <p:sp>
-        <p:nvSpPr>
-          <p:cNvPr id="2" name="标题 1"/>
-          <p:cNvSpPr>
-            <a:spLocks noGrp="1"/>
-          </p:cNvSpPr>
-          <p:nvPr>
-            <p:ph type="title"/>
-          </p:nvPr>
-        </p:nvSpPr>
-        <p:spPr/>
-        <p:txBody>
-          <a:bodyPr/>
-          <a:lstStyle/>
-          <a:p>
-            <a:r>
-              <a:rPr lang="zh-CN" altLang="en-US" smtClean="0"/>
-              <a:t>并集选择器</a:t>
-            </a:r>
-            <a:endParaRPr lang="zh-CN" altLang="en-US"/>
-          </a:p>
-        </p:txBody>
-      </p:sp>
-      <p:sp>
-        <p:nvSpPr>
-          <p:cNvPr id="3" name="内容占位符 2"/>
-          <p:cNvSpPr>
-            <a:spLocks noGrp="1"/>
-          </p:cNvSpPr>
-          <p:nvPr>
-            <p:ph idx="1"/>
-          </p:nvPr>
-        </p:nvSpPr>
-        <p:spPr/>
-        <p:txBody>
-          <a:bodyPr/>
-          <a:lstStyle/>
-          <a:p>
-            <a:r>
-              <a:rPr lang="zh-CN" altLang="en-US"/>
-              <a:t>作用：创建由逗号分隔的多个选择器可以将样式应用到单个</a:t>
-            </a:r>
-            <a:r>
-              <a:rPr lang="zh-CN" altLang="en-US" smtClean="0"/>
-              <a:t>选择器</a:t>
-            </a:r>
-            <a:r>
-              <a:rPr lang="zh-CN" altLang="en-US"/>
-              <a:t>匹配的所有元素</a:t>
-            </a:r>
-            <a:r>
-              <a:rPr lang="zh-CN" altLang="en-US" smtClean="0"/>
-              <a:t>。</a:t>
-            </a:r>
-            <a:endParaRPr lang="en-US" altLang="zh-CN" smtClean="0"/>
-          </a:p>
-          <a:p>
-            <a:r>
-              <a:rPr lang="zh-CN" altLang="en-US" smtClean="0"/>
-              <a:t>结构：</a:t>
-            </a:r>
-            <a:r>
-              <a:rPr lang="en-US" altLang="zh-CN"/>
-              <a:t>&lt;</a:t>
-            </a:r>
-            <a:r>
-              <a:rPr lang="zh-CN" altLang="en-US"/>
-              <a:t>选择器</a:t>
-            </a:r>
-            <a:r>
-              <a:rPr lang="en-US" altLang="zh-CN"/>
-              <a:t>&gt;,&lt;</a:t>
-            </a:r>
-            <a:r>
-              <a:rPr lang="zh-CN" altLang="en-US"/>
-              <a:t>选择器</a:t>
-            </a:r>
-            <a:r>
-              <a:rPr lang="en-US" altLang="zh-CN"/>
-              <a:t>&gt;,&lt;</a:t>
-            </a:r>
-            <a:r>
-              <a:rPr lang="zh-CN" altLang="en-US"/>
-              <a:t>选择器</a:t>
-            </a:r>
-            <a:r>
-              <a:rPr lang="en-US" altLang="zh-CN" smtClean="0"/>
-              <a:t>&gt;</a:t>
-            </a:r>
-          </a:p>
-          <a:p>
-            <a:r>
-              <a:rPr lang="zh-CN" altLang="en-US" smtClean="0"/>
-              <a:t>示例：</a:t>
-            </a:r>
-            <a:r>
-              <a:rPr lang="en-US" altLang="zh-CN" smtClean="0"/>
-              <a:t>p,span,input[type=“text”] { .. }</a:t>
-            </a:r>
-            <a:endParaRPr lang="zh-CN" altLang="en-US"/>
-          </a:p>
-        </p:txBody>
-      </p:sp>
-    </p:spTree>
-    <p:extLst>
-      <p:ext uri="{BB962C8B-B14F-4D97-AF65-F5344CB8AC3E}">
-        <p14:creationId xmlns:p14="http://schemas.microsoft.com/office/powerpoint/2010/main" val="2897063929"/>
-      </p:ext>
-    </p:extLst>
-  </p:cSld>
-  <p:clrMapOvr>
-    <a:masterClrMapping/>
-  </p:clrMapOvr>
-</p:sld>
-</file>
-
-<file path=ppt/slides/slide14.xml><?xml version="1.0" encoding="utf-8"?>
-<p:sld xmlns:a="http://schemas.openxmlformats.org/drawingml/2006/main" xmlns:r="http://schemas.openxmlformats.org/officeDocument/2006/relationships" xmlns:p="http://schemas.openxmlformats.org/presentationml/2006/main">
-  <p:cSld>
-    <p:spTree>
-      <p:nvGrpSpPr>
-        <p:cNvPr id="1" name=""/>
-        <p:cNvGrpSpPr/>
-        <p:nvPr/>
-      </p:nvGrpSpPr>
-      <p:grpSpPr>
-        <a:xfrm>
-          <a:off x="0" y="0"/>
-          <a:ext cx="0" cy="0"/>
-          <a:chOff x="0" y="0"/>
-          <a:chExt cx="0" cy="0"/>
-        </a:xfrm>
-      </p:grpSpPr>
-      <p:sp>
-        <p:nvSpPr>
-          <p:cNvPr id="2" name="标题 1"/>
-          <p:cNvSpPr>
-            <a:spLocks noGrp="1"/>
-          </p:cNvSpPr>
-          <p:nvPr>
-            <p:ph type="title"/>
-          </p:nvPr>
-        </p:nvSpPr>
-        <p:spPr/>
-        <p:txBody>
-          <a:bodyPr/>
-          <a:lstStyle/>
-          <a:p>
-            <a:r>
-              <a:rPr lang="zh-CN" altLang="en-US"/>
-              <a:t>后代选择器</a:t>
-            </a:r>
-          </a:p>
-        </p:txBody>
-      </p:sp>
-      <p:sp>
-        <p:nvSpPr>
-          <p:cNvPr id="3" name="内容占位符 2"/>
-          <p:cNvSpPr>
-            <a:spLocks noGrp="1"/>
-          </p:cNvSpPr>
-          <p:nvPr>
-            <p:ph idx="1"/>
-          </p:nvPr>
-        </p:nvSpPr>
-        <p:spPr/>
-        <p:txBody>
-          <a:bodyPr/>
-          <a:lstStyle/>
-          <a:p>
-            <a:r>
-              <a:rPr lang="zh-CN" altLang="en-US"/>
-              <a:t>作用：后代选择器用于选择包含在其他元素中的元素</a:t>
-            </a:r>
-            <a:r>
-              <a:rPr lang="zh-CN" altLang="en-US" smtClean="0"/>
-              <a:t>。</a:t>
-            </a:r>
-            <a:endParaRPr lang="en-US" altLang="zh-CN" smtClean="0"/>
-          </a:p>
-          <a:p>
-            <a:r>
-              <a:rPr lang="zh-CN" altLang="en-US" smtClean="0"/>
-              <a:t>结构：</a:t>
-            </a:r>
-            <a:r>
-              <a:rPr lang="en-US" altLang="zh-CN"/>
-              <a:t>&lt;</a:t>
-            </a:r>
-            <a:r>
-              <a:rPr lang="zh-CN" altLang="en-US"/>
-              <a:t>第一个选择器</a:t>
-            </a:r>
-            <a:r>
-              <a:rPr lang="en-US" altLang="zh-CN"/>
-              <a:t>&gt; &lt;</a:t>
-            </a:r>
-            <a:r>
-              <a:rPr lang="zh-CN" altLang="en-US"/>
-              <a:t>第二个选择器</a:t>
-            </a:r>
-            <a:r>
-              <a:rPr lang="en-US" altLang="zh-CN" smtClean="0"/>
-              <a:t>&gt;</a:t>
-            </a:r>
-          </a:p>
-          <a:p>
-            <a:r>
-              <a:rPr lang="zh-CN" altLang="en-US" smtClean="0"/>
-              <a:t>示例：</a:t>
-            </a:r>
-            <a:r>
-              <a:rPr lang="en-US" altLang="zh-CN" smtClean="0"/>
-              <a:t>p span { … }</a:t>
-            </a:r>
-            <a:endParaRPr lang="zh-CN" altLang="en-US"/>
-          </a:p>
-        </p:txBody>
-      </p:sp>
-    </p:spTree>
-    <p:extLst>
-      <p:ext uri="{BB962C8B-B14F-4D97-AF65-F5344CB8AC3E}">
-        <p14:creationId xmlns:p14="http://schemas.microsoft.com/office/powerpoint/2010/main" val="369452205"/>
-      </p:ext>
-    </p:extLst>
-  </p:cSld>
-  <p:clrMapOvr>
-    <a:masterClrMapping/>
-  </p:clrMapOvr>
-</p:sld>
-</file>
-
-<file path=ppt/slides/slide15.xml><?xml version="1.0" encoding="utf-8"?>
-<p:sld xmlns:a="http://schemas.openxmlformats.org/drawingml/2006/main" xmlns:r="http://schemas.openxmlformats.org/officeDocument/2006/relationships" xmlns:p="http://schemas.openxmlformats.org/presentationml/2006/main">
-  <p:cSld>
-    <p:spTree>
-      <p:nvGrpSpPr>
-        <p:cNvPr id="1" name=""/>
-        <p:cNvGrpSpPr/>
-        <p:nvPr/>
-      </p:nvGrpSpPr>
-      <p:grpSpPr>
-        <a:xfrm>
-          <a:off x="0" y="0"/>
-          <a:ext cx="0" cy="0"/>
-          <a:chOff x="0" y="0"/>
-          <a:chExt cx="0" cy="0"/>
-        </a:xfrm>
-      </p:grpSpPr>
-      <p:sp>
-        <p:nvSpPr>
-          <p:cNvPr id="2" name="标题 1"/>
-          <p:cNvSpPr>
-            <a:spLocks noGrp="1"/>
-          </p:cNvSpPr>
-          <p:nvPr>
-            <p:ph type="title"/>
-          </p:nvPr>
-        </p:nvSpPr>
-        <p:spPr/>
-        <p:txBody>
-          <a:bodyPr/>
-          <a:lstStyle/>
-          <a:p>
-            <a:r>
-              <a:rPr lang="zh-CN" altLang="en-US"/>
-              <a:t>子代选择器</a:t>
-            </a:r>
-          </a:p>
-        </p:txBody>
-      </p:sp>
-      <p:sp>
-        <p:nvSpPr>
-          <p:cNvPr id="3" name="内容占位符 2"/>
-          <p:cNvSpPr>
-            <a:spLocks noGrp="1"/>
-          </p:cNvSpPr>
-          <p:nvPr>
-            <p:ph idx="1"/>
-          </p:nvPr>
-        </p:nvSpPr>
-        <p:spPr/>
-        <p:txBody>
-          <a:bodyPr/>
-          <a:lstStyle/>
-          <a:p>
-            <a:r>
-              <a:rPr lang="zh-CN" altLang="en-US" smtClean="0"/>
-              <a:t>作用：</a:t>
-            </a:r>
-            <a:r>
-              <a:rPr lang="zh-CN" altLang="en-US"/>
-              <a:t>只选择匹配元素中的直接</a:t>
-            </a:r>
-            <a:r>
-              <a:rPr lang="zh-CN" altLang="en-US" smtClean="0"/>
-              <a:t>后代</a:t>
-            </a:r>
-            <a:endParaRPr lang="en-US" altLang="zh-CN" smtClean="0"/>
-          </a:p>
-          <a:p>
-            <a:r>
-              <a:rPr lang="zh-CN" altLang="en-US" smtClean="0"/>
-              <a:t>结构：</a:t>
-            </a:r>
-            <a:r>
-              <a:rPr lang="en-US" altLang="zh-CN"/>
-              <a:t>&lt;</a:t>
-            </a:r>
-            <a:r>
-              <a:rPr lang="zh-CN" altLang="en-US"/>
-              <a:t>第一个选择器</a:t>
-            </a:r>
-            <a:r>
-              <a:rPr lang="en-US" altLang="zh-CN"/>
-              <a:t>&gt; &gt; &lt;</a:t>
-            </a:r>
-            <a:r>
-              <a:rPr lang="zh-CN" altLang="en-US"/>
-              <a:t>第二个选择器</a:t>
-            </a:r>
-            <a:r>
-              <a:rPr lang="en-US" altLang="zh-CN" smtClean="0"/>
-              <a:t>&gt;</a:t>
-            </a:r>
-          </a:p>
-          <a:p>
-            <a:endParaRPr lang="zh-CN" altLang="en-US"/>
-          </a:p>
-        </p:txBody>
-      </p:sp>
-    </p:spTree>
-    <p:extLst>
-      <p:ext uri="{BB962C8B-B14F-4D97-AF65-F5344CB8AC3E}">
-        <p14:creationId xmlns:p14="http://schemas.microsoft.com/office/powerpoint/2010/main" val="1628829551"/>
       </p:ext>
     </p:extLst>
   </p:cSld>
@@ -4432,6 +5048,367 @@
     <p:extLst>
       <p:ext uri="{BB962C8B-B14F-4D97-AF65-F5344CB8AC3E}">
         <p14:creationId xmlns:p14="http://schemas.microsoft.com/office/powerpoint/2010/main" val="1959368802"/>
+      </p:ext>
+    </p:extLst>
+  </p:cSld>
+  <p:clrMapOvr>
+    <a:masterClrMapping/>
+  </p:clrMapOvr>
+</p:sld>
+</file>
+
+<file path=ppt/slides/slide20.xml><?xml version="1.0" encoding="utf-8"?>
+<p:sld xmlns:a="http://schemas.openxmlformats.org/drawingml/2006/main" xmlns:r="http://schemas.openxmlformats.org/officeDocument/2006/relationships" xmlns:p="http://schemas.openxmlformats.org/presentationml/2006/main">
+  <p:cSld>
+    <p:spTree>
+      <p:nvGrpSpPr>
+        <p:cNvPr id="1" name=""/>
+        <p:cNvGrpSpPr/>
+        <p:nvPr/>
+      </p:nvGrpSpPr>
+      <p:grpSpPr>
+        <a:xfrm>
+          <a:off x="0" y="0"/>
+          <a:ext cx="0" cy="0"/>
+          <a:chOff x="0" y="0"/>
+          <a:chExt cx="0" cy="0"/>
+        </a:xfrm>
+      </p:grpSpPr>
+      <p:sp>
+        <p:nvSpPr>
+          <p:cNvPr id="2" name="标题 1"/>
+          <p:cNvSpPr>
+            <a:spLocks noGrp="1"/>
+          </p:cNvSpPr>
+          <p:nvPr>
+            <p:ph type="title"/>
+          </p:nvPr>
+        </p:nvSpPr>
+        <p:spPr/>
+        <p:txBody>
+          <a:bodyPr/>
+          <a:lstStyle/>
+          <a:p>
+            <a:r>
+              <a:rPr lang="zh-CN" altLang="en-US" smtClean="0"/>
+              <a:t>并集选择器</a:t>
+            </a:r>
+            <a:endParaRPr lang="zh-CN" altLang="en-US"/>
+          </a:p>
+        </p:txBody>
+      </p:sp>
+      <p:sp>
+        <p:nvSpPr>
+          <p:cNvPr id="3" name="内容占位符 2"/>
+          <p:cNvSpPr>
+            <a:spLocks noGrp="1"/>
+          </p:cNvSpPr>
+          <p:nvPr>
+            <p:ph idx="1"/>
+          </p:nvPr>
+        </p:nvSpPr>
+        <p:spPr/>
+        <p:txBody>
+          <a:bodyPr/>
+          <a:lstStyle/>
+          <a:p>
+            <a:r>
+              <a:rPr lang="zh-CN" altLang="en-US"/>
+              <a:t>作用：创建由逗号分隔的多个选择器可以将样式应用到单个</a:t>
+            </a:r>
+            <a:r>
+              <a:rPr lang="zh-CN" altLang="en-US" smtClean="0"/>
+              <a:t>选择器</a:t>
+            </a:r>
+            <a:r>
+              <a:rPr lang="zh-CN" altLang="en-US"/>
+              <a:t>匹配的所有元素</a:t>
+            </a:r>
+            <a:r>
+              <a:rPr lang="zh-CN" altLang="en-US" smtClean="0"/>
+              <a:t>。</a:t>
+            </a:r>
+            <a:endParaRPr lang="en-US" altLang="zh-CN" smtClean="0"/>
+          </a:p>
+          <a:p>
+            <a:r>
+              <a:rPr lang="zh-CN" altLang="en-US" smtClean="0"/>
+              <a:t>结构：</a:t>
+            </a:r>
+            <a:r>
+              <a:rPr lang="en-US" altLang="zh-CN"/>
+              <a:t>&lt;</a:t>
+            </a:r>
+            <a:r>
+              <a:rPr lang="zh-CN" altLang="en-US"/>
+              <a:t>选择器</a:t>
+            </a:r>
+            <a:r>
+              <a:rPr lang="en-US" altLang="zh-CN"/>
+              <a:t>&gt;,&lt;</a:t>
+            </a:r>
+            <a:r>
+              <a:rPr lang="zh-CN" altLang="en-US"/>
+              <a:t>选择器</a:t>
+            </a:r>
+            <a:r>
+              <a:rPr lang="en-US" altLang="zh-CN"/>
+              <a:t>&gt;,&lt;</a:t>
+            </a:r>
+            <a:r>
+              <a:rPr lang="zh-CN" altLang="en-US"/>
+              <a:t>选择器</a:t>
+            </a:r>
+            <a:r>
+              <a:rPr lang="en-US" altLang="zh-CN" smtClean="0"/>
+              <a:t>&gt;</a:t>
+            </a:r>
+          </a:p>
+          <a:p>
+            <a:r>
+              <a:rPr lang="zh-CN" altLang="en-US" smtClean="0"/>
+              <a:t>示例：</a:t>
+            </a:r>
+            <a:r>
+              <a:rPr lang="en-US" altLang="zh-CN" smtClean="0"/>
+              <a:t>p,span,input[type=“text”] { .. }</a:t>
+            </a:r>
+            <a:endParaRPr lang="zh-CN" altLang="en-US"/>
+          </a:p>
+        </p:txBody>
+      </p:sp>
+    </p:spTree>
+    <p:extLst>
+      <p:ext uri="{BB962C8B-B14F-4D97-AF65-F5344CB8AC3E}">
+        <p14:creationId xmlns:p14="http://schemas.microsoft.com/office/powerpoint/2010/main" val="2897063929"/>
+      </p:ext>
+    </p:extLst>
+  </p:cSld>
+  <p:clrMapOvr>
+    <a:masterClrMapping/>
+  </p:clrMapOvr>
+</p:sld>
+</file>
+
+<file path=ppt/slides/slide21.xml><?xml version="1.0" encoding="utf-8"?>
+<p:sld xmlns:a="http://schemas.openxmlformats.org/drawingml/2006/main" xmlns:r="http://schemas.openxmlformats.org/officeDocument/2006/relationships" xmlns:p="http://schemas.openxmlformats.org/presentationml/2006/main">
+  <p:cSld>
+    <p:spTree>
+      <p:nvGrpSpPr>
+        <p:cNvPr id="1" name=""/>
+        <p:cNvGrpSpPr/>
+        <p:nvPr/>
+      </p:nvGrpSpPr>
+      <p:grpSpPr>
+        <a:xfrm>
+          <a:off x="0" y="0"/>
+          <a:ext cx="0" cy="0"/>
+          <a:chOff x="0" y="0"/>
+          <a:chExt cx="0" cy="0"/>
+        </a:xfrm>
+      </p:grpSpPr>
+      <p:sp>
+        <p:nvSpPr>
+          <p:cNvPr id="2" name="标题 1"/>
+          <p:cNvSpPr>
+            <a:spLocks noGrp="1"/>
+          </p:cNvSpPr>
+          <p:nvPr>
+            <p:ph type="title"/>
+          </p:nvPr>
+        </p:nvSpPr>
+        <p:spPr/>
+        <p:txBody>
+          <a:bodyPr/>
+          <a:lstStyle/>
+          <a:p>
+            <a:r>
+              <a:rPr lang="zh-CN" altLang="en-US"/>
+              <a:t>后代选择器</a:t>
+            </a:r>
+          </a:p>
+        </p:txBody>
+      </p:sp>
+      <p:sp>
+        <p:nvSpPr>
+          <p:cNvPr id="3" name="内容占位符 2"/>
+          <p:cNvSpPr>
+            <a:spLocks noGrp="1"/>
+          </p:cNvSpPr>
+          <p:nvPr>
+            <p:ph idx="1"/>
+          </p:nvPr>
+        </p:nvSpPr>
+        <p:spPr/>
+        <p:txBody>
+          <a:bodyPr/>
+          <a:lstStyle/>
+          <a:p>
+            <a:r>
+              <a:rPr lang="zh-CN" altLang="en-US"/>
+              <a:t>作用：后代选择器用于选择包含在其他元素中的元素</a:t>
+            </a:r>
+            <a:r>
+              <a:rPr lang="zh-CN" altLang="en-US" smtClean="0"/>
+              <a:t>。</a:t>
+            </a:r>
+            <a:endParaRPr lang="en-US" altLang="zh-CN" smtClean="0"/>
+          </a:p>
+          <a:p>
+            <a:r>
+              <a:rPr lang="zh-CN" altLang="en-US" smtClean="0"/>
+              <a:t>结构：</a:t>
+            </a:r>
+            <a:r>
+              <a:rPr lang="en-US" altLang="zh-CN"/>
+              <a:t>&lt;</a:t>
+            </a:r>
+            <a:r>
+              <a:rPr lang="zh-CN" altLang="en-US"/>
+              <a:t>第一个选择器</a:t>
+            </a:r>
+            <a:r>
+              <a:rPr lang="en-US" altLang="zh-CN"/>
+              <a:t>&gt; &lt;</a:t>
+            </a:r>
+            <a:r>
+              <a:rPr lang="zh-CN" altLang="en-US"/>
+              <a:t>第二个选择器</a:t>
+            </a:r>
+            <a:r>
+              <a:rPr lang="en-US" altLang="zh-CN" smtClean="0"/>
+              <a:t>&gt;</a:t>
+            </a:r>
+          </a:p>
+          <a:p>
+            <a:r>
+              <a:rPr lang="zh-CN" altLang="en-US" smtClean="0"/>
+              <a:t>示例：</a:t>
+            </a:r>
+            <a:r>
+              <a:rPr lang="en-US" altLang="zh-CN" smtClean="0"/>
+              <a:t>p span { … }</a:t>
+            </a:r>
+            <a:endParaRPr lang="zh-CN" altLang="en-US"/>
+          </a:p>
+        </p:txBody>
+      </p:sp>
+    </p:spTree>
+    <p:extLst>
+      <p:ext uri="{BB962C8B-B14F-4D97-AF65-F5344CB8AC3E}">
+        <p14:creationId xmlns:p14="http://schemas.microsoft.com/office/powerpoint/2010/main" val="369452205"/>
+      </p:ext>
+    </p:extLst>
+  </p:cSld>
+  <p:clrMapOvr>
+    <a:masterClrMapping/>
+  </p:clrMapOvr>
+</p:sld>
+</file>
+
+<file path=ppt/slides/slide22.xml><?xml version="1.0" encoding="utf-8"?>
+<p:sld xmlns:a="http://schemas.openxmlformats.org/drawingml/2006/main" xmlns:r="http://schemas.openxmlformats.org/officeDocument/2006/relationships" xmlns:p="http://schemas.openxmlformats.org/presentationml/2006/main">
+  <p:cSld>
+    <p:spTree>
+      <p:nvGrpSpPr>
+        <p:cNvPr id="1" name=""/>
+        <p:cNvGrpSpPr/>
+        <p:nvPr/>
+      </p:nvGrpSpPr>
+      <p:grpSpPr>
+        <a:xfrm>
+          <a:off x="0" y="0"/>
+          <a:ext cx="0" cy="0"/>
+          <a:chOff x="0" y="0"/>
+          <a:chExt cx="0" cy="0"/>
+        </a:xfrm>
+      </p:grpSpPr>
+      <p:sp>
+        <p:nvSpPr>
+          <p:cNvPr id="2" name="标题 1"/>
+          <p:cNvSpPr>
+            <a:spLocks noGrp="1"/>
+          </p:cNvSpPr>
+          <p:nvPr>
+            <p:ph type="title"/>
+          </p:nvPr>
+        </p:nvSpPr>
+        <p:spPr/>
+        <p:txBody>
+          <a:bodyPr/>
+          <a:lstStyle/>
+          <a:p>
+            <a:r>
+              <a:rPr lang="zh-CN" altLang="en-US"/>
+              <a:t>子代选择器</a:t>
+            </a:r>
+          </a:p>
+        </p:txBody>
+      </p:sp>
+      <p:sp>
+        <p:nvSpPr>
+          <p:cNvPr id="3" name="内容占位符 2"/>
+          <p:cNvSpPr>
+            <a:spLocks noGrp="1"/>
+          </p:cNvSpPr>
+          <p:nvPr>
+            <p:ph idx="1"/>
+          </p:nvPr>
+        </p:nvSpPr>
+        <p:spPr/>
+        <p:txBody>
+          <a:bodyPr/>
+          <a:lstStyle/>
+          <a:p>
+            <a:r>
+              <a:rPr lang="zh-CN" altLang="en-US" smtClean="0"/>
+              <a:t>作用：</a:t>
+            </a:r>
+            <a:r>
+              <a:rPr lang="zh-CN" altLang="en-US"/>
+              <a:t>只选择匹配元素中的直接</a:t>
+            </a:r>
+            <a:r>
+              <a:rPr lang="zh-CN" altLang="en-US" smtClean="0"/>
+              <a:t>后代</a:t>
+            </a:r>
+            <a:endParaRPr lang="en-US" altLang="zh-CN" smtClean="0"/>
+          </a:p>
+          <a:p>
+            <a:r>
+              <a:rPr lang="zh-CN" altLang="en-US" smtClean="0"/>
+              <a:t>结构：</a:t>
+            </a:r>
+            <a:r>
+              <a:rPr lang="en-US" altLang="zh-CN"/>
+              <a:t>&lt;</a:t>
+            </a:r>
+            <a:r>
+              <a:rPr lang="zh-CN" altLang="en-US"/>
+              <a:t>第一个选择器</a:t>
+            </a:r>
+            <a:r>
+              <a:rPr lang="en-US" altLang="zh-CN"/>
+              <a:t>&gt; &gt; &lt;</a:t>
+            </a:r>
+            <a:r>
+              <a:rPr lang="zh-CN" altLang="en-US"/>
+              <a:t>第二个选择器</a:t>
+            </a:r>
+            <a:r>
+              <a:rPr lang="en-US" altLang="zh-CN" smtClean="0"/>
+              <a:t>&gt;</a:t>
+            </a:r>
+          </a:p>
+          <a:p>
+            <a:endParaRPr lang="zh-CN" altLang="en-US"/>
+          </a:p>
+        </p:txBody>
+      </p:sp>
+    </p:spTree>
+    <p:extLst>
+      <p:ext uri="{BB962C8B-B14F-4D97-AF65-F5344CB8AC3E}">
+        <p14:creationId xmlns:p14="http://schemas.microsoft.com/office/powerpoint/2010/main" val="1628829551"/>
       </p:ext>
     </p:extLst>
   </p:cSld>
@@ -4785,23 +5762,15 @@
             </a:r>
             <a:r>
               <a:rPr lang="en-US" altLang="zh-CN"/>
-              <a:t>li</a:t>
+              <a:t>li&gt;</a:t>
+            </a:r>
+            <a:r>
+              <a:rPr lang="zh-CN" altLang="en-US" smtClean="0"/>
+              <a:t>第三项</a:t>
             </a:r>
             <a:r>
               <a:rPr lang="en-US" altLang="zh-CN"/>
-              <a:t>&gt;</a:t>
-            </a:r>
-            <a:r>
-              <a:rPr lang="zh-CN" altLang="en-US" smtClean="0"/>
-              <a:t>第三项</a:t>
-            </a:r>
-            <a:r>
-              <a:rPr lang="en-US" altLang="zh-CN"/>
-              <a:t>&lt;/</a:t>
-            </a:r>
-            <a:r>
-              <a:rPr lang="en-US" altLang="zh-CN"/>
-              <a:t>li</a:t>
+              <a:t>&lt;/li</a:t>
             </a:r>
             <a:r>
               <a:rPr lang="en-US" altLang="zh-CN" smtClean="0"/>
@@ -4866,7 +5835,30 @@
             <a:spLocks noGrp="1"/>
           </p:cNvSpPr>
           <p:nvPr>
-            <p:ph type="ctrTitle"/>
+            <p:ph type="title"/>
+          </p:nvPr>
+        </p:nvSpPr>
+        <p:spPr/>
+        <p:txBody>
+          <a:bodyPr/>
+          <a:lstStyle/>
+          <a:p>
+            <a:r>
+              <a:rPr lang="zh-CN" altLang="en-US" smtClean="0"/>
+              <a:t>定义和应用样式</a:t>
+            </a:r>
+            <a:endParaRPr lang="zh-CN" altLang="en-US"/>
+          </a:p>
+        </p:txBody>
+      </p:sp>
+      <p:sp>
+        <p:nvSpPr>
+          <p:cNvPr id="3" name="内容占位符 2"/>
+          <p:cNvSpPr>
+            <a:spLocks noGrp="1"/>
+          </p:cNvSpPr>
+          <p:nvPr>
+            <p:ph idx="1"/>
           </p:nvPr>
         </p:nvSpPr>
         <p:spPr/>
@@ -4880,35 +5872,501 @@
             </a:r>
             <a:r>
               <a:rPr lang="zh-CN" altLang="en-US" smtClean="0"/>
-              <a:t>基础选择器</a:t>
-            </a:r>
-            <a:endParaRPr lang="zh-CN" altLang="en-US"/>
-          </a:p>
-        </p:txBody>
-      </p:sp>
-      <p:sp>
-        <p:nvSpPr>
-          <p:cNvPr id="3" name="副标题 2"/>
-          <p:cNvSpPr>
-            <a:spLocks noGrp="1"/>
-          </p:cNvSpPr>
-          <p:nvPr>
-            <p:ph type="subTitle" idx="1"/>
-          </p:nvPr>
-        </p:nvSpPr>
-        <p:spPr/>
-        <p:txBody>
-          <a:bodyPr/>
-          <a:lstStyle/>
-          <a:p>
-            <a:endParaRPr lang="zh-CN" altLang="en-US"/>
-          </a:p>
-        </p:txBody>
-      </p:sp>
+              <a:t>（层叠样式表）用来规定</a:t>
+            </a:r>
+            <a:r>
+              <a:rPr lang="en-US" altLang="zh-CN" smtClean="0"/>
+              <a:t>HTML</a:t>
+            </a:r>
+            <a:r>
+              <a:rPr lang="zh-CN" altLang="en-US" smtClean="0"/>
+              <a:t>文档的呈现形式。</a:t>
+            </a:r>
+            <a:endParaRPr lang="en-US" altLang="zh-CN" smtClean="0"/>
+          </a:p>
+          <a:p>
+            <a:endParaRPr lang="zh-CN" altLang="en-US"/>
+          </a:p>
+        </p:txBody>
+      </p:sp>
+      <p:sp>
+        <p:nvSpPr>
+          <p:cNvPr id="4" name="TextBox 3"/>
+          <p:cNvSpPr txBox="1"/>
+          <p:nvPr/>
+        </p:nvSpPr>
+        <p:spPr>
+          <a:xfrm>
+            <a:off x="1187856" y="4005064"/>
+            <a:ext cx="3960000" cy="584775"/>
+          </a:xfrm>
+          <a:prstGeom prst="rect">
+            <a:avLst/>
+          </a:prstGeom>
+          <a:noFill/>
+          <a:ln>
+            <a:solidFill>
+              <a:schemeClr val="tx1"/>
+            </a:solidFill>
+          </a:ln>
+        </p:spPr>
+        <p:txBody>
+          <a:bodyPr wrap="square" rtlCol="0">
+            <a:spAutoFit/>
+          </a:bodyPr>
+          <a:lstStyle/>
+          <a:p>
+            <a:r>
+              <a:rPr lang="en-US" altLang="zh-CN" sz="3200" smtClean="0"/>
+              <a:t>background-color:grey</a:t>
+            </a:r>
+            <a:endParaRPr lang="zh-CN" altLang="en-US" sz="3200"/>
+          </a:p>
+        </p:txBody>
+      </p:sp>
+      <p:sp>
+        <p:nvSpPr>
+          <p:cNvPr id="5" name="TextBox 4"/>
+          <p:cNvSpPr txBox="1"/>
+          <p:nvPr/>
+        </p:nvSpPr>
+        <p:spPr>
+          <a:xfrm>
+            <a:off x="5076288" y="4149080"/>
+            <a:ext cx="216000" cy="369332"/>
+          </a:xfrm>
+          <a:prstGeom prst="rect">
+            <a:avLst/>
+          </a:prstGeom>
+          <a:noFill/>
+        </p:spPr>
+        <p:txBody>
+          <a:bodyPr wrap="square" rtlCol="0">
+            <a:spAutoFit/>
+          </a:bodyPr>
+          <a:lstStyle/>
+          <a:p>
+            <a:r>
+              <a:rPr lang="en-US" altLang="zh-CN" smtClean="0"/>
+              <a:t>;</a:t>
+            </a:r>
+            <a:endParaRPr lang="zh-CN" altLang="en-US"/>
+          </a:p>
+        </p:txBody>
+      </p:sp>
+      <p:sp>
+        <p:nvSpPr>
+          <p:cNvPr id="6" name="TextBox 5"/>
+          <p:cNvSpPr txBox="1"/>
+          <p:nvPr/>
+        </p:nvSpPr>
+        <p:spPr>
+          <a:xfrm>
+            <a:off x="5292312" y="4005064"/>
+            <a:ext cx="2088000" cy="584775"/>
+          </a:xfrm>
+          <a:prstGeom prst="rect">
+            <a:avLst/>
+          </a:prstGeom>
+          <a:noFill/>
+          <a:ln>
+            <a:solidFill>
+              <a:schemeClr val="tx1"/>
+            </a:solidFill>
+          </a:ln>
+        </p:spPr>
+        <p:txBody>
+          <a:bodyPr wrap="square" rtlCol="0">
+            <a:spAutoFit/>
+          </a:bodyPr>
+          <a:lstStyle/>
+          <a:p>
+            <a:r>
+              <a:rPr lang="en-US" altLang="zh-CN" sz="3200" smtClean="0"/>
+              <a:t>color:white</a:t>
+            </a:r>
+            <a:endParaRPr lang="zh-CN" altLang="en-US" sz="3200"/>
+          </a:p>
+        </p:txBody>
+      </p:sp>
+      <p:cxnSp>
+        <p:nvCxnSpPr>
+          <p:cNvPr id="8" name="直接箭头连接符 7"/>
+          <p:cNvCxnSpPr/>
+          <p:nvPr/>
+        </p:nvCxnSpPr>
+        <p:spPr>
+          <a:xfrm>
+            <a:off x="2284657" y="3429000"/>
+            <a:ext cx="0" cy="576064"/>
+          </a:xfrm>
+          <a:prstGeom prst="straightConnector1">
+            <a:avLst/>
+          </a:prstGeom>
+          <a:ln>
+            <a:tailEnd type="arrow"/>
+          </a:ln>
+        </p:spPr>
+        <p:style>
+          <a:lnRef idx="1">
+            <a:schemeClr val="accent1"/>
+          </a:lnRef>
+          <a:fillRef idx="0">
+            <a:schemeClr val="accent1"/>
+          </a:fillRef>
+          <a:effectRef idx="0">
+            <a:schemeClr val="accent1"/>
+          </a:effectRef>
+          <a:fontRef idx="minor">
+            <a:schemeClr val="tx1"/>
+          </a:fontRef>
+        </p:style>
+      </p:cxnSp>
+      <p:cxnSp>
+        <p:nvCxnSpPr>
+          <p:cNvPr id="9" name="直接箭头连接符 8"/>
+          <p:cNvCxnSpPr/>
+          <p:nvPr/>
+        </p:nvCxnSpPr>
+        <p:spPr>
+          <a:xfrm>
+            <a:off x="4572000" y="3429000"/>
+            <a:ext cx="0" cy="576064"/>
+          </a:xfrm>
+          <a:prstGeom prst="straightConnector1">
+            <a:avLst/>
+          </a:prstGeom>
+          <a:ln>
+            <a:tailEnd type="arrow"/>
+          </a:ln>
+        </p:spPr>
+        <p:style>
+          <a:lnRef idx="1">
+            <a:schemeClr val="accent1"/>
+          </a:lnRef>
+          <a:fillRef idx="0">
+            <a:schemeClr val="accent1"/>
+          </a:fillRef>
+          <a:effectRef idx="0">
+            <a:schemeClr val="accent1"/>
+          </a:effectRef>
+          <a:fontRef idx="minor">
+            <a:schemeClr val="tx1"/>
+          </a:fontRef>
+        </p:style>
+      </p:cxnSp>
+      <p:cxnSp>
+        <p:nvCxnSpPr>
+          <p:cNvPr id="10" name="直接箭头连接符 9"/>
+          <p:cNvCxnSpPr/>
+          <p:nvPr/>
+        </p:nvCxnSpPr>
+        <p:spPr>
+          <a:xfrm>
+            <a:off x="5724128" y="3429000"/>
+            <a:ext cx="0" cy="576064"/>
+          </a:xfrm>
+          <a:prstGeom prst="straightConnector1">
+            <a:avLst/>
+          </a:prstGeom>
+          <a:ln>
+            <a:tailEnd type="arrow"/>
+          </a:ln>
+        </p:spPr>
+        <p:style>
+          <a:lnRef idx="1">
+            <a:schemeClr val="accent1"/>
+          </a:lnRef>
+          <a:fillRef idx="0">
+            <a:schemeClr val="accent1"/>
+          </a:fillRef>
+          <a:effectRef idx="0">
+            <a:schemeClr val="accent1"/>
+          </a:effectRef>
+          <a:fontRef idx="minor">
+            <a:schemeClr val="tx1"/>
+          </a:fontRef>
+        </p:style>
+      </p:cxnSp>
+      <p:cxnSp>
+        <p:nvCxnSpPr>
+          <p:cNvPr id="11" name="直接箭头连接符 10"/>
+          <p:cNvCxnSpPr/>
+          <p:nvPr/>
+        </p:nvCxnSpPr>
+        <p:spPr>
+          <a:xfrm>
+            <a:off x="6732240" y="3429000"/>
+            <a:ext cx="0" cy="576064"/>
+          </a:xfrm>
+          <a:prstGeom prst="straightConnector1">
+            <a:avLst/>
+          </a:prstGeom>
+          <a:ln>
+            <a:tailEnd type="arrow"/>
+          </a:ln>
+        </p:spPr>
+        <p:style>
+          <a:lnRef idx="1">
+            <a:schemeClr val="accent1"/>
+          </a:lnRef>
+          <a:fillRef idx="0">
+            <a:schemeClr val="accent1"/>
+          </a:fillRef>
+          <a:effectRef idx="0">
+            <a:schemeClr val="accent1"/>
+          </a:effectRef>
+          <a:fontRef idx="minor">
+            <a:schemeClr val="tx1"/>
+          </a:fontRef>
+        </p:style>
+      </p:cxnSp>
+      <p:sp>
+        <p:nvSpPr>
+          <p:cNvPr id="12" name="TextBox 11"/>
+          <p:cNvSpPr txBox="1"/>
+          <p:nvPr/>
+        </p:nvSpPr>
+        <p:spPr>
+          <a:xfrm>
+            <a:off x="1888613" y="3054106"/>
+            <a:ext cx="792088" cy="369332"/>
+          </a:xfrm>
+          <a:prstGeom prst="rect">
+            <a:avLst/>
+          </a:prstGeom>
+          <a:noFill/>
+        </p:spPr>
+        <p:txBody>
+          <a:bodyPr wrap="square" rtlCol="0">
+            <a:spAutoFit/>
+          </a:bodyPr>
+          <a:lstStyle/>
+          <a:p>
+            <a:r>
+              <a:rPr lang="zh-CN" altLang="en-US" smtClean="0"/>
+              <a:t>属性</a:t>
+            </a:r>
+            <a:endParaRPr lang="zh-CN" altLang="en-US"/>
+          </a:p>
+        </p:txBody>
+      </p:sp>
+      <p:sp>
+        <p:nvSpPr>
+          <p:cNvPr id="13" name="TextBox 12"/>
+          <p:cNvSpPr txBox="1"/>
+          <p:nvPr/>
+        </p:nvSpPr>
+        <p:spPr>
+          <a:xfrm>
+            <a:off x="5364088" y="3059668"/>
+            <a:ext cx="792088" cy="369332"/>
+          </a:xfrm>
+          <a:prstGeom prst="rect">
+            <a:avLst/>
+          </a:prstGeom>
+          <a:noFill/>
+        </p:spPr>
+        <p:txBody>
+          <a:bodyPr wrap="square" rtlCol="0">
+            <a:spAutoFit/>
+          </a:bodyPr>
+          <a:lstStyle/>
+          <a:p>
+            <a:r>
+              <a:rPr lang="zh-CN" altLang="en-US" smtClean="0"/>
+              <a:t>属性</a:t>
+            </a:r>
+            <a:endParaRPr lang="zh-CN" altLang="en-US"/>
+          </a:p>
+        </p:txBody>
+      </p:sp>
+      <p:sp>
+        <p:nvSpPr>
+          <p:cNvPr id="14" name="TextBox 13"/>
+          <p:cNvSpPr txBox="1"/>
+          <p:nvPr/>
+        </p:nvSpPr>
+        <p:spPr>
+          <a:xfrm>
+            <a:off x="4392032" y="3021840"/>
+            <a:ext cx="468000" cy="369332"/>
+          </a:xfrm>
+          <a:prstGeom prst="rect">
+            <a:avLst/>
+          </a:prstGeom>
+          <a:noFill/>
+        </p:spPr>
+        <p:txBody>
+          <a:bodyPr wrap="square" rtlCol="0">
+            <a:spAutoFit/>
+          </a:bodyPr>
+          <a:lstStyle/>
+          <a:p>
+            <a:r>
+              <a:rPr lang="zh-CN" altLang="en-US"/>
+              <a:t>值</a:t>
+            </a:r>
+          </a:p>
+        </p:txBody>
+      </p:sp>
+      <p:sp>
+        <p:nvSpPr>
+          <p:cNvPr id="15" name="TextBox 14"/>
+          <p:cNvSpPr txBox="1"/>
+          <p:nvPr/>
+        </p:nvSpPr>
+        <p:spPr>
+          <a:xfrm>
+            <a:off x="6498240" y="3030849"/>
+            <a:ext cx="468000" cy="369332"/>
+          </a:xfrm>
+          <a:prstGeom prst="rect">
+            <a:avLst/>
+          </a:prstGeom>
+          <a:noFill/>
+        </p:spPr>
+        <p:txBody>
+          <a:bodyPr wrap="square" rtlCol="0">
+            <a:spAutoFit/>
+          </a:bodyPr>
+          <a:lstStyle/>
+          <a:p>
+            <a:r>
+              <a:rPr lang="zh-CN" altLang="en-US"/>
+              <a:t>值</a:t>
+            </a:r>
+          </a:p>
+        </p:txBody>
+      </p:sp>
+      <p:sp>
+        <p:nvSpPr>
+          <p:cNvPr id="16" name="TextBox 15"/>
+          <p:cNvSpPr txBox="1"/>
+          <p:nvPr/>
+        </p:nvSpPr>
+        <p:spPr>
+          <a:xfrm>
+            <a:off x="2843808" y="5445224"/>
+            <a:ext cx="792088" cy="369332"/>
+          </a:xfrm>
+          <a:prstGeom prst="rect">
+            <a:avLst/>
+          </a:prstGeom>
+          <a:noFill/>
+        </p:spPr>
+        <p:txBody>
+          <a:bodyPr wrap="square" rtlCol="0">
+            <a:spAutoFit/>
+          </a:bodyPr>
+          <a:lstStyle/>
+          <a:p>
+            <a:r>
+              <a:rPr lang="zh-CN" altLang="en-US"/>
+              <a:t>声明</a:t>
+            </a:r>
+          </a:p>
+        </p:txBody>
+      </p:sp>
+      <p:sp>
+        <p:nvSpPr>
+          <p:cNvPr id="17" name="TextBox 16"/>
+          <p:cNvSpPr txBox="1"/>
+          <p:nvPr/>
+        </p:nvSpPr>
+        <p:spPr>
+          <a:xfrm>
+            <a:off x="6012160" y="5445224"/>
+            <a:ext cx="792088" cy="369332"/>
+          </a:xfrm>
+          <a:prstGeom prst="rect">
+            <a:avLst/>
+          </a:prstGeom>
+          <a:noFill/>
+        </p:spPr>
+        <p:txBody>
+          <a:bodyPr wrap="square" rtlCol="0">
+            <a:spAutoFit/>
+          </a:bodyPr>
+          <a:lstStyle/>
+          <a:p>
+            <a:r>
+              <a:rPr lang="zh-CN" altLang="en-US"/>
+              <a:t>声明</a:t>
+            </a:r>
+          </a:p>
+        </p:txBody>
+      </p:sp>
+      <p:cxnSp>
+        <p:nvCxnSpPr>
+          <p:cNvPr id="19" name="直接箭头连接符 18"/>
+          <p:cNvCxnSpPr/>
+          <p:nvPr/>
+        </p:nvCxnSpPr>
+        <p:spPr>
+          <a:xfrm flipV="1">
+            <a:off x="3167856" y="4589839"/>
+            <a:ext cx="0" cy="792088"/>
+          </a:xfrm>
+          <a:prstGeom prst="straightConnector1">
+            <a:avLst/>
+          </a:prstGeom>
+          <a:ln>
+            <a:tailEnd type="arrow"/>
+          </a:ln>
+        </p:spPr>
+        <p:style>
+          <a:lnRef idx="1">
+            <a:schemeClr val="accent1"/>
+          </a:lnRef>
+          <a:fillRef idx="0">
+            <a:schemeClr val="accent1"/>
+          </a:fillRef>
+          <a:effectRef idx="0">
+            <a:schemeClr val="accent1"/>
+          </a:effectRef>
+          <a:fontRef idx="minor">
+            <a:schemeClr val="tx1"/>
+          </a:fontRef>
+        </p:style>
+      </p:cxnSp>
+      <p:cxnSp>
+        <p:nvCxnSpPr>
+          <p:cNvPr id="20" name="直接箭头连接符 19"/>
+          <p:cNvCxnSpPr/>
+          <p:nvPr/>
+        </p:nvCxnSpPr>
+        <p:spPr>
+          <a:xfrm flipV="1">
+            <a:off x="6350660" y="4589839"/>
+            <a:ext cx="0" cy="792088"/>
+          </a:xfrm>
+          <a:prstGeom prst="straightConnector1">
+            <a:avLst/>
+          </a:prstGeom>
+          <a:ln>
+            <a:tailEnd type="arrow"/>
+          </a:ln>
+        </p:spPr>
+        <p:style>
+          <a:lnRef idx="1">
+            <a:schemeClr val="accent1"/>
+          </a:lnRef>
+          <a:fillRef idx="0">
+            <a:schemeClr val="accent1"/>
+          </a:fillRef>
+          <a:effectRef idx="0">
+            <a:schemeClr val="accent1"/>
+          </a:effectRef>
+          <a:fontRef idx="minor">
+            <a:schemeClr val="tx1"/>
+          </a:fontRef>
+        </p:style>
+      </p:cxnSp>
     </p:spTree>
     <p:extLst>
       <p:ext uri="{BB962C8B-B14F-4D97-AF65-F5344CB8AC3E}">
-        <p14:creationId xmlns:p14="http://schemas.microsoft.com/office/powerpoint/2010/main" val="2374383559"/>
+        <p14:creationId xmlns:p14="http://schemas.microsoft.com/office/powerpoint/2010/main" val="3411698605"/>
       </p:ext>
     </p:extLst>
   </p:cSld>
@@ -4952,7 +6410,7 @@
           <a:p>
             <a:r>
               <a:rPr lang="zh-CN" altLang="en-US" smtClean="0"/>
-              <a:t>通用选择器</a:t>
+              <a:t>元素内嵌样式</a:t>
             </a:r>
             <a:endParaRPr lang="zh-CN" altLang="en-US"/>
           </a:p>
@@ -4970,31 +6428,107 @@
         </p:nvSpPr>
         <p:spPr/>
         <p:txBody>
-          <a:bodyPr/>
-          <a:lstStyle/>
-          <a:p>
-            <a:r>
-              <a:rPr lang="zh-CN" altLang="en-US" smtClean="0"/>
-              <a:t>作用：选择所有元素</a:t>
-            </a:r>
-            <a:endParaRPr lang="en-US" altLang="zh-CN" smtClean="0"/>
-          </a:p>
-          <a:p>
-            <a:r>
-              <a:rPr lang="zh-CN" altLang="en-US" smtClean="0"/>
-              <a:t>结构：</a:t>
-            </a:r>
-            <a:r>
-              <a:rPr lang="en-US" altLang="zh-CN" smtClean="0"/>
-              <a:t>* { … }</a:t>
-            </a:r>
+          <a:bodyPr>
+            <a:normAutofit/>
+          </a:bodyPr>
+          <a:lstStyle/>
+          <a:p>
+            <a:pPr marL="0" indent="0">
+              <a:buNone/>
+            </a:pPr>
+            <a:r>
+              <a:rPr lang="zh-CN" altLang="en-US" sz="2800" smtClean="0"/>
+              <a:t>使用属性</a:t>
+            </a:r>
+            <a:r>
+              <a:rPr lang="en-US" altLang="zh-CN" sz="2800" smtClean="0"/>
+              <a:t>style</a:t>
+            </a:r>
+            <a:r>
+              <a:rPr lang="zh-CN" altLang="en-US" sz="2800" smtClean="0"/>
+              <a:t>定义样式。</a:t>
+            </a:r>
+            <a:endParaRPr lang="en-US" altLang="zh-CN" sz="2800" smtClean="0"/>
+          </a:p>
+          <a:p>
+            <a:pPr marL="0" indent="0">
+              <a:buNone/>
+            </a:pPr>
+            <a:r>
+              <a:rPr lang="en-US" altLang="zh-CN" sz="2800" smtClean="0"/>
+              <a:t>&lt;body&gt;</a:t>
+            </a:r>
+          </a:p>
+          <a:p>
+            <a:pPr marL="0" indent="0">
+              <a:buNone/>
+            </a:pPr>
+            <a:r>
+              <a:rPr lang="en-US" altLang="zh-CN" sz="2800"/>
+              <a:t>	</a:t>
+            </a:r>
+            <a:r>
+              <a:rPr lang="en-US" altLang="zh-CN" sz="2800" smtClean="0"/>
+              <a:t>&lt;a href=</a:t>
+            </a:r>
+            <a:r>
+              <a:rPr lang="en-US" altLang="zh-CN" sz="2800" smtClean="0">
+                <a:hlinkClick r:id="rId2"/>
+              </a:rPr>
+              <a:t>“www.baidu.com</a:t>
+            </a:r>
+            <a:r>
+              <a:rPr lang="en-US" altLang="zh-CN" sz="2800" smtClean="0"/>
+              <a:t>” style=“color:green”&gt;</a:t>
+            </a:r>
+          </a:p>
+          <a:p>
+            <a:pPr marL="0" indent="0">
+              <a:buNone/>
+            </a:pPr>
+            <a:r>
+              <a:rPr lang="en-US" altLang="zh-CN" sz="2800"/>
+              <a:t>	</a:t>
+            </a:r>
+            <a:r>
+              <a:rPr lang="en-US" altLang="zh-CN" sz="2800" smtClean="0"/>
+              <a:t>	</a:t>
+            </a:r>
+            <a:r>
+              <a:rPr lang="zh-CN" altLang="en-US" sz="2800" smtClean="0"/>
+              <a:t>百度</a:t>
+            </a:r>
+            <a:endParaRPr lang="en-US" altLang="zh-CN" sz="2800" smtClean="0"/>
+          </a:p>
+          <a:p>
+            <a:pPr marL="0" indent="0">
+              <a:buNone/>
+            </a:pPr>
+            <a:r>
+              <a:rPr lang="en-US" altLang="zh-CN" sz="2800"/>
+              <a:t>	</a:t>
+            </a:r>
+            <a:r>
+              <a:rPr lang="en-US" altLang="zh-CN" sz="2800" smtClean="0"/>
+              <a:t>&lt;/a&gt;</a:t>
+            </a:r>
+          </a:p>
+          <a:p>
+            <a:pPr marL="0" indent="0">
+              <a:buNone/>
+            </a:pPr>
+            <a:r>
+              <a:rPr lang="en-US" altLang="zh-CN" sz="2800" smtClean="0"/>
+              <a:t>&lt;/body&gt;</a:t>
+            </a:r>
+            <a:endParaRPr lang="zh-CN" altLang="en-US" sz="2800"/>
           </a:p>
         </p:txBody>
       </p:sp>
     </p:spTree>
     <p:extLst>
       <p:ext uri="{BB962C8B-B14F-4D97-AF65-F5344CB8AC3E}">
-        <p14:creationId xmlns:p14="http://schemas.microsoft.com/office/powerpoint/2010/main" val="4109824833"/>
+        <p14:creationId xmlns:p14="http://schemas.microsoft.com/office/powerpoint/2010/main" val="2200422107"/>
       </p:ext>
     </p:extLst>
   </p:cSld>
@@ -5038,7 +6572,7 @@
           <a:p>
             <a:r>
               <a:rPr lang="zh-CN" altLang="en-US" smtClean="0"/>
-              <a:t>元素类型选择器</a:t>
+              <a:t>使用文档内嵌样式</a:t>
             </a:r>
             <a:endParaRPr lang="zh-CN" altLang="en-US"/>
           </a:p>
@@ -5056,52 +6590,362 @@
         </p:nvSpPr>
         <p:spPr/>
         <p:txBody>
-          <a:bodyPr/>
-          <a:lstStyle/>
-          <a:p>
-            <a:r>
-              <a:rPr lang="zh-CN" altLang="en-US" smtClean="0"/>
-              <a:t>作用：通过元素类型选择元素</a:t>
+          <a:bodyPr>
+            <a:normAutofit fontScale="70000" lnSpcReduction="20000"/>
+          </a:bodyPr>
+          <a:lstStyle/>
+          <a:p>
+            <a:r>
+              <a:rPr lang="zh-CN" altLang="en-US" smtClean="0"/>
+              <a:t>在</a:t>
+            </a:r>
+            <a:r>
+              <a:rPr lang="en-US" altLang="zh-CN" smtClean="0"/>
+              <a:t>&lt;head&gt;</a:t>
+            </a:r>
+            <a:r>
+              <a:rPr lang="zh-CN" altLang="en-US" smtClean="0"/>
+              <a:t>元素中，使用</a:t>
+            </a:r>
+            <a:r>
+              <a:rPr lang="en-US" altLang="zh-CN" smtClean="0"/>
+              <a:t>&lt;style&gt;</a:t>
+            </a:r>
+            <a:r>
+              <a:rPr lang="zh-CN" altLang="en-US" smtClean="0"/>
+              <a:t>元素定义文档内嵌样式，通过</a:t>
+            </a:r>
+            <a:r>
+              <a:rPr lang="en-US" altLang="zh-CN" smtClean="0"/>
+              <a:t>CSS</a:t>
+            </a:r>
+            <a:r>
+              <a:rPr lang="zh-CN" altLang="en-US" smtClean="0"/>
+              <a:t>选择器选择元素。</a:t>
             </a:r>
             <a:endParaRPr lang="en-US" altLang="zh-CN" smtClean="0"/>
           </a:p>
           <a:p>
-            <a:r>
-              <a:rPr lang="zh-CN" altLang="en-US" smtClean="0"/>
-              <a:t>结构：</a:t>
-            </a:r>
-            <a:r>
-              <a:rPr lang="en-US" altLang="zh-CN" smtClean="0"/>
-              <a:t>&lt;</a:t>
-            </a:r>
-            <a:r>
-              <a:rPr lang="zh-CN" altLang="en-US" smtClean="0"/>
-              <a:t>元素标签</a:t>
-            </a:r>
-            <a:r>
-              <a:rPr lang="en-US" altLang="zh-CN" smtClean="0"/>
-              <a:t>&gt; { … }</a:t>
-            </a:r>
-          </a:p>
-          <a:p>
-            <a:r>
-              <a:rPr lang="zh-CN" altLang="en-US" smtClean="0"/>
-              <a:t>示例：</a:t>
-            </a:r>
-            <a:r>
-              <a:rPr lang="en-US" altLang="zh-CN" smtClean="0"/>
-              <a:t>p { … }</a:t>
-            </a:r>
-          </a:p>
-          <a:p>
-            <a:endParaRPr lang="zh-CN" altLang="en-US"/>
+            <a:pPr marL="0" indent="0">
+              <a:buNone/>
+            </a:pPr>
+            <a:r>
+              <a:rPr lang="en-US" altLang="zh-CN" smtClean="0"/>
+              <a:t>&lt;head&gt;</a:t>
+            </a:r>
+          </a:p>
+          <a:p>
+            <a:pPr marL="0" indent="0">
+              <a:buNone/>
+            </a:pPr>
+            <a:r>
+              <a:rPr lang="en-US" altLang="zh-CN"/>
+              <a:t>	</a:t>
+            </a:r>
+            <a:r>
+              <a:rPr lang="en-US" altLang="zh-CN" smtClean="0"/>
+              <a:t>&lt;style&gt;</a:t>
+            </a:r>
+          </a:p>
+          <a:p>
+            <a:pPr marL="0" indent="0">
+              <a:buNone/>
+            </a:pPr>
+            <a:r>
+              <a:rPr lang="en-US" altLang="zh-CN"/>
+              <a:t>	</a:t>
+            </a:r>
+            <a:r>
+              <a:rPr lang="en-US" altLang="zh-CN" smtClean="0"/>
+              <a:t>	a {</a:t>
+            </a:r>
+          </a:p>
+          <a:p>
+            <a:pPr marL="0" indent="0">
+              <a:buNone/>
+            </a:pPr>
+            <a:r>
+              <a:rPr lang="en-US" altLang="zh-CN" smtClean="0"/>
+              <a:t>			color:green;</a:t>
+            </a:r>
+          </a:p>
+          <a:p>
+            <a:pPr marL="0" indent="0">
+              <a:buNone/>
+            </a:pPr>
+            <a:r>
+              <a:rPr lang="en-US" altLang="zh-CN"/>
+              <a:t>	</a:t>
+            </a:r>
+            <a:r>
+              <a:rPr lang="en-US" altLang="zh-CN" smtClean="0"/>
+              <a:t>		background-color:grey;</a:t>
+            </a:r>
+            <a:endParaRPr lang="en-US" altLang="zh-CN"/>
+          </a:p>
+          <a:p>
+            <a:pPr marL="0" indent="0">
+              <a:buNone/>
+            </a:pPr>
+            <a:r>
+              <a:rPr lang="en-US" altLang="zh-CN" smtClean="0"/>
+              <a:t>		}</a:t>
+            </a:r>
+          </a:p>
+          <a:p>
+            <a:pPr marL="0" indent="0">
+              <a:buNone/>
+            </a:pPr>
+            <a:r>
+              <a:rPr lang="en-US" altLang="zh-CN"/>
+              <a:t>	</a:t>
+            </a:r>
+            <a:r>
+              <a:rPr lang="en-US" altLang="zh-CN" smtClean="0"/>
+              <a:t>&lt;/style&gt;</a:t>
+            </a:r>
+          </a:p>
+          <a:p>
+            <a:pPr marL="0" indent="0">
+              <a:buNone/>
+            </a:pPr>
+            <a:r>
+              <a:rPr lang="en-US" altLang="zh-CN" smtClean="0"/>
+              <a:t>&lt;/head&gt;</a:t>
+            </a:r>
+          </a:p>
+          <a:p>
+            <a:pPr marL="0" indent="0">
+              <a:buNone/>
+            </a:pPr>
+            <a:r>
+              <a:rPr lang="en-US" altLang="zh-CN" smtClean="0"/>
+              <a:t>&lt;body&gt;</a:t>
+            </a:r>
+          </a:p>
+          <a:p>
+            <a:pPr marL="0" indent="0">
+              <a:buNone/>
+            </a:pPr>
+            <a:r>
+              <a:rPr lang="en-US" altLang="zh-CN"/>
+              <a:t>	</a:t>
+            </a:r>
+            <a:r>
+              <a:rPr lang="en-US" altLang="zh-CN" smtClean="0"/>
+              <a:t>&lt;a href=“www.baidu.com”&gt; </a:t>
+            </a:r>
+            <a:r>
+              <a:rPr lang="zh-CN" altLang="en-US" smtClean="0"/>
+              <a:t>百度</a:t>
+            </a:r>
+            <a:r>
+              <a:rPr lang="en-US" altLang="zh-CN" smtClean="0"/>
+              <a:t>&lt;/a&gt;</a:t>
+            </a:r>
+          </a:p>
+          <a:p>
+            <a:pPr marL="0" indent="0">
+              <a:buNone/>
+            </a:pPr>
+            <a:r>
+              <a:rPr lang="en-US" altLang="zh-CN" smtClean="0"/>
+              <a:t>&lt;/body&gt;</a:t>
+            </a:r>
+            <a:endParaRPr lang="zh-CN" altLang="en-US"/>
+          </a:p>
+        </p:txBody>
+      </p:sp>
+      <p:sp>
+        <p:nvSpPr>
+          <p:cNvPr id="4" name="TextBox 3"/>
+          <p:cNvSpPr txBox="1"/>
+          <p:nvPr/>
+        </p:nvSpPr>
+        <p:spPr>
+          <a:xfrm>
+            <a:off x="2195736" y="2852936"/>
+            <a:ext cx="360040" cy="369332"/>
+          </a:xfrm>
+          <a:prstGeom prst="rect">
+            <a:avLst/>
+          </a:prstGeom>
+          <a:noFill/>
+          <a:ln>
+            <a:solidFill>
+              <a:schemeClr val="tx1"/>
+            </a:solidFill>
+          </a:ln>
+        </p:spPr>
+        <p:txBody>
+          <a:bodyPr wrap="square" rtlCol="0">
+            <a:spAutoFit/>
+          </a:bodyPr>
+          <a:lstStyle/>
+          <a:p>
+            <a:endParaRPr lang="zh-CN" altLang="en-US"/>
+          </a:p>
+        </p:txBody>
+      </p:sp>
+      <p:sp>
+        <p:nvSpPr>
+          <p:cNvPr id="5" name="TextBox 4"/>
+          <p:cNvSpPr txBox="1"/>
+          <p:nvPr/>
+        </p:nvSpPr>
+        <p:spPr>
+          <a:xfrm>
+            <a:off x="3059832" y="3190002"/>
+            <a:ext cx="3240360" cy="743054"/>
+          </a:xfrm>
+          <a:prstGeom prst="rect">
+            <a:avLst/>
+          </a:prstGeom>
+          <a:noFill/>
+          <a:ln>
+            <a:solidFill>
+              <a:schemeClr val="tx1"/>
+            </a:solidFill>
+          </a:ln>
+        </p:spPr>
+        <p:txBody>
+          <a:bodyPr wrap="square" rtlCol="0">
+            <a:spAutoFit/>
+          </a:bodyPr>
+          <a:lstStyle/>
+          <a:p>
+            <a:endParaRPr lang="zh-CN" altLang="en-US"/>
+          </a:p>
+        </p:txBody>
+      </p:sp>
+      <p:cxnSp>
+        <p:nvCxnSpPr>
+          <p:cNvPr id="7" name="直接箭头连接符 6"/>
+          <p:cNvCxnSpPr/>
+          <p:nvPr/>
+        </p:nvCxnSpPr>
+        <p:spPr>
+          <a:xfrm>
+            <a:off x="1691680" y="3037602"/>
+            <a:ext cx="360040" cy="0"/>
+          </a:xfrm>
+          <a:prstGeom prst="straightConnector1">
+            <a:avLst/>
+          </a:prstGeom>
+          <a:ln>
+            <a:tailEnd type="arrow"/>
+          </a:ln>
+        </p:spPr>
+        <p:style>
+          <a:lnRef idx="1">
+            <a:schemeClr val="accent1"/>
+          </a:lnRef>
+          <a:fillRef idx="0">
+            <a:schemeClr val="accent1"/>
+          </a:fillRef>
+          <a:effectRef idx="0">
+            <a:schemeClr val="accent1"/>
+          </a:effectRef>
+          <a:fontRef idx="minor">
+            <a:schemeClr val="tx1"/>
+          </a:fontRef>
+        </p:style>
+      </p:cxnSp>
+      <p:sp>
+        <p:nvSpPr>
+          <p:cNvPr id="8" name="TextBox 7"/>
+          <p:cNvSpPr txBox="1"/>
+          <p:nvPr/>
+        </p:nvSpPr>
+        <p:spPr>
+          <a:xfrm>
+            <a:off x="755576" y="2852936"/>
+            <a:ext cx="936104" cy="369332"/>
+          </a:xfrm>
+          <a:prstGeom prst="rect">
+            <a:avLst/>
+          </a:prstGeom>
+          <a:noFill/>
+        </p:spPr>
+        <p:txBody>
+          <a:bodyPr wrap="square" rtlCol="0">
+            <a:spAutoFit/>
+          </a:bodyPr>
+          <a:lstStyle/>
+          <a:p>
+            <a:r>
+              <a:rPr lang="zh-CN" altLang="en-US"/>
+              <a:t>选择器</a:t>
+            </a:r>
+          </a:p>
+        </p:txBody>
+      </p:sp>
+      <p:cxnSp>
+        <p:nvCxnSpPr>
+          <p:cNvPr id="9" name="直接箭头连接符 8"/>
+          <p:cNvCxnSpPr/>
+          <p:nvPr/>
+        </p:nvCxnSpPr>
+        <p:spPr>
+          <a:xfrm flipH="1">
+            <a:off x="6732240" y="3561529"/>
+            <a:ext cx="576064" cy="0"/>
+          </a:xfrm>
+          <a:prstGeom prst="straightConnector1">
+            <a:avLst/>
+          </a:prstGeom>
+          <a:ln>
+            <a:tailEnd type="arrow"/>
+          </a:ln>
+        </p:spPr>
+        <p:style>
+          <a:lnRef idx="1">
+            <a:schemeClr val="accent1"/>
+          </a:lnRef>
+          <a:fillRef idx="0">
+            <a:schemeClr val="accent1"/>
+          </a:fillRef>
+          <a:effectRef idx="0">
+            <a:schemeClr val="accent1"/>
+          </a:effectRef>
+          <a:fontRef idx="minor">
+            <a:schemeClr val="tx1"/>
+          </a:fontRef>
+        </p:style>
+      </p:cxnSp>
+      <p:sp>
+        <p:nvSpPr>
+          <p:cNvPr id="10" name="TextBox 9"/>
+          <p:cNvSpPr txBox="1"/>
+          <p:nvPr/>
+        </p:nvSpPr>
+        <p:spPr>
+          <a:xfrm>
+            <a:off x="7452320" y="3374668"/>
+            <a:ext cx="720080" cy="369332"/>
+          </a:xfrm>
+          <a:prstGeom prst="rect">
+            <a:avLst/>
+          </a:prstGeom>
+          <a:noFill/>
+        </p:spPr>
+        <p:txBody>
+          <a:bodyPr wrap="square" rtlCol="0">
+            <a:spAutoFit/>
+          </a:bodyPr>
+          <a:lstStyle/>
+          <a:p>
+            <a:r>
+              <a:rPr lang="zh-CN" altLang="en-US"/>
+              <a:t>声明</a:t>
+            </a:r>
           </a:p>
         </p:txBody>
       </p:sp>
     </p:spTree>
     <p:extLst>
       <p:ext uri="{BB962C8B-B14F-4D97-AF65-F5344CB8AC3E}">
-        <p14:creationId xmlns:p14="http://schemas.microsoft.com/office/powerpoint/2010/main" val="1000922747"/>
+        <p14:creationId xmlns:p14="http://schemas.microsoft.com/office/powerpoint/2010/main" val="3250961799"/>
       </p:ext>
     </p:extLst>
   </p:cSld>
@@ -5145,7 +6989,7 @@
           <a:p>
             <a:r>
               <a:rPr lang="zh-CN" altLang="en-US" smtClean="0"/>
-              <a:t>类选择器</a:t>
+              <a:t>使用外部样式表</a:t>
             </a:r>
             <a:endParaRPr lang="zh-CN" altLang="en-US"/>
           </a:p>
@@ -5164,125 +7008,170 @@
         <p:spPr/>
         <p:txBody>
           <a:bodyPr>
-            <a:normAutofit fontScale="92500" lnSpcReduction="20000"/>
+            <a:normAutofit fontScale="62500" lnSpcReduction="20000"/>
           </a:bodyPr>
           <a:lstStyle/>
           <a:p>
             <a:r>
               <a:rPr lang="zh-CN" altLang="en-US" smtClean="0"/>
-              <a:t>作用：通过元素</a:t>
-            </a:r>
-            <a:r>
-              <a:rPr lang="en-US" altLang="zh-CN" smtClean="0"/>
-              <a:t>class</a:t>
-            </a:r>
-            <a:r>
-              <a:rPr lang="zh-CN" altLang="en-US" smtClean="0"/>
-              <a:t>属性的值选择元素</a:t>
+              <a:t>同一套样式，如果想重复使用，单独建立</a:t>
+            </a:r>
+            <a:r>
+              <a:rPr lang="en-US" altLang="zh-CN" smtClean="0"/>
+              <a:t>css</a:t>
+            </a:r>
+            <a:r>
+              <a:rPr lang="zh-CN" altLang="en-US" smtClean="0"/>
+              <a:t>文件，通过</a:t>
+            </a:r>
+            <a:r>
+              <a:rPr lang="en-US" altLang="zh-CN" smtClean="0"/>
+              <a:t>&lt;link&gt;</a:t>
+            </a:r>
+            <a:r>
+              <a:rPr lang="zh-CN" altLang="en-US" smtClean="0"/>
+              <a:t>元素导入外部</a:t>
+            </a:r>
+            <a:r>
+              <a:rPr lang="en-US" altLang="zh-CN" smtClean="0"/>
+              <a:t>css</a:t>
+            </a:r>
+            <a:r>
+              <a:rPr lang="zh-CN" altLang="en-US" smtClean="0"/>
+              <a:t>文件。</a:t>
             </a:r>
             <a:endParaRPr lang="en-US" altLang="zh-CN" smtClean="0"/>
           </a:p>
           <a:p>
             <a:r>
               <a:rPr lang="zh-CN" altLang="en-US" smtClean="0"/>
-              <a:t>结构：</a:t>
-            </a:r>
-            <a:r>
-              <a:rPr lang="en-US" altLang="zh-CN" smtClean="0"/>
-              <a:t>&lt;</a:t>
-            </a:r>
-            <a:r>
-              <a:rPr lang="zh-CN" altLang="en-US" smtClean="0"/>
-              <a:t>类名</a:t>
-            </a:r>
-            <a:r>
-              <a:rPr lang="en-US" altLang="zh-CN" smtClean="0"/>
-              <a:t>&gt; </a:t>
-            </a:r>
-            <a:r>
-              <a:rPr lang="zh-CN" altLang="en-US" smtClean="0"/>
-              <a:t>或 </a:t>
-            </a:r>
-            <a:r>
-              <a:rPr lang="en-US" altLang="zh-CN" smtClean="0"/>
-              <a:t>&lt;</a:t>
-            </a:r>
-            <a:r>
-              <a:rPr lang="zh-CN" altLang="en-US" smtClean="0"/>
-              <a:t>元素类型</a:t>
-            </a:r>
-            <a:r>
-              <a:rPr lang="en-US" altLang="zh-CN" smtClean="0"/>
-              <a:t>&gt;.&lt;</a:t>
-            </a:r>
-            <a:r>
-              <a:rPr lang="zh-CN" altLang="en-US" smtClean="0"/>
-              <a:t>类名</a:t>
-            </a:r>
-            <a:r>
-              <a:rPr lang="en-US" altLang="zh-CN" smtClean="0"/>
-              <a:t>&gt; { .. }</a:t>
-            </a:r>
-          </a:p>
-          <a:p>
-            <a:r>
-              <a:rPr lang="zh-CN" altLang="en-US" smtClean="0"/>
-              <a:t>示例：</a:t>
-            </a:r>
-            <a:r>
-              <a:rPr lang="en-US" altLang="zh-CN" smtClean="0"/>
-              <a:t>p.content { .. }</a:t>
-            </a:r>
-          </a:p>
-          <a:p>
+              <a:t>文件</a:t>
+            </a:r>
+            <a:r>
+              <a:rPr lang="en-US" altLang="zh-CN" smtClean="0"/>
+              <a:t>style.css</a:t>
+            </a:r>
+          </a:p>
+          <a:p>
+            <a:pPr marL="0" indent="0">
+              <a:buNone/>
+            </a:pPr>
+            <a:r>
+              <a:rPr lang="en-US" altLang="zh-CN" smtClean="0"/>
+              <a:t>a {</a:t>
+            </a:r>
+          </a:p>
+          <a:p>
+            <a:pPr marL="0" indent="0">
+              <a:buNone/>
+            </a:pPr>
+            <a:r>
+              <a:rPr lang="en-US" altLang="zh-CN" smtClean="0"/>
+              <a:t>	background-color:grey;</a:t>
+            </a:r>
+          </a:p>
+          <a:p>
+            <a:pPr marL="0" indent="0">
+              <a:buNone/>
+            </a:pPr>
+            <a:r>
+              <a:rPr lang="en-US" altLang="zh-CN"/>
+              <a:t>	</a:t>
+            </a:r>
+            <a:r>
+              <a:rPr lang="en-US" altLang="zh-CN" smtClean="0"/>
+              <a:t>color:green;</a:t>
+            </a:r>
             <a:endParaRPr lang="en-US" altLang="zh-CN"/>
           </a:p>
           <a:p>
-            <a:r>
-              <a:rPr lang="zh-CN" altLang="en-US" smtClean="0"/>
-              <a:t>元素</a:t>
-            </a:r>
-            <a:r>
-              <a:rPr lang="en-US" altLang="zh-CN" smtClean="0"/>
-              <a:t>class</a:t>
-            </a:r>
-            <a:r>
-              <a:rPr lang="zh-CN" altLang="en-US" smtClean="0"/>
-              <a:t>属性的值，称位类名。</a:t>
-            </a:r>
-            <a:r>
-              <a:rPr lang="en-US" altLang="zh-CN" smtClean="0"/>
-              <a:t>class</a:t>
-            </a:r>
-            <a:r>
-              <a:rPr lang="zh-CN" altLang="en-US" smtClean="0"/>
-              <a:t>属性的值是一个自定义的字符串。</a:t>
+            <a:pPr marL="0" indent="0">
+              <a:buNone/>
+            </a:pPr>
+            <a:r>
+              <a:rPr lang="en-US" altLang="zh-CN" smtClean="0"/>
+              <a:t>}</a:t>
+            </a:r>
+          </a:p>
+          <a:p>
+            <a:r>
+              <a:rPr lang="en-US" altLang="zh-CN" smtClean="0"/>
+              <a:t>HTML</a:t>
+            </a:r>
+            <a:r>
+              <a:rPr lang="zh-CN" altLang="en-US" smtClean="0"/>
+              <a:t>文件</a:t>
             </a:r>
             <a:endParaRPr lang="en-US" altLang="zh-CN" smtClean="0"/>
           </a:p>
           <a:p>
-            <a:r>
-              <a:rPr lang="zh-CN" altLang="en-US" smtClean="0"/>
-              <a:t>一个</a:t>
-            </a:r>
-            <a:r>
-              <a:rPr lang="en-US" altLang="zh-CN" smtClean="0"/>
-              <a:t>HTML</a:t>
-            </a:r>
-            <a:r>
-              <a:rPr lang="zh-CN" altLang="en-US" smtClean="0"/>
-              <a:t>文档中，多个元素可以使用相同的类名</a:t>
-            </a:r>
-            <a:endParaRPr lang="en-US" altLang="zh-CN" smtClean="0"/>
-          </a:p>
-          <a:p>
-            <a:r>
-              <a:rPr lang="zh-CN" altLang="en-US"/>
-              <a:t>一</a:t>
-            </a:r>
-            <a:r>
-              <a:rPr lang="zh-CN" altLang="en-US" smtClean="0"/>
-              <a:t>个元素可以设置多个类名，类名与类名之间用空格隔开</a:t>
+            <a:pPr marL="0" indent="0">
+              <a:buNone/>
+            </a:pPr>
+            <a:r>
+              <a:rPr lang="en-US" altLang="zh-CN" smtClean="0"/>
+              <a:t>&lt;head&gt;</a:t>
+            </a:r>
+          </a:p>
+          <a:p>
+            <a:pPr marL="0" indent="0">
+              <a:buNone/>
+            </a:pPr>
+            <a:r>
+              <a:rPr lang="en-US" altLang="zh-CN"/>
+              <a:t>	</a:t>
+            </a:r>
+            <a:r>
+              <a:rPr lang="en-US" altLang="zh-CN" smtClean="0"/>
+              <a:t>&lt;link rel=“stylesheet” type=“text/css” href=“style.css”&gt;</a:t>
+            </a:r>
+          </a:p>
+          <a:p>
+            <a:pPr marL="0" indent="0">
+              <a:buNone/>
+            </a:pPr>
+            <a:r>
+              <a:rPr lang="en-US" altLang="zh-CN" smtClean="0"/>
+              <a:t>&lt;/head&gt;</a:t>
+            </a:r>
+          </a:p>
+          <a:p>
+            <a:pPr marL="0" indent="0">
+              <a:buNone/>
+            </a:pPr>
+            <a:r>
+              <a:rPr lang="en-US" altLang="zh-CN" smtClean="0"/>
+              <a:t>&lt;body&gt;</a:t>
+            </a:r>
+          </a:p>
+          <a:p>
+            <a:pPr marL="0" indent="0">
+              <a:buNone/>
+            </a:pPr>
+            <a:r>
+              <a:rPr lang="en-US" altLang="zh-CN"/>
+              <a:t>	</a:t>
+            </a:r>
+            <a:r>
+              <a:rPr lang="en-US" altLang="zh-CN" smtClean="0"/>
+              <a:t>&lt;a href=“www.baidu.com”&gt;</a:t>
+            </a:r>
+            <a:r>
+              <a:rPr lang="zh-CN" altLang="en-US" smtClean="0"/>
+              <a:t>百度</a:t>
+            </a:r>
+            <a:r>
+              <a:rPr lang="en-US" altLang="zh-CN" smtClean="0"/>
+              <a:t>&lt;/a&gt;</a:t>
+            </a:r>
+          </a:p>
+          <a:p>
+            <a:pPr marL="0" indent="0">
+              <a:buNone/>
+            </a:pPr>
+            <a:r>
+              <a:rPr lang="en-US" altLang="zh-CN" smtClean="0"/>
+              <a:t>&lt;/body&gt;</a:t>
             </a:r>
             <a:endParaRPr lang="zh-CN" altLang="en-US"/>
           </a:p>
@@ -5291,7 +7180,7 @@
     </p:spTree>
     <p:extLst>
       <p:ext uri="{BB962C8B-B14F-4D97-AF65-F5344CB8AC3E}">
-        <p14:creationId xmlns:p14="http://schemas.microsoft.com/office/powerpoint/2010/main" val="2403380466"/>
+        <p14:creationId xmlns:p14="http://schemas.microsoft.com/office/powerpoint/2010/main" val="3294661123"/>
       </p:ext>
     </p:extLst>
   </p:cSld>

--- a/网页设计与制作/课件/4/css选择器.pptx
+++ b/网页设计与制作/课件/4/css选择器.pptx
@@ -27,6 +27,8 @@
     <p:sldId id="264" r:id="rId21"/>
     <p:sldId id="265" r:id="rId22"/>
     <p:sldId id="266" r:id="rId23"/>
+    <p:sldId id="279" r:id="rId24"/>
+    <p:sldId id="280" r:id="rId25"/>
   </p:sldIdLst>
   <p:sldSz cx="9144000" cy="6858000" type="screen4x3"/>
   <p:notesSz cx="6858000" cy="9144000"/>
@@ -125,6 +127,22 @@
       </a:defRPr>
     </a:lvl9pPr>
   </p:defaultTextStyle>
+  <p:extLst>
+    <p:ext uri="{EFAFB233-063F-42B5-8137-9DF3F51BA10A}">
+      <p15:sldGuideLst xmlns:p15="http://schemas.microsoft.com/office/powerpoint/2012/main">
+        <p15:guide id="1" orient="horz" pos="2160">
+          <p15:clr>
+            <a:srgbClr val="A4A3A4"/>
+          </p15:clr>
+        </p15:guide>
+        <p15:guide id="2" pos="2880">
+          <p15:clr>
+            <a:srgbClr val="A4A3A4"/>
+          </p15:clr>
+        </p15:guide>
+      </p15:sldGuideLst>
+    </p:ext>
+  </p:extLst>
 </p:presentation>
 </file>
 
@@ -309,7 +327,7 @@
           <a:p>
             <a:fld id="{530820CF-B880-4189-942D-D702A7CBA730}" type="datetimeFigureOut">
               <a:rPr lang="zh-CN" altLang="en-US" smtClean="0"/>
-              <a:t>2020/9/27</a:t>
+              <a:t>2020/10/1</a:t>
             </a:fld>
             <a:endParaRPr lang="zh-CN" altLang="en-US"/>
           </a:p>
@@ -474,7 +492,7 @@
           <a:p>
             <a:fld id="{530820CF-B880-4189-942D-D702A7CBA730}" type="datetimeFigureOut">
               <a:rPr lang="zh-CN" altLang="en-US" smtClean="0"/>
-              <a:t>2020/9/27</a:t>
+              <a:t>2020/10/1</a:t>
             </a:fld>
             <a:endParaRPr lang="zh-CN" altLang="en-US"/>
           </a:p>
@@ -649,7 +667,7 @@
           <a:p>
             <a:fld id="{530820CF-B880-4189-942D-D702A7CBA730}" type="datetimeFigureOut">
               <a:rPr lang="zh-CN" altLang="en-US" smtClean="0"/>
-              <a:t>2020/9/27</a:t>
+              <a:t>2020/10/1</a:t>
             </a:fld>
             <a:endParaRPr lang="zh-CN" altLang="en-US"/>
           </a:p>
@@ -814,7 +832,7 @@
           <a:p>
             <a:fld id="{530820CF-B880-4189-942D-D702A7CBA730}" type="datetimeFigureOut">
               <a:rPr lang="zh-CN" altLang="en-US" smtClean="0"/>
-              <a:t>2020/9/27</a:t>
+              <a:t>2020/10/1</a:t>
             </a:fld>
             <a:endParaRPr lang="zh-CN" altLang="en-US"/>
           </a:p>
@@ -1055,7 +1073,7 @@
           <a:p>
             <a:fld id="{530820CF-B880-4189-942D-D702A7CBA730}" type="datetimeFigureOut">
               <a:rPr lang="zh-CN" altLang="en-US" smtClean="0"/>
-              <a:t>2020/9/27</a:t>
+              <a:t>2020/10/1</a:t>
             </a:fld>
             <a:endParaRPr lang="zh-CN" altLang="en-US"/>
           </a:p>
@@ -1338,7 +1356,7 @@
           <a:p>
             <a:fld id="{530820CF-B880-4189-942D-D702A7CBA730}" type="datetimeFigureOut">
               <a:rPr lang="zh-CN" altLang="en-US" smtClean="0"/>
-              <a:t>2020/9/27</a:t>
+              <a:t>2020/10/1</a:t>
             </a:fld>
             <a:endParaRPr lang="zh-CN" altLang="en-US"/>
           </a:p>
@@ -1755,7 +1773,7 @@
           <a:p>
             <a:fld id="{530820CF-B880-4189-942D-D702A7CBA730}" type="datetimeFigureOut">
               <a:rPr lang="zh-CN" altLang="en-US" smtClean="0"/>
-              <a:t>2020/9/27</a:t>
+              <a:t>2020/10/1</a:t>
             </a:fld>
             <a:endParaRPr lang="zh-CN" altLang="en-US"/>
           </a:p>
@@ -1868,7 +1886,7 @@
           <a:p>
             <a:fld id="{530820CF-B880-4189-942D-D702A7CBA730}" type="datetimeFigureOut">
               <a:rPr lang="zh-CN" altLang="en-US" smtClean="0"/>
-              <a:t>2020/9/27</a:t>
+              <a:t>2020/10/1</a:t>
             </a:fld>
             <a:endParaRPr lang="zh-CN" altLang="en-US"/>
           </a:p>
@@ -1958,7 +1976,7 @@
           <a:p>
             <a:fld id="{530820CF-B880-4189-942D-D702A7CBA730}" type="datetimeFigureOut">
               <a:rPr lang="zh-CN" altLang="en-US" smtClean="0"/>
-              <a:t>2020/9/27</a:t>
+              <a:t>2020/10/1</a:t>
             </a:fld>
             <a:endParaRPr lang="zh-CN" altLang="en-US"/>
           </a:p>
@@ -2230,7 +2248,7 @@
           <a:p>
             <a:fld id="{530820CF-B880-4189-942D-D702A7CBA730}" type="datetimeFigureOut">
               <a:rPr lang="zh-CN" altLang="en-US" smtClean="0"/>
-              <a:t>2020/9/27</a:t>
+              <a:t>2020/10/1</a:t>
             </a:fld>
             <a:endParaRPr lang="zh-CN" altLang="en-US"/>
           </a:p>
@@ -2478,7 +2496,7 @@
           <a:p>
             <a:fld id="{530820CF-B880-4189-942D-D702A7CBA730}" type="datetimeFigureOut">
               <a:rPr lang="zh-CN" altLang="en-US" smtClean="0"/>
-              <a:t>2020/9/27</a:t>
+              <a:t>2020/10/1</a:t>
             </a:fld>
             <a:endParaRPr lang="zh-CN" altLang="en-US"/>
           </a:p>
@@ -2686,7 +2704,7 @@
           <a:p>
             <a:fld id="{530820CF-B880-4189-942D-D702A7CBA730}" type="datetimeFigureOut">
               <a:rPr lang="zh-CN" altLang="en-US" smtClean="0"/>
-              <a:t>2020/9/27</a:t>
+              <a:t>2020/10/1</a:t>
             </a:fld>
             <a:endParaRPr lang="zh-CN" altLang="en-US"/>
           </a:p>
@@ -3283,6 +3301,13 @@
   <p:clrMapOvr>
     <a:masterClrMapping/>
   </p:clrMapOvr>
+  <p:timing>
+    <p:tnLst>
+      <p:par>
+        <p:cTn id="1" dur="indefinite" restart="never" nodeType="tmRoot"/>
+      </p:par>
+    </p:tnLst>
+  </p:timing>
 </p:sld>
 </file>
 
@@ -3551,6 +3576,13 @@
   <p:clrMapOvr>
     <a:masterClrMapping/>
   </p:clrMapOvr>
+  <p:timing>
+    <p:tnLst>
+      <p:par>
+        <p:cTn id="1" dur="indefinite" restart="never" nodeType="tmRoot"/>
+      </p:par>
+    </p:tnLst>
+  </p:timing>
 </p:sld>
 </file>
 
@@ -3683,6 +3715,13 @@
   <p:clrMapOvr>
     <a:masterClrMapping/>
   </p:clrMapOvr>
+  <p:timing>
+    <p:tnLst>
+      <p:par>
+        <p:cTn id="1" dur="indefinite" restart="never" nodeType="tmRoot"/>
+      </p:par>
+    </p:tnLst>
+  </p:timing>
 </p:sld>
 </file>
 
@@ -3759,6 +3798,13 @@
   <p:clrMapOvr>
     <a:masterClrMapping/>
   </p:clrMapOvr>
+  <p:timing>
+    <p:tnLst>
+      <p:par>
+        <p:cTn id="1" dur="indefinite" restart="never" nodeType="tmRoot"/>
+      </p:par>
+    </p:tnLst>
+  </p:timing>
 </p:sld>
 </file>
 
@@ -3845,6 +3891,13 @@
   <p:clrMapOvr>
     <a:masterClrMapping/>
   </p:clrMapOvr>
+  <p:timing>
+    <p:tnLst>
+      <p:par>
+        <p:cTn id="1" dur="indefinite" restart="never" nodeType="tmRoot"/>
+      </p:par>
+    </p:tnLst>
+  </p:timing>
 </p:sld>
 </file>
 
@@ -3952,6 +4005,13 @@
   <p:clrMapOvr>
     <a:masterClrMapping/>
   </p:clrMapOvr>
+  <p:timing>
+    <p:tnLst>
+      <p:par>
+        <p:cTn id="1" dur="indefinite" restart="never" nodeType="tmRoot"/>
+      </p:par>
+    </p:tnLst>
+  </p:timing>
 </p:sld>
 </file>
 
@@ -4142,6 +4202,13 @@
   <p:clrMapOvr>
     <a:masterClrMapping/>
   </p:clrMapOvr>
+  <p:timing>
+    <p:tnLst>
+      <p:par>
+        <p:cTn id="1" dur="indefinite" restart="never" nodeType="tmRoot"/>
+      </p:par>
+    </p:tnLst>
+  </p:timing>
 </p:sld>
 </file>
 
@@ -4309,6 +4376,13 @@
   <p:clrMapOvr>
     <a:masterClrMapping/>
   </p:clrMapOvr>
+  <p:timing>
+    <p:tnLst>
+      <p:par>
+        <p:cTn id="1" dur="indefinite" restart="never" nodeType="tmRoot"/>
+      </p:par>
+    </p:tnLst>
+  </p:timing>
 </p:sld>
 </file>
 
@@ -4472,8 +4546,20 @@
                 <a:tableStyleId>{5C22544A-7EE6-4342-B048-85BDC9FD1C3A}</a:tableStyleId>
               </a:tblPr>
               <a:tblGrid>
-                <a:gridCol w="2124000"/>
-                <a:gridCol w="5400000"/>
+                <a:gridCol w="2124000">
+                  <a:extLst>
+                    <a:ext uri="{9D8B030D-6E8A-4147-A177-3AD203B41FA5}">
+                      <a16:colId xmlns:a16="http://schemas.microsoft.com/office/drawing/2014/main" val="20000"/>
+                    </a:ext>
+                  </a:extLst>
+                </a:gridCol>
+                <a:gridCol w="5400000">
+                  <a:extLst>
+                    <a:ext uri="{9D8B030D-6E8A-4147-A177-3AD203B41FA5}">
+                      <a16:colId xmlns:a16="http://schemas.microsoft.com/office/drawing/2014/main" val="20001"/>
+                    </a:ext>
+                  </a:extLst>
+                </a:gridCol>
               </a:tblGrid>
               <a:tr h="0">
                 <a:tc gridSpan="2">
@@ -4502,6 +4588,11 @@
                   </a:txBody>
                   <a:tcPr anchor="ctr"/>
                 </a:tc>
+                <a:extLst>
+                  <a:ext uri="{0D108BD9-81ED-4DB2-BD59-A6C34878D82A}">
+                    <a16:rowId xmlns:a16="http://schemas.microsoft.com/office/drawing/2014/main" val="10000"/>
+                  </a:ext>
+                </a:extLst>
               </a:tr>
               <a:tr h="0">
                 <a:tc>
@@ -4542,6 +4633,11 @@
                   </a:txBody>
                   <a:tcPr anchor="ctr"/>
                 </a:tc>
+                <a:extLst>
+                  <a:ext uri="{0D108BD9-81ED-4DB2-BD59-A6C34878D82A}">
+                    <a16:rowId xmlns:a16="http://schemas.microsoft.com/office/drawing/2014/main" val="10001"/>
+                  </a:ext>
+                </a:extLst>
               </a:tr>
               <a:tr h="0">
                 <a:tc>
@@ -4590,6 +4686,11 @@
                   </a:txBody>
                   <a:tcPr anchor="ctr"/>
                 </a:tc>
+                <a:extLst>
+                  <a:ext uri="{0D108BD9-81ED-4DB2-BD59-A6C34878D82A}">
+                    <a16:rowId xmlns:a16="http://schemas.microsoft.com/office/drawing/2014/main" val="10002"/>
+                  </a:ext>
+                </a:extLst>
               </a:tr>
               <a:tr h="0">
                 <a:tc>
@@ -4638,6 +4739,11 @@
                   </a:txBody>
                   <a:tcPr anchor="ctr"/>
                 </a:tc>
+                <a:extLst>
+                  <a:ext uri="{0D108BD9-81ED-4DB2-BD59-A6C34878D82A}">
+                    <a16:rowId xmlns:a16="http://schemas.microsoft.com/office/drawing/2014/main" val="10003"/>
+                  </a:ext>
+                </a:extLst>
               </a:tr>
               <a:tr h="0">
                 <a:tc>
@@ -4686,6 +4792,11 @@
                   </a:txBody>
                   <a:tcPr anchor="ctr"/>
                 </a:tc>
+                <a:extLst>
+                  <a:ext uri="{0D108BD9-81ED-4DB2-BD59-A6C34878D82A}">
+                    <a16:rowId xmlns:a16="http://schemas.microsoft.com/office/drawing/2014/main" val="10004"/>
+                  </a:ext>
+                </a:extLst>
               </a:tr>
               <a:tr h="0">
                 <a:tc>
@@ -4734,6 +4845,11 @@
                   </a:txBody>
                   <a:tcPr anchor="ctr"/>
                 </a:tc>
+                <a:extLst>
+                  <a:ext uri="{0D108BD9-81ED-4DB2-BD59-A6C34878D82A}">
+                    <a16:rowId xmlns:a16="http://schemas.microsoft.com/office/drawing/2014/main" val="10005"/>
+                  </a:ext>
+                </a:extLst>
               </a:tr>
               <a:tr h="0">
                 <a:tc>
@@ -4822,6 +4938,11 @@
                   </a:txBody>
                   <a:tcPr anchor="ctr"/>
                 </a:tc>
+                <a:extLst>
+                  <a:ext uri="{0D108BD9-81ED-4DB2-BD59-A6C34878D82A}">
+                    <a16:rowId xmlns:a16="http://schemas.microsoft.com/office/drawing/2014/main" val="10006"/>
+                  </a:ext>
+                </a:extLst>
               </a:tr>
             </a:tbl>
           </a:graphicData>
@@ -4837,6 +4958,13 @@
   <p:clrMapOvr>
     <a:masterClrMapping/>
   </p:clrMapOvr>
+  <p:timing>
+    <p:tnLst>
+      <p:par>
+        <p:cTn id="1" dur="indefinite" restart="never" nodeType="tmRoot"/>
+      </p:par>
+    </p:tnLst>
+  </p:timing>
 </p:sld>
 </file>
 
@@ -4909,6 +5037,13 @@
   <p:clrMapOvr>
     <a:masterClrMapping/>
   </p:clrMapOvr>
+  <p:timing>
+    <p:tnLst>
+      <p:par>
+        <p:cTn id="1" dur="indefinite" restart="never" nodeType="tmRoot"/>
+      </p:par>
+    </p:tnLst>
+  </p:timing>
 </p:sld>
 </file>
 
@@ -5187,6 +5322,13 @@
   <p:clrMapOvr>
     <a:masterClrMapping/>
   </p:clrMapOvr>
+  <p:timing>
+    <p:tnLst>
+      <p:par>
+        <p:cTn id="1" dur="indefinite" restart="never" nodeType="tmRoot"/>
+      </p:par>
+    </p:tnLst>
+  </p:timing>
 </p:sld>
 </file>
 
@@ -5303,6 +5445,13 @@
   <p:clrMapOvr>
     <a:masterClrMapping/>
   </p:clrMapOvr>
+  <p:timing>
+    <p:tnLst>
+      <p:par>
+        <p:cTn id="1" dur="indefinite" restart="never" nodeType="tmRoot"/>
+      </p:par>
+    </p:tnLst>
+  </p:timing>
 </p:sld>
 </file>
 
@@ -5401,6 +5550,17 @@
             </a:r>
           </a:p>
           <a:p>
+            <a:r>
+              <a:rPr lang="zh-CN" altLang="en-US"/>
+              <a:t>示例：</a:t>
+            </a:r>
+            <a:r>
+              <a:rPr lang="en-US" altLang="zh-CN"/>
+              <a:t>tr &gt; th { ... }</a:t>
+            </a:r>
+            <a:endParaRPr lang="en-US" altLang="zh-CN" smtClean="0"/>
+          </a:p>
+          <a:p>
             <a:endParaRPr lang="zh-CN" altLang="en-US"/>
           </a:p>
         </p:txBody>
@@ -5415,6 +5575,285 @@
   <p:clrMapOvr>
     <a:masterClrMapping/>
   </p:clrMapOvr>
+  <p:timing>
+    <p:tnLst>
+      <p:par>
+        <p:cTn id="1" dur="indefinite" restart="never" nodeType="tmRoot"/>
+      </p:par>
+    </p:tnLst>
+  </p:timing>
+</p:sld>
+</file>
+
+<file path=ppt/slides/slide23.xml><?xml version="1.0" encoding="utf-8"?>
+<p:sld xmlns:a="http://schemas.openxmlformats.org/drawingml/2006/main" xmlns:r="http://schemas.openxmlformats.org/officeDocument/2006/relationships" xmlns:p="http://schemas.openxmlformats.org/presentationml/2006/main">
+  <p:cSld>
+    <p:spTree>
+      <p:nvGrpSpPr>
+        <p:cNvPr id="1" name=""/>
+        <p:cNvGrpSpPr/>
+        <p:nvPr/>
+      </p:nvGrpSpPr>
+      <p:grpSpPr>
+        <a:xfrm>
+          <a:off x="0" y="0"/>
+          <a:ext cx="0" cy="0"/>
+          <a:chOff x="0" y="0"/>
+          <a:chExt cx="0" cy="0"/>
+        </a:xfrm>
+      </p:grpSpPr>
+      <p:sp>
+        <p:nvSpPr>
+          <p:cNvPr id="2" name="标题 1"/>
+          <p:cNvSpPr>
+            <a:spLocks noGrp="1"/>
+          </p:cNvSpPr>
+          <p:nvPr>
+            <p:ph type="title"/>
+          </p:nvPr>
+        </p:nvSpPr>
+        <p:spPr/>
+        <p:txBody>
+          <a:bodyPr/>
+          <a:lstStyle/>
+          <a:p>
+            <a:r>
+              <a:rPr lang="zh-CN" altLang="en-US"/>
+              <a:t>相邻兄弟选择器</a:t>
+            </a:r>
+            <a:endParaRPr lang="zh-CN" altLang="en-US"/>
+          </a:p>
+        </p:txBody>
+      </p:sp>
+      <p:sp>
+        <p:nvSpPr>
+          <p:cNvPr id="3" name="内容占位符 2"/>
+          <p:cNvSpPr>
+            <a:spLocks noGrp="1"/>
+          </p:cNvSpPr>
+          <p:nvPr>
+            <p:ph idx="1"/>
+          </p:nvPr>
+        </p:nvSpPr>
+        <p:spPr/>
+        <p:txBody>
+          <a:bodyPr/>
+          <a:lstStyle/>
+          <a:p>
+            <a:r>
+              <a:rPr lang="zh-CN" altLang="en-US" smtClean="0"/>
+              <a:t>作用：</a:t>
+            </a:r>
+            <a:r>
+              <a:rPr lang="zh-CN" altLang="en-US"/>
+              <a:t>选择紧跟在某元素之后</a:t>
+            </a:r>
+            <a:r>
+              <a:rPr lang="zh-CN" altLang="en-US"/>
+              <a:t>的</a:t>
+            </a:r>
+            <a:r>
+              <a:rPr lang="zh-CN" altLang="en-US" smtClean="0"/>
+              <a:t>元素</a:t>
+            </a:r>
+            <a:endParaRPr lang="en-US" altLang="zh-CN" smtClean="0"/>
+          </a:p>
+          <a:p>
+            <a:r>
+              <a:rPr lang="zh-CN" altLang="en-US" smtClean="0"/>
+              <a:t>结构：</a:t>
+            </a:r>
+            <a:r>
+              <a:rPr lang="en-US" altLang="zh-CN"/>
+              <a:t>&lt;</a:t>
+            </a:r>
+            <a:r>
+              <a:rPr lang="zh-CN" altLang="en-US"/>
+              <a:t>第一个选择器</a:t>
+            </a:r>
+            <a:r>
+              <a:rPr lang="en-US" altLang="zh-CN"/>
+              <a:t>&gt; + &lt;</a:t>
+            </a:r>
+            <a:r>
+              <a:rPr lang="zh-CN" altLang="en-US"/>
+              <a:t>第二个选择</a:t>
+            </a:r>
+            <a:r>
+              <a:rPr lang="zh-CN" altLang="en-US"/>
+              <a:t>器</a:t>
+            </a:r>
+            <a:r>
+              <a:rPr lang="en-US" altLang="zh-CN" smtClean="0"/>
+              <a:t>&gt;</a:t>
+            </a:r>
+          </a:p>
+          <a:p>
+            <a:r>
+              <a:rPr lang="zh-CN" altLang="en-US"/>
+              <a:t>示例：</a:t>
+            </a:r>
+            <a:r>
+              <a:rPr lang="en-US" altLang="zh-CN"/>
+              <a:t>p + a { ... }</a:t>
+            </a:r>
+            <a:endParaRPr lang="zh-CN" altLang="en-US"/>
+          </a:p>
+        </p:txBody>
+      </p:sp>
+    </p:spTree>
+    <p:extLst>
+      <p:ext uri="{BB962C8B-B14F-4D97-AF65-F5344CB8AC3E}">
+        <p14:creationId xmlns:p14="http://schemas.microsoft.com/office/powerpoint/2010/main" val="2074868379"/>
+      </p:ext>
+    </p:extLst>
+  </p:cSld>
+  <p:clrMapOvr>
+    <a:masterClrMapping/>
+  </p:clrMapOvr>
+  <p:timing>
+    <p:tnLst>
+      <p:par>
+        <p:cTn id="1" dur="indefinite" restart="never" nodeType="tmRoot"/>
+      </p:par>
+    </p:tnLst>
+  </p:timing>
+</p:sld>
+</file>
+
+<file path=ppt/slides/slide24.xml><?xml version="1.0" encoding="utf-8"?>
+<p:sld xmlns:a="http://schemas.openxmlformats.org/drawingml/2006/main" xmlns:r="http://schemas.openxmlformats.org/officeDocument/2006/relationships" xmlns:p="http://schemas.openxmlformats.org/presentationml/2006/main">
+  <p:cSld>
+    <p:spTree>
+      <p:nvGrpSpPr>
+        <p:cNvPr id="1" name=""/>
+        <p:cNvGrpSpPr/>
+        <p:nvPr/>
+      </p:nvGrpSpPr>
+      <p:grpSpPr>
+        <a:xfrm>
+          <a:off x="0" y="0"/>
+          <a:ext cx="0" cy="0"/>
+          <a:chOff x="0" y="0"/>
+          <a:chExt cx="0" cy="0"/>
+        </a:xfrm>
+      </p:grpSpPr>
+      <p:sp>
+        <p:nvSpPr>
+          <p:cNvPr id="2" name="标题 1"/>
+          <p:cNvSpPr>
+            <a:spLocks noGrp="1"/>
+          </p:cNvSpPr>
+          <p:nvPr>
+            <p:ph type="title"/>
+          </p:nvPr>
+        </p:nvSpPr>
+        <p:spPr/>
+        <p:txBody>
+          <a:bodyPr/>
+          <a:lstStyle/>
+          <a:p>
+            <a:r>
+              <a:rPr lang="zh-CN" altLang="en-US"/>
+              <a:t>普通兄弟选择器</a:t>
+            </a:r>
+            <a:endParaRPr lang="zh-CN" altLang="en-US"/>
+          </a:p>
+        </p:txBody>
+      </p:sp>
+      <p:sp>
+        <p:nvSpPr>
+          <p:cNvPr id="3" name="内容占位符 2"/>
+          <p:cNvSpPr>
+            <a:spLocks noGrp="1"/>
+          </p:cNvSpPr>
+          <p:nvPr>
+            <p:ph idx="1"/>
+          </p:nvPr>
+        </p:nvSpPr>
+        <p:spPr/>
+        <p:txBody>
+          <a:bodyPr/>
+          <a:lstStyle/>
+          <a:p>
+            <a:r>
+              <a:rPr lang="zh-CN" altLang="en-US" smtClean="0"/>
+              <a:t>作用：</a:t>
+            </a:r>
+            <a:r>
+              <a:rPr lang="zh-CN" altLang="en-US"/>
+              <a:t>选择指定元素之后的</a:t>
+            </a:r>
+            <a:r>
+              <a:rPr lang="zh-CN" altLang="en-US"/>
+              <a:t>兄弟</a:t>
+            </a:r>
+            <a:r>
+              <a:rPr lang="zh-CN" altLang="en-US" smtClean="0"/>
+              <a:t>元素</a:t>
+            </a:r>
+            <a:endParaRPr lang="en-US" altLang="zh-CN" smtClean="0"/>
+          </a:p>
+          <a:p>
+            <a:r>
+              <a:rPr lang="zh-CN" altLang="en-US" smtClean="0"/>
+              <a:t>结构：</a:t>
+            </a:r>
+            <a:r>
+              <a:rPr lang="en-US" altLang="zh-CN" smtClean="0"/>
+              <a:t>&lt;</a:t>
+            </a:r>
+            <a:r>
+              <a:rPr lang="zh-CN" altLang="en-US"/>
+              <a:t>第一个选择器</a:t>
+            </a:r>
+            <a:r>
+              <a:rPr lang="en-US" altLang="zh-CN"/>
+              <a:t>&gt;~&lt;</a:t>
+            </a:r>
+            <a:r>
+              <a:rPr lang="zh-CN" altLang="en-US"/>
+              <a:t>第二个选择</a:t>
+            </a:r>
+            <a:r>
+              <a:rPr lang="zh-CN" altLang="en-US"/>
+              <a:t>器</a:t>
+            </a:r>
+            <a:r>
+              <a:rPr lang="en-US" altLang="zh-CN" smtClean="0"/>
+              <a:t>&gt;</a:t>
+            </a:r>
+          </a:p>
+          <a:p>
+            <a:r>
+              <a:rPr lang="zh-CN" altLang="en-US"/>
+              <a:t>示例：</a:t>
+            </a:r>
+            <a:r>
+              <a:rPr lang="en-US" altLang="zh-CN"/>
+              <a:t>p ~ a { ... }</a:t>
+            </a:r>
+            <a:endParaRPr lang="zh-CN" altLang="en-US"/>
+          </a:p>
+        </p:txBody>
+      </p:sp>
+    </p:spTree>
+    <p:extLst>
+      <p:ext uri="{BB962C8B-B14F-4D97-AF65-F5344CB8AC3E}">
+        <p14:creationId xmlns:p14="http://schemas.microsoft.com/office/powerpoint/2010/main" val="1188436182"/>
+      </p:ext>
+    </p:extLst>
+  </p:cSld>
+  <p:clrMapOvr>
+    <a:masterClrMapping/>
+  </p:clrMapOvr>
+  <p:timing>
+    <p:tnLst>
+      <p:par>
+        <p:cTn id="1" dur="indefinite" restart="never" nodeType="tmRoot"/>
+      </p:par>
+    </p:tnLst>
+  </p:timing>
 </p:sld>
 </file>
 
@@ -5587,6 +6026,13 @@
   <p:clrMapOvr>
     <a:masterClrMapping/>
   </p:clrMapOvr>
+  <p:timing>
+    <p:tnLst>
+      <p:par>
+        <p:cTn id="1" dur="indefinite" restart="never" nodeType="tmRoot"/>
+      </p:par>
+    </p:tnLst>
+  </p:timing>
 </p:sld>
 </file>
 
@@ -5665,7 +6111,23 @@
             </a:pPr>
             <a:r>
               <a:rPr lang="en-US" altLang="zh-CN" smtClean="0"/>
-              <a:t>	&lt;h1&gt;&lt;/h1&gt;</a:t>
+              <a:t>	&lt;</a:t>
+            </a:r>
+            <a:r>
+              <a:rPr lang="en-US" altLang="zh-CN" smtClean="0"/>
+              <a:t>h1&gt;</a:t>
+            </a:r>
+            <a:r>
+              <a:rPr lang="zh-CN" altLang="en-US" smtClean="0"/>
+              <a:t>标题</a:t>
+            </a:r>
+            <a:r>
+              <a:rPr lang="en-US" altLang="zh-CN" smtClean="0"/>
+              <a:t>&lt;/</a:t>
+            </a:r>
+            <a:r>
+              <a:rPr lang="en-US" altLang="zh-CN" smtClean="0"/>
+              <a:t>h1&gt;</a:t>
             </a:r>
           </a:p>
           <a:p>
@@ -5793,6 +6255,446 @@
             <a:r>
               <a:rPr lang="en-US" altLang="zh-CN" smtClean="0"/>
               <a:t>&lt;/body&gt;</a:t>
+            </a:r>
+            <a:endParaRPr lang="zh-CN" altLang="en-US"/>
+          </a:p>
+        </p:txBody>
+      </p:sp>
+      <p:sp>
+        <p:nvSpPr>
+          <p:cNvPr id="5" name="文本框 4"/>
+          <p:cNvSpPr txBox="1"/>
+          <p:nvPr/>
+        </p:nvSpPr>
+        <p:spPr>
+          <a:xfrm>
+            <a:off x="1331640" y="2996952"/>
+            <a:ext cx="3744416" cy="792088"/>
+          </a:xfrm>
+          <a:prstGeom prst="rect">
+            <a:avLst/>
+          </a:prstGeom>
+          <a:noFill/>
+          <a:ln w="12700">
+            <a:solidFill>
+              <a:srgbClr val="FF0000"/>
+            </a:solidFill>
+          </a:ln>
+        </p:spPr>
+        <p:txBody>
+          <a:bodyPr wrap="square" rtlCol="0">
+            <a:spAutoFit/>
+          </a:bodyPr>
+          <a:lstStyle/>
+          <a:p>
+            <a:endParaRPr lang="zh-CN" altLang="en-US"/>
+          </a:p>
+        </p:txBody>
+      </p:sp>
+      <p:cxnSp>
+        <p:nvCxnSpPr>
+          <p:cNvPr id="7" name="直接箭头连接符 6"/>
+          <p:cNvCxnSpPr/>
+          <p:nvPr/>
+        </p:nvCxnSpPr>
+        <p:spPr>
+          <a:xfrm>
+            <a:off x="5076056" y="3356992"/>
+            <a:ext cx="864096" cy="0"/>
+          </a:xfrm>
+          <a:prstGeom prst="straightConnector1">
+            <a:avLst/>
+          </a:prstGeom>
+          <a:ln>
+            <a:tailEnd type="triangle"/>
+          </a:ln>
+        </p:spPr>
+        <p:style>
+          <a:lnRef idx="1">
+            <a:schemeClr val="accent1"/>
+          </a:lnRef>
+          <a:fillRef idx="0">
+            <a:schemeClr val="accent1"/>
+          </a:fillRef>
+          <a:effectRef idx="0">
+            <a:schemeClr val="accent1"/>
+          </a:effectRef>
+          <a:fontRef idx="minor">
+            <a:schemeClr val="tx1"/>
+          </a:fontRef>
+        </p:style>
+      </p:cxnSp>
+      <p:sp>
+        <p:nvSpPr>
+          <p:cNvPr id="8" name="文本框 7"/>
+          <p:cNvSpPr txBox="1"/>
+          <p:nvPr/>
+        </p:nvSpPr>
+        <p:spPr>
+          <a:xfrm>
+            <a:off x="5940152" y="2895327"/>
+            <a:ext cx="2099628" cy="923330"/>
+          </a:xfrm>
+          <a:prstGeom prst="rect">
+            <a:avLst/>
+          </a:prstGeom>
+          <a:noFill/>
+          <a:ln w="12700">
+            <a:solidFill>
+              <a:srgbClr val="FF0000"/>
+            </a:solidFill>
+          </a:ln>
+        </p:spPr>
+        <p:txBody>
+          <a:bodyPr wrap="square" rtlCol="0">
+            <a:spAutoFit/>
+          </a:bodyPr>
+          <a:lstStyle/>
+          <a:p>
+            <a:pPr marL="285750" indent="-285750">
+              <a:buFont typeface="Arial" panose="020B0604020202020204" pitchFamily="34" charset="0"/>
+              <a:buChar char="•"/>
+            </a:pPr>
+            <a:r>
+              <a:rPr lang="zh-CN" altLang="en-US" smtClean="0"/>
+              <a:t>父子关系</a:t>
+            </a:r>
+            <a:endParaRPr lang="en-US" altLang="zh-CN" smtClean="0"/>
+          </a:p>
+          <a:p>
+            <a:pPr marL="285750" indent="-285750">
+              <a:buFont typeface="Arial" panose="020B0604020202020204" pitchFamily="34" charset="0"/>
+              <a:buChar char="•"/>
+            </a:pPr>
+            <a:r>
+              <a:rPr lang="en-US" altLang="zh-CN" smtClean="0"/>
+              <a:t>ul</a:t>
+            </a:r>
+            <a:r>
+              <a:rPr lang="zh-CN" altLang="en-US" smtClean="0"/>
+              <a:t>是</a:t>
+            </a:r>
+            <a:r>
+              <a:rPr lang="en-US" altLang="zh-CN" smtClean="0"/>
+              <a:t>li</a:t>
+            </a:r>
+            <a:r>
+              <a:rPr lang="zh-CN" altLang="en-US" smtClean="0"/>
+              <a:t>的父元素</a:t>
+            </a:r>
+            <a:endParaRPr lang="en-US" altLang="zh-CN" smtClean="0"/>
+          </a:p>
+          <a:p>
+            <a:pPr marL="285750" indent="-285750">
+              <a:buFont typeface="Arial" panose="020B0604020202020204" pitchFamily="34" charset="0"/>
+              <a:buChar char="•"/>
+            </a:pPr>
+            <a:r>
+              <a:rPr lang="en-US" altLang="zh-CN" smtClean="0"/>
+              <a:t>li</a:t>
+            </a:r>
+            <a:r>
+              <a:rPr lang="zh-CN" altLang="en-US" smtClean="0"/>
+              <a:t>是</a:t>
+            </a:r>
+            <a:r>
+              <a:rPr lang="en-US" altLang="zh-CN" smtClean="0"/>
+              <a:t>ul</a:t>
+            </a:r>
+            <a:r>
+              <a:rPr lang="zh-CN" altLang="en-US" smtClean="0"/>
+              <a:t>的子元素</a:t>
+            </a:r>
+            <a:endParaRPr lang="zh-CN" altLang="en-US"/>
+          </a:p>
+        </p:txBody>
+      </p:sp>
+      <p:sp>
+        <p:nvSpPr>
+          <p:cNvPr id="9" name="文本框 8"/>
+          <p:cNvSpPr txBox="1"/>
+          <p:nvPr/>
+        </p:nvSpPr>
+        <p:spPr>
+          <a:xfrm>
+            <a:off x="1331640" y="2060848"/>
+            <a:ext cx="2952328" cy="864000"/>
+          </a:xfrm>
+          <a:prstGeom prst="rect">
+            <a:avLst/>
+          </a:prstGeom>
+          <a:noFill/>
+          <a:ln w="12700">
+            <a:solidFill>
+              <a:srgbClr val="FF0000"/>
+            </a:solidFill>
+          </a:ln>
+        </p:spPr>
+        <p:txBody>
+          <a:bodyPr wrap="square" rtlCol="0">
+            <a:spAutoFit/>
+          </a:bodyPr>
+          <a:lstStyle/>
+          <a:p>
+            <a:endParaRPr lang="zh-CN" altLang="en-US"/>
+          </a:p>
+        </p:txBody>
+      </p:sp>
+      <p:sp>
+        <p:nvSpPr>
+          <p:cNvPr id="10" name="文本框 9"/>
+          <p:cNvSpPr txBox="1"/>
+          <p:nvPr/>
+        </p:nvSpPr>
+        <p:spPr>
+          <a:xfrm>
+            <a:off x="5208676" y="2062589"/>
+            <a:ext cx="2243644" cy="646331"/>
+          </a:xfrm>
+          <a:prstGeom prst="rect">
+            <a:avLst/>
+          </a:prstGeom>
+          <a:noFill/>
+          <a:ln w="12700">
+            <a:solidFill>
+              <a:srgbClr val="FF0000"/>
+            </a:solidFill>
+          </a:ln>
+        </p:spPr>
+        <p:txBody>
+          <a:bodyPr wrap="square" rtlCol="0">
+            <a:spAutoFit/>
+          </a:bodyPr>
+          <a:lstStyle/>
+          <a:p>
+            <a:pPr marL="285750" indent="-285750">
+              <a:buFont typeface="Arial" panose="020B0604020202020204" pitchFamily="34" charset="0"/>
+              <a:buChar char="•"/>
+            </a:pPr>
+            <a:r>
+              <a:rPr lang="zh-CN" altLang="en-US" smtClean="0"/>
+              <a:t>兄弟关系</a:t>
+            </a:r>
+            <a:endParaRPr lang="en-US" altLang="zh-CN" smtClean="0"/>
+          </a:p>
+          <a:p>
+            <a:pPr marL="285750" indent="-285750">
+              <a:buFont typeface="Arial" panose="020B0604020202020204" pitchFamily="34" charset="0"/>
+              <a:buChar char="•"/>
+            </a:pPr>
+            <a:r>
+              <a:rPr lang="en-US" altLang="zh-CN" smtClean="0"/>
+              <a:t>h1</a:t>
+            </a:r>
+            <a:r>
+              <a:rPr lang="zh-CN" altLang="en-US"/>
+              <a:t>是</a:t>
+            </a:r>
+            <a:r>
+              <a:rPr lang="en-US" altLang="zh-CN" smtClean="0"/>
+              <a:t>p</a:t>
+            </a:r>
+            <a:r>
+              <a:rPr lang="zh-CN" altLang="en-US"/>
+              <a:t>的</a:t>
+            </a:r>
+            <a:r>
+              <a:rPr lang="zh-CN" altLang="en-US" smtClean="0"/>
+              <a:t>兄弟元素</a:t>
+            </a:r>
+            <a:endParaRPr lang="en-US" altLang="zh-CN" smtClean="0"/>
+          </a:p>
+        </p:txBody>
+      </p:sp>
+      <p:cxnSp>
+        <p:nvCxnSpPr>
+          <p:cNvPr id="11" name="直接箭头连接符 10"/>
+          <p:cNvCxnSpPr/>
+          <p:nvPr/>
+        </p:nvCxnSpPr>
+        <p:spPr>
+          <a:xfrm>
+            <a:off x="4283968" y="2348880"/>
+            <a:ext cx="864096" cy="0"/>
+          </a:xfrm>
+          <a:prstGeom prst="straightConnector1">
+            <a:avLst/>
+          </a:prstGeom>
+          <a:ln>
+            <a:tailEnd type="triangle"/>
+          </a:ln>
+        </p:spPr>
+        <p:style>
+          <a:lnRef idx="1">
+            <a:schemeClr val="accent1"/>
+          </a:lnRef>
+          <a:fillRef idx="0">
+            <a:schemeClr val="accent1"/>
+          </a:fillRef>
+          <a:effectRef idx="0">
+            <a:schemeClr val="accent1"/>
+          </a:effectRef>
+          <a:fontRef idx="minor">
+            <a:schemeClr val="tx1"/>
+          </a:fontRef>
+        </p:style>
+      </p:cxnSp>
+      <p:sp>
+        <p:nvSpPr>
+          <p:cNvPr id="12" name="文本框 11"/>
+          <p:cNvSpPr txBox="1"/>
+          <p:nvPr/>
+        </p:nvSpPr>
+        <p:spPr>
+          <a:xfrm>
+            <a:off x="3239852" y="3875428"/>
+            <a:ext cx="2880000" cy="489676"/>
+          </a:xfrm>
+          <a:prstGeom prst="rect">
+            <a:avLst/>
+          </a:prstGeom>
+          <a:noFill/>
+          <a:ln w="12700">
+            <a:solidFill>
+              <a:srgbClr val="FF0000"/>
+            </a:solidFill>
+          </a:ln>
+        </p:spPr>
+        <p:txBody>
+          <a:bodyPr wrap="square" rtlCol="0">
+            <a:spAutoFit/>
+          </a:bodyPr>
+          <a:lstStyle/>
+          <a:p>
+            <a:endParaRPr lang="zh-CN" altLang="en-US"/>
+          </a:p>
+        </p:txBody>
+      </p:sp>
+      <p:cxnSp>
+        <p:nvCxnSpPr>
+          <p:cNvPr id="13" name="直接箭头连接符 12"/>
+          <p:cNvCxnSpPr/>
+          <p:nvPr/>
+        </p:nvCxnSpPr>
+        <p:spPr>
+          <a:xfrm>
+            <a:off x="5580112" y="4361656"/>
+            <a:ext cx="73" cy="576064"/>
+          </a:xfrm>
+          <a:prstGeom prst="straightConnector1">
+            <a:avLst/>
+          </a:prstGeom>
+          <a:ln>
+            <a:tailEnd type="triangle"/>
+          </a:ln>
+        </p:spPr>
+        <p:style>
+          <a:lnRef idx="1">
+            <a:schemeClr val="accent1"/>
+          </a:lnRef>
+          <a:fillRef idx="0">
+            <a:schemeClr val="accent1"/>
+          </a:fillRef>
+          <a:effectRef idx="0">
+            <a:schemeClr val="accent1"/>
+          </a:effectRef>
+          <a:fontRef idx="minor">
+            <a:schemeClr val="tx1"/>
+          </a:fontRef>
+        </p:style>
+      </p:cxnSp>
+      <p:sp>
+        <p:nvSpPr>
+          <p:cNvPr id="15" name="文本框 14"/>
+          <p:cNvSpPr txBox="1"/>
+          <p:nvPr/>
+        </p:nvSpPr>
+        <p:spPr>
+          <a:xfrm>
+            <a:off x="4663718" y="4957192"/>
+            <a:ext cx="2932618" cy="923330"/>
+          </a:xfrm>
+          <a:prstGeom prst="rect">
+            <a:avLst/>
+          </a:prstGeom>
+          <a:noFill/>
+          <a:ln w="12700">
+            <a:solidFill>
+              <a:srgbClr val="FF0000"/>
+            </a:solidFill>
+          </a:ln>
+        </p:spPr>
+        <p:txBody>
+          <a:bodyPr wrap="square" rtlCol="0">
+            <a:spAutoFit/>
+          </a:bodyPr>
+          <a:lstStyle/>
+          <a:p>
+            <a:pPr marL="285750" indent="-285750">
+              <a:buFont typeface="Arial" panose="020B0604020202020204" pitchFamily="34" charset="0"/>
+              <a:buChar char="•"/>
+            </a:pPr>
+            <a:r>
+              <a:rPr lang="en-US" altLang="zh-CN" smtClean="0"/>
+              <a:t>span</a:t>
+            </a:r>
+            <a:r>
+              <a:rPr lang="zh-CN" altLang="en-US" smtClean="0"/>
+              <a:t>是第二个</a:t>
+            </a:r>
+            <a:r>
+              <a:rPr lang="en-US" altLang="zh-CN" smtClean="0"/>
+              <a:t>li</a:t>
+            </a:r>
+            <a:r>
+              <a:rPr lang="zh-CN" altLang="en-US" smtClean="0"/>
+              <a:t>的子元素</a:t>
+            </a:r>
+            <a:endParaRPr lang="en-US" altLang="zh-CN" smtClean="0"/>
+          </a:p>
+          <a:p>
+            <a:pPr marL="285750" indent="-285750">
+              <a:buFont typeface="Arial" panose="020B0604020202020204" pitchFamily="34" charset="0"/>
+              <a:buChar char="•"/>
+            </a:pPr>
+            <a:r>
+              <a:rPr lang="en-US" altLang="zh-CN" smtClean="0"/>
+              <a:t>span</a:t>
+            </a:r>
+            <a:r>
+              <a:rPr lang="zh-CN" altLang="en-US" smtClean="0"/>
+              <a:t>是</a:t>
+            </a:r>
+            <a:r>
+              <a:rPr lang="en-US" altLang="zh-CN" smtClean="0"/>
+              <a:t>ul</a:t>
+            </a:r>
+            <a:r>
+              <a:rPr lang="zh-CN" altLang="en-US" smtClean="0"/>
+              <a:t>的后代元素</a:t>
+            </a:r>
+            <a:endParaRPr lang="en-US" altLang="zh-CN" smtClean="0"/>
+          </a:p>
+          <a:p>
+            <a:pPr marL="285750" indent="-285750">
+              <a:buFont typeface="Arial" panose="020B0604020202020204" pitchFamily="34" charset="0"/>
+              <a:buChar char="•"/>
+            </a:pPr>
+            <a:r>
+              <a:rPr lang="en-US" altLang="zh-CN" smtClean="0"/>
+              <a:t>ul</a:t>
+            </a:r>
+            <a:r>
+              <a:rPr lang="zh-CN" altLang="en-US" smtClean="0"/>
+              <a:t>是</a:t>
+            </a:r>
+            <a:r>
+              <a:rPr lang="en-US" altLang="zh-CN" smtClean="0"/>
+              <a:t>span</a:t>
+            </a:r>
+            <a:r>
+              <a:rPr lang="zh-CN" altLang="en-US" smtClean="0"/>
+              <a:t>的祖先元素</a:t>
             </a:r>
             <a:endParaRPr lang="zh-CN" altLang="en-US"/>
           </a:p>
@@ -5808,6 +6710,521 @@
   <p:clrMapOvr>
     <a:masterClrMapping/>
   </p:clrMapOvr>
+  <p:timing>
+    <p:tnLst>
+      <p:par>
+        <p:cTn id="1" dur="indefinite" restart="never" nodeType="tmRoot">
+          <p:childTnLst>
+            <p:seq concurrent="1" nextAc="seek">
+              <p:cTn id="2" dur="indefinite" nodeType="mainSeq">
+                <p:childTnLst>
+                  <p:par>
+                    <p:cTn id="3" fill="hold">
+                      <p:stCondLst>
+                        <p:cond delay="indefinite"/>
+                      </p:stCondLst>
+                      <p:childTnLst>
+                        <p:par>
+                          <p:cTn id="4" fill="hold">
+                            <p:stCondLst>
+                              <p:cond delay="0"/>
+                            </p:stCondLst>
+                            <p:childTnLst>
+                              <p:par>
+                                <p:cTn id="5" presetID="10" presetClass="entr" presetSubtype="0" fill="hold" grpId="0" nodeType="clickEffect">
+                                  <p:stCondLst>
+                                    <p:cond delay="0"/>
+                                  </p:stCondLst>
+                                  <p:childTnLst>
+                                    <p:set>
+                                      <p:cBhvr>
+                                        <p:cTn id="6" dur="1" fill="hold">
+                                          <p:stCondLst>
+                                            <p:cond delay="0"/>
+                                          </p:stCondLst>
+                                        </p:cTn>
+                                        <p:tgtEl>
+                                          <p:spTgt spid="5"/>
+                                        </p:tgtEl>
+                                        <p:attrNameLst>
+                                          <p:attrName>style.visibility</p:attrName>
+                                        </p:attrNameLst>
+                                      </p:cBhvr>
+                                      <p:to>
+                                        <p:strVal val="visible"/>
+                                      </p:to>
+                                    </p:set>
+                                    <p:animEffect transition="in" filter="fade">
+                                      <p:cBhvr>
+                                        <p:cTn id="7" dur="500"/>
+                                        <p:tgtEl>
+                                          <p:spTgt spid="5"/>
+                                        </p:tgtEl>
+                                      </p:cBhvr>
+                                    </p:animEffect>
+                                  </p:childTnLst>
+                                </p:cTn>
+                              </p:par>
+                            </p:childTnLst>
+                          </p:cTn>
+                        </p:par>
+                      </p:childTnLst>
+                    </p:cTn>
+                  </p:par>
+                  <p:par>
+                    <p:cTn id="8" fill="hold">
+                      <p:stCondLst>
+                        <p:cond delay="indefinite"/>
+                      </p:stCondLst>
+                      <p:childTnLst>
+                        <p:par>
+                          <p:cTn id="9" fill="hold">
+                            <p:stCondLst>
+                              <p:cond delay="0"/>
+                            </p:stCondLst>
+                            <p:childTnLst>
+                              <p:par>
+                                <p:cTn id="10" presetID="10" presetClass="entr" presetSubtype="0" fill="hold" nodeType="clickEffect">
+                                  <p:stCondLst>
+                                    <p:cond delay="0"/>
+                                  </p:stCondLst>
+                                  <p:childTnLst>
+                                    <p:set>
+                                      <p:cBhvr>
+                                        <p:cTn id="11" dur="1" fill="hold">
+                                          <p:stCondLst>
+                                            <p:cond delay="0"/>
+                                          </p:stCondLst>
+                                        </p:cTn>
+                                        <p:tgtEl>
+                                          <p:spTgt spid="7"/>
+                                        </p:tgtEl>
+                                        <p:attrNameLst>
+                                          <p:attrName>style.visibility</p:attrName>
+                                        </p:attrNameLst>
+                                      </p:cBhvr>
+                                      <p:to>
+                                        <p:strVal val="visible"/>
+                                      </p:to>
+                                    </p:set>
+                                    <p:animEffect transition="in" filter="fade">
+                                      <p:cBhvr>
+                                        <p:cTn id="12" dur="500"/>
+                                        <p:tgtEl>
+                                          <p:spTgt spid="7"/>
+                                        </p:tgtEl>
+                                      </p:cBhvr>
+                                    </p:animEffect>
+                                  </p:childTnLst>
+                                </p:cTn>
+                              </p:par>
+                            </p:childTnLst>
+                          </p:cTn>
+                        </p:par>
+                      </p:childTnLst>
+                    </p:cTn>
+                  </p:par>
+                  <p:par>
+                    <p:cTn id="13" fill="hold">
+                      <p:stCondLst>
+                        <p:cond delay="indefinite"/>
+                      </p:stCondLst>
+                      <p:childTnLst>
+                        <p:par>
+                          <p:cTn id="14" fill="hold">
+                            <p:stCondLst>
+                              <p:cond delay="0"/>
+                            </p:stCondLst>
+                            <p:childTnLst>
+                              <p:par>
+                                <p:cTn id="15" presetID="10" presetClass="entr" presetSubtype="0" fill="hold" grpId="0" nodeType="clickEffect">
+                                  <p:stCondLst>
+                                    <p:cond delay="0"/>
+                                  </p:stCondLst>
+                                  <p:childTnLst>
+                                    <p:set>
+                                      <p:cBhvr>
+                                        <p:cTn id="16" dur="1" fill="hold">
+                                          <p:stCondLst>
+                                            <p:cond delay="0"/>
+                                          </p:stCondLst>
+                                        </p:cTn>
+                                        <p:tgtEl>
+                                          <p:spTgt spid="8"/>
+                                        </p:tgtEl>
+                                        <p:attrNameLst>
+                                          <p:attrName>style.visibility</p:attrName>
+                                        </p:attrNameLst>
+                                      </p:cBhvr>
+                                      <p:to>
+                                        <p:strVal val="visible"/>
+                                      </p:to>
+                                    </p:set>
+                                    <p:animEffect transition="in" filter="fade">
+                                      <p:cBhvr>
+                                        <p:cTn id="17" dur="500"/>
+                                        <p:tgtEl>
+                                          <p:spTgt spid="8"/>
+                                        </p:tgtEl>
+                                      </p:cBhvr>
+                                    </p:animEffect>
+                                  </p:childTnLst>
+                                </p:cTn>
+                              </p:par>
+                            </p:childTnLst>
+                          </p:cTn>
+                        </p:par>
+                      </p:childTnLst>
+                    </p:cTn>
+                  </p:par>
+                  <p:par>
+                    <p:cTn id="18" fill="hold">
+                      <p:stCondLst>
+                        <p:cond delay="indefinite"/>
+                      </p:stCondLst>
+                      <p:childTnLst>
+                        <p:par>
+                          <p:cTn id="19" fill="hold">
+                            <p:stCondLst>
+                              <p:cond delay="0"/>
+                            </p:stCondLst>
+                            <p:childTnLst>
+                              <p:par>
+                                <p:cTn id="20" presetID="10" presetClass="entr" presetSubtype="0" fill="hold" grpId="0" nodeType="clickEffect">
+                                  <p:stCondLst>
+                                    <p:cond delay="0"/>
+                                  </p:stCondLst>
+                                  <p:childTnLst>
+                                    <p:set>
+                                      <p:cBhvr>
+                                        <p:cTn id="21" dur="1" fill="hold">
+                                          <p:stCondLst>
+                                            <p:cond delay="0"/>
+                                          </p:stCondLst>
+                                        </p:cTn>
+                                        <p:tgtEl>
+                                          <p:spTgt spid="12"/>
+                                        </p:tgtEl>
+                                        <p:attrNameLst>
+                                          <p:attrName>style.visibility</p:attrName>
+                                        </p:attrNameLst>
+                                      </p:cBhvr>
+                                      <p:to>
+                                        <p:strVal val="visible"/>
+                                      </p:to>
+                                    </p:set>
+                                    <p:animEffect transition="in" filter="fade">
+                                      <p:cBhvr>
+                                        <p:cTn id="22" dur="500"/>
+                                        <p:tgtEl>
+                                          <p:spTgt spid="12"/>
+                                        </p:tgtEl>
+                                      </p:cBhvr>
+                                    </p:animEffect>
+                                  </p:childTnLst>
+                                </p:cTn>
+                              </p:par>
+                            </p:childTnLst>
+                          </p:cTn>
+                        </p:par>
+                      </p:childTnLst>
+                    </p:cTn>
+                  </p:par>
+                  <p:par>
+                    <p:cTn id="23" fill="hold">
+                      <p:stCondLst>
+                        <p:cond delay="indefinite"/>
+                      </p:stCondLst>
+                      <p:childTnLst>
+                        <p:par>
+                          <p:cTn id="24" fill="hold">
+                            <p:stCondLst>
+                              <p:cond delay="0"/>
+                            </p:stCondLst>
+                            <p:childTnLst>
+                              <p:par>
+                                <p:cTn id="25" presetID="10" presetClass="entr" presetSubtype="0" fill="hold" nodeType="clickEffect">
+                                  <p:stCondLst>
+                                    <p:cond delay="0"/>
+                                  </p:stCondLst>
+                                  <p:childTnLst>
+                                    <p:set>
+                                      <p:cBhvr>
+                                        <p:cTn id="26" dur="1" fill="hold">
+                                          <p:stCondLst>
+                                            <p:cond delay="0"/>
+                                          </p:stCondLst>
+                                        </p:cTn>
+                                        <p:tgtEl>
+                                          <p:spTgt spid="13"/>
+                                        </p:tgtEl>
+                                        <p:attrNameLst>
+                                          <p:attrName>style.visibility</p:attrName>
+                                        </p:attrNameLst>
+                                      </p:cBhvr>
+                                      <p:to>
+                                        <p:strVal val="visible"/>
+                                      </p:to>
+                                    </p:set>
+                                    <p:animEffect transition="in" filter="fade">
+                                      <p:cBhvr>
+                                        <p:cTn id="27" dur="500"/>
+                                        <p:tgtEl>
+                                          <p:spTgt spid="13"/>
+                                        </p:tgtEl>
+                                      </p:cBhvr>
+                                    </p:animEffect>
+                                  </p:childTnLst>
+                                </p:cTn>
+                              </p:par>
+                            </p:childTnLst>
+                          </p:cTn>
+                        </p:par>
+                      </p:childTnLst>
+                    </p:cTn>
+                  </p:par>
+                  <p:par>
+                    <p:cTn id="28" fill="hold">
+                      <p:stCondLst>
+                        <p:cond delay="indefinite"/>
+                      </p:stCondLst>
+                      <p:childTnLst>
+                        <p:par>
+                          <p:cTn id="29" fill="hold">
+                            <p:stCondLst>
+                              <p:cond delay="0"/>
+                            </p:stCondLst>
+                            <p:childTnLst>
+                              <p:par>
+                                <p:cTn id="30" presetID="10" presetClass="entr" presetSubtype="0" fill="hold" grpId="0" nodeType="clickEffect">
+                                  <p:stCondLst>
+                                    <p:cond delay="0"/>
+                                  </p:stCondLst>
+                                  <p:childTnLst>
+                                    <p:set>
+                                      <p:cBhvr>
+                                        <p:cTn id="31" dur="1" fill="hold">
+                                          <p:stCondLst>
+                                            <p:cond delay="0"/>
+                                          </p:stCondLst>
+                                        </p:cTn>
+                                        <p:tgtEl>
+                                          <p:spTgt spid="15"/>
+                                        </p:tgtEl>
+                                        <p:attrNameLst>
+                                          <p:attrName>style.visibility</p:attrName>
+                                        </p:attrNameLst>
+                                      </p:cBhvr>
+                                      <p:to>
+                                        <p:strVal val="visible"/>
+                                      </p:to>
+                                    </p:set>
+                                    <p:animEffect transition="in" filter="fade">
+                                      <p:cBhvr>
+                                        <p:cTn id="32" dur="500"/>
+                                        <p:tgtEl>
+                                          <p:spTgt spid="15"/>
+                                        </p:tgtEl>
+                                      </p:cBhvr>
+                                    </p:animEffect>
+                                  </p:childTnLst>
+                                </p:cTn>
+                              </p:par>
+                            </p:childTnLst>
+                          </p:cTn>
+                        </p:par>
+                      </p:childTnLst>
+                    </p:cTn>
+                  </p:par>
+                  <p:par>
+                    <p:cTn id="33" fill="hold">
+                      <p:stCondLst>
+                        <p:cond delay="indefinite"/>
+                      </p:stCondLst>
+                      <p:childTnLst>
+                        <p:par>
+                          <p:cTn id="34" fill="hold">
+                            <p:stCondLst>
+                              <p:cond delay="0"/>
+                            </p:stCondLst>
+                            <p:childTnLst>
+                              <p:par>
+                                <p:cTn id="35" presetID="10" presetClass="entr" presetSubtype="0" fill="hold" grpId="0" nodeType="clickEffect">
+                                  <p:stCondLst>
+                                    <p:cond delay="0"/>
+                                  </p:stCondLst>
+                                  <p:childTnLst>
+                                    <p:set>
+                                      <p:cBhvr>
+                                        <p:cTn id="36" dur="1" fill="hold">
+                                          <p:stCondLst>
+                                            <p:cond delay="0"/>
+                                          </p:stCondLst>
+                                        </p:cTn>
+                                        <p:tgtEl>
+                                          <p:spTgt spid="9"/>
+                                        </p:tgtEl>
+                                        <p:attrNameLst>
+                                          <p:attrName>style.visibility</p:attrName>
+                                        </p:attrNameLst>
+                                      </p:cBhvr>
+                                      <p:to>
+                                        <p:strVal val="visible"/>
+                                      </p:to>
+                                    </p:set>
+                                    <p:animEffect transition="in" filter="fade">
+                                      <p:cBhvr>
+                                        <p:cTn id="37" dur="500"/>
+                                        <p:tgtEl>
+                                          <p:spTgt spid="9"/>
+                                        </p:tgtEl>
+                                      </p:cBhvr>
+                                    </p:animEffect>
+                                  </p:childTnLst>
+                                </p:cTn>
+                              </p:par>
+                            </p:childTnLst>
+                          </p:cTn>
+                        </p:par>
+                      </p:childTnLst>
+                    </p:cTn>
+                  </p:par>
+                  <p:par>
+                    <p:cTn id="38" fill="hold">
+                      <p:stCondLst>
+                        <p:cond delay="indefinite"/>
+                      </p:stCondLst>
+                      <p:childTnLst>
+                        <p:par>
+                          <p:cTn id="39" fill="hold">
+                            <p:stCondLst>
+                              <p:cond delay="0"/>
+                            </p:stCondLst>
+                            <p:childTnLst>
+                              <p:par>
+                                <p:cTn id="40" presetID="10" presetClass="entr" presetSubtype="0" fill="hold" nodeType="clickEffect">
+                                  <p:stCondLst>
+                                    <p:cond delay="0"/>
+                                  </p:stCondLst>
+                                  <p:childTnLst>
+                                    <p:set>
+                                      <p:cBhvr>
+                                        <p:cTn id="41" dur="1" fill="hold">
+                                          <p:stCondLst>
+                                            <p:cond delay="0"/>
+                                          </p:stCondLst>
+                                        </p:cTn>
+                                        <p:tgtEl>
+                                          <p:spTgt spid="11"/>
+                                        </p:tgtEl>
+                                        <p:attrNameLst>
+                                          <p:attrName>style.visibility</p:attrName>
+                                        </p:attrNameLst>
+                                      </p:cBhvr>
+                                      <p:to>
+                                        <p:strVal val="visible"/>
+                                      </p:to>
+                                    </p:set>
+                                    <p:animEffect transition="in" filter="fade">
+                                      <p:cBhvr>
+                                        <p:cTn id="42" dur="500"/>
+                                        <p:tgtEl>
+                                          <p:spTgt spid="11"/>
+                                        </p:tgtEl>
+                                      </p:cBhvr>
+                                    </p:animEffect>
+                                  </p:childTnLst>
+                                </p:cTn>
+                              </p:par>
+                            </p:childTnLst>
+                          </p:cTn>
+                        </p:par>
+                      </p:childTnLst>
+                    </p:cTn>
+                  </p:par>
+                  <p:par>
+                    <p:cTn id="43" fill="hold">
+                      <p:stCondLst>
+                        <p:cond delay="indefinite"/>
+                      </p:stCondLst>
+                      <p:childTnLst>
+                        <p:par>
+                          <p:cTn id="44" fill="hold">
+                            <p:stCondLst>
+                              <p:cond delay="0"/>
+                            </p:stCondLst>
+                            <p:childTnLst>
+                              <p:par>
+                                <p:cTn id="45" presetID="10" presetClass="entr" presetSubtype="0" fill="hold" grpId="0" nodeType="clickEffect">
+                                  <p:stCondLst>
+                                    <p:cond delay="0"/>
+                                  </p:stCondLst>
+                                  <p:childTnLst>
+                                    <p:set>
+                                      <p:cBhvr>
+                                        <p:cTn id="46" dur="1" fill="hold">
+                                          <p:stCondLst>
+                                            <p:cond delay="0"/>
+                                          </p:stCondLst>
+                                        </p:cTn>
+                                        <p:tgtEl>
+                                          <p:spTgt spid="10"/>
+                                        </p:tgtEl>
+                                        <p:attrNameLst>
+                                          <p:attrName>style.visibility</p:attrName>
+                                        </p:attrNameLst>
+                                      </p:cBhvr>
+                                      <p:to>
+                                        <p:strVal val="visible"/>
+                                      </p:to>
+                                    </p:set>
+                                    <p:animEffect transition="in" filter="fade">
+                                      <p:cBhvr>
+                                        <p:cTn id="47" dur="500"/>
+                                        <p:tgtEl>
+                                          <p:spTgt spid="10"/>
+                                        </p:tgtEl>
+                                      </p:cBhvr>
+                                    </p:animEffect>
+                                  </p:childTnLst>
+                                </p:cTn>
+                              </p:par>
+                            </p:childTnLst>
+                          </p:cTn>
+                        </p:par>
+                      </p:childTnLst>
+                    </p:cTn>
+                  </p:par>
+                </p:childTnLst>
+              </p:cTn>
+              <p:prevCondLst>
+                <p:cond evt="onPrev" delay="0">
+                  <p:tgtEl>
+                    <p:sldTgt/>
+                  </p:tgtEl>
+                </p:cond>
+              </p:prevCondLst>
+              <p:nextCondLst>
+                <p:cond evt="onNext" delay="0">
+                  <p:tgtEl>
+                    <p:sldTgt/>
+                  </p:tgtEl>
+                </p:cond>
+              </p:nextCondLst>
+            </p:seq>
+          </p:childTnLst>
+        </p:cTn>
+      </p:par>
+    </p:tnLst>
+    <p:bldLst>
+      <p:bldP spid="5" grpId="0" animBg="1"/>
+      <p:bldP spid="8" grpId="0" animBg="1"/>
+      <p:bldP spid="9" grpId="0" animBg="1"/>
+      <p:bldP spid="10" grpId="0" animBg="1"/>
+      <p:bldP spid="12" grpId="0" animBg="1"/>
+      <p:bldP spid="15" grpId="0" animBg="1"/>
+    </p:bldLst>
+  </p:timing>
 </p:sld>
 </file>
 
@@ -6373,6 +7790,13 @@
   <p:clrMapOvr>
     <a:masterClrMapping/>
   </p:clrMapOvr>
+  <p:timing>
+    <p:tnLst>
+      <p:par>
+        <p:cTn id="1" dur="indefinite" restart="never" nodeType="tmRoot"/>
+      </p:par>
+    </p:tnLst>
+  </p:timing>
 </p:sld>
 </file>
 
@@ -6535,6 +7959,13 @@
   <p:clrMapOvr>
     <a:masterClrMapping/>
   </p:clrMapOvr>
+  <p:timing>
+    <p:tnLst>
+      <p:par>
+        <p:cTn id="1" dur="indefinite" restart="never" nodeType="tmRoot"/>
+      </p:par>
+    </p:tnLst>
+  </p:timing>
 </p:sld>
 </file>
 
@@ -6952,6 +8383,13 @@
   <p:clrMapOvr>
     <a:masterClrMapping/>
   </p:clrMapOvr>
+  <p:timing>
+    <p:tnLst>
+      <p:par>
+        <p:cTn id="1" dur="indefinite" restart="never" nodeType="tmRoot"/>
+      </p:par>
+    </p:tnLst>
+  </p:timing>
 </p:sld>
 </file>
 
@@ -7187,6 +8625,13 @@
   <p:clrMapOvr>
     <a:masterClrMapping/>
   </p:clrMapOvr>
+  <p:timing>
+    <p:tnLst>
+      <p:par>
+        <p:cTn id="1" dur="indefinite" restart="never" nodeType="tmRoot"/>
+      </p:par>
+    </p:tnLst>
+  </p:timing>
 </p:sld>
 </file>
 

--- a/网页设计与制作/课件/4/css选择器.pptx
+++ b/网页设计与制作/课件/4/css选择器.pptx
@@ -5,30 +5,36 @@
     <p:sldMasterId id="2147483648" r:id="rId1"/>
   </p:sldMasterIdLst>
   <p:sldIdLst>
-    <p:sldId id="267" r:id="rId2"/>
-    <p:sldId id="268" r:id="rId3"/>
-    <p:sldId id="269" r:id="rId4"/>
-    <p:sldId id="270" r:id="rId5"/>
-    <p:sldId id="271" r:id="rId6"/>
-    <p:sldId id="272" r:id="rId7"/>
-    <p:sldId id="273" r:id="rId8"/>
-    <p:sldId id="274" r:id="rId9"/>
-    <p:sldId id="275" r:id="rId10"/>
-    <p:sldId id="276" r:id="rId11"/>
-    <p:sldId id="277" r:id="rId12"/>
-    <p:sldId id="278" r:id="rId13"/>
-    <p:sldId id="257" r:id="rId14"/>
-    <p:sldId id="258" r:id="rId15"/>
-    <p:sldId id="259" r:id="rId16"/>
-    <p:sldId id="260" r:id="rId17"/>
-    <p:sldId id="261" r:id="rId18"/>
-    <p:sldId id="262" r:id="rId19"/>
-    <p:sldId id="263" r:id="rId20"/>
-    <p:sldId id="264" r:id="rId21"/>
-    <p:sldId id="265" r:id="rId22"/>
-    <p:sldId id="266" r:id="rId23"/>
-    <p:sldId id="279" r:id="rId24"/>
-    <p:sldId id="280" r:id="rId25"/>
+    <p:sldId id="271" r:id="rId2"/>
+    <p:sldId id="272" r:id="rId3"/>
+    <p:sldId id="273" r:id="rId4"/>
+    <p:sldId id="274" r:id="rId5"/>
+    <p:sldId id="275" r:id="rId6"/>
+    <p:sldId id="276" r:id="rId7"/>
+    <p:sldId id="277" r:id="rId8"/>
+    <p:sldId id="278" r:id="rId9"/>
+    <p:sldId id="257" r:id="rId10"/>
+    <p:sldId id="258" r:id="rId11"/>
+    <p:sldId id="259" r:id="rId12"/>
+    <p:sldId id="260" r:id="rId13"/>
+    <p:sldId id="261" r:id="rId14"/>
+    <p:sldId id="262" r:id="rId15"/>
+    <p:sldId id="263" r:id="rId16"/>
+    <p:sldId id="264" r:id="rId17"/>
+    <p:sldId id="265" r:id="rId18"/>
+    <p:sldId id="266" r:id="rId19"/>
+    <p:sldId id="279" r:id="rId20"/>
+    <p:sldId id="280" r:id="rId21"/>
+    <p:sldId id="283" r:id="rId22"/>
+    <p:sldId id="281" r:id="rId23"/>
+    <p:sldId id="282" r:id="rId24"/>
+    <p:sldId id="284" r:id="rId25"/>
+    <p:sldId id="290" r:id="rId26"/>
+    <p:sldId id="285" r:id="rId27"/>
+    <p:sldId id="286" r:id="rId28"/>
+    <p:sldId id="287" r:id="rId29"/>
+    <p:sldId id="288" r:id="rId30"/>
+    <p:sldId id="289" r:id="rId31"/>
   </p:sldIdLst>
   <p:sldSz cx="9144000" cy="6858000" type="screen4x3"/>
   <p:notesSz cx="6858000" cy="9144000"/>
@@ -184,10 +190,9 @@
           <a:lstStyle/>
           <a:p>
             <a:r>
-              <a:rPr lang="zh-CN" altLang="en-US" smtClean="0"/>
+              <a:rPr lang="zh-CN" altLang="en-US"/>
               <a:t>单击此处编辑母版标题样式</a:t>
             </a:r>
-            <a:endParaRPr lang="zh-CN" altLang="en-US"/>
           </a:p>
         </p:txBody>
       </p:sp>
@@ -303,10 +308,9 @@
           </a:lstStyle>
           <a:p>
             <a:r>
-              <a:rPr lang="zh-CN" altLang="en-US" smtClean="0"/>
+              <a:rPr lang="zh-CN" altLang="en-US"/>
               <a:t>单击此处编辑母版副标题样式</a:t>
             </a:r>
-            <a:endParaRPr lang="zh-CN" altLang="en-US"/>
           </a:p>
         </p:txBody>
       </p:sp>
@@ -327,7 +331,7 @@
           <a:p>
             <a:fld id="{530820CF-B880-4189-942D-D702A7CBA730}" type="datetimeFigureOut">
               <a:rPr lang="zh-CN" altLang="en-US" smtClean="0"/>
-              <a:t>2020/10/1</a:t>
+              <a:t>2020/10/2</a:t>
             </a:fld>
             <a:endParaRPr lang="zh-CN" altLang="en-US"/>
           </a:p>
@@ -416,10 +420,9 @@
           <a:lstStyle/>
           <a:p>
             <a:r>
-              <a:rPr lang="zh-CN" altLang="en-US" smtClean="0"/>
+              <a:rPr lang="zh-CN" altLang="en-US"/>
               <a:t>单击此处编辑母版标题样式</a:t>
             </a:r>
-            <a:endParaRPr lang="zh-CN" altLang="en-US"/>
           </a:p>
         </p:txBody>
       </p:sp>
@@ -440,38 +443,37 @@
           <a:p>
             <a:pPr lvl="0"/>
             <a:r>
-              <a:rPr lang="zh-CN" altLang="en-US" smtClean="0"/>
+              <a:rPr lang="zh-CN" altLang="en-US"/>
               <a:t>单击此处编辑母版文本样式</a:t>
             </a:r>
           </a:p>
           <a:p>
             <a:pPr lvl="1"/>
             <a:r>
-              <a:rPr lang="zh-CN" altLang="en-US" smtClean="0"/>
+              <a:rPr lang="zh-CN" altLang="en-US"/>
               <a:t>第二级</a:t>
             </a:r>
           </a:p>
           <a:p>
             <a:pPr lvl="2"/>
             <a:r>
-              <a:rPr lang="zh-CN" altLang="en-US" smtClean="0"/>
+              <a:rPr lang="zh-CN" altLang="en-US"/>
               <a:t>第三级</a:t>
             </a:r>
           </a:p>
           <a:p>
             <a:pPr lvl="3"/>
             <a:r>
-              <a:rPr lang="zh-CN" altLang="en-US" smtClean="0"/>
+              <a:rPr lang="zh-CN" altLang="en-US"/>
               <a:t>第四级</a:t>
             </a:r>
           </a:p>
           <a:p>
             <a:pPr lvl="4"/>
             <a:r>
-              <a:rPr lang="zh-CN" altLang="en-US" smtClean="0"/>
+              <a:rPr lang="zh-CN" altLang="en-US"/>
               <a:t>第五级</a:t>
             </a:r>
-            <a:endParaRPr lang="zh-CN" altLang="en-US"/>
           </a:p>
         </p:txBody>
       </p:sp>
@@ -492,7 +494,7 @@
           <a:p>
             <a:fld id="{530820CF-B880-4189-942D-D702A7CBA730}" type="datetimeFigureOut">
               <a:rPr lang="zh-CN" altLang="en-US" smtClean="0"/>
-              <a:t>2020/10/1</a:t>
+              <a:t>2020/10/2</a:t>
             </a:fld>
             <a:endParaRPr lang="zh-CN" altLang="en-US"/>
           </a:p>
@@ -586,10 +588,9 @@
           <a:lstStyle/>
           <a:p>
             <a:r>
-              <a:rPr lang="zh-CN" altLang="en-US" smtClean="0"/>
+              <a:rPr lang="zh-CN" altLang="en-US"/>
               <a:t>单击此处编辑母版标题样式</a:t>
             </a:r>
-            <a:endParaRPr lang="zh-CN" altLang="en-US"/>
           </a:p>
         </p:txBody>
       </p:sp>
@@ -615,38 +616,37 @@
           <a:p>
             <a:pPr lvl="0"/>
             <a:r>
-              <a:rPr lang="zh-CN" altLang="en-US" smtClean="0"/>
+              <a:rPr lang="zh-CN" altLang="en-US"/>
               <a:t>单击此处编辑母版文本样式</a:t>
             </a:r>
           </a:p>
           <a:p>
             <a:pPr lvl="1"/>
             <a:r>
-              <a:rPr lang="zh-CN" altLang="en-US" smtClean="0"/>
+              <a:rPr lang="zh-CN" altLang="en-US"/>
               <a:t>第二级</a:t>
             </a:r>
           </a:p>
           <a:p>
             <a:pPr lvl="2"/>
             <a:r>
-              <a:rPr lang="zh-CN" altLang="en-US" smtClean="0"/>
+              <a:rPr lang="zh-CN" altLang="en-US"/>
               <a:t>第三级</a:t>
             </a:r>
           </a:p>
           <a:p>
             <a:pPr lvl="3"/>
             <a:r>
-              <a:rPr lang="zh-CN" altLang="en-US" smtClean="0"/>
+              <a:rPr lang="zh-CN" altLang="en-US"/>
               <a:t>第四级</a:t>
             </a:r>
           </a:p>
           <a:p>
             <a:pPr lvl="4"/>
             <a:r>
-              <a:rPr lang="zh-CN" altLang="en-US" smtClean="0"/>
+              <a:rPr lang="zh-CN" altLang="en-US"/>
               <a:t>第五级</a:t>
             </a:r>
-            <a:endParaRPr lang="zh-CN" altLang="en-US"/>
           </a:p>
         </p:txBody>
       </p:sp>
@@ -667,7 +667,7 @@
           <a:p>
             <a:fld id="{530820CF-B880-4189-942D-D702A7CBA730}" type="datetimeFigureOut">
               <a:rPr lang="zh-CN" altLang="en-US" smtClean="0"/>
-              <a:t>2020/10/1</a:t>
+              <a:t>2020/10/2</a:t>
             </a:fld>
             <a:endParaRPr lang="zh-CN" altLang="en-US"/>
           </a:p>
@@ -756,10 +756,9 @@
           <a:lstStyle/>
           <a:p>
             <a:r>
-              <a:rPr lang="zh-CN" altLang="en-US" smtClean="0"/>
+              <a:rPr lang="zh-CN" altLang="en-US"/>
               <a:t>单击此处编辑母版标题样式</a:t>
             </a:r>
-            <a:endParaRPr lang="zh-CN" altLang="en-US"/>
           </a:p>
         </p:txBody>
       </p:sp>
@@ -780,38 +779,37 @@
           <a:p>
             <a:pPr lvl="0"/>
             <a:r>
-              <a:rPr lang="zh-CN" altLang="en-US" smtClean="0"/>
+              <a:rPr lang="zh-CN" altLang="en-US"/>
               <a:t>单击此处编辑母版文本样式</a:t>
             </a:r>
           </a:p>
           <a:p>
             <a:pPr lvl="1"/>
             <a:r>
-              <a:rPr lang="zh-CN" altLang="en-US" smtClean="0"/>
+              <a:rPr lang="zh-CN" altLang="en-US"/>
               <a:t>第二级</a:t>
             </a:r>
           </a:p>
           <a:p>
             <a:pPr lvl="2"/>
             <a:r>
-              <a:rPr lang="zh-CN" altLang="en-US" smtClean="0"/>
+              <a:rPr lang="zh-CN" altLang="en-US"/>
               <a:t>第三级</a:t>
             </a:r>
           </a:p>
           <a:p>
             <a:pPr lvl="3"/>
             <a:r>
-              <a:rPr lang="zh-CN" altLang="en-US" smtClean="0"/>
+              <a:rPr lang="zh-CN" altLang="en-US"/>
               <a:t>第四级</a:t>
             </a:r>
           </a:p>
           <a:p>
             <a:pPr lvl="4"/>
             <a:r>
-              <a:rPr lang="zh-CN" altLang="en-US" smtClean="0"/>
+              <a:rPr lang="zh-CN" altLang="en-US"/>
               <a:t>第五级</a:t>
             </a:r>
-            <a:endParaRPr lang="zh-CN" altLang="en-US"/>
           </a:p>
         </p:txBody>
       </p:sp>
@@ -832,7 +830,7 @@
           <a:p>
             <a:fld id="{530820CF-B880-4189-942D-D702A7CBA730}" type="datetimeFigureOut">
               <a:rPr lang="zh-CN" altLang="en-US" smtClean="0"/>
-              <a:t>2020/10/1</a:t>
+              <a:t>2020/10/2</a:t>
             </a:fld>
             <a:endParaRPr lang="zh-CN" altLang="en-US"/>
           </a:p>
@@ -930,10 +928,9 @@
           </a:lstStyle>
           <a:p>
             <a:r>
-              <a:rPr lang="zh-CN" altLang="en-US" smtClean="0"/>
+              <a:rPr lang="zh-CN" altLang="en-US"/>
               <a:t>单击此处编辑母版标题样式</a:t>
             </a:r>
-            <a:endParaRPr lang="zh-CN" altLang="en-US"/>
           </a:p>
         </p:txBody>
       </p:sp>
@@ -1050,7 +1047,7 @@
           <a:p>
             <a:pPr lvl="0"/>
             <a:r>
-              <a:rPr lang="zh-CN" altLang="en-US" smtClean="0"/>
+              <a:rPr lang="zh-CN" altLang="en-US"/>
               <a:t>单击此处编辑母版文本样式</a:t>
             </a:r>
           </a:p>
@@ -1073,7 +1070,7 @@
           <a:p>
             <a:fld id="{530820CF-B880-4189-942D-D702A7CBA730}" type="datetimeFigureOut">
               <a:rPr lang="zh-CN" altLang="en-US" smtClean="0"/>
-              <a:t>2020/10/1</a:t>
+              <a:t>2020/10/2</a:t>
             </a:fld>
             <a:endParaRPr lang="zh-CN" altLang="en-US"/>
           </a:p>
@@ -1162,10 +1159,9 @@
           <a:lstStyle/>
           <a:p>
             <a:r>
-              <a:rPr lang="zh-CN" altLang="en-US" smtClean="0"/>
+              <a:rPr lang="zh-CN" altLang="en-US"/>
               <a:t>单击此处编辑母版标题样式</a:t>
             </a:r>
-            <a:endParaRPr lang="zh-CN" altLang="en-US"/>
           </a:p>
         </p:txBody>
       </p:sp>
@@ -1219,38 +1215,37 @@
           <a:p>
             <a:pPr lvl="0"/>
             <a:r>
-              <a:rPr lang="zh-CN" altLang="en-US" smtClean="0"/>
+              <a:rPr lang="zh-CN" altLang="en-US"/>
               <a:t>单击此处编辑母版文本样式</a:t>
             </a:r>
           </a:p>
           <a:p>
             <a:pPr lvl="1"/>
             <a:r>
-              <a:rPr lang="zh-CN" altLang="en-US" smtClean="0"/>
+              <a:rPr lang="zh-CN" altLang="en-US"/>
               <a:t>第二级</a:t>
             </a:r>
           </a:p>
           <a:p>
             <a:pPr lvl="2"/>
             <a:r>
-              <a:rPr lang="zh-CN" altLang="en-US" smtClean="0"/>
+              <a:rPr lang="zh-CN" altLang="en-US"/>
               <a:t>第三级</a:t>
             </a:r>
           </a:p>
           <a:p>
             <a:pPr lvl="3"/>
             <a:r>
-              <a:rPr lang="zh-CN" altLang="en-US" smtClean="0"/>
+              <a:rPr lang="zh-CN" altLang="en-US"/>
               <a:t>第四级</a:t>
             </a:r>
           </a:p>
           <a:p>
             <a:pPr lvl="4"/>
             <a:r>
-              <a:rPr lang="zh-CN" altLang="en-US" smtClean="0"/>
+              <a:rPr lang="zh-CN" altLang="en-US"/>
               <a:t>第五级</a:t>
             </a:r>
-            <a:endParaRPr lang="zh-CN" altLang="en-US"/>
           </a:p>
         </p:txBody>
       </p:sp>
@@ -1304,38 +1299,37 @@
           <a:p>
             <a:pPr lvl="0"/>
             <a:r>
-              <a:rPr lang="zh-CN" altLang="en-US" smtClean="0"/>
+              <a:rPr lang="zh-CN" altLang="en-US"/>
               <a:t>单击此处编辑母版文本样式</a:t>
             </a:r>
           </a:p>
           <a:p>
             <a:pPr lvl="1"/>
             <a:r>
-              <a:rPr lang="zh-CN" altLang="en-US" smtClean="0"/>
+              <a:rPr lang="zh-CN" altLang="en-US"/>
               <a:t>第二级</a:t>
             </a:r>
           </a:p>
           <a:p>
             <a:pPr lvl="2"/>
             <a:r>
-              <a:rPr lang="zh-CN" altLang="en-US" smtClean="0"/>
+              <a:rPr lang="zh-CN" altLang="en-US"/>
               <a:t>第三级</a:t>
             </a:r>
           </a:p>
           <a:p>
             <a:pPr lvl="3"/>
             <a:r>
-              <a:rPr lang="zh-CN" altLang="en-US" smtClean="0"/>
+              <a:rPr lang="zh-CN" altLang="en-US"/>
               <a:t>第四级</a:t>
             </a:r>
           </a:p>
           <a:p>
             <a:pPr lvl="4"/>
             <a:r>
-              <a:rPr lang="zh-CN" altLang="en-US" smtClean="0"/>
+              <a:rPr lang="zh-CN" altLang="en-US"/>
               <a:t>第五级</a:t>
             </a:r>
-            <a:endParaRPr lang="zh-CN" altLang="en-US"/>
           </a:p>
         </p:txBody>
       </p:sp>
@@ -1356,7 +1350,7 @@
           <a:p>
             <a:fld id="{530820CF-B880-4189-942D-D702A7CBA730}" type="datetimeFigureOut">
               <a:rPr lang="zh-CN" altLang="en-US" smtClean="0"/>
-              <a:t>2020/10/1</a:t>
+              <a:t>2020/10/2</a:t>
             </a:fld>
             <a:endParaRPr lang="zh-CN" altLang="en-US"/>
           </a:p>
@@ -1449,10 +1443,9 @@
           </a:lstStyle>
           <a:p>
             <a:r>
-              <a:rPr lang="zh-CN" altLang="en-US" smtClean="0"/>
+              <a:rPr lang="zh-CN" altLang="en-US"/>
               <a:t>单击此处编辑母版标题样式</a:t>
             </a:r>
-            <a:endParaRPr lang="zh-CN" altLang="en-US"/>
           </a:p>
         </p:txBody>
       </p:sp>
@@ -1515,7 +1508,7 @@
           <a:p>
             <a:pPr lvl="0"/>
             <a:r>
-              <a:rPr lang="zh-CN" altLang="en-US" smtClean="0"/>
+              <a:rPr lang="zh-CN" altLang="en-US"/>
               <a:t>单击此处编辑母版文本样式</a:t>
             </a:r>
           </a:p>
@@ -1571,38 +1564,37 @@
           <a:p>
             <a:pPr lvl="0"/>
             <a:r>
-              <a:rPr lang="zh-CN" altLang="en-US" smtClean="0"/>
+              <a:rPr lang="zh-CN" altLang="en-US"/>
               <a:t>单击此处编辑母版文本样式</a:t>
             </a:r>
           </a:p>
           <a:p>
             <a:pPr lvl="1"/>
             <a:r>
-              <a:rPr lang="zh-CN" altLang="en-US" smtClean="0"/>
+              <a:rPr lang="zh-CN" altLang="en-US"/>
               <a:t>第二级</a:t>
             </a:r>
           </a:p>
           <a:p>
             <a:pPr lvl="2"/>
             <a:r>
-              <a:rPr lang="zh-CN" altLang="en-US" smtClean="0"/>
+              <a:rPr lang="zh-CN" altLang="en-US"/>
               <a:t>第三级</a:t>
             </a:r>
           </a:p>
           <a:p>
             <a:pPr lvl="3"/>
             <a:r>
-              <a:rPr lang="zh-CN" altLang="en-US" smtClean="0"/>
+              <a:rPr lang="zh-CN" altLang="en-US"/>
               <a:t>第四级</a:t>
             </a:r>
           </a:p>
           <a:p>
             <a:pPr lvl="4"/>
             <a:r>
-              <a:rPr lang="zh-CN" altLang="en-US" smtClean="0"/>
+              <a:rPr lang="zh-CN" altLang="en-US"/>
               <a:t>第五级</a:t>
             </a:r>
-            <a:endParaRPr lang="zh-CN" altLang="en-US"/>
           </a:p>
         </p:txBody>
       </p:sp>
@@ -1665,7 +1657,7 @@
           <a:p>
             <a:pPr lvl="0"/>
             <a:r>
-              <a:rPr lang="zh-CN" altLang="en-US" smtClean="0"/>
+              <a:rPr lang="zh-CN" altLang="en-US"/>
               <a:t>单击此处编辑母版文本样式</a:t>
             </a:r>
           </a:p>
@@ -1721,38 +1713,37 @@
           <a:p>
             <a:pPr lvl="0"/>
             <a:r>
-              <a:rPr lang="zh-CN" altLang="en-US" smtClean="0"/>
+              <a:rPr lang="zh-CN" altLang="en-US"/>
               <a:t>单击此处编辑母版文本样式</a:t>
             </a:r>
           </a:p>
           <a:p>
             <a:pPr lvl="1"/>
             <a:r>
-              <a:rPr lang="zh-CN" altLang="en-US" smtClean="0"/>
+              <a:rPr lang="zh-CN" altLang="en-US"/>
               <a:t>第二级</a:t>
             </a:r>
           </a:p>
           <a:p>
             <a:pPr lvl="2"/>
             <a:r>
-              <a:rPr lang="zh-CN" altLang="en-US" smtClean="0"/>
+              <a:rPr lang="zh-CN" altLang="en-US"/>
               <a:t>第三级</a:t>
             </a:r>
           </a:p>
           <a:p>
             <a:pPr lvl="3"/>
             <a:r>
-              <a:rPr lang="zh-CN" altLang="en-US" smtClean="0"/>
+              <a:rPr lang="zh-CN" altLang="en-US"/>
               <a:t>第四级</a:t>
             </a:r>
           </a:p>
           <a:p>
             <a:pPr lvl="4"/>
             <a:r>
-              <a:rPr lang="zh-CN" altLang="en-US" smtClean="0"/>
+              <a:rPr lang="zh-CN" altLang="en-US"/>
               <a:t>第五级</a:t>
             </a:r>
-            <a:endParaRPr lang="zh-CN" altLang="en-US"/>
           </a:p>
         </p:txBody>
       </p:sp>
@@ -1773,7 +1764,7 @@
           <a:p>
             <a:fld id="{530820CF-B880-4189-942D-D702A7CBA730}" type="datetimeFigureOut">
               <a:rPr lang="zh-CN" altLang="en-US" smtClean="0"/>
-              <a:t>2020/10/1</a:t>
+              <a:t>2020/10/2</a:t>
             </a:fld>
             <a:endParaRPr lang="zh-CN" altLang="en-US"/>
           </a:p>
@@ -1862,10 +1853,9 @@
           <a:lstStyle/>
           <a:p>
             <a:r>
-              <a:rPr lang="zh-CN" altLang="en-US" smtClean="0"/>
+              <a:rPr lang="zh-CN" altLang="en-US"/>
               <a:t>单击此处编辑母版标题样式</a:t>
             </a:r>
-            <a:endParaRPr lang="zh-CN" altLang="en-US"/>
           </a:p>
         </p:txBody>
       </p:sp>
@@ -1886,7 +1876,7 @@
           <a:p>
             <a:fld id="{530820CF-B880-4189-942D-D702A7CBA730}" type="datetimeFigureOut">
               <a:rPr lang="zh-CN" altLang="en-US" smtClean="0"/>
-              <a:t>2020/10/1</a:t>
+              <a:t>2020/10/2</a:t>
             </a:fld>
             <a:endParaRPr lang="zh-CN" altLang="en-US"/>
           </a:p>
@@ -1976,7 +1966,7 @@
           <a:p>
             <a:fld id="{530820CF-B880-4189-942D-D702A7CBA730}" type="datetimeFigureOut">
               <a:rPr lang="zh-CN" altLang="en-US" smtClean="0"/>
-              <a:t>2020/10/1</a:t>
+              <a:t>2020/10/2</a:t>
             </a:fld>
             <a:endParaRPr lang="zh-CN" altLang="en-US"/>
           </a:p>
@@ -2074,10 +2064,9 @@
           </a:lstStyle>
           <a:p>
             <a:r>
-              <a:rPr lang="zh-CN" altLang="en-US" smtClean="0"/>
+              <a:rPr lang="zh-CN" altLang="en-US"/>
               <a:t>单击此处编辑母版标题样式</a:t>
             </a:r>
-            <a:endParaRPr lang="zh-CN" altLang="en-US"/>
           </a:p>
         </p:txBody>
       </p:sp>
@@ -2131,38 +2120,37 @@
           <a:p>
             <a:pPr lvl="0"/>
             <a:r>
-              <a:rPr lang="zh-CN" altLang="en-US" smtClean="0"/>
+              <a:rPr lang="zh-CN" altLang="en-US"/>
               <a:t>单击此处编辑母版文本样式</a:t>
             </a:r>
           </a:p>
           <a:p>
             <a:pPr lvl="1"/>
             <a:r>
-              <a:rPr lang="zh-CN" altLang="en-US" smtClean="0"/>
+              <a:rPr lang="zh-CN" altLang="en-US"/>
               <a:t>第二级</a:t>
             </a:r>
           </a:p>
           <a:p>
             <a:pPr lvl="2"/>
             <a:r>
-              <a:rPr lang="zh-CN" altLang="en-US" smtClean="0"/>
+              <a:rPr lang="zh-CN" altLang="en-US"/>
               <a:t>第三级</a:t>
             </a:r>
           </a:p>
           <a:p>
             <a:pPr lvl="3"/>
             <a:r>
-              <a:rPr lang="zh-CN" altLang="en-US" smtClean="0"/>
+              <a:rPr lang="zh-CN" altLang="en-US"/>
               <a:t>第四级</a:t>
             </a:r>
           </a:p>
           <a:p>
             <a:pPr lvl="4"/>
             <a:r>
-              <a:rPr lang="zh-CN" altLang="en-US" smtClean="0"/>
+              <a:rPr lang="zh-CN" altLang="en-US"/>
               <a:t>第五级</a:t>
             </a:r>
-            <a:endParaRPr lang="zh-CN" altLang="en-US"/>
           </a:p>
         </p:txBody>
       </p:sp>
@@ -2225,7 +2213,7 @@
           <a:p>
             <a:pPr lvl="0"/>
             <a:r>
-              <a:rPr lang="zh-CN" altLang="en-US" smtClean="0"/>
+              <a:rPr lang="zh-CN" altLang="en-US"/>
               <a:t>单击此处编辑母版文本样式</a:t>
             </a:r>
           </a:p>
@@ -2248,7 +2236,7 @@
           <a:p>
             <a:fld id="{530820CF-B880-4189-942D-D702A7CBA730}" type="datetimeFigureOut">
               <a:rPr lang="zh-CN" altLang="en-US" smtClean="0"/>
-              <a:t>2020/10/1</a:t>
+              <a:t>2020/10/2</a:t>
             </a:fld>
             <a:endParaRPr lang="zh-CN" altLang="en-US"/>
           </a:p>
@@ -2346,10 +2334,9 @@
           </a:lstStyle>
           <a:p>
             <a:r>
-              <a:rPr lang="zh-CN" altLang="en-US" smtClean="0"/>
+              <a:rPr lang="zh-CN" altLang="en-US"/>
               <a:t>单击此处编辑母版标题样式</a:t>
             </a:r>
-            <a:endParaRPr lang="zh-CN" altLang="en-US"/>
           </a:p>
         </p:txBody>
       </p:sp>
@@ -2473,7 +2460,7 @@
           <a:p>
             <a:pPr lvl="0"/>
             <a:r>
-              <a:rPr lang="zh-CN" altLang="en-US" smtClean="0"/>
+              <a:rPr lang="zh-CN" altLang="en-US"/>
               <a:t>单击此处编辑母版文本样式</a:t>
             </a:r>
           </a:p>
@@ -2496,7 +2483,7 @@
           <a:p>
             <a:fld id="{530820CF-B880-4189-942D-D702A7CBA730}" type="datetimeFigureOut">
               <a:rPr lang="zh-CN" altLang="en-US" smtClean="0"/>
-              <a:t>2020/10/1</a:t>
+              <a:t>2020/10/2</a:t>
             </a:fld>
             <a:endParaRPr lang="zh-CN" altLang="en-US"/>
           </a:p>
@@ -2600,10 +2587,9 @@
           <a:lstStyle/>
           <a:p>
             <a:r>
-              <a:rPr lang="zh-CN" altLang="en-US" smtClean="0"/>
+              <a:rPr lang="zh-CN" altLang="en-US"/>
               <a:t>单击此处编辑母版标题样式</a:t>
             </a:r>
-            <a:endParaRPr lang="zh-CN" altLang="en-US"/>
           </a:p>
         </p:txBody>
       </p:sp>
@@ -2634,38 +2620,37 @@
           <a:p>
             <a:pPr lvl="0"/>
             <a:r>
-              <a:rPr lang="zh-CN" altLang="en-US" smtClean="0"/>
+              <a:rPr lang="zh-CN" altLang="en-US"/>
               <a:t>单击此处编辑母版文本样式</a:t>
             </a:r>
           </a:p>
           <a:p>
             <a:pPr lvl="1"/>
             <a:r>
-              <a:rPr lang="zh-CN" altLang="en-US" smtClean="0"/>
+              <a:rPr lang="zh-CN" altLang="en-US"/>
               <a:t>第二级</a:t>
             </a:r>
           </a:p>
           <a:p>
             <a:pPr lvl="2"/>
             <a:r>
-              <a:rPr lang="zh-CN" altLang="en-US" smtClean="0"/>
+              <a:rPr lang="zh-CN" altLang="en-US"/>
               <a:t>第三级</a:t>
             </a:r>
           </a:p>
           <a:p>
             <a:pPr lvl="3"/>
             <a:r>
-              <a:rPr lang="zh-CN" altLang="en-US" smtClean="0"/>
+              <a:rPr lang="zh-CN" altLang="en-US"/>
               <a:t>第四级</a:t>
             </a:r>
           </a:p>
           <a:p>
             <a:pPr lvl="4"/>
             <a:r>
-              <a:rPr lang="zh-CN" altLang="en-US" smtClean="0"/>
+              <a:rPr lang="zh-CN" altLang="en-US"/>
               <a:t>第五级</a:t>
             </a:r>
-            <a:endParaRPr lang="zh-CN" altLang="en-US"/>
           </a:p>
         </p:txBody>
       </p:sp>
@@ -2704,7 +2689,7 @@
           <a:p>
             <a:fld id="{530820CF-B880-4189-942D-D702A7CBA730}" type="datetimeFigureOut">
               <a:rPr lang="zh-CN" altLang="en-US" smtClean="0"/>
-              <a:t>2020/10/1</a:t>
+              <a:t>2020/10/2</a:t>
             </a:fld>
             <a:endParaRPr lang="zh-CN" altLang="en-US"/>
           </a:p>
@@ -3090,968 +3075,13 @@
           <a:lstStyle/>
           <a:p>
             <a:r>
-              <a:rPr lang="zh-CN" altLang="en-US" smtClean="0"/>
-              <a:t>盒子模型</a:t>
-            </a:r>
-            <a:endParaRPr lang="zh-CN" altLang="en-US"/>
-          </a:p>
-        </p:txBody>
-      </p:sp>
-      <p:sp>
-        <p:nvSpPr>
-          <p:cNvPr id="3" name="内容占位符 2"/>
-          <p:cNvSpPr>
-            <a:spLocks noGrp="1"/>
-          </p:cNvSpPr>
-          <p:nvPr>
-            <p:ph idx="1"/>
-          </p:nvPr>
-        </p:nvSpPr>
-        <p:spPr/>
-        <p:txBody>
-          <a:bodyPr/>
-          <a:lstStyle/>
-          <a:p>
-            <a:r>
-              <a:rPr lang="zh-CN" altLang="en-US"/>
-              <a:t>所有</a:t>
-            </a:r>
-            <a:r>
               <a:rPr lang="en-US" altLang="zh-CN"/>
               <a:t>HTML</a:t>
             </a:r>
             <a:r>
               <a:rPr lang="zh-CN" altLang="en-US"/>
-              <a:t>元素</a:t>
-            </a:r>
-            <a:r>
-              <a:rPr lang="zh-CN" altLang="en-US" smtClean="0"/>
-              <a:t>可以看作盒子。</a:t>
-            </a:r>
-            <a:endParaRPr lang="en-US" altLang="zh-CN" smtClean="0"/>
-          </a:p>
-          <a:p>
-            <a:r>
-              <a:rPr lang="en-US" altLang="zh-CN"/>
-              <a:t>CSS</a:t>
-            </a:r>
-            <a:r>
-              <a:rPr lang="zh-CN" altLang="en-US"/>
-              <a:t>盒模型本质上是一个盒子，封装周围的</a:t>
-            </a:r>
-            <a:r>
-              <a:rPr lang="en-US" altLang="zh-CN"/>
-              <a:t>HTML</a:t>
-            </a:r>
-            <a:r>
-              <a:rPr lang="zh-CN" altLang="en-US"/>
-              <a:t>元素，它包括：边距，边框，填充，和实际内容。</a:t>
-            </a:r>
-          </a:p>
-        </p:txBody>
-      </p:sp>
-      <p:pic>
-        <p:nvPicPr>
-          <p:cNvPr id="4" name="图片 3"/>
-          <p:cNvPicPr>
-            <a:picLocks noChangeAspect="1"/>
-          </p:cNvPicPr>
-          <p:nvPr/>
-        </p:nvPicPr>
-        <p:blipFill>
-          <a:blip r:embed="rId2">
-            <a:extLst>
-              <a:ext uri="{28A0092B-C50C-407E-A947-70E740481C1C}">
-                <a14:useLocalDpi xmlns:a14="http://schemas.microsoft.com/office/drawing/2010/main" val="0"/>
-              </a:ext>
-            </a:extLst>
-          </a:blip>
-          <a:stretch>
-            <a:fillRect/>
-          </a:stretch>
-        </p:blipFill>
-        <p:spPr>
-          <a:xfrm>
-            <a:off x="1907704" y="3789040"/>
-            <a:ext cx="5105400" cy="2752725"/>
-          </a:xfrm>
-          <a:prstGeom prst="rect">
-            <a:avLst/>
-          </a:prstGeom>
-        </p:spPr>
-      </p:pic>
-    </p:spTree>
-    <p:extLst>
-      <p:ext uri="{BB962C8B-B14F-4D97-AF65-F5344CB8AC3E}">
-        <p14:creationId xmlns:p14="http://schemas.microsoft.com/office/powerpoint/2010/main" val="649364958"/>
-      </p:ext>
-    </p:extLst>
-  </p:cSld>
-  <p:clrMapOvr>
-    <a:masterClrMapping/>
-  </p:clrMapOvr>
-</p:sld>
-</file>
-
-<file path=ppt/slides/slide10.xml><?xml version="1.0" encoding="utf-8"?>
-<p:sld xmlns:a="http://schemas.openxmlformats.org/drawingml/2006/main" xmlns:r="http://schemas.openxmlformats.org/officeDocument/2006/relationships" xmlns:p="http://schemas.openxmlformats.org/presentationml/2006/main">
-  <p:cSld>
-    <p:spTree>
-      <p:nvGrpSpPr>
-        <p:cNvPr id="1" name=""/>
-        <p:cNvGrpSpPr/>
-        <p:nvPr/>
-      </p:nvGrpSpPr>
-      <p:grpSpPr>
-        <a:xfrm>
-          <a:off x="0" y="0"/>
-          <a:ext cx="0" cy="0"/>
-          <a:chOff x="0" y="0"/>
-          <a:chExt cx="0" cy="0"/>
-        </a:xfrm>
-      </p:grpSpPr>
-      <p:sp>
-        <p:nvSpPr>
-          <p:cNvPr id="2" name="标题 1"/>
-          <p:cNvSpPr>
-            <a:spLocks noGrp="1"/>
-          </p:cNvSpPr>
-          <p:nvPr>
-            <p:ph type="title"/>
-          </p:nvPr>
-        </p:nvSpPr>
-        <p:spPr/>
-        <p:txBody>
-          <a:bodyPr/>
-          <a:lstStyle/>
-          <a:p>
-            <a:r>
-              <a:rPr lang="zh-CN" altLang="en-US" smtClean="0"/>
-              <a:t>样式其他的来源</a:t>
-            </a:r>
-            <a:endParaRPr lang="zh-CN" altLang="en-US"/>
-          </a:p>
-        </p:txBody>
-      </p:sp>
-      <p:sp>
-        <p:nvSpPr>
-          <p:cNvPr id="3" name="内容占位符 2"/>
-          <p:cNvSpPr>
-            <a:spLocks noGrp="1"/>
-          </p:cNvSpPr>
-          <p:nvPr>
-            <p:ph idx="1"/>
-          </p:nvPr>
-        </p:nvSpPr>
-        <p:spPr/>
-        <p:txBody>
-          <a:bodyPr/>
-          <a:lstStyle/>
-          <a:p>
-            <a:pPr marL="514350" indent="-514350">
-              <a:buFont typeface="+mj-lt"/>
-              <a:buAutoNum type="arabicPeriod"/>
-            </a:pPr>
-            <a:r>
-              <a:rPr lang="zh-CN" altLang="en-US" smtClean="0"/>
-              <a:t>浏览器默认样式</a:t>
-            </a:r>
-            <a:endParaRPr lang="en-US" altLang="zh-CN" smtClean="0"/>
-          </a:p>
-          <a:p>
-            <a:pPr marL="400050" lvl="1" indent="0">
-              <a:buNone/>
-            </a:pPr>
-            <a:r>
-              <a:rPr lang="zh-CN" altLang="en-US" smtClean="0"/>
-              <a:t>有些元素在使用时，浏览器会默认给它设置一些样式。</a:t>
-            </a:r>
-            <a:endParaRPr lang="en-US" altLang="zh-CN" smtClean="0"/>
-          </a:p>
-          <a:p>
-            <a:pPr marL="514350" indent="-514350">
-              <a:buFont typeface="+mj-lt"/>
-              <a:buAutoNum type="arabicPeriod"/>
-            </a:pPr>
-            <a:r>
-              <a:rPr lang="zh-CN" altLang="en-US" smtClean="0"/>
-              <a:t>继承</a:t>
-            </a:r>
-            <a:endParaRPr lang="en-US" altLang="zh-CN" smtClean="0"/>
-          </a:p>
-          <a:p>
-            <a:pPr marL="400050" lvl="1" indent="0">
-              <a:buNone/>
-            </a:pPr>
-            <a:r>
-              <a:rPr lang="zh-CN" altLang="en-US" smtClean="0"/>
-              <a:t>如果浏览器在直接相关的样式中找不到某个属性的值，就会继承父元素的值。</a:t>
-            </a:r>
-            <a:endParaRPr lang="zh-CN" altLang="en-US"/>
-          </a:p>
-        </p:txBody>
-      </p:sp>
-    </p:spTree>
-    <p:extLst>
-      <p:ext uri="{BB962C8B-B14F-4D97-AF65-F5344CB8AC3E}">
-        <p14:creationId xmlns:p14="http://schemas.microsoft.com/office/powerpoint/2010/main" val="1777979328"/>
-      </p:ext>
-    </p:extLst>
-  </p:cSld>
-  <p:clrMapOvr>
-    <a:masterClrMapping/>
-  </p:clrMapOvr>
-  <p:timing>
-    <p:tnLst>
-      <p:par>
-        <p:cTn id="1" dur="indefinite" restart="never" nodeType="tmRoot"/>
-      </p:par>
-    </p:tnLst>
-  </p:timing>
-</p:sld>
-</file>
-
-<file path=ppt/slides/slide11.xml><?xml version="1.0" encoding="utf-8"?>
-<p:sld xmlns:a="http://schemas.openxmlformats.org/drawingml/2006/main" xmlns:r="http://schemas.openxmlformats.org/officeDocument/2006/relationships" xmlns:p="http://schemas.openxmlformats.org/presentationml/2006/main">
-  <p:cSld>
-    <p:spTree>
-      <p:nvGrpSpPr>
-        <p:cNvPr id="1" name=""/>
-        <p:cNvGrpSpPr/>
-        <p:nvPr/>
-      </p:nvGrpSpPr>
-      <p:grpSpPr>
-        <a:xfrm>
-          <a:off x="0" y="0"/>
-          <a:ext cx="0" cy="0"/>
-          <a:chOff x="0" y="0"/>
-          <a:chExt cx="0" cy="0"/>
-        </a:xfrm>
-      </p:grpSpPr>
-      <p:sp>
-        <p:nvSpPr>
-          <p:cNvPr id="2" name="标题 1"/>
-          <p:cNvSpPr>
-            <a:spLocks noGrp="1"/>
-          </p:cNvSpPr>
-          <p:nvPr>
-            <p:ph type="title"/>
-          </p:nvPr>
-        </p:nvSpPr>
-        <p:spPr/>
-        <p:txBody>
-          <a:bodyPr/>
-          <a:lstStyle/>
-          <a:p>
-            <a:r>
-              <a:rPr lang="zh-CN" altLang="en-US" smtClean="0"/>
-              <a:t>继承</a:t>
-            </a:r>
-            <a:endParaRPr lang="zh-CN" altLang="en-US"/>
-          </a:p>
-        </p:txBody>
-      </p:sp>
-      <p:sp>
-        <p:nvSpPr>
-          <p:cNvPr id="3" name="内容占位符 2"/>
-          <p:cNvSpPr>
-            <a:spLocks noGrp="1"/>
-          </p:cNvSpPr>
-          <p:nvPr>
-            <p:ph idx="1"/>
-          </p:nvPr>
-        </p:nvSpPr>
-        <p:spPr/>
-        <p:txBody>
-          <a:bodyPr>
-            <a:normAutofit fontScale="62500" lnSpcReduction="20000"/>
-          </a:bodyPr>
-          <a:lstStyle/>
-          <a:p>
-            <a:pPr marL="0" indent="0">
-              <a:buNone/>
-            </a:pPr>
-            <a:r>
-              <a:rPr lang="en-US" altLang="zh-CN" smtClean="0"/>
-              <a:t>&lt;head&gt;</a:t>
-            </a:r>
-          </a:p>
-          <a:p>
-            <a:pPr marL="0" indent="0">
-              <a:buNone/>
-            </a:pPr>
-            <a:r>
-              <a:rPr lang="en-US" altLang="zh-CN"/>
-              <a:t>	</a:t>
-            </a:r>
-            <a:r>
-              <a:rPr lang="en-US" altLang="zh-CN" smtClean="0"/>
-              <a:t>&lt;style&gt;</a:t>
-            </a:r>
-          </a:p>
-          <a:p>
-            <a:pPr marL="0" indent="0">
-              <a:buNone/>
-            </a:pPr>
-            <a:r>
-              <a:rPr lang="en-US" altLang="zh-CN"/>
-              <a:t>	</a:t>
-            </a:r>
-            <a:r>
-              <a:rPr lang="en-US" altLang="zh-CN" smtClean="0"/>
-              <a:t>	p {</a:t>
-            </a:r>
-          </a:p>
-          <a:p>
-            <a:pPr marL="0" indent="0">
-              <a:buNone/>
-            </a:pPr>
-            <a:r>
-              <a:rPr lang="en-US" altLang="zh-CN" smtClean="0"/>
-              <a:t>			color:white;</a:t>
-            </a:r>
-          </a:p>
-          <a:p>
-            <a:pPr marL="0" indent="0">
-              <a:buNone/>
-            </a:pPr>
-            <a:r>
-              <a:rPr lang="en-US" altLang="zh-CN"/>
-              <a:t>	</a:t>
-            </a:r>
-            <a:r>
-              <a:rPr lang="en-US" altLang="zh-CN" smtClean="0"/>
-              <a:t>		background:grey;</a:t>
-            </a:r>
-          </a:p>
-          <a:p>
-            <a:pPr marL="0" indent="0">
-              <a:buNone/>
-            </a:pPr>
-            <a:r>
-              <a:rPr lang="en-US" altLang="zh-CN"/>
-              <a:t>	</a:t>
-            </a:r>
-            <a:r>
-              <a:rPr lang="en-US" altLang="zh-CN" smtClean="0"/>
-              <a:t>		border:medium solid blakc;</a:t>
-            </a:r>
-            <a:endParaRPr lang="en-US" altLang="zh-CN"/>
-          </a:p>
-          <a:p>
-            <a:pPr marL="0" indent="0">
-              <a:buNone/>
-            </a:pPr>
-            <a:r>
-              <a:rPr lang="en-US" altLang="zh-CN" smtClean="0"/>
-              <a:t>		}</a:t>
-            </a:r>
-          </a:p>
-          <a:p>
-            <a:pPr marL="0" indent="0">
-              <a:buNone/>
-            </a:pPr>
-            <a:r>
-              <a:rPr lang="en-US" altLang="zh-CN"/>
-              <a:t>	</a:t>
-            </a:r>
-            <a:r>
-              <a:rPr lang="en-US" altLang="zh-CN" smtClean="0"/>
-              <a:t>&lt;/style&gt; </a:t>
-            </a:r>
-          </a:p>
-          <a:p>
-            <a:pPr marL="0" indent="0">
-              <a:buNone/>
-            </a:pPr>
-            <a:r>
-              <a:rPr lang="en-US" altLang="zh-CN" smtClean="0"/>
-              <a:t>&lt;/head&gt;</a:t>
-            </a:r>
-          </a:p>
-          <a:p>
-            <a:pPr marL="0" indent="0">
-              <a:buNone/>
-            </a:pPr>
-            <a:r>
-              <a:rPr lang="en-US" altLang="zh-CN" smtClean="0"/>
-              <a:t>&lt;body&gt;</a:t>
-            </a:r>
-          </a:p>
-          <a:p>
-            <a:pPr marL="0" indent="0">
-              <a:buNone/>
-            </a:pPr>
-            <a:r>
-              <a:rPr lang="en-US" altLang="zh-CN"/>
-              <a:t>	</a:t>
-            </a:r>
-            <a:r>
-              <a:rPr lang="en-US" altLang="zh-CN" smtClean="0"/>
-              <a:t>&lt;p&gt;</a:t>
-            </a:r>
-            <a:r>
-              <a:rPr lang="zh-CN" altLang="en-US" smtClean="0"/>
-              <a:t>我喜欢</a:t>
-            </a:r>
-            <a:r>
-              <a:rPr lang="en-US" altLang="zh-CN" smtClean="0"/>
-              <a:t>&lt;span&gt;</a:t>
-            </a:r>
-            <a:r>
-              <a:rPr lang="zh-CN" altLang="en-US" smtClean="0"/>
-              <a:t>苹果</a:t>
-            </a:r>
-            <a:r>
-              <a:rPr lang="en-US" altLang="zh-CN" smtClean="0"/>
-              <a:t>&lt;span&gt;</a:t>
-            </a:r>
-            <a:r>
-              <a:rPr lang="zh-CN" altLang="en-US" smtClean="0"/>
-              <a:t>和橘子</a:t>
-            </a:r>
-            <a:r>
-              <a:rPr lang="en-US" altLang="zh-CN" smtClean="0"/>
-              <a:t>&lt;/p&gt;</a:t>
-            </a:r>
-          </a:p>
-          <a:p>
-            <a:pPr marL="0" indent="0">
-              <a:buNone/>
-            </a:pPr>
-            <a:r>
-              <a:rPr lang="en-US" altLang="zh-CN" smtClean="0"/>
-              <a:t>&lt;/body&gt;</a:t>
-            </a:r>
-          </a:p>
-          <a:p>
-            <a:pPr marL="0" indent="0">
-              <a:buNone/>
-            </a:pPr>
-            <a:r>
-              <a:rPr lang="en-US" altLang="zh-CN" smtClean="0"/>
-              <a:t>&lt;span&gt;</a:t>
-            </a:r>
-            <a:r>
-              <a:rPr lang="zh-CN" altLang="en-US" smtClean="0"/>
-              <a:t>元素字体颜色和背景色继承了父元素，但是</a:t>
-            </a:r>
-            <a:r>
-              <a:rPr lang="zh-CN" altLang="en-US"/>
-              <a:t>边框</a:t>
-            </a:r>
-            <a:r>
-              <a:rPr lang="zh-CN" altLang="en-US" smtClean="0"/>
-              <a:t>却没有。</a:t>
-            </a:r>
-            <a:endParaRPr lang="en-US" altLang="zh-CN" smtClean="0"/>
-          </a:p>
-          <a:p>
-            <a:pPr marL="0" indent="0">
-              <a:buNone/>
-            </a:pPr>
-            <a:r>
-              <a:rPr lang="zh-CN" altLang="en-US" smtClean="0"/>
-              <a:t>可以使用</a:t>
-            </a:r>
-            <a:r>
-              <a:rPr lang="en-US" altLang="zh-CN" smtClean="0"/>
-              <a:t>inherit</a:t>
-            </a:r>
-            <a:r>
-              <a:rPr lang="zh-CN" altLang="en-US" smtClean="0"/>
-              <a:t>这个特殊的值强行继承。</a:t>
-            </a:r>
-            <a:endParaRPr lang="zh-CN" altLang="en-US"/>
-          </a:p>
-        </p:txBody>
-      </p:sp>
-    </p:spTree>
-    <p:extLst>
-      <p:ext uri="{BB962C8B-B14F-4D97-AF65-F5344CB8AC3E}">
-        <p14:creationId xmlns:p14="http://schemas.microsoft.com/office/powerpoint/2010/main" val="1054382264"/>
-      </p:ext>
-    </p:extLst>
-  </p:cSld>
-  <p:clrMapOvr>
-    <a:masterClrMapping/>
-  </p:clrMapOvr>
-  <p:timing>
-    <p:tnLst>
-      <p:par>
-        <p:cTn id="1" dur="indefinite" restart="never" nodeType="tmRoot"/>
-      </p:par>
-    </p:tnLst>
-  </p:timing>
-</p:sld>
-</file>
-
-<file path=ppt/slides/slide12.xml><?xml version="1.0" encoding="utf-8"?>
-<p:sld xmlns:a="http://schemas.openxmlformats.org/drawingml/2006/main" xmlns:r="http://schemas.openxmlformats.org/officeDocument/2006/relationships" xmlns:p="http://schemas.openxmlformats.org/presentationml/2006/main">
-  <p:cSld>
-    <p:spTree>
-      <p:nvGrpSpPr>
-        <p:cNvPr id="1" name=""/>
-        <p:cNvGrpSpPr/>
-        <p:nvPr/>
-      </p:nvGrpSpPr>
-      <p:grpSpPr>
-        <a:xfrm>
-          <a:off x="0" y="0"/>
-          <a:ext cx="0" cy="0"/>
-          <a:chOff x="0" y="0"/>
-          <a:chExt cx="0" cy="0"/>
-        </a:xfrm>
-      </p:grpSpPr>
-      <p:sp>
-        <p:nvSpPr>
-          <p:cNvPr id="2" name="标题 1"/>
-          <p:cNvSpPr>
-            <a:spLocks noGrp="1"/>
-          </p:cNvSpPr>
-          <p:nvPr>
-            <p:ph type="title"/>
-          </p:nvPr>
-        </p:nvSpPr>
-        <p:spPr/>
-        <p:txBody>
-          <a:bodyPr/>
-          <a:lstStyle/>
-          <a:p>
-            <a:r>
-              <a:rPr lang="zh-CN" altLang="en-US" smtClean="0"/>
-              <a:t>层叠顺序</a:t>
-            </a:r>
-            <a:endParaRPr lang="zh-CN" altLang="en-US"/>
-          </a:p>
-        </p:txBody>
-      </p:sp>
-      <p:sp>
-        <p:nvSpPr>
-          <p:cNvPr id="3" name="内容占位符 2"/>
-          <p:cNvSpPr>
-            <a:spLocks noGrp="1"/>
-          </p:cNvSpPr>
-          <p:nvPr>
-            <p:ph idx="1"/>
-          </p:nvPr>
-        </p:nvSpPr>
-        <p:spPr/>
-        <p:txBody>
-          <a:bodyPr/>
-          <a:lstStyle/>
-          <a:p>
-            <a:pPr marL="514350" indent="-514350">
-              <a:buFont typeface="+mj-lt"/>
-              <a:buAutoNum type="arabicPeriod"/>
-            </a:pPr>
-            <a:r>
-              <a:rPr lang="zh-CN" altLang="en-US" smtClean="0"/>
-              <a:t>如果样式属性值标记为</a:t>
-            </a:r>
-            <a:r>
-              <a:rPr lang="en-US" altLang="zh-CN" smtClean="0"/>
-              <a:t>important</a:t>
-            </a:r>
-            <a:r>
-              <a:rPr lang="zh-CN" altLang="en-US"/>
-              <a:t>。</a:t>
-            </a:r>
-            <a:endParaRPr lang="en-US" altLang="zh-CN" smtClean="0"/>
-          </a:p>
-          <a:p>
-            <a:pPr marL="514350" indent="-514350">
-              <a:buFont typeface="+mj-lt"/>
-              <a:buAutoNum type="arabicPeriod"/>
-            </a:pPr>
-            <a:r>
-              <a:rPr lang="zh-CN" altLang="en-US" smtClean="0"/>
-              <a:t>元素内嵌样式</a:t>
-            </a:r>
-            <a:endParaRPr lang="en-US" altLang="zh-CN" smtClean="0"/>
-          </a:p>
-          <a:p>
-            <a:pPr marL="514350" indent="-514350">
-              <a:buFont typeface="+mj-lt"/>
-              <a:buAutoNum type="arabicPeriod"/>
-            </a:pPr>
-            <a:r>
-              <a:rPr lang="zh-CN" altLang="en-US" smtClean="0"/>
-              <a:t>文档内嵌样式</a:t>
-            </a:r>
-            <a:endParaRPr lang="en-US" altLang="zh-CN" smtClean="0"/>
-          </a:p>
-          <a:p>
-            <a:pPr marL="514350" indent="-514350">
-              <a:buFont typeface="+mj-lt"/>
-              <a:buAutoNum type="arabicPeriod"/>
-            </a:pPr>
-            <a:r>
-              <a:rPr lang="zh-CN" altLang="en-US" smtClean="0"/>
-              <a:t>外部样式</a:t>
-            </a:r>
-            <a:endParaRPr lang="en-US" altLang="zh-CN" smtClean="0"/>
-          </a:p>
-          <a:p>
-            <a:pPr marL="514350" indent="-514350">
-              <a:buFont typeface="+mj-lt"/>
-              <a:buAutoNum type="arabicPeriod"/>
-            </a:pPr>
-            <a:r>
-              <a:rPr lang="zh-CN" altLang="en-US" smtClean="0"/>
-              <a:t>浏览器样式</a:t>
-            </a:r>
-            <a:endParaRPr lang="zh-CN" altLang="en-US"/>
-          </a:p>
-        </p:txBody>
-      </p:sp>
-    </p:spTree>
-    <p:extLst>
-      <p:ext uri="{BB962C8B-B14F-4D97-AF65-F5344CB8AC3E}">
-        <p14:creationId xmlns:p14="http://schemas.microsoft.com/office/powerpoint/2010/main" val="2112186898"/>
-      </p:ext>
-    </p:extLst>
-  </p:cSld>
-  <p:clrMapOvr>
-    <a:masterClrMapping/>
-  </p:clrMapOvr>
-  <p:timing>
-    <p:tnLst>
-      <p:par>
-        <p:cTn id="1" dur="indefinite" restart="never" nodeType="tmRoot"/>
-      </p:par>
-    </p:tnLst>
-  </p:timing>
-</p:sld>
-</file>
-
-<file path=ppt/slides/slide13.xml><?xml version="1.0" encoding="utf-8"?>
-<p:sld xmlns:a="http://schemas.openxmlformats.org/drawingml/2006/main" xmlns:r="http://schemas.openxmlformats.org/officeDocument/2006/relationships" xmlns:p="http://schemas.openxmlformats.org/presentationml/2006/main">
-  <p:cSld>
-    <p:spTree>
-      <p:nvGrpSpPr>
-        <p:cNvPr id="1" name=""/>
-        <p:cNvGrpSpPr/>
-        <p:nvPr/>
-      </p:nvGrpSpPr>
-      <p:grpSpPr>
-        <a:xfrm>
-          <a:off x="0" y="0"/>
-          <a:ext cx="0" cy="0"/>
-          <a:chOff x="0" y="0"/>
-          <a:chExt cx="0" cy="0"/>
-        </a:xfrm>
-      </p:grpSpPr>
-      <p:sp>
-        <p:nvSpPr>
-          <p:cNvPr id="2" name="标题 1"/>
-          <p:cNvSpPr>
-            <a:spLocks noGrp="1"/>
-          </p:cNvSpPr>
-          <p:nvPr>
-            <p:ph type="ctrTitle"/>
-          </p:nvPr>
-        </p:nvSpPr>
-        <p:spPr/>
-        <p:txBody>
-          <a:bodyPr/>
-          <a:lstStyle/>
-          <a:p>
-            <a:r>
-              <a:rPr lang="en-US" altLang="zh-CN" smtClean="0"/>
-              <a:t>CSS</a:t>
-            </a:r>
-            <a:r>
-              <a:rPr lang="zh-CN" altLang="en-US" smtClean="0"/>
-              <a:t>基础选择器</a:t>
-            </a:r>
-            <a:endParaRPr lang="zh-CN" altLang="en-US"/>
-          </a:p>
-        </p:txBody>
-      </p:sp>
-      <p:sp>
-        <p:nvSpPr>
-          <p:cNvPr id="3" name="副标题 2"/>
-          <p:cNvSpPr>
-            <a:spLocks noGrp="1"/>
-          </p:cNvSpPr>
-          <p:nvPr>
-            <p:ph type="subTitle" idx="1"/>
-          </p:nvPr>
-        </p:nvSpPr>
-        <p:spPr/>
-        <p:txBody>
-          <a:bodyPr/>
-          <a:lstStyle/>
-          <a:p>
-            <a:endParaRPr lang="zh-CN" altLang="en-US"/>
-          </a:p>
-        </p:txBody>
-      </p:sp>
-    </p:spTree>
-    <p:extLst>
-      <p:ext uri="{BB962C8B-B14F-4D97-AF65-F5344CB8AC3E}">
-        <p14:creationId xmlns:p14="http://schemas.microsoft.com/office/powerpoint/2010/main" val="2374383559"/>
-      </p:ext>
-    </p:extLst>
-  </p:cSld>
-  <p:clrMapOvr>
-    <a:masterClrMapping/>
-  </p:clrMapOvr>
-  <p:timing>
-    <p:tnLst>
-      <p:par>
-        <p:cTn id="1" dur="indefinite" restart="never" nodeType="tmRoot"/>
-      </p:par>
-    </p:tnLst>
-  </p:timing>
-</p:sld>
-</file>
-
-<file path=ppt/slides/slide14.xml><?xml version="1.0" encoding="utf-8"?>
-<p:sld xmlns:a="http://schemas.openxmlformats.org/drawingml/2006/main" xmlns:r="http://schemas.openxmlformats.org/officeDocument/2006/relationships" xmlns:p="http://schemas.openxmlformats.org/presentationml/2006/main">
-  <p:cSld>
-    <p:spTree>
-      <p:nvGrpSpPr>
-        <p:cNvPr id="1" name=""/>
-        <p:cNvGrpSpPr/>
-        <p:nvPr/>
-      </p:nvGrpSpPr>
-      <p:grpSpPr>
-        <a:xfrm>
-          <a:off x="0" y="0"/>
-          <a:ext cx="0" cy="0"/>
-          <a:chOff x="0" y="0"/>
-          <a:chExt cx="0" cy="0"/>
-        </a:xfrm>
-      </p:grpSpPr>
-      <p:sp>
-        <p:nvSpPr>
-          <p:cNvPr id="2" name="标题 1"/>
-          <p:cNvSpPr>
-            <a:spLocks noGrp="1"/>
-          </p:cNvSpPr>
-          <p:nvPr>
-            <p:ph type="title"/>
-          </p:nvPr>
-        </p:nvSpPr>
-        <p:spPr/>
-        <p:txBody>
-          <a:bodyPr/>
-          <a:lstStyle/>
-          <a:p>
-            <a:r>
-              <a:rPr lang="zh-CN" altLang="en-US" smtClean="0"/>
-              <a:t>通用选择器</a:t>
-            </a:r>
-            <a:endParaRPr lang="zh-CN" altLang="en-US"/>
-          </a:p>
-        </p:txBody>
-      </p:sp>
-      <p:sp>
-        <p:nvSpPr>
-          <p:cNvPr id="3" name="内容占位符 2"/>
-          <p:cNvSpPr>
-            <a:spLocks noGrp="1"/>
-          </p:cNvSpPr>
-          <p:nvPr>
-            <p:ph idx="1"/>
-          </p:nvPr>
-        </p:nvSpPr>
-        <p:spPr/>
-        <p:txBody>
-          <a:bodyPr/>
-          <a:lstStyle/>
-          <a:p>
-            <a:r>
-              <a:rPr lang="zh-CN" altLang="en-US" smtClean="0"/>
-              <a:t>作用：选择所有元素</a:t>
-            </a:r>
-            <a:endParaRPr lang="en-US" altLang="zh-CN" smtClean="0"/>
-          </a:p>
-          <a:p>
-            <a:r>
-              <a:rPr lang="zh-CN" altLang="en-US" smtClean="0"/>
-              <a:t>结构：</a:t>
-            </a:r>
-            <a:r>
-              <a:rPr lang="en-US" altLang="zh-CN" smtClean="0"/>
-              <a:t>* { … }</a:t>
-            </a:r>
-          </a:p>
-        </p:txBody>
-      </p:sp>
-    </p:spTree>
-    <p:extLst>
-      <p:ext uri="{BB962C8B-B14F-4D97-AF65-F5344CB8AC3E}">
-        <p14:creationId xmlns:p14="http://schemas.microsoft.com/office/powerpoint/2010/main" val="4109824833"/>
-      </p:ext>
-    </p:extLst>
-  </p:cSld>
-  <p:clrMapOvr>
-    <a:masterClrMapping/>
-  </p:clrMapOvr>
-  <p:timing>
-    <p:tnLst>
-      <p:par>
-        <p:cTn id="1" dur="indefinite" restart="never" nodeType="tmRoot"/>
-      </p:par>
-    </p:tnLst>
-  </p:timing>
-</p:sld>
-</file>
-
-<file path=ppt/slides/slide15.xml><?xml version="1.0" encoding="utf-8"?>
-<p:sld xmlns:a="http://schemas.openxmlformats.org/drawingml/2006/main" xmlns:r="http://schemas.openxmlformats.org/officeDocument/2006/relationships" xmlns:p="http://schemas.openxmlformats.org/presentationml/2006/main">
-  <p:cSld>
-    <p:spTree>
-      <p:nvGrpSpPr>
-        <p:cNvPr id="1" name=""/>
-        <p:cNvGrpSpPr/>
-        <p:nvPr/>
-      </p:nvGrpSpPr>
-      <p:grpSpPr>
-        <a:xfrm>
-          <a:off x="0" y="0"/>
-          <a:ext cx="0" cy="0"/>
-          <a:chOff x="0" y="0"/>
-          <a:chExt cx="0" cy="0"/>
-        </a:xfrm>
-      </p:grpSpPr>
-      <p:sp>
-        <p:nvSpPr>
-          <p:cNvPr id="2" name="标题 1"/>
-          <p:cNvSpPr>
-            <a:spLocks noGrp="1"/>
-          </p:cNvSpPr>
-          <p:nvPr>
-            <p:ph type="title"/>
-          </p:nvPr>
-        </p:nvSpPr>
-        <p:spPr/>
-        <p:txBody>
-          <a:bodyPr/>
-          <a:lstStyle/>
-          <a:p>
-            <a:r>
-              <a:rPr lang="zh-CN" altLang="en-US" smtClean="0"/>
-              <a:t>元素类型选择器</a:t>
-            </a:r>
-            <a:endParaRPr lang="zh-CN" altLang="en-US"/>
-          </a:p>
-        </p:txBody>
-      </p:sp>
-      <p:sp>
-        <p:nvSpPr>
-          <p:cNvPr id="3" name="内容占位符 2"/>
-          <p:cNvSpPr>
-            <a:spLocks noGrp="1"/>
-          </p:cNvSpPr>
-          <p:nvPr>
-            <p:ph idx="1"/>
-          </p:nvPr>
-        </p:nvSpPr>
-        <p:spPr/>
-        <p:txBody>
-          <a:bodyPr/>
-          <a:lstStyle/>
-          <a:p>
-            <a:r>
-              <a:rPr lang="zh-CN" altLang="en-US" smtClean="0"/>
-              <a:t>作用：通过元素类型选择元素</a:t>
-            </a:r>
-            <a:endParaRPr lang="en-US" altLang="zh-CN" smtClean="0"/>
-          </a:p>
-          <a:p>
-            <a:r>
-              <a:rPr lang="zh-CN" altLang="en-US" smtClean="0"/>
-              <a:t>结构：</a:t>
-            </a:r>
-            <a:r>
-              <a:rPr lang="en-US" altLang="zh-CN" smtClean="0"/>
-              <a:t>&lt;</a:t>
-            </a:r>
-            <a:r>
-              <a:rPr lang="zh-CN" altLang="en-US" smtClean="0"/>
-              <a:t>元素标签</a:t>
-            </a:r>
-            <a:r>
-              <a:rPr lang="en-US" altLang="zh-CN" smtClean="0"/>
-              <a:t>&gt; { … }</a:t>
-            </a:r>
-          </a:p>
-          <a:p>
-            <a:r>
-              <a:rPr lang="zh-CN" altLang="en-US" smtClean="0"/>
-              <a:t>示例：</a:t>
-            </a:r>
-            <a:r>
-              <a:rPr lang="en-US" altLang="zh-CN" smtClean="0"/>
-              <a:t>p { … }</a:t>
-            </a:r>
-          </a:p>
-          <a:p>
-            <a:endParaRPr lang="zh-CN" altLang="en-US"/>
-          </a:p>
-        </p:txBody>
-      </p:sp>
-    </p:spTree>
-    <p:extLst>
-      <p:ext uri="{BB962C8B-B14F-4D97-AF65-F5344CB8AC3E}">
-        <p14:creationId xmlns:p14="http://schemas.microsoft.com/office/powerpoint/2010/main" val="1000922747"/>
-      </p:ext>
-    </p:extLst>
-  </p:cSld>
-  <p:clrMapOvr>
-    <a:masterClrMapping/>
-  </p:clrMapOvr>
-  <p:timing>
-    <p:tnLst>
-      <p:par>
-        <p:cTn id="1" dur="indefinite" restart="never" nodeType="tmRoot"/>
-      </p:par>
-    </p:tnLst>
-  </p:timing>
-</p:sld>
-</file>
-
-<file path=ppt/slides/slide16.xml><?xml version="1.0" encoding="utf-8"?>
-<p:sld xmlns:a="http://schemas.openxmlformats.org/drawingml/2006/main" xmlns:r="http://schemas.openxmlformats.org/officeDocument/2006/relationships" xmlns:p="http://schemas.openxmlformats.org/presentationml/2006/main">
-  <p:cSld>
-    <p:spTree>
-      <p:nvGrpSpPr>
-        <p:cNvPr id="1" name=""/>
-        <p:cNvGrpSpPr/>
-        <p:nvPr/>
-      </p:nvGrpSpPr>
-      <p:grpSpPr>
-        <a:xfrm>
-          <a:off x="0" y="0"/>
-          <a:ext cx="0" cy="0"/>
-          <a:chOff x="0" y="0"/>
-          <a:chExt cx="0" cy="0"/>
-        </a:xfrm>
-      </p:grpSpPr>
-      <p:sp>
-        <p:nvSpPr>
-          <p:cNvPr id="2" name="标题 1"/>
-          <p:cNvSpPr>
-            <a:spLocks noGrp="1"/>
-          </p:cNvSpPr>
-          <p:nvPr>
-            <p:ph type="title"/>
-          </p:nvPr>
-        </p:nvSpPr>
-        <p:spPr/>
-        <p:txBody>
-          <a:bodyPr/>
-          <a:lstStyle/>
-          <a:p>
-            <a:r>
-              <a:rPr lang="zh-CN" altLang="en-US" smtClean="0"/>
-              <a:t>类选择器</a:t>
-            </a:r>
-            <a:endParaRPr lang="zh-CN" altLang="en-US"/>
+              <a:t>元素间的层级关系</a:t>
+            </a:r>
           </a:p>
         </p:txBody>
       </p:sp>
@@ -4072,2036 +3102,11 @@
           </a:bodyPr>
           <a:lstStyle/>
           <a:p>
-            <a:r>
-              <a:rPr lang="zh-CN" altLang="en-US" smtClean="0"/>
-              <a:t>作用：通过元素</a:t>
-            </a:r>
-            <a:r>
-              <a:rPr lang="en-US" altLang="zh-CN" smtClean="0"/>
-              <a:t>class</a:t>
-            </a:r>
-            <a:r>
-              <a:rPr lang="zh-CN" altLang="en-US" smtClean="0"/>
-              <a:t>属性的值选择元素</a:t>
-            </a:r>
-            <a:endParaRPr lang="en-US" altLang="zh-CN" smtClean="0"/>
-          </a:p>
-          <a:p>
-            <a:r>
-              <a:rPr lang="zh-CN" altLang="en-US" smtClean="0"/>
-              <a:t>结构：</a:t>
-            </a:r>
-            <a:r>
-              <a:rPr lang="en-US" altLang="zh-CN" smtClean="0"/>
-              <a:t>&lt;</a:t>
-            </a:r>
-            <a:r>
-              <a:rPr lang="zh-CN" altLang="en-US" smtClean="0"/>
-              <a:t>类名</a:t>
-            </a:r>
-            <a:r>
-              <a:rPr lang="en-US" altLang="zh-CN" smtClean="0"/>
-              <a:t>&gt; </a:t>
-            </a:r>
-            <a:r>
-              <a:rPr lang="zh-CN" altLang="en-US" smtClean="0"/>
-              <a:t>或 </a:t>
-            </a:r>
-            <a:r>
-              <a:rPr lang="en-US" altLang="zh-CN" smtClean="0"/>
-              <a:t>&lt;</a:t>
-            </a:r>
-            <a:r>
-              <a:rPr lang="zh-CN" altLang="en-US" smtClean="0"/>
-              <a:t>元素类型</a:t>
-            </a:r>
-            <a:r>
-              <a:rPr lang="en-US" altLang="zh-CN" smtClean="0"/>
-              <a:t>&gt;.&lt;</a:t>
-            </a:r>
-            <a:r>
-              <a:rPr lang="zh-CN" altLang="en-US" smtClean="0"/>
-              <a:t>类名</a:t>
-            </a:r>
-            <a:r>
-              <a:rPr lang="en-US" altLang="zh-CN" smtClean="0"/>
-              <a:t>&gt; { .. }</a:t>
-            </a:r>
-          </a:p>
-          <a:p>
-            <a:r>
-              <a:rPr lang="zh-CN" altLang="en-US" smtClean="0"/>
-              <a:t>示例：</a:t>
-            </a:r>
-            <a:r>
-              <a:rPr lang="en-US" altLang="zh-CN" smtClean="0"/>
-              <a:t>p.content { .. }</a:t>
-            </a:r>
-          </a:p>
-          <a:p>
-            <a:endParaRPr lang="en-US" altLang="zh-CN"/>
-          </a:p>
-          <a:p>
-            <a:r>
-              <a:rPr lang="zh-CN" altLang="en-US" smtClean="0"/>
-              <a:t>元素</a:t>
-            </a:r>
-            <a:r>
-              <a:rPr lang="en-US" altLang="zh-CN" smtClean="0"/>
-              <a:t>class</a:t>
-            </a:r>
-            <a:r>
-              <a:rPr lang="zh-CN" altLang="en-US" smtClean="0"/>
-              <a:t>属性的值，称位类名。</a:t>
-            </a:r>
-            <a:r>
-              <a:rPr lang="en-US" altLang="zh-CN" smtClean="0"/>
-              <a:t>class</a:t>
-            </a:r>
-            <a:r>
-              <a:rPr lang="zh-CN" altLang="en-US" smtClean="0"/>
-              <a:t>属性的值是一个自定义的字符串。</a:t>
-            </a:r>
-            <a:endParaRPr lang="en-US" altLang="zh-CN" smtClean="0"/>
-          </a:p>
-          <a:p>
-            <a:r>
-              <a:rPr lang="zh-CN" altLang="en-US" smtClean="0"/>
-              <a:t>一个</a:t>
-            </a:r>
-            <a:r>
-              <a:rPr lang="en-US" altLang="zh-CN" smtClean="0"/>
-              <a:t>HTML</a:t>
-            </a:r>
-            <a:r>
-              <a:rPr lang="zh-CN" altLang="en-US" smtClean="0"/>
-              <a:t>文档中，多个元素可以使用相同的类名</a:t>
-            </a:r>
-            <a:endParaRPr lang="en-US" altLang="zh-CN" smtClean="0"/>
-          </a:p>
-          <a:p>
-            <a:r>
-              <a:rPr lang="zh-CN" altLang="en-US"/>
-              <a:t>一</a:t>
-            </a:r>
-            <a:r>
-              <a:rPr lang="zh-CN" altLang="en-US" smtClean="0"/>
-              <a:t>个元素可以设置多个类名，类名与类名之间用空格隔开</a:t>
-            </a:r>
-            <a:endParaRPr lang="zh-CN" altLang="en-US"/>
-          </a:p>
-        </p:txBody>
-      </p:sp>
-    </p:spTree>
-    <p:extLst>
-      <p:ext uri="{BB962C8B-B14F-4D97-AF65-F5344CB8AC3E}">
-        <p14:creationId xmlns:p14="http://schemas.microsoft.com/office/powerpoint/2010/main" val="2403380466"/>
-      </p:ext>
-    </p:extLst>
-  </p:cSld>
-  <p:clrMapOvr>
-    <a:masterClrMapping/>
-  </p:clrMapOvr>
-  <p:timing>
-    <p:tnLst>
-      <p:par>
-        <p:cTn id="1" dur="indefinite" restart="never" nodeType="tmRoot"/>
-      </p:par>
-    </p:tnLst>
-  </p:timing>
-</p:sld>
-</file>
-
-<file path=ppt/slides/slide17.xml><?xml version="1.0" encoding="utf-8"?>
-<p:sld xmlns:a="http://schemas.openxmlformats.org/drawingml/2006/main" xmlns:r="http://schemas.openxmlformats.org/officeDocument/2006/relationships" xmlns:p="http://schemas.openxmlformats.org/presentationml/2006/main">
-  <p:cSld>
-    <p:spTree>
-      <p:nvGrpSpPr>
-        <p:cNvPr id="1" name=""/>
-        <p:cNvGrpSpPr/>
-        <p:nvPr/>
-      </p:nvGrpSpPr>
-      <p:grpSpPr>
-        <a:xfrm>
-          <a:off x="0" y="0"/>
-          <a:ext cx="0" cy="0"/>
-          <a:chOff x="0" y="0"/>
-          <a:chExt cx="0" cy="0"/>
-        </a:xfrm>
-      </p:grpSpPr>
-      <p:sp>
-        <p:nvSpPr>
-          <p:cNvPr id="2" name="标题 1"/>
-          <p:cNvSpPr>
-            <a:spLocks noGrp="1"/>
-          </p:cNvSpPr>
-          <p:nvPr>
-            <p:ph type="title"/>
-          </p:nvPr>
-        </p:nvSpPr>
-        <p:spPr/>
-        <p:txBody>
-          <a:bodyPr/>
-          <a:lstStyle/>
-          <a:p>
-            <a:r>
-              <a:rPr lang="en-US" altLang="zh-CN" smtClean="0"/>
-              <a:t>ID</a:t>
-            </a:r>
-            <a:r>
-              <a:rPr lang="zh-CN" altLang="en-US" smtClean="0"/>
-              <a:t>选择器</a:t>
-            </a:r>
-            <a:endParaRPr lang="zh-CN" altLang="en-US"/>
-          </a:p>
-        </p:txBody>
-      </p:sp>
-      <p:sp>
-        <p:nvSpPr>
-          <p:cNvPr id="3" name="内容占位符 2"/>
-          <p:cNvSpPr>
-            <a:spLocks noGrp="1"/>
-          </p:cNvSpPr>
-          <p:nvPr>
-            <p:ph idx="1"/>
-          </p:nvPr>
-        </p:nvSpPr>
-        <p:spPr/>
-        <p:txBody>
-          <a:bodyPr/>
-          <a:lstStyle/>
-          <a:p>
-            <a:r>
-              <a:rPr lang="zh-CN" altLang="en-US" smtClean="0"/>
-              <a:t>作用：通过元素的</a:t>
-            </a:r>
-            <a:r>
-              <a:rPr lang="en-US" altLang="zh-CN" smtClean="0"/>
-              <a:t>ID</a:t>
-            </a:r>
-            <a:r>
-              <a:rPr lang="zh-CN" altLang="en-US" smtClean="0"/>
-              <a:t>值选择元素</a:t>
-            </a:r>
-            <a:endParaRPr lang="en-US" altLang="zh-CN" smtClean="0"/>
-          </a:p>
-          <a:p>
-            <a:r>
-              <a:rPr lang="zh-CN" altLang="en-US" smtClean="0"/>
-              <a:t>结构：</a:t>
-            </a:r>
-            <a:r>
-              <a:rPr lang="en-US" altLang="zh-CN" smtClean="0"/>
-              <a:t>#&lt;id</a:t>
-            </a:r>
-            <a:r>
-              <a:rPr lang="zh-CN" altLang="en-US" smtClean="0"/>
-              <a:t>值</a:t>
-            </a:r>
-            <a:r>
-              <a:rPr lang="en-US" altLang="zh-CN" smtClean="0"/>
-              <a:t>&gt;</a:t>
-            </a:r>
-            <a:endParaRPr lang="en-US" altLang="zh-CN"/>
-          </a:p>
-          <a:p>
-            <a:r>
-              <a:rPr lang="zh-CN" altLang="en-US" smtClean="0"/>
-              <a:t>示例：</a:t>
-            </a:r>
-            <a:r>
-              <a:rPr lang="en-US" altLang="zh-CN" smtClean="0"/>
-              <a:t>#w3 { … }</a:t>
-            </a:r>
-          </a:p>
-          <a:p>
-            <a:endParaRPr lang="en-US" altLang="zh-CN"/>
-          </a:p>
-          <a:p>
-            <a:r>
-              <a:rPr lang="zh-CN" altLang="en-US" smtClean="0"/>
-              <a:t>元素</a:t>
-            </a:r>
-            <a:r>
-              <a:rPr lang="en-US" altLang="zh-CN" smtClean="0"/>
-              <a:t>id</a:t>
-            </a:r>
-            <a:r>
-              <a:rPr lang="zh-CN" altLang="en-US" smtClean="0"/>
-              <a:t>属性的值，称位</a:t>
-            </a:r>
-            <a:r>
-              <a:rPr lang="en-US" altLang="zh-CN" smtClean="0"/>
-              <a:t>ID</a:t>
-            </a:r>
-            <a:r>
-              <a:rPr lang="zh-CN" altLang="en-US" smtClean="0"/>
-              <a:t>值，在</a:t>
-            </a:r>
-            <a:r>
-              <a:rPr lang="en-US" altLang="zh-CN" smtClean="0"/>
-              <a:t>HTML</a:t>
-            </a:r>
-            <a:r>
-              <a:rPr lang="zh-CN" altLang="en-US" smtClean="0"/>
-              <a:t>文档中，</a:t>
-            </a:r>
-            <a:r>
-              <a:rPr lang="en-US" altLang="zh-CN" smtClean="0"/>
-              <a:t>ID</a:t>
-            </a:r>
-            <a:r>
-              <a:rPr lang="zh-CN" altLang="en-US" smtClean="0"/>
-              <a:t>值不能重复，不能存在多个元素使用相同的</a:t>
-            </a:r>
-            <a:r>
-              <a:rPr lang="en-US" altLang="zh-CN" smtClean="0"/>
-              <a:t>ID</a:t>
-            </a:r>
-            <a:r>
-              <a:rPr lang="zh-CN" altLang="en-US" smtClean="0"/>
-              <a:t>值。</a:t>
-            </a:r>
-            <a:endParaRPr lang="zh-CN" altLang="en-US"/>
-          </a:p>
-        </p:txBody>
-      </p:sp>
-    </p:spTree>
-    <p:extLst>
-      <p:ext uri="{BB962C8B-B14F-4D97-AF65-F5344CB8AC3E}">
-        <p14:creationId xmlns:p14="http://schemas.microsoft.com/office/powerpoint/2010/main" val="461180578"/>
-      </p:ext>
-    </p:extLst>
-  </p:cSld>
-  <p:clrMapOvr>
-    <a:masterClrMapping/>
-  </p:clrMapOvr>
-  <p:timing>
-    <p:tnLst>
-      <p:par>
-        <p:cTn id="1" dur="indefinite" restart="never" nodeType="tmRoot"/>
-      </p:par>
-    </p:tnLst>
-  </p:timing>
-</p:sld>
-</file>
-
-<file path=ppt/slides/slide18.xml><?xml version="1.0" encoding="utf-8"?>
-<p:sld xmlns:a="http://schemas.openxmlformats.org/drawingml/2006/main" xmlns:r="http://schemas.openxmlformats.org/officeDocument/2006/relationships" xmlns:p="http://schemas.openxmlformats.org/presentationml/2006/main">
-  <p:cSld>
-    <p:spTree>
-      <p:nvGrpSpPr>
-        <p:cNvPr id="1" name=""/>
-        <p:cNvGrpSpPr/>
-        <p:nvPr/>
-      </p:nvGrpSpPr>
-      <p:grpSpPr>
-        <a:xfrm>
-          <a:off x="0" y="0"/>
-          <a:ext cx="0" cy="0"/>
-          <a:chOff x="0" y="0"/>
-          <a:chExt cx="0" cy="0"/>
-        </a:xfrm>
-      </p:grpSpPr>
-      <p:sp>
-        <p:nvSpPr>
-          <p:cNvPr id="2" name="标题 1"/>
-          <p:cNvSpPr>
-            <a:spLocks noGrp="1"/>
-          </p:cNvSpPr>
-          <p:nvPr>
-            <p:ph type="title"/>
-          </p:nvPr>
-        </p:nvSpPr>
-        <p:spPr/>
-        <p:txBody>
-          <a:bodyPr/>
-          <a:lstStyle/>
-          <a:p>
-            <a:r>
-              <a:rPr lang="zh-CN" altLang="en-US" smtClean="0"/>
-              <a:t>属性选择器</a:t>
-            </a:r>
-            <a:endParaRPr lang="zh-CN" altLang="en-US"/>
-          </a:p>
-        </p:txBody>
-      </p:sp>
-      <p:sp>
-        <p:nvSpPr>
-          <p:cNvPr id="3" name="内容占位符 2"/>
-          <p:cNvSpPr>
-            <a:spLocks noGrp="1"/>
-          </p:cNvSpPr>
-          <p:nvPr>
-            <p:ph idx="1"/>
-          </p:nvPr>
-        </p:nvSpPr>
-        <p:spPr/>
-        <p:txBody>
-          <a:bodyPr/>
-          <a:lstStyle/>
-          <a:p>
-            <a:r>
-              <a:rPr lang="zh-CN" altLang="en-US" smtClean="0"/>
-              <a:t>作用：通过元素的属性选择元素。</a:t>
-            </a:r>
-            <a:endParaRPr lang="en-US" altLang="zh-CN" smtClean="0"/>
-          </a:p>
-          <a:p>
-            <a:r>
-              <a:rPr lang="zh-CN" altLang="en-US" smtClean="0"/>
-              <a:t>结构：</a:t>
-            </a:r>
-            <a:r>
-              <a:rPr lang="en-US" altLang="zh-CN" smtClean="0"/>
-              <a:t>[&lt;</a:t>
-            </a:r>
-            <a:r>
-              <a:rPr lang="zh-CN" altLang="en-US" smtClean="0"/>
-              <a:t>条件</a:t>
-            </a:r>
-            <a:r>
-              <a:rPr lang="en-US" altLang="zh-CN" smtClean="0"/>
-              <a:t>&gt;] </a:t>
-            </a:r>
-            <a:r>
-              <a:rPr lang="zh-CN" altLang="en-US" smtClean="0"/>
-              <a:t>或 </a:t>
-            </a:r>
-            <a:r>
-              <a:rPr lang="en-US" altLang="zh-CN" smtClean="0"/>
-              <a:t>&lt;</a:t>
-            </a:r>
-            <a:r>
-              <a:rPr lang="zh-CN" altLang="en-US" smtClean="0"/>
-              <a:t>元素标签</a:t>
-            </a:r>
-            <a:r>
-              <a:rPr lang="en-US" altLang="zh-CN" smtClean="0"/>
-              <a:t>&gt;[&lt;</a:t>
-            </a:r>
-            <a:r>
-              <a:rPr lang="zh-CN" altLang="en-US" smtClean="0"/>
-              <a:t>条件</a:t>
-            </a:r>
-            <a:r>
-              <a:rPr lang="en-US" altLang="zh-CN" smtClean="0"/>
-              <a:t>&gt;] { … }</a:t>
-            </a:r>
-          </a:p>
-          <a:p>
-            <a:r>
-              <a:rPr lang="zh-CN" altLang="en-US" smtClean="0"/>
-              <a:t>示例：</a:t>
-            </a:r>
-            <a:r>
-              <a:rPr lang="en-US" altLang="zh-CN" smtClean="0"/>
-              <a:t>[href] { … } </a:t>
-            </a:r>
-            <a:r>
-              <a:rPr lang="zh-CN" altLang="en-US" smtClean="0"/>
-              <a:t>或 </a:t>
-            </a:r>
-            <a:r>
-              <a:rPr lang="en-US" altLang="zh-CN" smtClean="0"/>
-              <a:t>input[text=“text”]</a:t>
-            </a:r>
-          </a:p>
-          <a:p>
-            <a:endParaRPr lang="en-US" altLang="zh-CN"/>
-          </a:p>
-          <a:p>
-            <a:endParaRPr lang="en-US" altLang="zh-CN" smtClean="0"/>
-          </a:p>
-          <a:p>
-            <a:endParaRPr lang="en-US" altLang="zh-CN" smtClean="0"/>
-          </a:p>
-          <a:p>
-            <a:endParaRPr lang="zh-CN" altLang="en-US"/>
-          </a:p>
-        </p:txBody>
-      </p:sp>
-      <p:graphicFrame>
-        <p:nvGraphicFramePr>
-          <p:cNvPr id="4" name="表格 3"/>
-          <p:cNvGraphicFramePr>
-            <a:graphicFrameLocks noGrp="1"/>
-          </p:cNvGraphicFramePr>
-          <p:nvPr>
-            <p:extLst>
-              <p:ext uri="{D42A27DB-BD31-4B8C-83A1-F6EECF244321}">
-                <p14:modId xmlns:p14="http://schemas.microsoft.com/office/powerpoint/2010/main" val="107726669"/>
-              </p:ext>
-            </p:extLst>
-          </p:nvPr>
-        </p:nvGraphicFramePr>
-        <p:xfrm>
-          <a:off x="683568" y="3645024"/>
-          <a:ext cx="7524000" cy="2834640"/>
-        </p:xfrm>
-        <a:graphic>
-          <a:graphicData uri="http://schemas.openxmlformats.org/drawingml/2006/table">
-            <a:tbl>
-              <a:tblPr firstRow="1" bandRow="1">
-                <a:tableStyleId>{5C22544A-7EE6-4342-B048-85BDC9FD1C3A}</a:tableStyleId>
-              </a:tblPr>
-              <a:tblGrid>
-                <a:gridCol w="2124000">
-                  <a:extLst>
-                    <a:ext uri="{9D8B030D-6E8A-4147-A177-3AD203B41FA5}">
-                      <a16:colId xmlns:a16="http://schemas.microsoft.com/office/drawing/2014/main" val="20000"/>
-                    </a:ext>
-                  </a:extLst>
-                </a:gridCol>
-                <a:gridCol w="5400000">
-                  <a:extLst>
-                    <a:ext uri="{9D8B030D-6E8A-4147-A177-3AD203B41FA5}">
-                      <a16:colId xmlns:a16="http://schemas.microsoft.com/office/drawing/2014/main" val="20001"/>
-                    </a:ext>
-                  </a:extLst>
-                </a:gridCol>
-              </a:tblGrid>
-              <a:tr h="0">
-                <a:tc gridSpan="2">
-                  <a:txBody>
-                    <a:bodyPr/>
-                    <a:lstStyle/>
-                    <a:p>
-                      <a:pPr algn="ctr"/>
-                      <a:r>
-                        <a:rPr lang="zh-CN" altLang="en-US" smtClean="0"/>
-                        <a:t>属性选择器的条件</a:t>
-                      </a:r>
-                      <a:endParaRPr lang="zh-CN" altLang="en-US"/>
-                    </a:p>
-                  </a:txBody>
-                  <a:tcPr anchor="ctr"/>
-                </a:tc>
-                <a:tc hMerge="1">
-                  <a:txBody>
-                    <a:bodyPr/>
-                    <a:lstStyle/>
-                    <a:p>
-                      <a:pPr algn="ctr"/>
-                      <a:endParaRPr lang="zh-CN" altLang="en-US"/>
-                    </a:p>
-                  </a:txBody>
-                  <a:tcPr anchor="ctr"/>
-                </a:tc>
-                <a:extLst>
-                  <a:ext uri="{0D108BD9-81ED-4DB2-BD59-A6C34878D82A}">
-                    <a16:rowId xmlns:a16="http://schemas.microsoft.com/office/drawing/2014/main" val="10000"/>
-                  </a:ext>
-                </a:extLst>
-              </a:tr>
-              <a:tr h="0">
-                <a:tc>
-                  <a:txBody>
-                    <a:bodyPr/>
-                    <a:lstStyle/>
-                    <a:p>
-                      <a:pPr algn="ctr"/>
-                      <a:r>
-                        <a:rPr lang="en-US" altLang="zh-CN" smtClean="0"/>
-                        <a:t>[attr]</a:t>
-                      </a:r>
-                      <a:endParaRPr lang="zh-CN" altLang="en-US"/>
-                    </a:p>
-                  </a:txBody>
-                  <a:tcPr anchor="ctr"/>
-                </a:tc>
-                <a:tc>
-                  <a:txBody>
-                    <a:bodyPr/>
-                    <a:lstStyle/>
-                    <a:p>
-                      <a:pPr algn="l"/>
-                      <a:r>
-                        <a:rPr lang="zh-CN" altLang="en-US" smtClean="0"/>
-                        <a:t>选择定义</a:t>
-                      </a:r>
-                      <a:r>
-                        <a:rPr lang="en-US" altLang="zh-CN" smtClean="0"/>
-                        <a:t>attr</a:t>
-                      </a:r>
-                      <a:r>
-                        <a:rPr lang="zh-CN" altLang="en-US" smtClean="0"/>
-                        <a:t>属性的元素，忽略属性值</a:t>
-                      </a:r>
-                      <a:endParaRPr lang="zh-CN" altLang="en-US"/>
-                    </a:p>
-                  </a:txBody>
-                  <a:tcPr anchor="ctr"/>
-                </a:tc>
-                <a:extLst>
-                  <a:ext uri="{0D108BD9-81ED-4DB2-BD59-A6C34878D82A}">
-                    <a16:rowId xmlns:a16="http://schemas.microsoft.com/office/drawing/2014/main" val="10001"/>
-                  </a:ext>
-                </a:extLst>
-              </a:tr>
-              <a:tr h="0">
-                <a:tc>
-                  <a:txBody>
-                    <a:bodyPr/>
-                    <a:lstStyle/>
-                    <a:p>
-                      <a:pPr algn="ctr"/>
-                      <a:r>
-                        <a:rPr lang="en-US" altLang="zh-CN" smtClean="0"/>
-                        <a:t>[attr=“val”]</a:t>
-                      </a:r>
-                      <a:endParaRPr lang="zh-CN" altLang="en-US"/>
-                    </a:p>
-                  </a:txBody>
-                  <a:tcPr anchor="ctr"/>
-                </a:tc>
-                <a:tc>
-                  <a:txBody>
-                    <a:bodyPr/>
-                    <a:lstStyle/>
-                    <a:p>
-                      <a:pPr algn="l"/>
-                      <a:r>
-                        <a:rPr lang="zh-CN" altLang="en-US" smtClean="0"/>
-                        <a:t>选择定义</a:t>
-                      </a:r>
-                      <a:r>
-                        <a:rPr lang="en-US" altLang="zh-CN" smtClean="0"/>
-                        <a:t>attr</a:t>
-                      </a:r>
-                      <a:r>
-                        <a:rPr lang="zh-CN" altLang="en-US" smtClean="0"/>
-                        <a:t>属性，且属性值为</a:t>
-                      </a:r>
-                      <a:r>
-                        <a:rPr lang="en-US" altLang="zh-CN" smtClean="0"/>
-                        <a:t>val</a:t>
-                      </a:r>
-                      <a:r>
-                        <a:rPr lang="zh-CN" altLang="en-US" smtClean="0"/>
-                        <a:t>的元素</a:t>
-                      </a:r>
-                      <a:endParaRPr lang="zh-CN" altLang="en-US"/>
-                    </a:p>
-                  </a:txBody>
-                  <a:tcPr anchor="ctr"/>
-                </a:tc>
-                <a:extLst>
-                  <a:ext uri="{0D108BD9-81ED-4DB2-BD59-A6C34878D82A}">
-                    <a16:rowId xmlns:a16="http://schemas.microsoft.com/office/drawing/2014/main" val="10002"/>
-                  </a:ext>
-                </a:extLst>
-              </a:tr>
-              <a:tr h="0">
-                <a:tc>
-                  <a:txBody>
-                    <a:bodyPr/>
-                    <a:lstStyle/>
-                    <a:p>
-                      <a:pPr algn="ctr"/>
-                      <a:r>
-                        <a:rPr lang="en-US" altLang="zh-CN" smtClean="0"/>
-                        <a:t>[attr^=“val”]</a:t>
-                      </a:r>
-                      <a:endParaRPr lang="zh-CN" altLang="en-US"/>
-                    </a:p>
-                  </a:txBody>
-                  <a:tcPr anchor="ctr"/>
-                </a:tc>
-                <a:tc>
-                  <a:txBody>
-                    <a:bodyPr/>
-                    <a:lstStyle/>
-                    <a:p>
-                      <a:pPr algn="l"/>
-                      <a:r>
-                        <a:rPr lang="zh-CN" altLang="en-US" smtClean="0"/>
-                        <a:t>选择定义</a:t>
-                      </a:r>
-                      <a:r>
-                        <a:rPr lang="en-US" altLang="zh-CN" smtClean="0"/>
-                        <a:t>attr</a:t>
-                      </a:r>
-                      <a:r>
-                        <a:rPr lang="zh-CN" altLang="en-US" smtClean="0"/>
-                        <a:t>属性，且属性值以字符串</a:t>
-                      </a:r>
-                      <a:r>
-                        <a:rPr lang="en-US" altLang="zh-CN" smtClean="0"/>
-                        <a:t>val</a:t>
-                      </a:r>
-                      <a:r>
-                        <a:rPr lang="zh-CN" altLang="en-US" smtClean="0"/>
-                        <a:t>开头的元素</a:t>
-                      </a:r>
-                      <a:endParaRPr lang="zh-CN" altLang="en-US"/>
-                    </a:p>
-                  </a:txBody>
-                  <a:tcPr anchor="ctr"/>
-                </a:tc>
-                <a:extLst>
-                  <a:ext uri="{0D108BD9-81ED-4DB2-BD59-A6C34878D82A}">
-                    <a16:rowId xmlns:a16="http://schemas.microsoft.com/office/drawing/2014/main" val="10003"/>
-                  </a:ext>
-                </a:extLst>
-              </a:tr>
-              <a:tr h="0">
-                <a:tc>
-                  <a:txBody>
-                    <a:bodyPr/>
-                    <a:lstStyle/>
-                    <a:p>
-                      <a:pPr algn="ctr"/>
-                      <a:r>
-                        <a:rPr lang="en-US" altLang="zh-CN" smtClean="0"/>
-                        <a:t>[attr$=“val”]</a:t>
-                      </a:r>
-                      <a:endParaRPr lang="zh-CN" altLang="en-US"/>
-                    </a:p>
-                  </a:txBody>
-                  <a:tcPr anchor="ctr"/>
-                </a:tc>
-                <a:tc>
-                  <a:txBody>
-                    <a:bodyPr/>
-                    <a:lstStyle/>
-                    <a:p>
-                      <a:pPr algn="l"/>
-                      <a:r>
-                        <a:rPr lang="zh-CN" altLang="en-US" smtClean="0"/>
-                        <a:t>选择定义</a:t>
-                      </a:r>
-                      <a:r>
-                        <a:rPr lang="en-US" altLang="zh-CN" smtClean="0"/>
-                        <a:t>attr</a:t>
-                      </a:r>
-                      <a:r>
-                        <a:rPr lang="zh-CN" altLang="en-US" smtClean="0"/>
-                        <a:t>属性，且属性值以字符串</a:t>
-                      </a:r>
-                      <a:r>
-                        <a:rPr lang="en-US" altLang="zh-CN" smtClean="0"/>
-                        <a:t>val</a:t>
-                      </a:r>
-                      <a:r>
-                        <a:rPr lang="zh-CN" altLang="en-US" smtClean="0"/>
-                        <a:t>结尾的元素</a:t>
-                      </a:r>
-                      <a:endParaRPr lang="zh-CN" altLang="en-US"/>
-                    </a:p>
-                  </a:txBody>
-                  <a:tcPr anchor="ctr"/>
-                </a:tc>
-                <a:extLst>
-                  <a:ext uri="{0D108BD9-81ED-4DB2-BD59-A6C34878D82A}">
-                    <a16:rowId xmlns:a16="http://schemas.microsoft.com/office/drawing/2014/main" val="10004"/>
-                  </a:ext>
-                </a:extLst>
-              </a:tr>
-              <a:tr h="0">
-                <a:tc>
-                  <a:txBody>
-                    <a:bodyPr/>
-                    <a:lstStyle/>
-                    <a:p>
-                      <a:pPr algn="ctr"/>
-                      <a:r>
-                        <a:rPr lang="en-US" altLang="zh-CN" smtClean="0"/>
-                        <a:t>[attr*=“val”]</a:t>
-                      </a:r>
-                      <a:endParaRPr lang="zh-CN" altLang="en-US"/>
-                    </a:p>
-                  </a:txBody>
-                  <a:tcPr anchor="ctr"/>
-                </a:tc>
-                <a:tc>
-                  <a:txBody>
-                    <a:bodyPr/>
-                    <a:lstStyle/>
-                    <a:p>
-                      <a:pPr algn="l"/>
-                      <a:r>
-                        <a:rPr lang="zh-CN" altLang="en-US" smtClean="0"/>
-                        <a:t>选择定义</a:t>
-                      </a:r>
-                      <a:r>
-                        <a:rPr lang="en-US" altLang="zh-CN" smtClean="0"/>
-                        <a:t>attr</a:t>
-                      </a:r>
-                      <a:r>
-                        <a:rPr lang="zh-CN" altLang="en-US" smtClean="0"/>
-                        <a:t>属性，且属性值包含字符串</a:t>
-                      </a:r>
-                      <a:r>
-                        <a:rPr lang="en-US" altLang="zh-CN" smtClean="0"/>
-                        <a:t>val</a:t>
-                      </a:r>
-                      <a:r>
-                        <a:rPr lang="zh-CN" altLang="en-US" smtClean="0"/>
-                        <a:t>的元素</a:t>
-                      </a:r>
-                      <a:endParaRPr lang="zh-CN" altLang="en-US"/>
-                    </a:p>
-                  </a:txBody>
-                  <a:tcPr anchor="ctr"/>
-                </a:tc>
-                <a:extLst>
-                  <a:ext uri="{0D108BD9-81ED-4DB2-BD59-A6C34878D82A}">
-                    <a16:rowId xmlns:a16="http://schemas.microsoft.com/office/drawing/2014/main" val="10005"/>
-                  </a:ext>
-                </a:extLst>
-              </a:tr>
-              <a:tr h="0">
-                <a:tc>
-                  <a:txBody>
-                    <a:bodyPr/>
-                    <a:lstStyle/>
-                    <a:p>
-                      <a:pPr algn="ctr"/>
-                      <a:r>
-                        <a:rPr lang="en-US" altLang="zh-CN" smtClean="0"/>
-                        <a:t>[attr~=“val”]</a:t>
-                      </a:r>
-                      <a:endParaRPr lang="zh-CN" altLang="en-US"/>
-                    </a:p>
-                  </a:txBody>
-                  <a:tcPr anchor="ctr"/>
-                </a:tc>
-                <a:tc>
-                  <a:txBody>
-                    <a:bodyPr/>
-                    <a:lstStyle/>
-                    <a:p>
-                      <a:pPr algn="l"/>
-                      <a:r>
-                        <a:rPr lang="zh-CN" altLang="en-US" sz="1800" b="0" i="0" kern="1200" smtClean="0">
-                          <a:solidFill>
-                            <a:schemeClr val="dk1"/>
-                          </a:solidFill>
-                          <a:effectLst/>
-                          <a:latin typeface="+mn-lt"/>
-                          <a:ea typeface="+mn-ea"/>
-                          <a:cs typeface="+mn-cs"/>
-                        </a:rPr>
-                        <a:t>选择定义</a:t>
-                      </a:r>
-                      <a:r>
-                        <a:rPr lang="en-US" altLang="zh-CN" sz="1800" b="0" i="0" kern="1200" smtClean="0">
-                          <a:solidFill>
-                            <a:schemeClr val="dk1"/>
-                          </a:solidFill>
-                          <a:effectLst/>
-                          <a:latin typeface="+mn-lt"/>
-                          <a:ea typeface="+mn-ea"/>
-                          <a:cs typeface="+mn-cs"/>
-                        </a:rPr>
-                        <a:t>attr</a:t>
-                      </a:r>
-                      <a:r>
-                        <a:rPr lang="zh-CN" altLang="en-US" sz="1800" b="0" i="0" kern="1200" smtClean="0">
-                          <a:solidFill>
-                            <a:schemeClr val="dk1"/>
-                          </a:solidFill>
-                          <a:effectLst/>
-                          <a:latin typeface="+mn-lt"/>
-                          <a:ea typeface="+mn-ea"/>
-                          <a:cs typeface="+mn-cs"/>
-                        </a:rPr>
-                        <a:t>属性，且属性值具有多个值，其中一个为字符串</a:t>
-                      </a:r>
-                      <a:r>
-                        <a:rPr lang="en-US" altLang="zh-CN" sz="1800" b="0" i="0" kern="1200" smtClean="0">
-                          <a:solidFill>
-                            <a:schemeClr val="dk1"/>
-                          </a:solidFill>
-                          <a:effectLst/>
-                          <a:latin typeface="+mn-lt"/>
-                          <a:ea typeface="+mn-ea"/>
-                          <a:cs typeface="+mn-cs"/>
-                        </a:rPr>
-                        <a:t>val</a:t>
-                      </a:r>
-                      <a:r>
-                        <a:rPr lang="zh-CN" altLang="en-US" sz="1800" b="0" i="0" kern="1200" smtClean="0">
-                          <a:solidFill>
-                            <a:schemeClr val="dk1"/>
-                          </a:solidFill>
-                          <a:effectLst/>
-                          <a:latin typeface="+mn-lt"/>
-                          <a:ea typeface="+mn-ea"/>
-                          <a:cs typeface="+mn-cs"/>
-                        </a:rPr>
-                        <a:t>的元素。</a:t>
-                      </a:r>
-                      <a:endParaRPr lang="zh-CN" altLang="en-US"/>
-                    </a:p>
-                  </a:txBody>
-                  <a:tcPr anchor="ctr"/>
-                </a:tc>
-                <a:extLst>
-                  <a:ext uri="{0D108BD9-81ED-4DB2-BD59-A6C34878D82A}">
-                    <a16:rowId xmlns:a16="http://schemas.microsoft.com/office/drawing/2014/main" val="10006"/>
-                  </a:ext>
-                </a:extLst>
-              </a:tr>
-            </a:tbl>
-          </a:graphicData>
-        </a:graphic>
-      </p:graphicFrame>
-    </p:spTree>
-    <p:extLst>
-      <p:ext uri="{BB962C8B-B14F-4D97-AF65-F5344CB8AC3E}">
-        <p14:creationId xmlns:p14="http://schemas.microsoft.com/office/powerpoint/2010/main" val="2598392349"/>
-      </p:ext>
-    </p:extLst>
-  </p:cSld>
-  <p:clrMapOvr>
-    <a:masterClrMapping/>
-  </p:clrMapOvr>
-  <p:timing>
-    <p:tnLst>
-      <p:par>
-        <p:cTn id="1" dur="indefinite" restart="never" nodeType="tmRoot"/>
-      </p:par>
-    </p:tnLst>
-  </p:timing>
-</p:sld>
-</file>
-
-<file path=ppt/slides/slide19.xml><?xml version="1.0" encoding="utf-8"?>
-<p:sld xmlns:a="http://schemas.openxmlformats.org/drawingml/2006/main" xmlns:r="http://schemas.openxmlformats.org/officeDocument/2006/relationships" xmlns:p="http://schemas.openxmlformats.org/presentationml/2006/main">
-  <p:cSld>
-    <p:spTree>
-      <p:nvGrpSpPr>
-        <p:cNvPr id="1" name=""/>
-        <p:cNvGrpSpPr/>
-        <p:nvPr/>
-      </p:nvGrpSpPr>
-      <p:grpSpPr>
-        <a:xfrm>
-          <a:off x="0" y="0"/>
-          <a:ext cx="0" cy="0"/>
-          <a:chOff x="0" y="0"/>
-          <a:chExt cx="0" cy="0"/>
-        </a:xfrm>
-      </p:grpSpPr>
-      <p:sp>
-        <p:nvSpPr>
-          <p:cNvPr id="2" name="标题 1"/>
-          <p:cNvSpPr>
-            <a:spLocks noGrp="1"/>
-          </p:cNvSpPr>
-          <p:nvPr>
-            <p:ph type="ctrTitle"/>
-          </p:nvPr>
-        </p:nvSpPr>
-        <p:spPr/>
-        <p:txBody>
-          <a:bodyPr/>
-          <a:lstStyle/>
-          <a:p>
-            <a:r>
-              <a:rPr lang="zh-CN" altLang="en-US" smtClean="0"/>
-              <a:t>复合选择器</a:t>
-            </a:r>
-            <a:endParaRPr lang="zh-CN" altLang="en-US"/>
-          </a:p>
-        </p:txBody>
-      </p:sp>
-      <p:sp>
-        <p:nvSpPr>
-          <p:cNvPr id="3" name="副标题 2"/>
-          <p:cNvSpPr>
-            <a:spLocks noGrp="1"/>
-          </p:cNvSpPr>
-          <p:nvPr>
-            <p:ph type="subTitle" idx="1"/>
-          </p:nvPr>
-        </p:nvSpPr>
-        <p:spPr/>
-        <p:txBody>
-          <a:bodyPr/>
-          <a:lstStyle/>
-          <a:p>
-            <a:endParaRPr lang="zh-CN" altLang="en-US"/>
-          </a:p>
-        </p:txBody>
-      </p:sp>
-    </p:spTree>
-    <p:extLst>
-      <p:ext uri="{BB962C8B-B14F-4D97-AF65-F5344CB8AC3E}">
-        <p14:creationId xmlns:p14="http://schemas.microsoft.com/office/powerpoint/2010/main" val="2403874214"/>
-      </p:ext>
-    </p:extLst>
-  </p:cSld>
-  <p:clrMapOvr>
-    <a:masterClrMapping/>
-  </p:clrMapOvr>
-  <p:timing>
-    <p:tnLst>
-      <p:par>
-        <p:cTn id="1" dur="indefinite" restart="never" nodeType="tmRoot"/>
-      </p:par>
-    </p:tnLst>
-  </p:timing>
-</p:sld>
-</file>
-
-<file path=ppt/slides/slide2.xml><?xml version="1.0" encoding="utf-8"?>
-<p:sld xmlns:a="http://schemas.openxmlformats.org/drawingml/2006/main" xmlns:r="http://schemas.openxmlformats.org/officeDocument/2006/relationships" xmlns:p="http://schemas.openxmlformats.org/presentationml/2006/main">
-  <p:cSld>
-    <p:spTree>
-      <p:nvGrpSpPr>
-        <p:cNvPr id="1" name=""/>
-        <p:cNvGrpSpPr/>
-        <p:nvPr/>
-      </p:nvGrpSpPr>
-      <p:grpSpPr>
-        <a:xfrm>
-          <a:off x="0" y="0"/>
-          <a:ext cx="0" cy="0"/>
-          <a:chOff x="0" y="0"/>
-          <a:chExt cx="0" cy="0"/>
-        </a:xfrm>
-      </p:grpSpPr>
-      <p:sp>
-        <p:nvSpPr>
-          <p:cNvPr id="2" name="标题 1"/>
-          <p:cNvSpPr>
-            <a:spLocks noGrp="1"/>
-          </p:cNvSpPr>
-          <p:nvPr>
-            <p:ph type="title"/>
-          </p:nvPr>
-        </p:nvSpPr>
-        <p:spPr/>
-        <p:txBody>
-          <a:bodyPr/>
-          <a:lstStyle/>
-          <a:p>
-            <a:r>
-              <a:rPr lang="zh-CN" altLang="en-US" smtClean="0"/>
-              <a:t>两种盒子标准</a:t>
-            </a:r>
-            <a:endParaRPr lang="zh-CN" altLang="en-US"/>
-          </a:p>
-        </p:txBody>
-      </p:sp>
-      <p:sp>
-        <p:nvSpPr>
-          <p:cNvPr id="3" name="内容占位符 2"/>
-          <p:cNvSpPr>
-            <a:spLocks noGrp="1"/>
-          </p:cNvSpPr>
-          <p:nvPr>
-            <p:ph idx="1"/>
-          </p:nvPr>
-        </p:nvSpPr>
-        <p:spPr/>
-        <p:txBody>
-          <a:bodyPr/>
-          <a:lstStyle/>
-          <a:p>
-            <a:r>
-              <a:rPr lang="zh-CN" altLang="en-US" smtClean="0"/>
-              <a:t>根据计算</a:t>
-            </a:r>
-            <a:r>
-              <a:rPr lang="en-US" altLang="zh-CN" smtClean="0"/>
-              <a:t>width</a:t>
-            </a:r>
-            <a:r>
-              <a:rPr lang="zh-CN" altLang="en-US" smtClean="0"/>
-              <a:t>的方式不同，盒子模型分为两个标准。</a:t>
-            </a:r>
-            <a:endParaRPr lang="en-US" altLang="zh-CN" smtClean="0"/>
-          </a:p>
-          <a:p>
-            <a:r>
-              <a:rPr lang="en-US" altLang="zh-CN" smtClean="0"/>
-              <a:t>IE</a:t>
-            </a:r>
-            <a:r>
-              <a:rPr lang="zh-CN" altLang="en-US" smtClean="0"/>
-              <a:t>盒子标准和</a:t>
-            </a:r>
-            <a:r>
-              <a:rPr lang="en-US" altLang="zh-CN" smtClean="0"/>
-              <a:t>W3C</a:t>
-            </a:r>
-            <a:r>
-              <a:rPr lang="zh-CN" altLang="en-US" smtClean="0"/>
-              <a:t>盒子标准。</a:t>
-            </a:r>
-            <a:endParaRPr lang="en-US" altLang="zh-CN" smtClean="0"/>
-          </a:p>
-          <a:p>
-            <a:r>
-              <a:rPr lang="en-US" altLang="zh-CN" smtClean="0"/>
-              <a:t>W3C</a:t>
-            </a:r>
-            <a:r>
-              <a:rPr lang="zh-CN" altLang="en-US" smtClean="0"/>
-              <a:t>盒子标准浏览器默认使用的盒子标准。但是在使用中，常用的是</a:t>
-            </a:r>
-            <a:r>
-              <a:rPr lang="en-US" altLang="zh-CN" smtClean="0"/>
-              <a:t>IE</a:t>
-            </a:r>
-            <a:r>
-              <a:rPr lang="zh-CN" altLang="en-US" smtClean="0"/>
-              <a:t>盒子标准。</a:t>
-            </a:r>
-            <a:endParaRPr lang="en-US" altLang="zh-CN" smtClean="0"/>
-          </a:p>
-          <a:p>
-            <a:r>
-              <a:rPr lang="zh-CN" altLang="en-US" smtClean="0"/>
-              <a:t>使用</a:t>
-            </a:r>
-            <a:r>
-              <a:rPr lang="en-US" altLang="zh-CN" smtClean="0"/>
-              <a:t>box-sizing:border-box</a:t>
-            </a:r>
-            <a:r>
-              <a:rPr lang="zh-CN" altLang="en-US" smtClean="0"/>
-              <a:t>将盒子标准设置为</a:t>
-            </a:r>
-            <a:r>
-              <a:rPr lang="en-US" altLang="zh-CN" smtClean="0"/>
-              <a:t>IE</a:t>
-            </a:r>
-            <a:r>
-              <a:rPr lang="zh-CN" altLang="en-US" smtClean="0"/>
-              <a:t>标准。</a:t>
-            </a:r>
-            <a:endParaRPr lang="en-US" altLang="zh-CN" smtClean="0"/>
-          </a:p>
-        </p:txBody>
-      </p:sp>
-    </p:spTree>
-    <p:extLst>
-      <p:ext uri="{BB962C8B-B14F-4D97-AF65-F5344CB8AC3E}">
-        <p14:creationId xmlns:p14="http://schemas.microsoft.com/office/powerpoint/2010/main" val="1959368802"/>
-      </p:ext>
-    </p:extLst>
-  </p:cSld>
-  <p:clrMapOvr>
-    <a:masterClrMapping/>
-  </p:clrMapOvr>
-</p:sld>
-</file>
-
-<file path=ppt/slides/slide20.xml><?xml version="1.0" encoding="utf-8"?>
-<p:sld xmlns:a="http://schemas.openxmlformats.org/drawingml/2006/main" xmlns:r="http://schemas.openxmlformats.org/officeDocument/2006/relationships" xmlns:p="http://schemas.openxmlformats.org/presentationml/2006/main">
-  <p:cSld>
-    <p:spTree>
-      <p:nvGrpSpPr>
-        <p:cNvPr id="1" name=""/>
-        <p:cNvGrpSpPr/>
-        <p:nvPr/>
-      </p:nvGrpSpPr>
-      <p:grpSpPr>
-        <a:xfrm>
-          <a:off x="0" y="0"/>
-          <a:ext cx="0" cy="0"/>
-          <a:chOff x="0" y="0"/>
-          <a:chExt cx="0" cy="0"/>
-        </a:xfrm>
-      </p:grpSpPr>
-      <p:sp>
-        <p:nvSpPr>
-          <p:cNvPr id="2" name="标题 1"/>
-          <p:cNvSpPr>
-            <a:spLocks noGrp="1"/>
-          </p:cNvSpPr>
-          <p:nvPr>
-            <p:ph type="title"/>
-          </p:nvPr>
-        </p:nvSpPr>
-        <p:spPr/>
-        <p:txBody>
-          <a:bodyPr/>
-          <a:lstStyle/>
-          <a:p>
-            <a:r>
-              <a:rPr lang="zh-CN" altLang="en-US" smtClean="0"/>
-              <a:t>并集选择器</a:t>
-            </a:r>
-            <a:endParaRPr lang="zh-CN" altLang="en-US"/>
-          </a:p>
-        </p:txBody>
-      </p:sp>
-      <p:sp>
-        <p:nvSpPr>
-          <p:cNvPr id="3" name="内容占位符 2"/>
-          <p:cNvSpPr>
-            <a:spLocks noGrp="1"/>
-          </p:cNvSpPr>
-          <p:nvPr>
-            <p:ph idx="1"/>
-          </p:nvPr>
-        </p:nvSpPr>
-        <p:spPr/>
-        <p:txBody>
-          <a:bodyPr/>
-          <a:lstStyle/>
-          <a:p>
-            <a:r>
-              <a:rPr lang="zh-CN" altLang="en-US"/>
-              <a:t>作用：创建由逗号分隔的多个选择器可以将样式应用到单个</a:t>
-            </a:r>
-            <a:r>
-              <a:rPr lang="zh-CN" altLang="en-US" smtClean="0"/>
-              <a:t>选择器</a:t>
-            </a:r>
-            <a:r>
-              <a:rPr lang="zh-CN" altLang="en-US"/>
-              <a:t>匹配的所有元素</a:t>
-            </a:r>
-            <a:r>
-              <a:rPr lang="zh-CN" altLang="en-US" smtClean="0"/>
-              <a:t>。</a:t>
-            </a:r>
-            <a:endParaRPr lang="en-US" altLang="zh-CN" smtClean="0"/>
-          </a:p>
-          <a:p>
-            <a:r>
-              <a:rPr lang="zh-CN" altLang="en-US" smtClean="0"/>
-              <a:t>结构：</a:t>
-            </a:r>
-            <a:r>
-              <a:rPr lang="en-US" altLang="zh-CN"/>
-              <a:t>&lt;</a:t>
-            </a:r>
-            <a:r>
-              <a:rPr lang="zh-CN" altLang="en-US"/>
-              <a:t>选择器</a:t>
-            </a:r>
-            <a:r>
-              <a:rPr lang="en-US" altLang="zh-CN"/>
-              <a:t>&gt;,&lt;</a:t>
-            </a:r>
-            <a:r>
-              <a:rPr lang="zh-CN" altLang="en-US"/>
-              <a:t>选择器</a:t>
-            </a:r>
-            <a:r>
-              <a:rPr lang="en-US" altLang="zh-CN"/>
-              <a:t>&gt;,&lt;</a:t>
-            </a:r>
-            <a:r>
-              <a:rPr lang="zh-CN" altLang="en-US"/>
-              <a:t>选择器</a:t>
-            </a:r>
-            <a:r>
-              <a:rPr lang="en-US" altLang="zh-CN" smtClean="0"/>
-              <a:t>&gt;</a:t>
-            </a:r>
-          </a:p>
-          <a:p>
-            <a:r>
-              <a:rPr lang="zh-CN" altLang="en-US" smtClean="0"/>
-              <a:t>示例：</a:t>
-            </a:r>
-            <a:r>
-              <a:rPr lang="en-US" altLang="zh-CN" smtClean="0"/>
-              <a:t>p,span,input[type=“text”] { .. }</a:t>
-            </a:r>
-            <a:endParaRPr lang="zh-CN" altLang="en-US"/>
-          </a:p>
-        </p:txBody>
-      </p:sp>
-    </p:spTree>
-    <p:extLst>
-      <p:ext uri="{BB962C8B-B14F-4D97-AF65-F5344CB8AC3E}">
-        <p14:creationId xmlns:p14="http://schemas.microsoft.com/office/powerpoint/2010/main" val="2897063929"/>
-      </p:ext>
-    </p:extLst>
-  </p:cSld>
-  <p:clrMapOvr>
-    <a:masterClrMapping/>
-  </p:clrMapOvr>
-  <p:timing>
-    <p:tnLst>
-      <p:par>
-        <p:cTn id="1" dur="indefinite" restart="never" nodeType="tmRoot"/>
-      </p:par>
-    </p:tnLst>
-  </p:timing>
-</p:sld>
-</file>
-
-<file path=ppt/slides/slide21.xml><?xml version="1.0" encoding="utf-8"?>
-<p:sld xmlns:a="http://schemas.openxmlformats.org/drawingml/2006/main" xmlns:r="http://schemas.openxmlformats.org/officeDocument/2006/relationships" xmlns:p="http://schemas.openxmlformats.org/presentationml/2006/main">
-  <p:cSld>
-    <p:spTree>
-      <p:nvGrpSpPr>
-        <p:cNvPr id="1" name=""/>
-        <p:cNvGrpSpPr/>
-        <p:nvPr/>
-      </p:nvGrpSpPr>
-      <p:grpSpPr>
-        <a:xfrm>
-          <a:off x="0" y="0"/>
-          <a:ext cx="0" cy="0"/>
-          <a:chOff x="0" y="0"/>
-          <a:chExt cx="0" cy="0"/>
-        </a:xfrm>
-      </p:grpSpPr>
-      <p:sp>
-        <p:nvSpPr>
-          <p:cNvPr id="2" name="标题 1"/>
-          <p:cNvSpPr>
-            <a:spLocks noGrp="1"/>
-          </p:cNvSpPr>
-          <p:nvPr>
-            <p:ph type="title"/>
-          </p:nvPr>
-        </p:nvSpPr>
-        <p:spPr/>
-        <p:txBody>
-          <a:bodyPr/>
-          <a:lstStyle/>
-          <a:p>
-            <a:r>
-              <a:rPr lang="zh-CN" altLang="en-US"/>
-              <a:t>后代选择器</a:t>
-            </a:r>
-          </a:p>
-        </p:txBody>
-      </p:sp>
-      <p:sp>
-        <p:nvSpPr>
-          <p:cNvPr id="3" name="内容占位符 2"/>
-          <p:cNvSpPr>
-            <a:spLocks noGrp="1"/>
-          </p:cNvSpPr>
-          <p:nvPr>
-            <p:ph idx="1"/>
-          </p:nvPr>
-        </p:nvSpPr>
-        <p:spPr/>
-        <p:txBody>
-          <a:bodyPr/>
-          <a:lstStyle/>
-          <a:p>
-            <a:r>
-              <a:rPr lang="zh-CN" altLang="en-US"/>
-              <a:t>作用：后代选择器用于选择包含在其他元素中的元素</a:t>
-            </a:r>
-            <a:r>
-              <a:rPr lang="zh-CN" altLang="en-US" smtClean="0"/>
-              <a:t>。</a:t>
-            </a:r>
-            <a:endParaRPr lang="en-US" altLang="zh-CN" smtClean="0"/>
-          </a:p>
-          <a:p>
-            <a:r>
-              <a:rPr lang="zh-CN" altLang="en-US" smtClean="0"/>
-              <a:t>结构：</a:t>
-            </a:r>
-            <a:r>
-              <a:rPr lang="en-US" altLang="zh-CN"/>
-              <a:t>&lt;</a:t>
-            </a:r>
-            <a:r>
-              <a:rPr lang="zh-CN" altLang="en-US"/>
-              <a:t>第一个选择器</a:t>
-            </a:r>
-            <a:r>
-              <a:rPr lang="en-US" altLang="zh-CN"/>
-              <a:t>&gt; &lt;</a:t>
-            </a:r>
-            <a:r>
-              <a:rPr lang="zh-CN" altLang="en-US"/>
-              <a:t>第二个选择器</a:t>
-            </a:r>
-            <a:r>
-              <a:rPr lang="en-US" altLang="zh-CN" smtClean="0"/>
-              <a:t>&gt;</a:t>
-            </a:r>
-          </a:p>
-          <a:p>
-            <a:r>
-              <a:rPr lang="zh-CN" altLang="en-US" smtClean="0"/>
-              <a:t>示例：</a:t>
-            </a:r>
-            <a:r>
-              <a:rPr lang="en-US" altLang="zh-CN" smtClean="0"/>
-              <a:t>p span { … }</a:t>
-            </a:r>
-            <a:endParaRPr lang="zh-CN" altLang="en-US"/>
-          </a:p>
-        </p:txBody>
-      </p:sp>
-    </p:spTree>
-    <p:extLst>
-      <p:ext uri="{BB962C8B-B14F-4D97-AF65-F5344CB8AC3E}">
-        <p14:creationId xmlns:p14="http://schemas.microsoft.com/office/powerpoint/2010/main" val="369452205"/>
-      </p:ext>
-    </p:extLst>
-  </p:cSld>
-  <p:clrMapOvr>
-    <a:masterClrMapping/>
-  </p:clrMapOvr>
-  <p:timing>
-    <p:tnLst>
-      <p:par>
-        <p:cTn id="1" dur="indefinite" restart="never" nodeType="tmRoot"/>
-      </p:par>
-    </p:tnLst>
-  </p:timing>
-</p:sld>
-</file>
-
-<file path=ppt/slides/slide22.xml><?xml version="1.0" encoding="utf-8"?>
-<p:sld xmlns:a="http://schemas.openxmlformats.org/drawingml/2006/main" xmlns:r="http://schemas.openxmlformats.org/officeDocument/2006/relationships" xmlns:p="http://schemas.openxmlformats.org/presentationml/2006/main">
-  <p:cSld>
-    <p:spTree>
-      <p:nvGrpSpPr>
-        <p:cNvPr id="1" name=""/>
-        <p:cNvGrpSpPr/>
-        <p:nvPr/>
-      </p:nvGrpSpPr>
-      <p:grpSpPr>
-        <a:xfrm>
-          <a:off x="0" y="0"/>
-          <a:ext cx="0" cy="0"/>
-          <a:chOff x="0" y="0"/>
-          <a:chExt cx="0" cy="0"/>
-        </a:xfrm>
-      </p:grpSpPr>
-      <p:sp>
-        <p:nvSpPr>
-          <p:cNvPr id="2" name="标题 1"/>
-          <p:cNvSpPr>
-            <a:spLocks noGrp="1"/>
-          </p:cNvSpPr>
-          <p:nvPr>
-            <p:ph type="title"/>
-          </p:nvPr>
-        </p:nvSpPr>
-        <p:spPr/>
-        <p:txBody>
-          <a:bodyPr/>
-          <a:lstStyle/>
-          <a:p>
-            <a:r>
-              <a:rPr lang="zh-CN" altLang="en-US"/>
-              <a:t>子代选择器</a:t>
-            </a:r>
-          </a:p>
-        </p:txBody>
-      </p:sp>
-      <p:sp>
-        <p:nvSpPr>
-          <p:cNvPr id="3" name="内容占位符 2"/>
-          <p:cNvSpPr>
-            <a:spLocks noGrp="1"/>
-          </p:cNvSpPr>
-          <p:nvPr>
-            <p:ph idx="1"/>
-          </p:nvPr>
-        </p:nvSpPr>
-        <p:spPr/>
-        <p:txBody>
-          <a:bodyPr/>
-          <a:lstStyle/>
-          <a:p>
-            <a:r>
-              <a:rPr lang="zh-CN" altLang="en-US" smtClean="0"/>
-              <a:t>作用：</a:t>
-            </a:r>
-            <a:r>
-              <a:rPr lang="zh-CN" altLang="en-US"/>
-              <a:t>只选择匹配元素中的直接</a:t>
-            </a:r>
-            <a:r>
-              <a:rPr lang="zh-CN" altLang="en-US" smtClean="0"/>
-              <a:t>后代</a:t>
-            </a:r>
-            <a:endParaRPr lang="en-US" altLang="zh-CN" smtClean="0"/>
-          </a:p>
-          <a:p>
-            <a:r>
-              <a:rPr lang="zh-CN" altLang="en-US" smtClean="0"/>
-              <a:t>结构：</a:t>
-            </a:r>
-            <a:r>
-              <a:rPr lang="en-US" altLang="zh-CN"/>
-              <a:t>&lt;</a:t>
-            </a:r>
-            <a:r>
-              <a:rPr lang="zh-CN" altLang="en-US"/>
-              <a:t>第一个选择器</a:t>
-            </a:r>
-            <a:r>
-              <a:rPr lang="en-US" altLang="zh-CN"/>
-              <a:t>&gt; &gt; &lt;</a:t>
-            </a:r>
-            <a:r>
-              <a:rPr lang="zh-CN" altLang="en-US"/>
-              <a:t>第二个选择器</a:t>
-            </a:r>
-            <a:r>
-              <a:rPr lang="en-US" altLang="zh-CN" smtClean="0"/>
-              <a:t>&gt;</a:t>
-            </a:r>
-          </a:p>
-          <a:p>
-            <a:r>
-              <a:rPr lang="zh-CN" altLang="en-US"/>
-              <a:t>示例：</a:t>
-            </a:r>
-            <a:r>
-              <a:rPr lang="en-US" altLang="zh-CN"/>
-              <a:t>tr &gt; th { ... }</a:t>
-            </a:r>
-            <a:endParaRPr lang="en-US" altLang="zh-CN" smtClean="0"/>
-          </a:p>
-          <a:p>
-            <a:endParaRPr lang="zh-CN" altLang="en-US"/>
-          </a:p>
-        </p:txBody>
-      </p:sp>
-    </p:spTree>
-    <p:extLst>
-      <p:ext uri="{BB962C8B-B14F-4D97-AF65-F5344CB8AC3E}">
-        <p14:creationId xmlns:p14="http://schemas.microsoft.com/office/powerpoint/2010/main" val="1628829551"/>
-      </p:ext>
-    </p:extLst>
-  </p:cSld>
-  <p:clrMapOvr>
-    <a:masterClrMapping/>
-  </p:clrMapOvr>
-  <p:timing>
-    <p:tnLst>
-      <p:par>
-        <p:cTn id="1" dur="indefinite" restart="never" nodeType="tmRoot"/>
-      </p:par>
-    </p:tnLst>
-  </p:timing>
-</p:sld>
-</file>
-
-<file path=ppt/slides/slide23.xml><?xml version="1.0" encoding="utf-8"?>
-<p:sld xmlns:a="http://schemas.openxmlformats.org/drawingml/2006/main" xmlns:r="http://schemas.openxmlformats.org/officeDocument/2006/relationships" xmlns:p="http://schemas.openxmlformats.org/presentationml/2006/main">
-  <p:cSld>
-    <p:spTree>
-      <p:nvGrpSpPr>
-        <p:cNvPr id="1" name=""/>
-        <p:cNvGrpSpPr/>
-        <p:nvPr/>
-      </p:nvGrpSpPr>
-      <p:grpSpPr>
-        <a:xfrm>
-          <a:off x="0" y="0"/>
-          <a:ext cx="0" cy="0"/>
-          <a:chOff x="0" y="0"/>
-          <a:chExt cx="0" cy="0"/>
-        </a:xfrm>
-      </p:grpSpPr>
-      <p:sp>
-        <p:nvSpPr>
-          <p:cNvPr id="2" name="标题 1"/>
-          <p:cNvSpPr>
-            <a:spLocks noGrp="1"/>
-          </p:cNvSpPr>
-          <p:nvPr>
-            <p:ph type="title"/>
-          </p:nvPr>
-        </p:nvSpPr>
-        <p:spPr/>
-        <p:txBody>
-          <a:bodyPr/>
-          <a:lstStyle/>
-          <a:p>
-            <a:r>
-              <a:rPr lang="zh-CN" altLang="en-US"/>
-              <a:t>相邻兄弟选择器</a:t>
-            </a:r>
-            <a:endParaRPr lang="zh-CN" altLang="en-US"/>
-          </a:p>
-        </p:txBody>
-      </p:sp>
-      <p:sp>
-        <p:nvSpPr>
-          <p:cNvPr id="3" name="内容占位符 2"/>
-          <p:cNvSpPr>
-            <a:spLocks noGrp="1"/>
-          </p:cNvSpPr>
-          <p:nvPr>
-            <p:ph idx="1"/>
-          </p:nvPr>
-        </p:nvSpPr>
-        <p:spPr/>
-        <p:txBody>
-          <a:bodyPr/>
-          <a:lstStyle/>
-          <a:p>
-            <a:r>
-              <a:rPr lang="zh-CN" altLang="en-US" smtClean="0"/>
-              <a:t>作用：</a:t>
-            </a:r>
-            <a:r>
-              <a:rPr lang="zh-CN" altLang="en-US"/>
-              <a:t>选择紧跟在某元素之后</a:t>
-            </a:r>
-            <a:r>
-              <a:rPr lang="zh-CN" altLang="en-US"/>
-              <a:t>的</a:t>
-            </a:r>
-            <a:r>
-              <a:rPr lang="zh-CN" altLang="en-US" smtClean="0"/>
-              <a:t>元素</a:t>
-            </a:r>
-            <a:endParaRPr lang="en-US" altLang="zh-CN" smtClean="0"/>
-          </a:p>
-          <a:p>
-            <a:r>
-              <a:rPr lang="zh-CN" altLang="en-US" smtClean="0"/>
-              <a:t>结构：</a:t>
-            </a:r>
-            <a:r>
-              <a:rPr lang="en-US" altLang="zh-CN"/>
-              <a:t>&lt;</a:t>
-            </a:r>
-            <a:r>
-              <a:rPr lang="zh-CN" altLang="en-US"/>
-              <a:t>第一个选择器</a:t>
-            </a:r>
-            <a:r>
-              <a:rPr lang="en-US" altLang="zh-CN"/>
-              <a:t>&gt; + &lt;</a:t>
-            </a:r>
-            <a:r>
-              <a:rPr lang="zh-CN" altLang="en-US"/>
-              <a:t>第二个选择</a:t>
-            </a:r>
-            <a:r>
-              <a:rPr lang="zh-CN" altLang="en-US"/>
-              <a:t>器</a:t>
-            </a:r>
-            <a:r>
-              <a:rPr lang="en-US" altLang="zh-CN" smtClean="0"/>
-              <a:t>&gt;</a:t>
-            </a:r>
-          </a:p>
-          <a:p>
-            <a:r>
-              <a:rPr lang="zh-CN" altLang="en-US"/>
-              <a:t>示例：</a:t>
-            </a:r>
-            <a:r>
-              <a:rPr lang="en-US" altLang="zh-CN"/>
-              <a:t>p + a { ... }</a:t>
-            </a:r>
-            <a:endParaRPr lang="zh-CN" altLang="en-US"/>
-          </a:p>
-        </p:txBody>
-      </p:sp>
-    </p:spTree>
-    <p:extLst>
-      <p:ext uri="{BB962C8B-B14F-4D97-AF65-F5344CB8AC3E}">
-        <p14:creationId xmlns:p14="http://schemas.microsoft.com/office/powerpoint/2010/main" val="2074868379"/>
-      </p:ext>
-    </p:extLst>
-  </p:cSld>
-  <p:clrMapOvr>
-    <a:masterClrMapping/>
-  </p:clrMapOvr>
-  <p:timing>
-    <p:tnLst>
-      <p:par>
-        <p:cTn id="1" dur="indefinite" restart="never" nodeType="tmRoot"/>
-      </p:par>
-    </p:tnLst>
-  </p:timing>
-</p:sld>
-</file>
-
-<file path=ppt/slides/slide24.xml><?xml version="1.0" encoding="utf-8"?>
-<p:sld xmlns:a="http://schemas.openxmlformats.org/drawingml/2006/main" xmlns:r="http://schemas.openxmlformats.org/officeDocument/2006/relationships" xmlns:p="http://schemas.openxmlformats.org/presentationml/2006/main">
-  <p:cSld>
-    <p:spTree>
-      <p:nvGrpSpPr>
-        <p:cNvPr id="1" name=""/>
-        <p:cNvGrpSpPr/>
-        <p:nvPr/>
-      </p:nvGrpSpPr>
-      <p:grpSpPr>
-        <a:xfrm>
-          <a:off x="0" y="0"/>
-          <a:ext cx="0" cy="0"/>
-          <a:chOff x="0" y="0"/>
-          <a:chExt cx="0" cy="0"/>
-        </a:xfrm>
-      </p:grpSpPr>
-      <p:sp>
-        <p:nvSpPr>
-          <p:cNvPr id="2" name="标题 1"/>
-          <p:cNvSpPr>
-            <a:spLocks noGrp="1"/>
-          </p:cNvSpPr>
-          <p:nvPr>
-            <p:ph type="title"/>
-          </p:nvPr>
-        </p:nvSpPr>
-        <p:spPr/>
-        <p:txBody>
-          <a:bodyPr/>
-          <a:lstStyle/>
-          <a:p>
-            <a:r>
-              <a:rPr lang="zh-CN" altLang="en-US"/>
-              <a:t>普通兄弟选择器</a:t>
-            </a:r>
-            <a:endParaRPr lang="zh-CN" altLang="en-US"/>
-          </a:p>
-        </p:txBody>
-      </p:sp>
-      <p:sp>
-        <p:nvSpPr>
-          <p:cNvPr id="3" name="内容占位符 2"/>
-          <p:cNvSpPr>
-            <a:spLocks noGrp="1"/>
-          </p:cNvSpPr>
-          <p:nvPr>
-            <p:ph idx="1"/>
-          </p:nvPr>
-        </p:nvSpPr>
-        <p:spPr/>
-        <p:txBody>
-          <a:bodyPr/>
-          <a:lstStyle/>
-          <a:p>
-            <a:r>
-              <a:rPr lang="zh-CN" altLang="en-US" smtClean="0"/>
-              <a:t>作用：</a:t>
-            </a:r>
-            <a:r>
-              <a:rPr lang="zh-CN" altLang="en-US"/>
-              <a:t>选择指定元素之后的</a:t>
-            </a:r>
-            <a:r>
-              <a:rPr lang="zh-CN" altLang="en-US"/>
-              <a:t>兄弟</a:t>
-            </a:r>
-            <a:r>
-              <a:rPr lang="zh-CN" altLang="en-US" smtClean="0"/>
-              <a:t>元素</a:t>
-            </a:r>
-            <a:endParaRPr lang="en-US" altLang="zh-CN" smtClean="0"/>
-          </a:p>
-          <a:p>
-            <a:r>
-              <a:rPr lang="zh-CN" altLang="en-US" smtClean="0"/>
-              <a:t>结构：</a:t>
-            </a:r>
-            <a:r>
-              <a:rPr lang="en-US" altLang="zh-CN" smtClean="0"/>
-              <a:t>&lt;</a:t>
-            </a:r>
-            <a:r>
-              <a:rPr lang="zh-CN" altLang="en-US"/>
-              <a:t>第一个选择器</a:t>
-            </a:r>
-            <a:r>
-              <a:rPr lang="en-US" altLang="zh-CN"/>
-              <a:t>&gt;~&lt;</a:t>
-            </a:r>
-            <a:r>
-              <a:rPr lang="zh-CN" altLang="en-US"/>
-              <a:t>第二个选择</a:t>
-            </a:r>
-            <a:r>
-              <a:rPr lang="zh-CN" altLang="en-US"/>
-              <a:t>器</a:t>
-            </a:r>
-            <a:r>
-              <a:rPr lang="en-US" altLang="zh-CN" smtClean="0"/>
-              <a:t>&gt;</a:t>
-            </a:r>
-          </a:p>
-          <a:p>
-            <a:r>
-              <a:rPr lang="zh-CN" altLang="en-US"/>
-              <a:t>示例：</a:t>
-            </a:r>
-            <a:r>
-              <a:rPr lang="en-US" altLang="zh-CN"/>
-              <a:t>p ~ a { ... }</a:t>
-            </a:r>
-            <a:endParaRPr lang="zh-CN" altLang="en-US"/>
-          </a:p>
-        </p:txBody>
-      </p:sp>
-    </p:spTree>
-    <p:extLst>
-      <p:ext uri="{BB962C8B-B14F-4D97-AF65-F5344CB8AC3E}">
-        <p14:creationId xmlns:p14="http://schemas.microsoft.com/office/powerpoint/2010/main" val="1188436182"/>
-      </p:ext>
-    </p:extLst>
-  </p:cSld>
-  <p:clrMapOvr>
-    <a:masterClrMapping/>
-  </p:clrMapOvr>
-  <p:timing>
-    <p:tnLst>
-      <p:par>
-        <p:cTn id="1" dur="indefinite" restart="never" nodeType="tmRoot"/>
-      </p:par>
-    </p:tnLst>
-  </p:timing>
-</p:sld>
-</file>
-
-<file path=ppt/slides/slide3.xml><?xml version="1.0" encoding="utf-8"?>
-<p:sld xmlns:a="http://schemas.openxmlformats.org/drawingml/2006/main" xmlns:r="http://schemas.openxmlformats.org/officeDocument/2006/relationships" xmlns:p="http://schemas.openxmlformats.org/presentationml/2006/main">
-  <p:cSld>
-    <p:spTree>
-      <p:nvGrpSpPr>
-        <p:cNvPr id="1" name=""/>
-        <p:cNvGrpSpPr/>
-        <p:nvPr/>
-      </p:nvGrpSpPr>
-      <p:grpSpPr>
-        <a:xfrm>
-          <a:off x="0" y="0"/>
-          <a:ext cx="0" cy="0"/>
-          <a:chOff x="0" y="0"/>
-          <a:chExt cx="0" cy="0"/>
-        </a:xfrm>
-      </p:grpSpPr>
-      <p:sp>
-        <p:nvSpPr>
-          <p:cNvPr id="2" name="标题 1"/>
-          <p:cNvSpPr>
-            <a:spLocks noGrp="1"/>
-          </p:cNvSpPr>
-          <p:nvPr>
-            <p:ph type="title"/>
-          </p:nvPr>
-        </p:nvSpPr>
-        <p:spPr/>
-        <p:txBody>
-          <a:bodyPr/>
-          <a:lstStyle/>
-          <a:p>
-            <a:r>
-              <a:rPr lang="en-US" altLang="zh-CN" smtClean="0"/>
-              <a:t>W3C</a:t>
-            </a:r>
-            <a:r>
-              <a:rPr lang="zh-CN" altLang="en-US" smtClean="0"/>
-              <a:t>盒子标准</a:t>
-            </a:r>
-            <a:endParaRPr lang="zh-CN" altLang="en-US"/>
-          </a:p>
-        </p:txBody>
-      </p:sp>
-      <p:pic>
-        <p:nvPicPr>
-          <p:cNvPr id="4" name="内容占位符 3"/>
-          <p:cNvPicPr>
-            <a:picLocks noGrp="1" noChangeAspect="1"/>
-          </p:cNvPicPr>
-          <p:nvPr>
-            <p:ph idx="1"/>
-          </p:nvPr>
-        </p:nvPicPr>
-        <p:blipFill>
-          <a:blip r:embed="rId2">
-            <a:extLst>
-              <a:ext uri="{28A0092B-C50C-407E-A947-70E740481C1C}">
-                <a14:useLocalDpi xmlns:a14="http://schemas.microsoft.com/office/drawing/2010/main" val="0"/>
-              </a:ext>
-            </a:extLst>
-          </a:blip>
-          <a:stretch>
-            <a:fillRect/>
-          </a:stretch>
-        </p:blipFill>
-        <p:spPr>
-          <a:xfrm>
-            <a:off x="1019175" y="1696244"/>
-            <a:ext cx="7105650" cy="4333875"/>
-          </a:xfrm>
-        </p:spPr>
-      </p:pic>
-    </p:spTree>
-    <p:extLst>
-      <p:ext uri="{BB962C8B-B14F-4D97-AF65-F5344CB8AC3E}">
-        <p14:creationId xmlns:p14="http://schemas.microsoft.com/office/powerpoint/2010/main" val="602293995"/>
-      </p:ext>
-    </p:extLst>
-  </p:cSld>
-  <p:clrMapOvr>
-    <a:masterClrMapping/>
-  </p:clrMapOvr>
-</p:sld>
-</file>
-
-<file path=ppt/slides/slide4.xml><?xml version="1.0" encoding="utf-8"?>
-<p:sld xmlns:a="http://schemas.openxmlformats.org/drawingml/2006/main" xmlns:r="http://schemas.openxmlformats.org/officeDocument/2006/relationships" xmlns:p="http://schemas.openxmlformats.org/presentationml/2006/main">
-  <p:cSld>
-    <p:spTree>
-      <p:nvGrpSpPr>
-        <p:cNvPr id="1" name=""/>
-        <p:cNvGrpSpPr/>
-        <p:nvPr/>
-      </p:nvGrpSpPr>
-      <p:grpSpPr>
-        <a:xfrm>
-          <a:off x="0" y="0"/>
-          <a:ext cx="0" cy="0"/>
-          <a:chOff x="0" y="0"/>
-          <a:chExt cx="0" cy="0"/>
-        </a:xfrm>
-      </p:grpSpPr>
-      <p:sp>
-        <p:nvSpPr>
-          <p:cNvPr id="2" name="标题 1"/>
-          <p:cNvSpPr>
-            <a:spLocks noGrp="1"/>
-          </p:cNvSpPr>
-          <p:nvPr>
-            <p:ph type="title"/>
-          </p:nvPr>
-        </p:nvSpPr>
-        <p:spPr/>
-        <p:txBody>
-          <a:bodyPr/>
-          <a:lstStyle/>
-          <a:p>
-            <a:r>
-              <a:rPr lang="en-US" altLang="zh-CN" smtClean="0"/>
-              <a:t>IE</a:t>
-            </a:r>
-            <a:r>
-              <a:rPr lang="zh-CN" altLang="en-US" smtClean="0"/>
-              <a:t>盒子标准</a:t>
-            </a:r>
-            <a:endParaRPr lang="zh-CN" altLang="en-US"/>
-          </a:p>
-        </p:txBody>
-      </p:sp>
-      <p:pic>
-        <p:nvPicPr>
-          <p:cNvPr id="4" name="内容占位符 3"/>
-          <p:cNvPicPr>
-            <a:picLocks noGrp="1" noChangeAspect="1"/>
-          </p:cNvPicPr>
-          <p:nvPr>
-            <p:ph idx="1"/>
-          </p:nvPr>
-        </p:nvPicPr>
-        <p:blipFill>
-          <a:blip r:embed="rId2">
-            <a:extLst>
-              <a:ext uri="{28A0092B-C50C-407E-A947-70E740481C1C}">
-                <a14:useLocalDpi xmlns:a14="http://schemas.microsoft.com/office/drawing/2010/main" val="0"/>
-              </a:ext>
-            </a:extLst>
-          </a:blip>
-          <a:stretch>
-            <a:fillRect/>
-          </a:stretch>
-        </p:blipFill>
-        <p:spPr>
-          <a:xfrm>
-            <a:off x="804862" y="1662906"/>
-            <a:ext cx="7534275" cy="4400550"/>
-          </a:xfrm>
-        </p:spPr>
-      </p:pic>
-    </p:spTree>
-    <p:extLst>
-      <p:ext uri="{BB962C8B-B14F-4D97-AF65-F5344CB8AC3E}">
-        <p14:creationId xmlns:p14="http://schemas.microsoft.com/office/powerpoint/2010/main" val="3856797536"/>
-      </p:ext>
-    </p:extLst>
-  </p:cSld>
-  <p:clrMapOvr>
-    <a:masterClrMapping/>
-  </p:clrMapOvr>
-  <p:timing>
-    <p:tnLst>
-      <p:par>
-        <p:cTn id="1" dur="indefinite" restart="never" nodeType="tmRoot"/>
-      </p:par>
-    </p:tnLst>
-  </p:timing>
-</p:sld>
-</file>
-
-<file path=ppt/slides/slide5.xml><?xml version="1.0" encoding="utf-8"?>
-<p:sld xmlns:a="http://schemas.openxmlformats.org/drawingml/2006/main" xmlns:r="http://schemas.openxmlformats.org/officeDocument/2006/relationships" xmlns:p="http://schemas.openxmlformats.org/presentationml/2006/main">
-  <p:cSld>
-    <p:spTree>
-      <p:nvGrpSpPr>
-        <p:cNvPr id="1" name=""/>
-        <p:cNvGrpSpPr/>
-        <p:nvPr/>
-      </p:nvGrpSpPr>
-      <p:grpSpPr>
-        <a:xfrm>
-          <a:off x="0" y="0"/>
-          <a:ext cx="0" cy="0"/>
-          <a:chOff x="0" y="0"/>
-          <a:chExt cx="0" cy="0"/>
-        </a:xfrm>
-      </p:grpSpPr>
-      <p:sp>
-        <p:nvSpPr>
-          <p:cNvPr id="2" name="标题 1"/>
-          <p:cNvSpPr>
-            <a:spLocks noGrp="1"/>
-          </p:cNvSpPr>
-          <p:nvPr>
-            <p:ph type="title"/>
-          </p:nvPr>
-        </p:nvSpPr>
-        <p:spPr/>
-        <p:txBody>
-          <a:bodyPr/>
-          <a:lstStyle/>
-          <a:p>
-            <a:r>
-              <a:rPr lang="en-US" altLang="zh-CN" smtClean="0"/>
-              <a:t>HTML</a:t>
-            </a:r>
-            <a:r>
-              <a:rPr lang="zh-CN" altLang="en-US" smtClean="0"/>
-              <a:t>元素间的层级关系</a:t>
-            </a:r>
-            <a:endParaRPr lang="zh-CN" altLang="en-US"/>
-          </a:p>
-        </p:txBody>
-      </p:sp>
-      <p:sp>
-        <p:nvSpPr>
-          <p:cNvPr id="3" name="内容占位符 2"/>
-          <p:cNvSpPr>
-            <a:spLocks noGrp="1"/>
-          </p:cNvSpPr>
-          <p:nvPr>
-            <p:ph idx="1"/>
-          </p:nvPr>
-        </p:nvSpPr>
-        <p:spPr/>
-        <p:txBody>
-          <a:bodyPr>
-            <a:normAutofit fontScale="92500" lnSpcReduction="20000"/>
-          </a:bodyPr>
-          <a:lstStyle/>
-          <a:p>
             <a:pPr marL="0" indent="0">
               <a:buNone/>
             </a:pPr>
             <a:r>
-              <a:rPr lang="en-US" altLang="zh-CN" smtClean="0"/>
+              <a:rPr lang="en-US" altLang="zh-CN"/>
               <a:t>&lt;body&gt;</a:t>
             </a:r>
           </a:p>
@@ -6110,24 +3115,16 @@
               <a:buNone/>
             </a:pPr>
             <a:r>
-              <a:rPr lang="en-US" altLang="zh-CN" smtClean="0"/>
-              <a:t>	&lt;</a:t>
-            </a:r>
-            <a:r>
-              <a:rPr lang="en-US" altLang="zh-CN" smtClean="0"/>
-              <a:t>h1&gt;</a:t>
-            </a:r>
-            <a:r>
-              <a:rPr lang="zh-CN" altLang="en-US" smtClean="0"/>
+              <a:rPr lang="en-US" altLang="zh-CN"/>
+              <a:t>	&lt;h1&gt;</a:t>
+            </a:r>
+            <a:r>
+              <a:rPr lang="zh-CN" altLang="en-US"/>
               <a:t>标题</a:t>
             </a:r>
             <a:r>
-              <a:rPr lang="en-US" altLang="zh-CN" smtClean="0"/>
-              <a:t>&lt;/</a:t>
-            </a:r>
-            <a:r>
-              <a:rPr lang="en-US" altLang="zh-CN" smtClean="0"/>
-              <a:t>h1&gt;</a:t>
+              <a:rPr lang="en-US" altLang="zh-CN"/>
+              <a:t>&lt;/h1&gt;</a:t>
             </a:r>
           </a:p>
           <a:p>
@@ -6135,15 +3132,15 @@
               <a:buNone/>
             </a:pPr>
             <a:r>
-              <a:rPr lang="en-US" altLang="zh-CN" smtClean="0"/>
+              <a:rPr lang="en-US" altLang="zh-CN"/>
               <a:t>	&lt;p&gt;</a:t>
             </a:r>
             <a:r>
-              <a:rPr lang="zh-CN" altLang="en-US" smtClean="0"/>
+              <a:rPr lang="zh-CN" altLang="en-US"/>
               <a:t>第一段</a:t>
             </a:r>
             <a:r>
-              <a:rPr lang="en-US" altLang="zh-CN" smtClean="0"/>
+              <a:rPr lang="en-US" altLang="zh-CN"/>
               <a:t>&lt;/p&gt;</a:t>
             </a:r>
           </a:p>
@@ -6152,7 +3149,7 @@
               <a:buNone/>
             </a:pPr>
             <a:r>
-              <a:rPr lang="en-US" altLang="zh-CN" smtClean="0"/>
+              <a:rPr lang="en-US" altLang="zh-CN"/>
               <a:t>	&lt;ul&gt;</a:t>
             </a:r>
           </a:p>
@@ -6161,15 +3158,15 @@
               <a:buNone/>
             </a:pPr>
             <a:r>
-              <a:rPr lang="en-US" altLang="zh-CN" smtClean="0"/>
+              <a:rPr lang="en-US" altLang="zh-CN"/>
               <a:t>		&lt;li&gt;</a:t>
             </a:r>
             <a:r>
-              <a:rPr lang="zh-CN" altLang="en-US" smtClean="0"/>
+              <a:rPr lang="zh-CN" altLang="en-US"/>
               <a:t>第一项</a:t>
             </a:r>
             <a:r>
-              <a:rPr lang="en-US" altLang="zh-CN" smtClean="0"/>
+              <a:rPr lang="en-US" altLang="zh-CN"/>
               <a:t>&lt;/li&gt;</a:t>
             </a:r>
           </a:p>
@@ -6178,35 +3175,27 @@
               <a:buNone/>
             </a:pPr>
             <a:r>
-              <a:rPr lang="en-US" altLang="zh-CN" smtClean="0"/>
-              <a:t>		&lt;</a:t>
-            </a:r>
-            <a:r>
-              <a:rPr lang="en-US" altLang="zh-CN"/>
-              <a:t>li</a:t>
-            </a:r>
-            <a:r>
-              <a:rPr lang="en-US" altLang="zh-CN" smtClean="0"/>
-              <a:t>&gt;</a:t>
-            </a:r>
-            <a:r>
-              <a:rPr lang="zh-CN" altLang="en-US" smtClean="0"/>
+              <a:rPr lang="en-US" altLang="zh-CN"/>
+              <a:t>		&lt;li&gt;</a:t>
+            </a:r>
+            <a:r>
+              <a:rPr lang="zh-CN" altLang="en-US"/>
               <a:t>第</a:t>
             </a:r>
             <a:r>
-              <a:rPr lang="en-US" altLang="zh-CN" smtClean="0"/>
+              <a:rPr lang="en-US" altLang="zh-CN"/>
               <a:t>&lt;span&gt;</a:t>
             </a:r>
             <a:r>
-              <a:rPr lang="zh-CN" altLang="en-US" smtClean="0"/>
+              <a:rPr lang="zh-CN" altLang="en-US"/>
               <a:t>二</a:t>
             </a:r>
             <a:r>
-              <a:rPr lang="en-US" altLang="zh-CN" smtClean="0"/>
+              <a:rPr lang="en-US" altLang="zh-CN"/>
               <a:t>&lt;/span&gt;</a:t>
             </a:r>
             <a:r>
-              <a:rPr lang="zh-CN" altLang="en-US" smtClean="0"/>
+              <a:rPr lang="zh-CN" altLang="en-US"/>
               <a:t>项</a:t>
             </a:r>
             <a:r>
@@ -6219,24 +3208,16 @@
               <a:buNone/>
             </a:pPr>
             <a:r>
-              <a:rPr lang="en-US" altLang="zh-CN" smtClean="0"/>
-              <a:t>		&lt;</a:t>
-            </a:r>
-            <a:r>
-              <a:rPr lang="en-US" altLang="zh-CN"/>
-              <a:t>li&gt;</a:t>
-            </a:r>
-            <a:r>
-              <a:rPr lang="zh-CN" altLang="en-US" smtClean="0"/>
+              <a:rPr lang="en-US" altLang="zh-CN"/>
+              <a:t>		&lt;li&gt;</a:t>
+            </a:r>
+            <a:r>
+              <a:rPr lang="zh-CN" altLang="en-US"/>
               <a:t>第三项</a:t>
             </a:r>
             <a:r>
               <a:rPr lang="en-US" altLang="zh-CN"/>
-              <a:t>&lt;/li</a:t>
-            </a:r>
-            <a:r>
-              <a:rPr lang="en-US" altLang="zh-CN" smtClean="0"/>
-              <a:t>&gt;</a:t>
+              <a:t>&lt;/li&gt;</a:t>
             </a:r>
           </a:p>
           <a:p>
@@ -6244,7 +3225,7 @@
               <a:buNone/>
             </a:pPr>
             <a:r>
-              <a:rPr lang="en-US" altLang="zh-CN" smtClean="0"/>
+              <a:rPr lang="en-US" altLang="zh-CN"/>
               <a:t>	&lt;/ul&gt;</a:t>
             </a:r>
           </a:p>
@@ -6253,7 +3234,7 @@
               <a:buNone/>
             </a:pPr>
             <a:r>
-              <a:rPr lang="en-US" altLang="zh-CN" smtClean="0"/>
+              <a:rPr lang="en-US" altLang="zh-CN"/>
               <a:t>&lt;/body&gt;</a:t>
             </a:r>
             <a:endParaRPr lang="zh-CN" altLang="en-US"/>
@@ -6356,10 +3337,10 @@
               <a:buChar char="•"/>
             </a:pPr>
             <a:r>
-              <a:rPr lang="zh-CN" altLang="en-US" smtClean="0"/>
+              <a:rPr lang="zh-CN" altLang="en-US"/>
               <a:t>父子关系</a:t>
             </a:r>
-            <a:endParaRPr lang="en-US" altLang="zh-CN" smtClean="0"/>
+            <a:endParaRPr lang="en-US" altLang="zh-CN"/>
           </a:p>
           <a:p>
             <a:pPr marL="285750" indent="-285750">
@@ -6367,22 +3348,22 @@
               <a:buChar char="•"/>
             </a:pPr>
             <a:r>
-              <a:rPr lang="en-US" altLang="zh-CN" smtClean="0"/>
+              <a:rPr lang="en-US" altLang="zh-CN"/>
               <a:t>ul</a:t>
             </a:r>
             <a:r>
-              <a:rPr lang="zh-CN" altLang="en-US" smtClean="0"/>
+              <a:rPr lang="zh-CN" altLang="en-US"/>
               <a:t>是</a:t>
             </a:r>
             <a:r>
-              <a:rPr lang="en-US" altLang="zh-CN" smtClean="0"/>
+              <a:rPr lang="en-US" altLang="zh-CN"/>
               <a:t>li</a:t>
             </a:r>
             <a:r>
-              <a:rPr lang="zh-CN" altLang="en-US" smtClean="0"/>
+              <a:rPr lang="zh-CN" altLang="en-US"/>
               <a:t>的父元素</a:t>
             </a:r>
-            <a:endParaRPr lang="en-US" altLang="zh-CN" smtClean="0"/>
+            <a:endParaRPr lang="en-US" altLang="zh-CN"/>
           </a:p>
           <a:p>
             <a:pPr marL="285750" indent="-285750">
@@ -6390,22 +3371,21 @@
               <a:buChar char="•"/>
             </a:pPr>
             <a:r>
-              <a:rPr lang="en-US" altLang="zh-CN" smtClean="0"/>
+              <a:rPr lang="en-US" altLang="zh-CN"/>
               <a:t>li</a:t>
             </a:r>
             <a:r>
-              <a:rPr lang="zh-CN" altLang="en-US" smtClean="0"/>
+              <a:rPr lang="zh-CN" altLang="en-US"/>
               <a:t>是</a:t>
             </a:r>
             <a:r>
-              <a:rPr lang="en-US" altLang="zh-CN" smtClean="0"/>
+              <a:rPr lang="en-US" altLang="zh-CN"/>
               <a:t>ul</a:t>
             </a:r>
             <a:r>
-              <a:rPr lang="zh-CN" altLang="en-US" smtClean="0"/>
+              <a:rPr lang="zh-CN" altLang="en-US"/>
               <a:t>的子元素</a:t>
             </a:r>
-            <a:endParaRPr lang="zh-CN" altLang="en-US"/>
           </a:p>
         </p:txBody>
       </p:sp>
@@ -6472,10 +3452,10 @@
               <a:buChar char="•"/>
             </a:pPr>
             <a:r>
-              <a:rPr lang="zh-CN" altLang="en-US" smtClean="0"/>
+              <a:rPr lang="zh-CN" altLang="en-US"/>
               <a:t>兄弟关系</a:t>
             </a:r>
-            <a:endParaRPr lang="en-US" altLang="zh-CN" smtClean="0"/>
+            <a:endParaRPr lang="en-US" altLang="zh-CN"/>
           </a:p>
           <a:p>
             <a:pPr marL="285750" indent="-285750">
@@ -6483,7 +3463,7 @@
               <a:buChar char="•"/>
             </a:pPr>
             <a:r>
-              <a:rPr lang="en-US" altLang="zh-CN" smtClean="0"/>
+              <a:rPr lang="en-US" altLang="zh-CN"/>
               <a:t>h1</a:t>
             </a:r>
             <a:r>
@@ -6491,18 +3471,14 @@
               <a:t>是</a:t>
             </a:r>
             <a:r>
-              <a:rPr lang="en-US" altLang="zh-CN" smtClean="0"/>
+              <a:rPr lang="en-US" altLang="zh-CN"/>
               <a:t>p</a:t>
             </a:r>
             <a:r>
               <a:rPr lang="zh-CN" altLang="en-US"/>
-              <a:t>的</a:t>
-            </a:r>
-            <a:r>
-              <a:rPr lang="zh-CN" altLang="en-US" smtClean="0"/>
-              <a:t>兄弟元素</a:t>
-            </a:r>
-            <a:endParaRPr lang="en-US" altLang="zh-CN" smtClean="0"/>
+              <a:t>的兄弟元素</a:t>
+            </a:r>
+            <a:endParaRPr lang="en-US" altLang="zh-CN"/>
           </a:p>
         </p:txBody>
       </p:sp>
@@ -6635,22 +3611,22 @@
               <a:buChar char="•"/>
             </a:pPr>
             <a:r>
-              <a:rPr lang="en-US" altLang="zh-CN" smtClean="0"/>
+              <a:rPr lang="en-US" altLang="zh-CN"/>
               <a:t>span</a:t>
             </a:r>
             <a:r>
-              <a:rPr lang="zh-CN" altLang="en-US" smtClean="0"/>
+              <a:rPr lang="zh-CN" altLang="en-US"/>
               <a:t>是第二个</a:t>
             </a:r>
             <a:r>
-              <a:rPr lang="en-US" altLang="zh-CN" smtClean="0"/>
+              <a:rPr lang="en-US" altLang="zh-CN"/>
               <a:t>li</a:t>
             </a:r>
             <a:r>
-              <a:rPr lang="zh-CN" altLang="en-US" smtClean="0"/>
+              <a:rPr lang="zh-CN" altLang="en-US"/>
               <a:t>的子元素</a:t>
             </a:r>
-            <a:endParaRPr lang="en-US" altLang="zh-CN" smtClean="0"/>
+            <a:endParaRPr lang="en-US" altLang="zh-CN"/>
           </a:p>
           <a:p>
             <a:pPr marL="285750" indent="-285750">
@@ -6658,22 +3634,22 @@
               <a:buChar char="•"/>
             </a:pPr>
             <a:r>
-              <a:rPr lang="en-US" altLang="zh-CN" smtClean="0"/>
+              <a:rPr lang="en-US" altLang="zh-CN"/>
               <a:t>span</a:t>
             </a:r>
             <a:r>
-              <a:rPr lang="zh-CN" altLang="en-US" smtClean="0"/>
+              <a:rPr lang="zh-CN" altLang="en-US"/>
               <a:t>是</a:t>
             </a:r>
             <a:r>
-              <a:rPr lang="en-US" altLang="zh-CN" smtClean="0"/>
+              <a:rPr lang="en-US" altLang="zh-CN"/>
               <a:t>ul</a:t>
             </a:r>
             <a:r>
-              <a:rPr lang="zh-CN" altLang="en-US" smtClean="0"/>
+              <a:rPr lang="zh-CN" altLang="en-US"/>
               <a:t>的后代元素</a:t>
             </a:r>
-            <a:endParaRPr lang="en-US" altLang="zh-CN" smtClean="0"/>
+            <a:endParaRPr lang="en-US" altLang="zh-CN"/>
           </a:p>
           <a:p>
             <a:pPr marL="285750" indent="-285750">
@@ -6681,22 +3657,21 @@
               <a:buChar char="•"/>
             </a:pPr>
             <a:r>
-              <a:rPr lang="en-US" altLang="zh-CN" smtClean="0"/>
+              <a:rPr lang="en-US" altLang="zh-CN"/>
               <a:t>ul</a:t>
             </a:r>
             <a:r>
-              <a:rPr lang="zh-CN" altLang="en-US" smtClean="0"/>
+              <a:rPr lang="zh-CN" altLang="en-US"/>
               <a:t>是</a:t>
             </a:r>
             <a:r>
-              <a:rPr lang="en-US" altLang="zh-CN" smtClean="0"/>
+              <a:rPr lang="en-US" altLang="zh-CN"/>
               <a:t>span</a:t>
             </a:r>
             <a:r>
-              <a:rPr lang="zh-CN" altLang="en-US" smtClean="0"/>
+              <a:rPr lang="zh-CN" altLang="en-US"/>
               <a:t>的祖先元素</a:t>
             </a:r>
-            <a:endParaRPr lang="zh-CN" altLang="en-US"/>
           </a:p>
         </p:txBody>
       </p:sp>
@@ -7228,7 +4203,7 @@
 </p:sld>
 </file>
 
-<file path=ppt/slides/slide6.xml><?xml version="1.0" encoding="utf-8"?>
+<file path=ppt/slides/slide10.xml><?xml version="1.0" encoding="utf-8"?>
 <p:sld xmlns:a="http://schemas.openxmlformats.org/drawingml/2006/main" xmlns:r="http://schemas.openxmlformats.org/officeDocument/2006/relationships" xmlns:p="http://schemas.openxmlformats.org/presentationml/2006/main">
   <p:cSld>
     <p:spTree>
@@ -7261,10 +4236,1645 @@
           <a:lstStyle/>
           <a:p>
             <a:r>
-              <a:rPr lang="zh-CN" altLang="en-US" smtClean="0"/>
+              <a:rPr lang="zh-CN" altLang="en-US"/>
+              <a:t>通用选择器</a:t>
+            </a:r>
+          </a:p>
+        </p:txBody>
+      </p:sp>
+      <p:sp>
+        <p:nvSpPr>
+          <p:cNvPr id="3" name="内容占位符 2"/>
+          <p:cNvSpPr>
+            <a:spLocks noGrp="1"/>
+          </p:cNvSpPr>
+          <p:nvPr>
+            <p:ph idx="1"/>
+          </p:nvPr>
+        </p:nvSpPr>
+        <p:spPr/>
+        <p:txBody>
+          <a:bodyPr/>
+          <a:lstStyle/>
+          <a:p>
+            <a:r>
+              <a:rPr lang="zh-CN" altLang="en-US"/>
+              <a:t>作用：选择所有元素</a:t>
+            </a:r>
+            <a:endParaRPr lang="en-US" altLang="zh-CN"/>
+          </a:p>
+          <a:p>
+            <a:r>
+              <a:rPr lang="zh-CN" altLang="en-US"/>
+              <a:t>结构：</a:t>
+            </a:r>
+            <a:r>
+              <a:rPr lang="en-US" altLang="zh-CN"/>
+              <a:t>* { … }</a:t>
+            </a:r>
+          </a:p>
+        </p:txBody>
+      </p:sp>
+    </p:spTree>
+    <p:extLst>
+      <p:ext uri="{BB962C8B-B14F-4D97-AF65-F5344CB8AC3E}">
+        <p14:creationId xmlns:p14="http://schemas.microsoft.com/office/powerpoint/2010/main" val="4109824833"/>
+      </p:ext>
+    </p:extLst>
+  </p:cSld>
+  <p:clrMapOvr>
+    <a:masterClrMapping/>
+  </p:clrMapOvr>
+</p:sld>
+</file>
+
+<file path=ppt/slides/slide11.xml><?xml version="1.0" encoding="utf-8"?>
+<p:sld xmlns:a="http://schemas.openxmlformats.org/drawingml/2006/main" xmlns:r="http://schemas.openxmlformats.org/officeDocument/2006/relationships" xmlns:p="http://schemas.openxmlformats.org/presentationml/2006/main">
+  <p:cSld>
+    <p:spTree>
+      <p:nvGrpSpPr>
+        <p:cNvPr id="1" name=""/>
+        <p:cNvGrpSpPr/>
+        <p:nvPr/>
+      </p:nvGrpSpPr>
+      <p:grpSpPr>
+        <a:xfrm>
+          <a:off x="0" y="0"/>
+          <a:ext cx="0" cy="0"/>
+          <a:chOff x="0" y="0"/>
+          <a:chExt cx="0" cy="0"/>
+        </a:xfrm>
+      </p:grpSpPr>
+      <p:sp>
+        <p:nvSpPr>
+          <p:cNvPr id="2" name="标题 1"/>
+          <p:cNvSpPr>
+            <a:spLocks noGrp="1"/>
+          </p:cNvSpPr>
+          <p:nvPr>
+            <p:ph type="title"/>
+          </p:nvPr>
+        </p:nvSpPr>
+        <p:spPr/>
+        <p:txBody>
+          <a:bodyPr/>
+          <a:lstStyle/>
+          <a:p>
+            <a:r>
+              <a:rPr lang="zh-CN" altLang="en-US"/>
+              <a:t>元素类型选择器</a:t>
+            </a:r>
+          </a:p>
+        </p:txBody>
+      </p:sp>
+      <p:sp>
+        <p:nvSpPr>
+          <p:cNvPr id="3" name="内容占位符 2"/>
+          <p:cNvSpPr>
+            <a:spLocks noGrp="1"/>
+          </p:cNvSpPr>
+          <p:nvPr>
+            <p:ph idx="1"/>
+          </p:nvPr>
+        </p:nvSpPr>
+        <p:spPr/>
+        <p:txBody>
+          <a:bodyPr/>
+          <a:lstStyle/>
+          <a:p>
+            <a:r>
+              <a:rPr lang="zh-CN" altLang="en-US"/>
+              <a:t>作用：通过元素类型选择元素</a:t>
+            </a:r>
+            <a:endParaRPr lang="en-US" altLang="zh-CN"/>
+          </a:p>
+          <a:p>
+            <a:r>
+              <a:rPr lang="zh-CN" altLang="en-US"/>
+              <a:t>结构：</a:t>
+            </a:r>
+            <a:r>
+              <a:rPr lang="en-US" altLang="zh-CN"/>
+              <a:t>&lt;</a:t>
+            </a:r>
+            <a:r>
+              <a:rPr lang="zh-CN" altLang="en-US"/>
+              <a:t>元素标签</a:t>
+            </a:r>
+            <a:r>
+              <a:rPr lang="en-US" altLang="zh-CN"/>
+              <a:t>&gt; { … }</a:t>
+            </a:r>
+          </a:p>
+          <a:p>
+            <a:r>
+              <a:rPr lang="zh-CN" altLang="en-US"/>
+              <a:t>示例：</a:t>
+            </a:r>
+            <a:r>
+              <a:rPr lang="en-US" altLang="zh-CN"/>
+              <a:t>p { … }</a:t>
+            </a:r>
+          </a:p>
+          <a:p>
+            <a:endParaRPr lang="zh-CN" altLang="en-US"/>
+          </a:p>
+        </p:txBody>
+      </p:sp>
+    </p:spTree>
+    <p:extLst>
+      <p:ext uri="{BB962C8B-B14F-4D97-AF65-F5344CB8AC3E}">
+        <p14:creationId xmlns:p14="http://schemas.microsoft.com/office/powerpoint/2010/main" val="1000922747"/>
+      </p:ext>
+    </p:extLst>
+  </p:cSld>
+  <p:clrMapOvr>
+    <a:masterClrMapping/>
+  </p:clrMapOvr>
+</p:sld>
+</file>
+
+<file path=ppt/slides/slide12.xml><?xml version="1.0" encoding="utf-8"?>
+<p:sld xmlns:a="http://schemas.openxmlformats.org/drawingml/2006/main" xmlns:r="http://schemas.openxmlformats.org/officeDocument/2006/relationships" xmlns:p="http://schemas.openxmlformats.org/presentationml/2006/main">
+  <p:cSld>
+    <p:spTree>
+      <p:nvGrpSpPr>
+        <p:cNvPr id="1" name=""/>
+        <p:cNvGrpSpPr/>
+        <p:nvPr/>
+      </p:nvGrpSpPr>
+      <p:grpSpPr>
+        <a:xfrm>
+          <a:off x="0" y="0"/>
+          <a:ext cx="0" cy="0"/>
+          <a:chOff x="0" y="0"/>
+          <a:chExt cx="0" cy="0"/>
+        </a:xfrm>
+      </p:grpSpPr>
+      <p:sp>
+        <p:nvSpPr>
+          <p:cNvPr id="2" name="标题 1"/>
+          <p:cNvSpPr>
+            <a:spLocks noGrp="1"/>
+          </p:cNvSpPr>
+          <p:nvPr>
+            <p:ph type="title"/>
+          </p:nvPr>
+        </p:nvSpPr>
+        <p:spPr/>
+        <p:txBody>
+          <a:bodyPr/>
+          <a:lstStyle/>
+          <a:p>
+            <a:r>
+              <a:rPr lang="zh-CN" altLang="en-US"/>
+              <a:t>类选择器</a:t>
+            </a:r>
+          </a:p>
+        </p:txBody>
+      </p:sp>
+      <p:sp>
+        <p:nvSpPr>
+          <p:cNvPr id="3" name="内容占位符 2"/>
+          <p:cNvSpPr>
+            <a:spLocks noGrp="1"/>
+          </p:cNvSpPr>
+          <p:nvPr>
+            <p:ph idx="1"/>
+          </p:nvPr>
+        </p:nvSpPr>
+        <p:spPr/>
+        <p:txBody>
+          <a:bodyPr>
+            <a:normAutofit fontScale="92500" lnSpcReduction="20000"/>
+          </a:bodyPr>
+          <a:lstStyle/>
+          <a:p>
+            <a:r>
+              <a:rPr lang="zh-CN" altLang="en-US"/>
+              <a:t>作用：通过元素</a:t>
+            </a:r>
+            <a:r>
+              <a:rPr lang="en-US" altLang="zh-CN"/>
+              <a:t>class</a:t>
+            </a:r>
+            <a:r>
+              <a:rPr lang="zh-CN" altLang="en-US"/>
+              <a:t>属性的值选择元素</a:t>
+            </a:r>
+            <a:endParaRPr lang="en-US" altLang="zh-CN"/>
+          </a:p>
+          <a:p>
+            <a:r>
+              <a:rPr lang="zh-CN" altLang="en-US"/>
+              <a:t>结构：</a:t>
+            </a:r>
+            <a:r>
+              <a:rPr lang="en-US" altLang="zh-CN"/>
+              <a:t>&lt;</a:t>
+            </a:r>
+            <a:r>
+              <a:rPr lang="zh-CN" altLang="en-US"/>
+              <a:t>类名</a:t>
+            </a:r>
+            <a:r>
+              <a:rPr lang="en-US" altLang="zh-CN"/>
+              <a:t>&gt; </a:t>
+            </a:r>
+            <a:r>
+              <a:rPr lang="zh-CN" altLang="en-US"/>
+              <a:t>或 </a:t>
+            </a:r>
+            <a:r>
+              <a:rPr lang="en-US" altLang="zh-CN"/>
+              <a:t>&lt;</a:t>
+            </a:r>
+            <a:r>
+              <a:rPr lang="zh-CN" altLang="en-US"/>
+              <a:t>元素类型</a:t>
+            </a:r>
+            <a:r>
+              <a:rPr lang="en-US" altLang="zh-CN"/>
+              <a:t>&gt;.&lt;</a:t>
+            </a:r>
+            <a:r>
+              <a:rPr lang="zh-CN" altLang="en-US"/>
+              <a:t>类名</a:t>
+            </a:r>
+            <a:r>
+              <a:rPr lang="en-US" altLang="zh-CN"/>
+              <a:t>&gt; { .. }</a:t>
+            </a:r>
+          </a:p>
+          <a:p>
+            <a:r>
+              <a:rPr lang="zh-CN" altLang="en-US"/>
+              <a:t>示例：</a:t>
+            </a:r>
+            <a:r>
+              <a:rPr lang="en-US" altLang="zh-CN"/>
+              <a:t>p.content { .. }</a:t>
+            </a:r>
+          </a:p>
+          <a:p>
+            <a:endParaRPr lang="en-US" altLang="zh-CN"/>
+          </a:p>
+          <a:p>
+            <a:r>
+              <a:rPr lang="zh-CN" altLang="en-US"/>
+              <a:t>元素</a:t>
+            </a:r>
+            <a:r>
+              <a:rPr lang="en-US" altLang="zh-CN"/>
+              <a:t>class</a:t>
+            </a:r>
+            <a:r>
+              <a:rPr lang="zh-CN" altLang="en-US"/>
+              <a:t>属性的值，称位类名。</a:t>
+            </a:r>
+            <a:r>
+              <a:rPr lang="en-US" altLang="zh-CN"/>
+              <a:t>class</a:t>
+            </a:r>
+            <a:r>
+              <a:rPr lang="zh-CN" altLang="en-US"/>
+              <a:t>属性的值是一个自定义的字符串。</a:t>
+            </a:r>
+            <a:endParaRPr lang="en-US" altLang="zh-CN"/>
+          </a:p>
+          <a:p>
+            <a:r>
+              <a:rPr lang="zh-CN" altLang="en-US"/>
+              <a:t>一个</a:t>
+            </a:r>
+            <a:r>
+              <a:rPr lang="en-US" altLang="zh-CN"/>
+              <a:t>HTML</a:t>
+            </a:r>
+            <a:r>
+              <a:rPr lang="zh-CN" altLang="en-US"/>
+              <a:t>文档中，多个元素可以使用相同的类名</a:t>
+            </a:r>
+            <a:endParaRPr lang="en-US" altLang="zh-CN"/>
+          </a:p>
+          <a:p>
+            <a:r>
+              <a:rPr lang="zh-CN" altLang="en-US"/>
+              <a:t>一个元素可以设置多个类名，类名与类名之间用空格隔开</a:t>
+            </a:r>
+          </a:p>
+        </p:txBody>
+      </p:sp>
+    </p:spTree>
+    <p:extLst>
+      <p:ext uri="{BB962C8B-B14F-4D97-AF65-F5344CB8AC3E}">
+        <p14:creationId xmlns:p14="http://schemas.microsoft.com/office/powerpoint/2010/main" val="2403380466"/>
+      </p:ext>
+    </p:extLst>
+  </p:cSld>
+  <p:clrMapOvr>
+    <a:masterClrMapping/>
+  </p:clrMapOvr>
+</p:sld>
+</file>
+
+<file path=ppt/slides/slide13.xml><?xml version="1.0" encoding="utf-8"?>
+<p:sld xmlns:a="http://schemas.openxmlformats.org/drawingml/2006/main" xmlns:r="http://schemas.openxmlformats.org/officeDocument/2006/relationships" xmlns:p="http://schemas.openxmlformats.org/presentationml/2006/main">
+  <p:cSld>
+    <p:spTree>
+      <p:nvGrpSpPr>
+        <p:cNvPr id="1" name=""/>
+        <p:cNvGrpSpPr/>
+        <p:nvPr/>
+      </p:nvGrpSpPr>
+      <p:grpSpPr>
+        <a:xfrm>
+          <a:off x="0" y="0"/>
+          <a:ext cx="0" cy="0"/>
+          <a:chOff x="0" y="0"/>
+          <a:chExt cx="0" cy="0"/>
+        </a:xfrm>
+      </p:grpSpPr>
+      <p:sp>
+        <p:nvSpPr>
+          <p:cNvPr id="2" name="标题 1"/>
+          <p:cNvSpPr>
+            <a:spLocks noGrp="1"/>
+          </p:cNvSpPr>
+          <p:nvPr>
+            <p:ph type="title"/>
+          </p:nvPr>
+        </p:nvSpPr>
+        <p:spPr/>
+        <p:txBody>
+          <a:bodyPr/>
+          <a:lstStyle/>
+          <a:p>
+            <a:r>
+              <a:rPr lang="en-US" altLang="zh-CN"/>
+              <a:t>ID</a:t>
+            </a:r>
+            <a:r>
+              <a:rPr lang="zh-CN" altLang="en-US"/>
+              <a:t>选择器</a:t>
+            </a:r>
+          </a:p>
+        </p:txBody>
+      </p:sp>
+      <p:sp>
+        <p:nvSpPr>
+          <p:cNvPr id="3" name="内容占位符 2"/>
+          <p:cNvSpPr>
+            <a:spLocks noGrp="1"/>
+          </p:cNvSpPr>
+          <p:nvPr>
+            <p:ph idx="1"/>
+          </p:nvPr>
+        </p:nvSpPr>
+        <p:spPr/>
+        <p:txBody>
+          <a:bodyPr/>
+          <a:lstStyle/>
+          <a:p>
+            <a:r>
+              <a:rPr lang="zh-CN" altLang="en-US"/>
+              <a:t>作用：通过元素的</a:t>
+            </a:r>
+            <a:r>
+              <a:rPr lang="en-US" altLang="zh-CN"/>
+              <a:t>ID</a:t>
+            </a:r>
+            <a:r>
+              <a:rPr lang="zh-CN" altLang="en-US"/>
+              <a:t>值选择元素</a:t>
+            </a:r>
+            <a:endParaRPr lang="en-US" altLang="zh-CN"/>
+          </a:p>
+          <a:p>
+            <a:r>
+              <a:rPr lang="zh-CN" altLang="en-US"/>
+              <a:t>结构：</a:t>
+            </a:r>
+            <a:r>
+              <a:rPr lang="en-US" altLang="zh-CN"/>
+              <a:t>#&lt;id</a:t>
+            </a:r>
+            <a:r>
+              <a:rPr lang="zh-CN" altLang="en-US"/>
+              <a:t>值</a:t>
+            </a:r>
+            <a:r>
+              <a:rPr lang="en-US" altLang="zh-CN"/>
+              <a:t>&gt;</a:t>
+            </a:r>
+          </a:p>
+          <a:p>
+            <a:r>
+              <a:rPr lang="zh-CN" altLang="en-US"/>
+              <a:t>示例：</a:t>
+            </a:r>
+            <a:r>
+              <a:rPr lang="en-US" altLang="zh-CN"/>
+              <a:t>#w3 { … }</a:t>
+            </a:r>
+          </a:p>
+          <a:p>
+            <a:endParaRPr lang="en-US" altLang="zh-CN"/>
+          </a:p>
+          <a:p>
+            <a:r>
+              <a:rPr lang="zh-CN" altLang="en-US"/>
+              <a:t>元素</a:t>
+            </a:r>
+            <a:r>
+              <a:rPr lang="en-US" altLang="zh-CN"/>
+              <a:t>id</a:t>
+            </a:r>
+            <a:r>
+              <a:rPr lang="zh-CN" altLang="en-US"/>
+              <a:t>属性的值，称位</a:t>
+            </a:r>
+            <a:r>
+              <a:rPr lang="en-US" altLang="zh-CN"/>
+              <a:t>ID</a:t>
+            </a:r>
+            <a:r>
+              <a:rPr lang="zh-CN" altLang="en-US"/>
+              <a:t>值，在</a:t>
+            </a:r>
+            <a:r>
+              <a:rPr lang="en-US" altLang="zh-CN"/>
+              <a:t>HTML</a:t>
+            </a:r>
+            <a:r>
+              <a:rPr lang="zh-CN" altLang="en-US"/>
+              <a:t>文档中，</a:t>
+            </a:r>
+            <a:r>
+              <a:rPr lang="en-US" altLang="zh-CN"/>
+              <a:t>ID</a:t>
+            </a:r>
+            <a:r>
+              <a:rPr lang="zh-CN" altLang="en-US"/>
+              <a:t>值不能重复，不能存在多个元素使用相同的</a:t>
+            </a:r>
+            <a:r>
+              <a:rPr lang="en-US" altLang="zh-CN"/>
+              <a:t>ID</a:t>
+            </a:r>
+            <a:r>
+              <a:rPr lang="zh-CN" altLang="en-US"/>
+              <a:t>值。</a:t>
+            </a:r>
+          </a:p>
+        </p:txBody>
+      </p:sp>
+    </p:spTree>
+    <p:extLst>
+      <p:ext uri="{BB962C8B-B14F-4D97-AF65-F5344CB8AC3E}">
+        <p14:creationId xmlns:p14="http://schemas.microsoft.com/office/powerpoint/2010/main" val="461180578"/>
+      </p:ext>
+    </p:extLst>
+  </p:cSld>
+  <p:clrMapOvr>
+    <a:masterClrMapping/>
+  </p:clrMapOvr>
+</p:sld>
+</file>
+
+<file path=ppt/slides/slide14.xml><?xml version="1.0" encoding="utf-8"?>
+<p:sld xmlns:a="http://schemas.openxmlformats.org/drawingml/2006/main" xmlns:r="http://schemas.openxmlformats.org/officeDocument/2006/relationships" xmlns:p="http://schemas.openxmlformats.org/presentationml/2006/main">
+  <p:cSld>
+    <p:spTree>
+      <p:nvGrpSpPr>
+        <p:cNvPr id="1" name=""/>
+        <p:cNvGrpSpPr/>
+        <p:nvPr/>
+      </p:nvGrpSpPr>
+      <p:grpSpPr>
+        <a:xfrm>
+          <a:off x="0" y="0"/>
+          <a:ext cx="0" cy="0"/>
+          <a:chOff x="0" y="0"/>
+          <a:chExt cx="0" cy="0"/>
+        </a:xfrm>
+      </p:grpSpPr>
+      <p:sp>
+        <p:nvSpPr>
+          <p:cNvPr id="2" name="标题 1"/>
+          <p:cNvSpPr>
+            <a:spLocks noGrp="1"/>
+          </p:cNvSpPr>
+          <p:nvPr>
+            <p:ph type="title"/>
+          </p:nvPr>
+        </p:nvSpPr>
+        <p:spPr/>
+        <p:txBody>
+          <a:bodyPr/>
+          <a:lstStyle/>
+          <a:p>
+            <a:r>
+              <a:rPr lang="zh-CN" altLang="en-US"/>
+              <a:t>属性选择器</a:t>
+            </a:r>
+          </a:p>
+        </p:txBody>
+      </p:sp>
+      <p:sp>
+        <p:nvSpPr>
+          <p:cNvPr id="3" name="内容占位符 2"/>
+          <p:cNvSpPr>
+            <a:spLocks noGrp="1"/>
+          </p:cNvSpPr>
+          <p:nvPr>
+            <p:ph idx="1"/>
+          </p:nvPr>
+        </p:nvSpPr>
+        <p:spPr/>
+        <p:txBody>
+          <a:bodyPr/>
+          <a:lstStyle/>
+          <a:p>
+            <a:r>
+              <a:rPr lang="zh-CN" altLang="en-US"/>
+              <a:t>作用：通过元素的属性选择元素。</a:t>
+            </a:r>
+            <a:endParaRPr lang="en-US" altLang="zh-CN"/>
+          </a:p>
+          <a:p>
+            <a:r>
+              <a:rPr lang="zh-CN" altLang="en-US"/>
+              <a:t>结构：</a:t>
+            </a:r>
+            <a:r>
+              <a:rPr lang="en-US" altLang="zh-CN"/>
+              <a:t>[&lt;</a:t>
+            </a:r>
+            <a:r>
+              <a:rPr lang="zh-CN" altLang="en-US"/>
+              <a:t>条件</a:t>
+            </a:r>
+            <a:r>
+              <a:rPr lang="en-US" altLang="zh-CN"/>
+              <a:t>&gt;] </a:t>
+            </a:r>
+            <a:r>
+              <a:rPr lang="zh-CN" altLang="en-US"/>
+              <a:t>或 </a:t>
+            </a:r>
+            <a:r>
+              <a:rPr lang="en-US" altLang="zh-CN"/>
+              <a:t>&lt;</a:t>
+            </a:r>
+            <a:r>
+              <a:rPr lang="zh-CN" altLang="en-US"/>
+              <a:t>元素标签</a:t>
+            </a:r>
+            <a:r>
+              <a:rPr lang="en-US" altLang="zh-CN"/>
+              <a:t>&gt;[&lt;</a:t>
+            </a:r>
+            <a:r>
+              <a:rPr lang="zh-CN" altLang="en-US"/>
+              <a:t>条件</a:t>
+            </a:r>
+            <a:r>
+              <a:rPr lang="en-US" altLang="zh-CN"/>
+              <a:t>&gt;] { … }</a:t>
+            </a:r>
+          </a:p>
+          <a:p>
+            <a:r>
+              <a:rPr lang="zh-CN" altLang="en-US"/>
+              <a:t>示例：</a:t>
+            </a:r>
+            <a:r>
+              <a:rPr lang="en-US" altLang="zh-CN"/>
+              <a:t>[href] { … } </a:t>
+            </a:r>
+            <a:r>
+              <a:rPr lang="zh-CN" altLang="en-US"/>
+              <a:t>或 </a:t>
+            </a:r>
+            <a:r>
+              <a:rPr lang="en-US" altLang="zh-CN"/>
+              <a:t>input[text=“text”]</a:t>
+            </a:r>
+          </a:p>
+          <a:p>
+            <a:endParaRPr lang="en-US" altLang="zh-CN"/>
+          </a:p>
+          <a:p>
+            <a:endParaRPr lang="en-US" altLang="zh-CN"/>
+          </a:p>
+          <a:p>
+            <a:endParaRPr lang="en-US" altLang="zh-CN"/>
+          </a:p>
+          <a:p>
+            <a:endParaRPr lang="zh-CN" altLang="en-US"/>
+          </a:p>
+        </p:txBody>
+      </p:sp>
+      <p:graphicFrame>
+        <p:nvGraphicFramePr>
+          <p:cNvPr id="4" name="表格 3"/>
+          <p:cNvGraphicFramePr>
+            <a:graphicFrameLocks noGrp="1"/>
+          </p:cNvGraphicFramePr>
+          <p:nvPr>
+            <p:extLst>
+              <p:ext uri="{D42A27DB-BD31-4B8C-83A1-F6EECF244321}">
+                <p14:modId xmlns:p14="http://schemas.microsoft.com/office/powerpoint/2010/main" val="107726669"/>
+              </p:ext>
+            </p:extLst>
+          </p:nvPr>
+        </p:nvGraphicFramePr>
+        <p:xfrm>
+          <a:off x="683568" y="3645024"/>
+          <a:ext cx="7524000" cy="2834640"/>
+        </p:xfrm>
+        <a:graphic>
+          <a:graphicData uri="http://schemas.openxmlformats.org/drawingml/2006/table">
+            <a:tbl>
+              <a:tblPr firstRow="1" bandRow="1">
+                <a:tableStyleId>{5C22544A-7EE6-4342-B048-85BDC9FD1C3A}</a:tableStyleId>
+              </a:tblPr>
+              <a:tblGrid>
+                <a:gridCol w="2124000">
+                  <a:extLst>
+                    <a:ext uri="{9D8B030D-6E8A-4147-A177-3AD203B41FA5}">
+                      <a16:colId xmlns:a16="http://schemas.microsoft.com/office/drawing/2014/main" val="20000"/>
+                    </a:ext>
+                  </a:extLst>
+                </a:gridCol>
+                <a:gridCol w="5400000">
+                  <a:extLst>
+                    <a:ext uri="{9D8B030D-6E8A-4147-A177-3AD203B41FA5}">
+                      <a16:colId xmlns:a16="http://schemas.microsoft.com/office/drawing/2014/main" val="20001"/>
+                    </a:ext>
+                  </a:extLst>
+                </a:gridCol>
+              </a:tblGrid>
+              <a:tr h="0">
+                <a:tc gridSpan="2">
+                  <a:txBody>
+                    <a:bodyPr/>
+                    <a:lstStyle/>
+                    <a:p>
+                      <a:pPr algn="ctr"/>
+                      <a:r>
+                        <a:rPr lang="zh-CN" altLang="en-US"/>
+                        <a:t>属性选择器的条件</a:t>
+                      </a:r>
+                    </a:p>
+                  </a:txBody>
+                  <a:tcPr anchor="ctr"/>
+                </a:tc>
+                <a:tc hMerge="1">
+                  <a:txBody>
+                    <a:bodyPr/>
+                    <a:lstStyle/>
+                    <a:p>
+                      <a:pPr algn="ctr"/>
+                      <a:endParaRPr lang="zh-CN" altLang="en-US"/>
+                    </a:p>
+                  </a:txBody>
+                  <a:tcPr anchor="ctr"/>
+                </a:tc>
+                <a:extLst>
+                  <a:ext uri="{0D108BD9-81ED-4DB2-BD59-A6C34878D82A}">
+                    <a16:rowId xmlns:a16="http://schemas.microsoft.com/office/drawing/2014/main" val="10000"/>
+                  </a:ext>
+                </a:extLst>
+              </a:tr>
+              <a:tr h="0">
+                <a:tc>
+                  <a:txBody>
+                    <a:bodyPr/>
+                    <a:lstStyle/>
+                    <a:p>
+                      <a:pPr algn="ctr"/>
+                      <a:r>
+                        <a:rPr lang="en-US" altLang="zh-CN"/>
+                        <a:t>[attr]</a:t>
+                      </a:r>
+                      <a:endParaRPr lang="zh-CN" altLang="en-US"/>
+                    </a:p>
+                  </a:txBody>
+                  <a:tcPr anchor="ctr"/>
+                </a:tc>
+                <a:tc>
+                  <a:txBody>
+                    <a:bodyPr/>
+                    <a:lstStyle/>
+                    <a:p>
+                      <a:pPr algn="l"/>
+                      <a:r>
+                        <a:rPr lang="zh-CN" altLang="en-US"/>
+                        <a:t>选择定义</a:t>
+                      </a:r>
+                      <a:r>
+                        <a:rPr lang="en-US" altLang="zh-CN"/>
+                        <a:t>attr</a:t>
+                      </a:r>
+                      <a:r>
+                        <a:rPr lang="zh-CN" altLang="en-US"/>
+                        <a:t>属性的元素，忽略属性值</a:t>
+                      </a:r>
+                    </a:p>
+                  </a:txBody>
+                  <a:tcPr anchor="ctr"/>
+                </a:tc>
+                <a:extLst>
+                  <a:ext uri="{0D108BD9-81ED-4DB2-BD59-A6C34878D82A}">
+                    <a16:rowId xmlns:a16="http://schemas.microsoft.com/office/drawing/2014/main" val="10001"/>
+                  </a:ext>
+                </a:extLst>
+              </a:tr>
+              <a:tr h="0">
+                <a:tc>
+                  <a:txBody>
+                    <a:bodyPr/>
+                    <a:lstStyle/>
+                    <a:p>
+                      <a:pPr algn="ctr"/>
+                      <a:r>
+                        <a:rPr lang="en-US" altLang="zh-CN"/>
+                        <a:t>[attr=“val”]</a:t>
+                      </a:r>
+                      <a:endParaRPr lang="zh-CN" altLang="en-US"/>
+                    </a:p>
+                  </a:txBody>
+                  <a:tcPr anchor="ctr"/>
+                </a:tc>
+                <a:tc>
+                  <a:txBody>
+                    <a:bodyPr/>
+                    <a:lstStyle/>
+                    <a:p>
+                      <a:pPr algn="l"/>
+                      <a:r>
+                        <a:rPr lang="zh-CN" altLang="en-US"/>
+                        <a:t>选择定义</a:t>
+                      </a:r>
+                      <a:r>
+                        <a:rPr lang="en-US" altLang="zh-CN"/>
+                        <a:t>attr</a:t>
+                      </a:r>
+                      <a:r>
+                        <a:rPr lang="zh-CN" altLang="en-US"/>
+                        <a:t>属性，且属性值为</a:t>
+                      </a:r>
+                      <a:r>
+                        <a:rPr lang="en-US" altLang="zh-CN"/>
+                        <a:t>val</a:t>
+                      </a:r>
+                      <a:r>
+                        <a:rPr lang="zh-CN" altLang="en-US"/>
+                        <a:t>的元素</a:t>
+                      </a:r>
+                    </a:p>
+                  </a:txBody>
+                  <a:tcPr anchor="ctr"/>
+                </a:tc>
+                <a:extLst>
+                  <a:ext uri="{0D108BD9-81ED-4DB2-BD59-A6C34878D82A}">
+                    <a16:rowId xmlns:a16="http://schemas.microsoft.com/office/drawing/2014/main" val="10002"/>
+                  </a:ext>
+                </a:extLst>
+              </a:tr>
+              <a:tr h="0">
+                <a:tc>
+                  <a:txBody>
+                    <a:bodyPr/>
+                    <a:lstStyle/>
+                    <a:p>
+                      <a:pPr algn="ctr"/>
+                      <a:r>
+                        <a:rPr lang="en-US" altLang="zh-CN"/>
+                        <a:t>[attr^=“val”]</a:t>
+                      </a:r>
+                      <a:endParaRPr lang="zh-CN" altLang="en-US"/>
+                    </a:p>
+                  </a:txBody>
+                  <a:tcPr anchor="ctr"/>
+                </a:tc>
+                <a:tc>
+                  <a:txBody>
+                    <a:bodyPr/>
+                    <a:lstStyle/>
+                    <a:p>
+                      <a:pPr algn="l"/>
+                      <a:r>
+                        <a:rPr lang="zh-CN" altLang="en-US"/>
+                        <a:t>选择定义</a:t>
+                      </a:r>
+                      <a:r>
+                        <a:rPr lang="en-US" altLang="zh-CN"/>
+                        <a:t>attr</a:t>
+                      </a:r>
+                      <a:r>
+                        <a:rPr lang="zh-CN" altLang="en-US"/>
+                        <a:t>属性，且属性值以字符串</a:t>
+                      </a:r>
+                      <a:r>
+                        <a:rPr lang="en-US" altLang="zh-CN"/>
+                        <a:t>val</a:t>
+                      </a:r>
+                      <a:r>
+                        <a:rPr lang="zh-CN" altLang="en-US"/>
+                        <a:t>开头的元素</a:t>
+                      </a:r>
+                    </a:p>
+                  </a:txBody>
+                  <a:tcPr anchor="ctr"/>
+                </a:tc>
+                <a:extLst>
+                  <a:ext uri="{0D108BD9-81ED-4DB2-BD59-A6C34878D82A}">
+                    <a16:rowId xmlns:a16="http://schemas.microsoft.com/office/drawing/2014/main" val="10003"/>
+                  </a:ext>
+                </a:extLst>
+              </a:tr>
+              <a:tr h="0">
+                <a:tc>
+                  <a:txBody>
+                    <a:bodyPr/>
+                    <a:lstStyle/>
+                    <a:p>
+                      <a:pPr algn="ctr"/>
+                      <a:r>
+                        <a:rPr lang="en-US" altLang="zh-CN"/>
+                        <a:t>[attr$=“val”]</a:t>
+                      </a:r>
+                      <a:endParaRPr lang="zh-CN" altLang="en-US"/>
+                    </a:p>
+                  </a:txBody>
+                  <a:tcPr anchor="ctr"/>
+                </a:tc>
+                <a:tc>
+                  <a:txBody>
+                    <a:bodyPr/>
+                    <a:lstStyle/>
+                    <a:p>
+                      <a:pPr algn="l"/>
+                      <a:r>
+                        <a:rPr lang="zh-CN" altLang="en-US"/>
+                        <a:t>选择定义</a:t>
+                      </a:r>
+                      <a:r>
+                        <a:rPr lang="en-US" altLang="zh-CN"/>
+                        <a:t>attr</a:t>
+                      </a:r>
+                      <a:r>
+                        <a:rPr lang="zh-CN" altLang="en-US"/>
+                        <a:t>属性，且属性值以字符串</a:t>
+                      </a:r>
+                      <a:r>
+                        <a:rPr lang="en-US" altLang="zh-CN"/>
+                        <a:t>val</a:t>
+                      </a:r>
+                      <a:r>
+                        <a:rPr lang="zh-CN" altLang="en-US"/>
+                        <a:t>结尾的元素</a:t>
+                      </a:r>
+                    </a:p>
+                  </a:txBody>
+                  <a:tcPr anchor="ctr"/>
+                </a:tc>
+                <a:extLst>
+                  <a:ext uri="{0D108BD9-81ED-4DB2-BD59-A6C34878D82A}">
+                    <a16:rowId xmlns:a16="http://schemas.microsoft.com/office/drawing/2014/main" val="10004"/>
+                  </a:ext>
+                </a:extLst>
+              </a:tr>
+              <a:tr h="0">
+                <a:tc>
+                  <a:txBody>
+                    <a:bodyPr/>
+                    <a:lstStyle/>
+                    <a:p>
+                      <a:pPr algn="ctr"/>
+                      <a:r>
+                        <a:rPr lang="en-US" altLang="zh-CN"/>
+                        <a:t>[attr*=“val”]</a:t>
+                      </a:r>
+                      <a:endParaRPr lang="zh-CN" altLang="en-US"/>
+                    </a:p>
+                  </a:txBody>
+                  <a:tcPr anchor="ctr"/>
+                </a:tc>
+                <a:tc>
+                  <a:txBody>
+                    <a:bodyPr/>
+                    <a:lstStyle/>
+                    <a:p>
+                      <a:pPr algn="l"/>
+                      <a:r>
+                        <a:rPr lang="zh-CN" altLang="en-US"/>
+                        <a:t>选择定义</a:t>
+                      </a:r>
+                      <a:r>
+                        <a:rPr lang="en-US" altLang="zh-CN"/>
+                        <a:t>attr</a:t>
+                      </a:r>
+                      <a:r>
+                        <a:rPr lang="zh-CN" altLang="en-US"/>
+                        <a:t>属性，且属性值包含字符串</a:t>
+                      </a:r>
+                      <a:r>
+                        <a:rPr lang="en-US" altLang="zh-CN"/>
+                        <a:t>val</a:t>
+                      </a:r>
+                      <a:r>
+                        <a:rPr lang="zh-CN" altLang="en-US"/>
+                        <a:t>的元素</a:t>
+                      </a:r>
+                    </a:p>
+                  </a:txBody>
+                  <a:tcPr anchor="ctr"/>
+                </a:tc>
+                <a:extLst>
+                  <a:ext uri="{0D108BD9-81ED-4DB2-BD59-A6C34878D82A}">
+                    <a16:rowId xmlns:a16="http://schemas.microsoft.com/office/drawing/2014/main" val="10005"/>
+                  </a:ext>
+                </a:extLst>
+              </a:tr>
+              <a:tr h="0">
+                <a:tc>
+                  <a:txBody>
+                    <a:bodyPr/>
+                    <a:lstStyle/>
+                    <a:p>
+                      <a:pPr algn="ctr"/>
+                      <a:r>
+                        <a:rPr lang="en-US" altLang="zh-CN"/>
+                        <a:t>[attr~=“val”]</a:t>
+                      </a:r>
+                      <a:endParaRPr lang="zh-CN" altLang="en-US"/>
+                    </a:p>
+                  </a:txBody>
+                  <a:tcPr anchor="ctr"/>
+                </a:tc>
+                <a:tc>
+                  <a:txBody>
+                    <a:bodyPr/>
+                    <a:lstStyle/>
+                    <a:p>
+                      <a:pPr algn="l"/>
+                      <a:r>
+                        <a:rPr lang="zh-CN" altLang="en-US" sz="1800" b="0" i="0" kern="1200">
+                          <a:solidFill>
+                            <a:schemeClr val="dk1"/>
+                          </a:solidFill>
+                          <a:effectLst/>
+                          <a:latin typeface="+mn-lt"/>
+                          <a:ea typeface="+mn-ea"/>
+                          <a:cs typeface="+mn-cs"/>
+                        </a:rPr>
+                        <a:t>选择定义</a:t>
+                      </a:r>
+                      <a:r>
+                        <a:rPr lang="en-US" altLang="zh-CN" sz="1800" b="0" i="0" kern="1200">
+                          <a:solidFill>
+                            <a:schemeClr val="dk1"/>
+                          </a:solidFill>
+                          <a:effectLst/>
+                          <a:latin typeface="+mn-lt"/>
+                          <a:ea typeface="+mn-ea"/>
+                          <a:cs typeface="+mn-cs"/>
+                        </a:rPr>
+                        <a:t>attr</a:t>
+                      </a:r>
+                      <a:r>
+                        <a:rPr lang="zh-CN" altLang="en-US" sz="1800" b="0" i="0" kern="1200">
+                          <a:solidFill>
+                            <a:schemeClr val="dk1"/>
+                          </a:solidFill>
+                          <a:effectLst/>
+                          <a:latin typeface="+mn-lt"/>
+                          <a:ea typeface="+mn-ea"/>
+                          <a:cs typeface="+mn-cs"/>
+                        </a:rPr>
+                        <a:t>属性，且属性值具有多个值，其中一个为字符串</a:t>
+                      </a:r>
+                      <a:r>
+                        <a:rPr lang="en-US" altLang="zh-CN" sz="1800" b="0" i="0" kern="1200">
+                          <a:solidFill>
+                            <a:schemeClr val="dk1"/>
+                          </a:solidFill>
+                          <a:effectLst/>
+                          <a:latin typeface="+mn-lt"/>
+                          <a:ea typeface="+mn-ea"/>
+                          <a:cs typeface="+mn-cs"/>
+                        </a:rPr>
+                        <a:t>val</a:t>
+                      </a:r>
+                      <a:r>
+                        <a:rPr lang="zh-CN" altLang="en-US" sz="1800" b="0" i="0" kern="1200">
+                          <a:solidFill>
+                            <a:schemeClr val="dk1"/>
+                          </a:solidFill>
+                          <a:effectLst/>
+                          <a:latin typeface="+mn-lt"/>
+                          <a:ea typeface="+mn-ea"/>
+                          <a:cs typeface="+mn-cs"/>
+                        </a:rPr>
+                        <a:t>的元素。</a:t>
+                      </a:r>
+                      <a:endParaRPr lang="zh-CN" altLang="en-US"/>
+                    </a:p>
+                  </a:txBody>
+                  <a:tcPr anchor="ctr"/>
+                </a:tc>
+                <a:extLst>
+                  <a:ext uri="{0D108BD9-81ED-4DB2-BD59-A6C34878D82A}">
+                    <a16:rowId xmlns:a16="http://schemas.microsoft.com/office/drawing/2014/main" val="10006"/>
+                  </a:ext>
+                </a:extLst>
+              </a:tr>
+            </a:tbl>
+          </a:graphicData>
+        </a:graphic>
+      </p:graphicFrame>
+    </p:spTree>
+    <p:extLst>
+      <p:ext uri="{BB962C8B-B14F-4D97-AF65-F5344CB8AC3E}">
+        <p14:creationId xmlns:p14="http://schemas.microsoft.com/office/powerpoint/2010/main" val="2598392349"/>
+      </p:ext>
+    </p:extLst>
+  </p:cSld>
+  <p:clrMapOvr>
+    <a:masterClrMapping/>
+  </p:clrMapOvr>
+</p:sld>
+</file>
+
+<file path=ppt/slides/slide15.xml><?xml version="1.0" encoding="utf-8"?>
+<p:sld xmlns:a="http://schemas.openxmlformats.org/drawingml/2006/main" xmlns:r="http://schemas.openxmlformats.org/officeDocument/2006/relationships" xmlns:p="http://schemas.openxmlformats.org/presentationml/2006/main">
+  <p:cSld>
+    <p:spTree>
+      <p:nvGrpSpPr>
+        <p:cNvPr id="1" name=""/>
+        <p:cNvGrpSpPr/>
+        <p:nvPr/>
+      </p:nvGrpSpPr>
+      <p:grpSpPr>
+        <a:xfrm>
+          <a:off x="0" y="0"/>
+          <a:ext cx="0" cy="0"/>
+          <a:chOff x="0" y="0"/>
+          <a:chExt cx="0" cy="0"/>
+        </a:xfrm>
+      </p:grpSpPr>
+      <p:sp>
+        <p:nvSpPr>
+          <p:cNvPr id="2" name="标题 1"/>
+          <p:cNvSpPr>
+            <a:spLocks noGrp="1"/>
+          </p:cNvSpPr>
+          <p:nvPr>
+            <p:ph type="ctrTitle"/>
+          </p:nvPr>
+        </p:nvSpPr>
+        <p:spPr/>
+        <p:txBody>
+          <a:bodyPr/>
+          <a:lstStyle/>
+          <a:p>
+            <a:r>
+              <a:rPr lang="zh-CN" altLang="en-US"/>
+              <a:t>复合选择器</a:t>
+            </a:r>
+          </a:p>
+        </p:txBody>
+      </p:sp>
+      <p:sp>
+        <p:nvSpPr>
+          <p:cNvPr id="3" name="副标题 2"/>
+          <p:cNvSpPr>
+            <a:spLocks noGrp="1"/>
+          </p:cNvSpPr>
+          <p:nvPr>
+            <p:ph type="subTitle" idx="1"/>
+          </p:nvPr>
+        </p:nvSpPr>
+        <p:spPr/>
+        <p:txBody>
+          <a:bodyPr/>
+          <a:lstStyle/>
+          <a:p>
+            <a:endParaRPr lang="zh-CN" altLang="en-US"/>
+          </a:p>
+        </p:txBody>
+      </p:sp>
+    </p:spTree>
+    <p:extLst>
+      <p:ext uri="{BB962C8B-B14F-4D97-AF65-F5344CB8AC3E}">
+        <p14:creationId xmlns:p14="http://schemas.microsoft.com/office/powerpoint/2010/main" val="2403874214"/>
+      </p:ext>
+    </p:extLst>
+  </p:cSld>
+  <p:clrMapOvr>
+    <a:masterClrMapping/>
+  </p:clrMapOvr>
+</p:sld>
+</file>
+
+<file path=ppt/slides/slide16.xml><?xml version="1.0" encoding="utf-8"?>
+<p:sld xmlns:a="http://schemas.openxmlformats.org/drawingml/2006/main" xmlns:r="http://schemas.openxmlformats.org/officeDocument/2006/relationships" xmlns:p="http://schemas.openxmlformats.org/presentationml/2006/main">
+  <p:cSld>
+    <p:spTree>
+      <p:nvGrpSpPr>
+        <p:cNvPr id="1" name=""/>
+        <p:cNvGrpSpPr/>
+        <p:nvPr/>
+      </p:nvGrpSpPr>
+      <p:grpSpPr>
+        <a:xfrm>
+          <a:off x="0" y="0"/>
+          <a:ext cx="0" cy="0"/>
+          <a:chOff x="0" y="0"/>
+          <a:chExt cx="0" cy="0"/>
+        </a:xfrm>
+      </p:grpSpPr>
+      <p:sp>
+        <p:nvSpPr>
+          <p:cNvPr id="2" name="标题 1"/>
+          <p:cNvSpPr>
+            <a:spLocks noGrp="1"/>
+          </p:cNvSpPr>
+          <p:nvPr>
+            <p:ph type="title"/>
+          </p:nvPr>
+        </p:nvSpPr>
+        <p:spPr/>
+        <p:txBody>
+          <a:bodyPr/>
+          <a:lstStyle/>
+          <a:p>
+            <a:r>
+              <a:rPr lang="zh-CN" altLang="en-US"/>
+              <a:t>并集选择器</a:t>
+            </a:r>
+          </a:p>
+        </p:txBody>
+      </p:sp>
+      <p:sp>
+        <p:nvSpPr>
+          <p:cNvPr id="3" name="内容占位符 2"/>
+          <p:cNvSpPr>
+            <a:spLocks noGrp="1"/>
+          </p:cNvSpPr>
+          <p:nvPr>
+            <p:ph idx="1"/>
+          </p:nvPr>
+        </p:nvSpPr>
+        <p:spPr/>
+        <p:txBody>
+          <a:bodyPr/>
+          <a:lstStyle/>
+          <a:p>
+            <a:r>
+              <a:rPr lang="zh-CN" altLang="en-US"/>
+              <a:t>作用：创建由逗号分隔的多个选择器可以将样式应用到单个选择器匹配的所有元素。</a:t>
+            </a:r>
+            <a:endParaRPr lang="en-US" altLang="zh-CN"/>
+          </a:p>
+          <a:p>
+            <a:r>
+              <a:rPr lang="zh-CN" altLang="en-US"/>
+              <a:t>结构：</a:t>
+            </a:r>
+            <a:r>
+              <a:rPr lang="en-US" altLang="zh-CN"/>
+              <a:t>&lt;</a:t>
+            </a:r>
+            <a:r>
+              <a:rPr lang="zh-CN" altLang="en-US"/>
+              <a:t>选择器</a:t>
+            </a:r>
+            <a:r>
+              <a:rPr lang="en-US" altLang="zh-CN"/>
+              <a:t>&gt;,&lt;</a:t>
+            </a:r>
+            <a:r>
+              <a:rPr lang="zh-CN" altLang="en-US"/>
+              <a:t>选择器</a:t>
+            </a:r>
+            <a:r>
+              <a:rPr lang="en-US" altLang="zh-CN"/>
+              <a:t>&gt;,&lt;</a:t>
+            </a:r>
+            <a:r>
+              <a:rPr lang="zh-CN" altLang="en-US"/>
+              <a:t>选择器</a:t>
+            </a:r>
+            <a:r>
+              <a:rPr lang="en-US" altLang="zh-CN"/>
+              <a:t>&gt;</a:t>
+            </a:r>
+          </a:p>
+          <a:p>
+            <a:r>
+              <a:rPr lang="zh-CN" altLang="en-US"/>
+              <a:t>示例：</a:t>
+            </a:r>
+            <a:r>
+              <a:rPr lang="en-US" altLang="zh-CN"/>
+              <a:t>p,span,input[type=“text”] { .. }</a:t>
+            </a:r>
+            <a:endParaRPr lang="zh-CN" altLang="en-US"/>
+          </a:p>
+        </p:txBody>
+      </p:sp>
+    </p:spTree>
+    <p:extLst>
+      <p:ext uri="{BB962C8B-B14F-4D97-AF65-F5344CB8AC3E}">
+        <p14:creationId xmlns:p14="http://schemas.microsoft.com/office/powerpoint/2010/main" val="2897063929"/>
+      </p:ext>
+    </p:extLst>
+  </p:cSld>
+  <p:clrMapOvr>
+    <a:masterClrMapping/>
+  </p:clrMapOvr>
+</p:sld>
+</file>
+
+<file path=ppt/slides/slide17.xml><?xml version="1.0" encoding="utf-8"?>
+<p:sld xmlns:a="http://schemas.openxmlformats.org/drawingml/2006/main" xmlns:r="http://schemas.openxmlformats.org/officeDocument/2006/relationships" xmlns:p="http://schemas.openxmlformats.org/presentationml/2006/main">
+  <p:cSld>
+    <p:spTree>
+      <p:nvGrpSpPr>
+        <p:cNvPr id="1" name=""/>
+        <p:cNvGrpSpPr/>
+        <p:nvPr/>
+      </p:nvGrpSpPr>
+      <p:grpSpPr>
+        <a:xfrm>
+          <a:off x="0" y="0"/>
+          <a:ext cx="0" cy="0"/>
+          <a:chOff x="0" y="0"/>
+          <a:chExt cx="0" cy="0"/>
+        </a:xfrm>
+      </p:grpSpPr>
+      <p:sp>
+        <p:nvSpPr>
+          <p:cNvPr id="2" name="标题 1"/>
+          <p:cNvSpPr>
+            <a:spLocks noGrp="1"/>
+          </p:cNvSpPr>
+          <p:nvPr>
+            <p:ph type="title"/>
+          </p:nvPr>
+        </p:nvSpPr>
+        <p:spPr/>
+        <p:txBody>
+          <a:bodyPr/>
+          <a:lstStyle/>
+          <a:p>
+            <a:r>
+              <a:rPr lang="zh-CN" altLang="en-US"/>
+              <a:t>后代选择器</a:t>
+            </a:r>
+          </a:p>
+        </p:txBody>
+      </p:sp>
+      <p:sp>
+        <p:nvSpPr>
+          <p:cNvPr id="3" name="内容占位符 2"/>
+          <p:cNvSpPr>
+            <a:spLocks noGrp="1"/>
+          </p:cNvSpPr>
+          <p:nvPr>
+            <p:ph idx="1"/>
+          </p:nvPr>
+        </p:nvSpPr>
+        <p:spPr/>
+        <p:txBody>
+          <a:bodyPr/>
+          <a:lstStyle/>
+          <a:p>
+            <a:r>
+              <a:rPr lang="zh-CN" altLang="en-US"/>
+              <a:t>作用：后代选择器用于选择包含在其他元素中的元素。</a:t>
+            </a:r>
+            <a:endParaRPr lang="en-US" altLang="zh-CN"/>
+          </a:p>
+          <a:p>
+            <a:r>
+              <a:rPr lang="zh-CN" altLang="en-US"/>
+              <a:t>结构：</a:t>
+            </a:r>
+            <a:r>
+              <a:rPr lang="en-US" altLang="zh-CN"/>
+              <a:t>&lt;</a:t>
+            </a:r>
+            <a:r>
+              <a:rPr lang="zh-CN" altLang="en-US"/>
+              <a:t>第一个选择器</a:t>
+            </a:r>
+            <a:r>
+              <a:rPr lang="en-US" altLang="zh-CN"/>
+              <a:t>&gt; &lt;</a:t>
+            </a:r>
+            <a:r>
+              <a:rPr lang="zh-CN" altLang="en-US"/>
+              <a:t>第二个选择器</a:t>
+            </a:r>
+            <a:r>
+              <a:rPr lang="en-US" altLang="zh-CN"/>
+              <a:t>&gt;</a:t>
+            </a:r>
+          </a:p>
+          <a:p>
+            <a:r>
+              <a:rPr lang="zh-CN" altLang="en-US"/>
+              <a:t>示例：</a:t>
+            </a:r>
+            <a:r>
+              <a:rPr lang="en-US" altLang="zh-CN"/>
+              <a:t>p span { … }</a:t>
+            </a:r>
+            <a:endParaRPr lang="zh-CN" altLang="en-US"/>
+          </a:p>
+        </p:txBody>
+      </p:sp>
+    </p:spTree>
+    <p:extLst>
+      <p:ext uri="{BB962C8B-B14F-4D97-AF65-F5344CB8AC3E}">
+        <p14:creationId xmlns:p14="http://schemas.microsoft.com/office/powerpoint/2010/main" val="369452205"/>
+      </p:ext>
+    </p:extLst>
+  </p:cSld>
+  <p:clrMapOvr>
+    <a:masterClrMapping/>
+  </p:clrMapOvr>
+</p:sld>
+</file>
+
+<file path=ppt/slides/slide18.xml><?xml version="1.0" encoding="utf-8"?>
+<p:sld xmlns:a="http://schemas.openxmlformats.org/drawingml/2006/main" xmlns:r="http://schemas.openxmlformats.org/officeDocument/2006/relationships" xmlns:p="http://schemas.openxmlformats.org/presentationml/2006/main">
+  <p:cSld>
+    <p:spTree>
+      <p:nvGrpSpPr>
+        <p:cNvPr id="1" name=""/>
+        <p:cNvGrpSpPr/>
+        <p:nvPr/>
+      </p:nvGrpSpPr>
+      <p:grpSpPr>
+        <a:xfrm>
+          <a:off x="0" y="0"/>
+          <a:ext cx="0" cy="0"/>
+          <a:chOff x="0" y="0"/>
+          <a:chExt cx="0" cy="0"/>
+        </a:xfrm>
+      </p:grpSpPr>
+      <p:sp>
+        <p:nvSpPr>
+          <p:cNvPr id="2" name="标题 1"/>
+          <p:cNvSpPr>
+            <a:spLocks noGrp="1"/>
+          </p:cNvSpPr>
+          <p:nvPr>
+            <p:ph type="title"/>
+          </p:nvPr>
+        </p:nvSpPr>
+        <p:spPr/>
+        <p:txBody>
+          <a:bodyPr/>
+          <a:lstStyle/>
+          <a:p>
+            <a:r>
+              <a:rPr lang="zh-CN" altLang="en-US"/>
+              <a:t>子代选择器</a:t>
+            </a:r>
+          </a:p>
+        </p:txBody>
+      </p:sp>
+      <p:sp>
+        <p:nvSpPr>
+          <p:cNvPr id="3" name="内容占位符 2"/>
+          <p:cNvSpPr>
+            <a:spLocks noGrp="1"/>
+          </p:cNvSpPr>
+          <p:nvPr>
+            <p:ph idx="1"/>
+          </p:nvPr>
+        </p:nvSpPr>
+        <p:spPr/>
+        <p:txBody>
+          <a:bodyPr/>
+          <a:lstStyle/>
+          <a:p>
+            <a:r>
+              <a:rPr lang="zh-CN" altLang="en-US"/>
+              <a:t>作用：只选择匹配元素中的直接后代</a:t>
+            </a:r>
+            <a:endParaRPr lang="en-US" altLang="zh-CN"/>
+          </a:p>
+          <a:p>
+            <a:r>
+              <a:rPr lang="zh-CN" altLang="en-US"/>
+              <a:t>结构：</a:t>
+            </a:r>
+            <a:r>
+              <a:rPr lang="en-US" altLang="zh-CN"/>
+              <a:t>&lt;</a:t>
+            </a:r>
+            <a:r>
+              <a:rPr lang="zh-CN" altLang="en-US"/>
+              <a:t>第一个选择器</a:t>
+            </a:r>
+            <a:r>
+              <a:rPr lang="en-US" altLang="zh-CN"/>
+              <a:t>&gt; &gt; &lt;</a:t>
+            </a:r>
+            <a:r>
+              <a:rPr lang="zh-CN" altLang="en-US"/>
+              <a:t>第二个选择器</a:t>
+            </a:r>
+            <a:r>
+              <a:rPr lang="en-US" altLang="zh-CN"/>
+              <a:t>&gt;</a:t>
+            </a:r>
+          </a:p>
+          <a:p>
+            <a:r>
+              <a:rPr lang="zh-CN" altLang="en-US"/>
+              <a:t>示例：</a:t>
+            </a:r>
+            <a:r>
+              <a:rPr lang="en-US" altLang="zh-CN"/>
+              <a:t>tr &gt; th { ... }</a:t>
+            </a:r>
+          </a:p>
+          <a:p>
+            <a:endParaRPr lang="zh-CN" altLang="en-US"/>
+          </a:p>
+        </p:txBody>
+      </p:sp>
+    </p:spTree>
+    <p:extLst>
+      <p:ext uri="{BB962C8B-B14F-4D97-AF65-F5344CB8AC3E}">
+        <p14:creationId xmlns:p14="http://schemas.microsoft.com/office/powerpoint/2010/main" val="1628829551"/>
+      </p:ext>
+    </p:extLst>
+  </p:cSld>
+  <p:clrMapOvr>
+    <a:masterClrMapping/>
+  </p:clrMapOvr>
+</p:sld>
+</file>
+
+<file path=ppt/slides/slide19.xml><?xml version="1.0" encoding="utf-8"?>
+<p:sld xmlns:a="http://schemas.openxmlformats.org/drawingml/2006/main" xmlns:r="http://schemas.openxmlformats.org/officeDocument/2006/relationships" xmlns:p="http://schemas.openxmlformats.org/presentationml/2006/main">
+  <p:cSld>
+    <p:spTree>
+      <p:nvGrpSpPr>
+        <p:cNvPr id="1" name=""/>
+        <p:cNvGrpSpPr/>
+        <p:nvPr/>
+      </p:nvGrpSpPr>
+      <p:grpSpPr>
+        <a:xfrm>
+          <a:off x="0" y="0"/>
+          <a:ext cx="0" cy="0"/>
+          <a:chOff x="0" y="0"/>
+          <a:chExt cx="0" cy="0"/>
+        </a:xfrm>
+      </p:grpSpPr>
+      <p:sp>
+        <p:nvSpPr>
+          <p:cNvPr id="2" name="标题 1"/>
+          <p:cNvSpPr>
+            <a:spLocks noGrp="1"/>
+          </p:cNvSpPr>
+          <p:nvPr>
+            <p:ph type="title"/>
+          </p:nvPr>
+        </p:nvSpPr>
+        <p:spPr/>
+        <p:txBody>
+          <a:bodyPr/>
+          <a:lstStyle/>
+          <a:p>
+            <a:r>
+              <a:rPr lang="zh-CN" altLang="en-US"/>
+              <a:t>相邻兄弟选择器</a:t>
+            </a:r>
+          </a:p>
+        </p:txBody>
+      </p:sp>
+      <p:sp>
+        <p:nvSpPr>
+          <p:cNvPr id="3" name="内容占位符 2"/>
+          <p:cNvSpPr>
+            <a:spLocks noGrp="1"/>
+          </p:cNvSpPr>
+          <p:nvPr>
+            <p:ph idx="1"/>
+          </p:nvPr>
+        </p:nvSpPr>
+        <p:spPr/>
+        <p:txBody>
+          <a:bodyPr/>
+          <a:lstStyle/>
+          <a:p>
+            <a:r>
+              <a:rPr lang="zh-CN" altLang="en-US"/>
+              <a:t>作用：选择紧跟在某元素之后的元素</a:t>
+            </a:r>
+            <a:endParaRPr lang="en-US" altLang="zh-CN"/>
+          </a:p>
+          <a:p>
+            <a:r>
+              <a:rPr lang="zh-CN" altLang="en-US"/>
+              <a:t>结构：</a:t>
+            </a:r>
+            <a:r>
+              <a:rPr lang="en-US" altLang="zh-CN"/>
+              <a:t>&lt;</a:t>
+            </a:r>
+            <a:r>
+              <a:rPr lang="zh-CN" altLang="en-US"/>
+              <a:t>第一个选择器</a:t>
+            </a:r>
+            <a:r>
+              <a:rPr lang="en-US" altLang="zh-CN"/>
+              <a:t>&gt; + &lt;</a:t>
+            </a:r>
+            <a:r>
+              <a:rPr lang="zh-CN" altLang="en-US"/>
+              <a:t>第二个选择器</a:t>
+            </a:r>
+            <a:r>
+              <a:rPr lang="en-US" altLang="zh-CN"/>
+              <a:t>&gt;</a:t>
+            </a:r>
+          </a:p>
+          <a:p>
+            <a:r>
+              <a:rPr lang="zh-CN" altLang="en-US"/>
+              <a:t>示例：</a:t>
+            </a:r>
+            <a:r>
+              <a:rPr lang="en-US" altLang="zh-CN"/>
+              <a:t>p + a { ... }</a:t>
+            </a:r>
+            <a:endParaRPr lang="zh-CN" altLang="en-US"/>
+          </a:p>
+        </p:txBody>
+      </p:sp>
+    </p:spTree>
+    <p:extLst>
+      <p:ext uri="{BB962C8B-B14F-4D97-AF65-F5344CB8AC3E}">
+        <p14:creationId xmlns:p14="http://schemas.microsoft.com/office/powerpoint/2010/main" val="2074868379"/>
+      </p:ext>
+    </p:extLst>
+  </p:cSld>
+  <p:clrMapOvr>
+    <a:masterClrMapping/>
+  </p:clrMapOvr>
+</p:sld>
+</file>
+
+<file path=ppt/slides/slide2.xml><?xml version="1.0" encoding="utf-8"?>
+<p:sld xmlns:a="http://schemas.openxmlformats.org/drawingml/2006/main" xmlns:r="http://schemas.openxmlformats.org/officeDocument/2006/relationships" xmlns:p="http://schemas.openxmlformats.org/presentationml/2006/main">
+  <p:cSld>
+    <p:spTree>
+      <p:nvGrpSpPr>
+        <p:cNvPr id="1" name=""/>
+        <p:cNvGrpSpPr/>
+        <p:nvPr/>
+      </p:nvGrpSpPr>
+      <p:grpSpPr>
+        <a:xfrm>
+          <a:off x="0" y="0"/>
+          <a:ext cx="0" cy="0"/>
+          <a:chOff x="0" y="0"/>
+          <a:chExt cx="0" cy="0"/>
+        </a:xfrm>
+      </p:grpSpPr>
+      <p:sp>
+        <p:nvSpPr>
+          <p:cNvPr id="2" name="标题 1"/>
+          <p:cNvSpPr>
+            <a:spLocks noGrp="1"/>
+          </p:cNvSpPr>
+          <p:nvPr>
+            <p:ph type="title"/>
+          </p:nvPr>
+        </p:nvSpPr>
+        <p:spPr/>
+        <p:txBody>
+          <a:bodyPr/>
+          <a:lstStyle/>
+          <a:p>
+            <a:r>
+              <a:rPr lang="zh-CN" altLang="en-US"/>
               <a:t>定义和应用样式</a:t>
             </a:r>
-            <a:endParaRPr lang="zh-CN" altLang="en-US"/>
           </a:p>
         </p:txBody>
       </p:sp>
@@ -7284,22 +5894,22 @@
           <a:lstStyle/>
           <a:p>
             <a:r>
-              <a:rPr lang="en-US" altLang="zh-CN" smtClean="0"/>
+              <a:rPr lang="en-US" altLang="zh-CN"/>
               <a:t>CSS</a:t>
             </a:r>
             <a:r>
-              <a:rPr lang="zh-CN" altLang="en-US" smtClean="0"/>
+              <a:rPr lang="zh-CN" altLang="en-US"/>
               <a:t>（层叠样式表）用来规定</a:t>
             </a:r>
             <a:r>
-              <a:rPr lang="en-US" altLang="zh-CN" smtClean="0"/>
+              <a:rPr lang="en-US" altLang="zh-CN"/>
               <a:t>HTML</a:t>
             </a:r>
             <a:r>
-              <a:rPr lang="zh-CN" altLang="en-US" smtClean="0"/>
+              <a:rPr lang="zh-CN" altLang="en-US"/>
               <a:t>文档的呈现形式。</a:t>
             </a:r>
-            <a:endParaRPr lang="en-US" altLang="zh-CN" smtClean="0"/>
+            <a:endParaRPr lang="en-US" altLang="zh-CN"/>
           </a:p>
           <a:p>
             <a:endParaRPr lang="zh-CN" altLang="en-US"/>
@@ -7334,7 +5944,7 @@
           <a:lstStyle/>
           <a:p>
             <a:r>
-              <a:rPr lang="en-US" altLang="zh-CN" sz="3200" smtClean="0"/>
+              <a:rPr lang="en-US" altLang="zh-CN" sz="3200"/>
               <a:t>background-color:grey</a:t>
             </a:r>
             <a:endParaRPr lang="zh-CN" altLang="en-US" sz="3200"/>
@@ -7364,7 +5974,7 @@
           <a:lstStyle/>
           <a:p>
             <a:r>
-              <a:rPr lang="en-US" altLang="zh-CN" smtClean="0"/>
+              <a:rPr lang="en-US" altLang="zh-CN"/>
               <a:t>;</a:t>
             </a:r>
             <a:endParaRPr lang="zh-CN" altLang="en-US"/>
@@ -7399,7 +6009,7 @@
           <a:lstStyle/>
           <a:p>
             <a:r>
-              <a:rPr lang="en-US" altLang="zh-CN" sz="3200" smtClean="0"/>
+              <a:rPr lang="en-US" altLang="zh-CN" sz="3200"/>
               <a:t>color:white</a:t>
             </a:r>
             <a:endParaRPr lang="zh-CN" altLang="en-US" sz="3200"/>
@@ -7561,10 +6171,9 @@
           <a:lstStyle/>
           <a:p>
             <a:r>
-              <a:rPr lang="zh-CN" altLang="en-US" smtClean="0"/>
+              <a:rPr lang="zh-CN" altLang="en-US"/>
               <a:t>属性</a:t>
             </a:r>
-            <a:endParaRPr lang="zh-CN" altLang="en-US"/>
           </a:p>
         </p:txBody>
       </p:sp>
@@ -7591,10 +6200,9 @@
           <a:lstStyle/>
           <a:p>
             <a:r>
-              <a:rPr lang="zh-CN" altLang="en-US" smtClean="0"/>
+              <a:rPr lang="zh-CN" altLang="en-US"/>
               <a:t>属性</a:t>
             </a:r>
-            <a:endParaRPr lang="zh-CN" altLang="en-US"/>
           </a:p>
         </p:txBody>
       </p:sp>
@@ -7790,17 +6398,10 @@
   <p:clrMapOvr>
     <a:masterClrMapping/>
   </p:clrMapOvr>
-  <p:timing>
-    <p:tnLst>
-      <p:par>
-        <p:cTn id="1" dur="indefinite" restart="never" nodeType="tmRoot"/>
-      </p:par>
-    </p:tnLst>
-  </p:timing>
 </p:sld>
 </file>
 
-<file path=ppt/slides/slide7.xml><?xml version="1.0" encoding="utf-8"?>
+<file path=ppt/slides/slide20.xml><?xml version="1.0" encoding="utf-8"?>
 <p:sld xmlns:a="http://schemas.openxmlformats.org/drawingml/2006/main" xmlns:r="http://schemas.openxmlformats.org/officeDocument/2006/relationships" xmlns:p="http://schemas.openxmlformats.org/presentationml/2006/main">
   <p:cSld>
     <p:spTree>
@@ -7833,143 +6434,86 @@
           <a:lstStyle/>
           <a:p>
             <a:r>
-              <a:rPr lang="zh-CN" altLang="en-US" smtClean="0"/>
-              <a:t>元素内嵌样式</a:t>
+              <a:rPr lang="zh-CN" altLang="en-US"/>
+              <a:t>普通兄弟选择器</a:t>
+            </a:r>
+          </a:p>
+        </p:txBody>
+      </p:sp>
+      <p:sp>
+        <p:nvSpPr>
+          <p:cNvPr id="3" name="内容占位符 2"/>
+          <p:cNvSpPr>
+            <a:spLocks noGrp="1"/>
+          </p:cNvSpPr>
+          <p:nvPr>
+            <p:ph idx="1"/>
+          </p:nvPr>
+        </p:nvSpPr>
+        <p:spPr/>
+        <p:txBody>
+          <a:bodyPr/>
+          <a:lstStyle/>
+          <a:p>
+            <a:r>
+              <a:rPr lang="zh-CN" altLang="en-US"/>
+              <a:t>作用：选择指定元素之后的兄弟元素</a:t>
+            </a:r>
+            <a:endParaRPr lang="en-US" altLang="zh-CN"/>
+          </a:p>
+          <a:p>
+            <a:r>
+              <a:rPr lang="zh-CN" altLang="en-US"/>
+              <a:t>结构：</a:t>
+            </a:r>
+            <a:r>
+              <a:rPr lang="en-US" altLang="zh-CN"/>
+              <a:t>&lt;</a:t>
+            </a:r>
+            <a:r>
+              <a:rPr lang="zh-CN" altLang="en-US"/>
+              <a:t>第一个选择器</a:t>
+            </a:r>
+            <a:r>
+              <a:rPr lang="en-US" altLang="zh-CN"/>
+              <a:t>&gt;~&lt;</a:t>
+            </a:r>
+            <a:r>
+              <a:rPr lang="zh-CN" altLang="en-US"/>
+              <a:t>第二个选择器</a:t>
+            </a:r>
+            <a:r>
+              <a:rPr lang="en-US" altLang="zh-CN"/>
+              <a:t>&gt;</a:t>
+            </a:r>
+          </a:p>
+          <a:p>
+            <a:r>
+              <a:rPr lang="zh-CN" altLang="en-US"/>
+              <a:t>示例：</a:t>
+            </a:r>
+            <a:r>
+              <a:rPr lang="en-US" altLang="zh-CN"/>
+              <a:t>p ~ a { ... }</a:t>
             </a:r>
             <a:endParaRPr lang="zh-CN" altLang="en-US"/>
-          </a:p>
-        </p:txBody>
-      </p:sp>
-      <p:sp>
-        <p:nvSpPr>
-          <p:cNvPr id="3" name="内容占位符 2"/>
-          <p:cNvSpPr>
-            <a:spLocks noGrp="1"/>
-          </p:cNvSpPr>
-          <p:nvPr>
-            <p:ph idx="1"/>
-          </p:nvPr>
-        </p:nvSpPr>
-        <p:spPr/>
-        <p:txBody>
-          <a:bodyPr>
-            <a:normAutofit/>
-          </a:bodyPr>
-          <a:lstStyle/>
-          <a:p>
-            <a:pPr marL="0" indent="0">
-              <a:buNone/>
-            </a:pPr>
-            <a:r>
-              <a:rPr lang="zh-CN" altLang="en-US" sz="2800" smtClean="0"/>
-              <a:t>使用属性</a:t>
-            </a:r>
-            <a:r>
-              <a:rPr lang="en-US" altLang="zh-CN" sz="2800" smtClean="0"/>
-              <a:t>style</a:t>
-            </a:r>
-            <a:r>
-              <a:rPr lang="zh-CN" altLang="en-US" sz="2800" smtClean="0"/>
-              <a:t>定义样式。</a:t>
-            </a:r>
-            <a:endParaRPr lang="en-US" altLang="zh-CN" sz="2800" smtClean="0"/>
-          </a:p>
-          <a:p>
-            <a:pPr marL="0" indent="0">
-              <a:buNone/>
-            </a:pPr>
-            <a:r>
-              <a:rPr lang="en-US" altLang="zh-CN" sz="2800" smtClean="0"/>
-              <a:t>&lt;body&gt;</a:t>
-            </a:r>
-          </a:p>
-          <a:p>
-            <a:pPr marL="0" indent="0">
-              <a:buNone/>
-            </a:pPr>
-            <a:r>
-              <a:rPr lang="en-US" altLang="zh-CN" sz="2800"/>
-              <a:t>	</a:t>
-            </a:r>
-            <a:r>
-              <a:rPr lang="en-US" altLang="zh-CN" sz="2800" smtClean="0"/>
-              <a:t>&lt;a href=</a:t>
-            </a:r>
-            <a:r>
-              <a:rPr lang="en-US" altLang="zh-CN" sz="2800" smtClean="0">
-                <a:hlinkClick r:id="rId2"/>
-              </a:rPr>
-              <a:t>“www.baidu.com</a:t>
-            </a:r>
-            <a:r>
-              <a:rPr lang="en-US" altLang="zh-CN" sz="2800" smtClean="0"/>
-              <a:t>” style=“color:green”&gt;</a:t>
-            </a:r>
-          </a:p>
-          <a:p>
-            <a:pPr marL="0" indent="0">
-              <a:buNone/>
-            </a:pPr>
-            <a:r>
-              <a:rPr lang="en-US" altLang="zh-CN" sz="2800"/>
-              <a:t>	</a:t>
-            </a:r>
-            <a:r>
-              <a:rPr lang="en-US" altLang="zh-CN" sz="2800" smtClean="0"/>
-              <a:t>	</a:t>
-            </a:r>
-            <a:r>
-              <a:rPr lang="zh-CN" altLang="en-US" sz="2800" smtClean="0"/>
-              <a:t>百度</a:t>
-            </a:r>
-            <a:endParaRPr lang="en-US" altLang="zh-CN" sz="2800" smtClean="0"/>
-          </a:p>
-          <a:p>
-            <a:pPr marL="0" indent="0">
-              <a:buNone/>
-            </a:pPr>
-            <a:r>
-              <a:rPr lang="en-US" altLang="zh-CN" sz="2800"/>
-              <a:t>	</a:t>
-            </a:r>
-            <a:r>
-              <a:rPr lang="en-US" altLang="zh-CN" sz="2800" smtClean="0"/>
-              <a:t>&lt;/a&gt;</a:t>
-            </a:r>
-          </a:p>
-          <a:p>
-            <a:pPr marL="0" indent="0">
-              <a:buNone/>
-            </a:pPr>
-            <a:r>
-              <a:rPr lang="en-US" altLang="zh-CN" sz="2800" smtClean="0"/>
-              <a:t>&lt;/body&gt;</a:t>
-            </a:r>
-            <a:endParaRPr lang="zh-CN" altLang="en-US" sz="2800"/>
           </a:p>
         </p:txBody>
       </p:sp>
     </p:spTree>
     <p:extLst>
       <p:ext uri="{BB962C8B-B14F-4D97-AF65-F5344CB8AC3E}">
-        <p14:creationId xmlns:p14="http://schemas.microsoft.com/office/powerpoint/2010/main" val="2200422107"/>
+        <p14:creationId xmlns:p14="http://schemas.microsoft.com/office/powerpoint/2010/main" val="1188436182"/>
       </p:ext>
     </p:extLst>
   </p:cSld>
   <p:clrMapOvr>
     <a:masterClrMapping/>
   </p:clrMapOvr>
-  <p:timing>
-    <p:tnLst>
-      <p:par>
-        <p:cTn id="1" dur="indefinite" restart="never" nodeType="tmRoot"/>
-      </p:par>
-    </p:tnLst>
-  </p:timing>
 </p:sld>
 </file>
 
-<file path=ppt/slides/slide8.xml><?xml version="1.0" encoding="utf-8"?>
+<file path=ppt/slides/slide21.xml><?xml version="1.0" encoding="utf-8"?>
 <p:sld xmlns:a="http://schemas.openxmlformats.org/drawingml/2006/main" xmlns:r="http://schemas.openxmlformats.org/officeDocument/2006/relationships" xmlns:p="http://schemas.openxmlformats.org/presentationml/2006/main">
   <p:cSld>
     <p:spTree>
@@ -7993,6 +6537,77 @@
             <a:spLocks noGrp="1"/>
           </p:cNvSpPr>
           <p:nvPr>
+            <p:ph type="ctrTitle"/>
+          </p:nvPr>
+        </p:nvSpPr>
+        <p:spPr/>
+        <p:txBody>
+          <a:bodyPr/>
+          <a:lstStyle/>
+          <a:p>
+            <a:r>
+              <a:rPr lang="zh-CN" altLang="en-US"/>
+              <a:t>伪选择器</a:t>
+            </a:r>
+          </a:p>
+        </p:txBody>
+      </p:sp>
+      <p:sp>
+        <p:nvSpPr>
+          <p:cNvPr id="3" name="副标题 2"/>
+          <p:cNvSpPr>
+            <a:spLocks noGrp="1"/>
+          </p:cNvSpPr>
+          <p:nvPr>
+            <p:ph type="subTitle" idx="1"/>
+          </p:nvPr>
+        </p:nvSpPr>
+        <p:spPr/>
+        <p:txBody>
+          <a:bodyPr/>
+          <a:lstStyle/>
+          <a:p>
+            <a:endParaRPr lang="zh-CN" altLang="en-US"/>
+          </a:p>
+        </p:txBody>
+      </p:sp>
+    </p:spTree>
+    <p:extLst>
+      <p:ext uri="{BB962C8B-B14F-4D97-AF65-F5344CB8AC3E}">
+        <p14:creationId xmlns:p14="http://schemas.microsoft.com/office/powerpoint/2010/main" val="3339384724"/>
+      </p:ext>
+    </p:extLst>
+  </p:cSld>
+  <p:clrMapOvr>
+    <a:masterClrMapping/>
+  </p:clrMapOvr>
+</p:sld>
+</file>
+
+<file path=ppt/slides/slide22.xml><?xml version="1.0" encoding="utf-8"?>
+<p:sld xmlns:a="http://schemas.openxmlformats.org/drawingml/2006/main" xmlns:r="http://schemas.openxmlformats.org/officeDocument/2006/relationships" xmlns:p="http://schemas.openxmlformats.org/presentationml/2006/main">
+  <p:cSld>
+    <p:spTree>
+      <p:nvGrpSpPr>
+        <p:cNvPr id="1" name=""/>
+        <p:cNvGrpSpPr/>
+        <p:nvPr/>
+      </p:nvGrpSpPr>
+      <p:grpSpPr>
+        <a:xfrm>
+          <a:off x="0" y="0"/>
+          <a:ext cx="0" cy="0"/>
+          <a:chOff x="0" y="0"/>
+          <a:chExt cx="0" cy="0"/>
+        </a:xfrm>
+      </p:grpSpPr>
+      <p:sp>
+        <p:nvSpPr>
+          <p:cNvPr id="2" name="标题 1"/>
+          <p:cNvSpPr>
+            <a:spLocks noGrp="1"/>
+          </p:cNvSpPr>
+          <p:nvPr>
             <p:ph type="title"/>
           </p:nvPr>
         </p:nvSpPr>
@@ -8003,9 +6618,1153 @@
           <a:p>
             <a:r>
               <a:rPr lang="zh-CN" altLang="en-US" smtClean="0"/>
+              <a:t>在开始或末尾插入内容</a:t>
+            </a:r>
+            <a:endParaRPr lang="zh-CN" altLang="en-US"/>
+          </a:p>
+        </p:txBody>
+      </p:sp>
+      <p:sp>
+        <p:nvSpPr>
+          <p:cNvPr id="3" name="内容占位符 2"/>
+          <p:cNvSpPr>
+            <a:spLocks noGrp="1"/>
+          </p:cNvSpPr>
+          <p:nvPr>
+            <p:ph idx="1"/>
+          </p:nvPr>
+        </p:nvSpPr>
+        <p:spPr/>
+        <p:txBody>
+          <a:bodyPr>
+            <a:normAutofit lnSpcReduction="10000"/>
+          </a:bodyPr>
+          <a:lstStyle/>
+          <a:p>
+            <a:r>
+              <a:rPr lang="en-US" altLang="zh-CN" smtClean="0"/>
+              <a:t>::before</a:t>
+            </a:r>
+            <a:r>
+              <a:rPr lang="zh-CN" altLang="en-US" smtClean="0"/>
+              <a:t>：在元素开始插入内容</a:t>
+            </a:r>
+            <a:endParaRPr lang="en-US" altLang="zh-CN" smtClean="0"/>
+          </a:p>
+          <a:p>
+            <a:r>
+              <a:rPr lang="en-US" altLang="zh-CN" smtClean="0"/>
+              <a:t>::after</a:t>
+            </a:r>
+            <a:r>
+              <a:rPr lang="zh-CN" altLang="en-US" smtClean="0"/>
+              <a:t>：在元素末尾插入内容</a:t>
+            </a:r>
+            <a:endParaRPr lang="en-US" altLang="zh-CN" smtClean="0"/>
+          </a:p>
+          <a:p>
+            <a:r>
+              <a:rPr lang="en-US" altLang="zh-CN" smtClean="0"/>
+              <a:t>content</a:t>
+            </a:r>
+            <a:r>
+              <a:rPr lang="zh-CN" altLang="en-US" smtClean="0"/>
+              <a:t>属性的值为插入的值</a:t>
+            </a:r>
+            <a:endParaRPr lang="en-US" altLang="zh-CN" smtClean="0"/>
+          </a:p>
+          <a:p>
+            <a:r>
+              <a:rPr lang="zh-CN" altLang="en-US" smtClean="0"/>
+              <a:t>示例</a:t>
+            </a:r>
+            <a:r>
+              <a:rPr lang="en-US" altLang="zh-CN" smtClean="0"/>
+              <a:t>:</a:t>
+            </a:r>
+          </a:p>
+          <a:p>
+            <a:pPr marL="0" indent="0">
+              <a:buNone/>
+            </a:pPr>
+            <a:r>
+              <a:rPr lang="en-US" altLang="zh-CN" smtClean="0"/>
+              <a:t>P::before {</a:t>
+            </a:r>
+          </a:p>
+          <a:p>
+            <a:pPr marL="457200" lvl="1" indent="0">
+              <a:buNone/>
+            </a:pPr>
+            <a:r>
+              <a:rPr lang="en-US" altLang="zh-CN" smtClean="0"/>
+              <a:t>content:”</a:t>
+            </a:r>
+            <a:r>
+              <a:rPr lang="zh-CN" altLang="en-US" smtClean="0"/>
+              <a:t>开始出插入</a:t>
+            </a:r>
+            <a:r>
+              <a:rPr lang="en-US" altLang="zh-CN" smtClean="0"/>
+              <a:t>”;</a:t>
+            </a:r>
+          </a:p>
+          <a:p>
+            <a:pPr marL="457200" lvl="1" indent="0">
+              <a:buNone/>
+            </a:pPr>
+            <a:r>
+              <a:rPr lang="en-US" altLang="zh-CN" smtClean="0"/>
+              <a:t>color:blue;</a:t>
+            </a:r>
+            <a:endParaRPr lang="en-US" altLang="zh-CN"/>
+          </a:p>
+          <a:p>
+            <a:pPr marL="0" indent="0">
+              <a:buNone/>
+            </a:pPr>
+            <a:r>
+              <a:rPr lang="en-US" altLang="zh-CN" smtClean="0"/>
+              <a:t>}</a:t>
+            </a:r>
+            <a:endParaRPr lang="zh-CN" altLang="en-US"/>
+          </a:p>
+        </p:txBody>
+      </p:sp>
+    </p:spTree>
+    <p:extLst>
+      <p:ext uri="{BB962C8B-B14F-4D97-AF65-F5344CB8AC3E}">
+        <p14:creationId xmlns:p14="http://schemas.microsoft.com/office/powerpoint/2010/main" val="3257934459"/>
+      </p:ext>
+    </p:extLst>
+  </p:cSld>
+  <p:clrMapOvr>
+    <a:masterClrMapping/>
+  </p:clrMapOvr>
+</p:sld>
+</file>
+
+<file path=ppt/slides/slide23.xml><?xml version="1.0" encoding="utf-8"?>
+<p:sld xmlns:a="http://schemas.openxmlformats.org/drawingml/2006/main" xmlns:r="http://schemas.openxmlformats.org/officeDocument/2006/relationships" xmlns:p="http://schemas.openxmlformats.org/presentationml/2006/main">
+  <p:cSld>
+    <p:spTree>
+      <p:nvGrpSpPr>
+        <p:cNvPr id="1" name=""/>
+        <p:cNvGrpSpPr/>
+        <p:nvPr/>
+      </p:nvGrpSpPr>
+      <p:grpSpPr>
+        <a:xfrm>
+          <a:off x="0" y="0"/>
+          <a:ext cx="0" cy="0"/>
+          <a:chOff x="0" y="0"/>
+          <a:chExt cx="0" cy="0"/>
+        </a:xfrm>
+      </p:grpSpPr>
+      <p:sp>
+        <p:nvSpPr>
+          <p:cNvPr id="2" name="标题 1"/>
+          <p:cNvSpPr>
+            <a:spLocks noGrp="1"/>
+          </p:cNvSpPr>
+          <p:nvPr>
+            <p:ph type="title"/>
+          </p:nvPr>
+        </p:nvSpPr>
+        <p:spPr/>
+        <p:txBody>
+          <a:bodyPr/>
+          <a:lstStyle/>
+          <a:p>
+            <a:r>
+              <a:rPr lang="zh-CN" altLang="en-US" smtClean="0"/>
+              <a:t>选择其父元素的第一</a:t>
+            </a:r>
+            <a:r>
+              <a:rPr lang="zh-CN" altLang="en-US"/>
+              <a:t>个子元素</a:t>
+            </a:r>
+            <a:endParaRPr lang="zh-CN" altLang="en-US"/>
+          </a:p>
+        </p:txBody>
+      </p:sp>
+      <p:sp>
+        <p:nvSpPr>
+          <p:cNvPr id="3" name="内容占位符 2"/>
+          <p:cNvSpPr>
+            <a:spLocks noGrp="1"/>
+          </p:cNvSpPr>
+          <p:nvPr>
+            <p:ph idx="1"/>
+          </p:nvPr>
+        </p:nvSpPr>
+        <p:spPr/>
+        <p:txBody>
+          <a:bodyPr/>
+          <a:lstStyle/>
+          <a:p>
+            <a:r>
+              <a:rPr lang="en-US" altLang="zh-CN"/>
+              <a:t>:first-child </a:t>
+            </a:r>
+            <a:r>
+              <a:rPr lang="zh-CN" altLang="en-US"/>
+              <a:t>或 </a:t>
+            </a:r>
+            <a:r>
+              <a:rPr lang="en-US" altLang="zh-CN"/>
+              <a:t>&lt;</a:t>
+            </a:r>
+            <a:r>
+              <a:rPr lang="zh-CN" altLang="en-US"/>
+              <a:t>元素</a:t>
+            </a:r>
+            <a:r>
+              <a:rPr lang="en-US" altLang="zh-CN"/>
+              <a:t>&gt;:</a:t>
+            </a:r>
+            <a:r>
+              <a:rPr lang="en-US" altLang="zh-CN" smtClean="0"/>
+              <a:t>first-child</a:t>
+            </a:r>
+          </a:p>
+          <a:p>
+            <a:r>
+              <a:rPr lang="zh-CN" altLang="en-US"/>
+              <a:t>示例</a:t>
+            </a:r>
+            <a:r>
+              <a:rPr lang="zh-CN" altLang="en-US" smtClean="0"/>
+              <a:t>：</a:t>
+            </a:r>
+            <a:endParaRPr lang="en-US" altLang="zh-CN" smtClean="0"/>
+          </a:p>
+          <a:p>
+            <a:r>
+              <a:rPr lang="en-US" altLang="zh-CN" smtClean="0"/>
+              <a:t>:</a:t>
+            </a:r>
+            <a:r>
+              <a:rPr lang="en-US" altLang="zh-CN"/>
+              <a:t>fist-child { ... } </a:t>
+            </a:r>
+            <a:r>
+              <a:rPr lang="zh-CN" altLang="en-US"/>
+              <a:t>或 </a:t>
+            </a:r>
+            <a:r>
+              <a:rPr lang="en-US" altLang="zh-CN"/>
+              <a:t>p:first-child { ... }</a:t>
+            </a:r>
+            <a:endParaRPr lang="zh-CN" altLang="en-US"/>
+          </a:p>
+        </p:txBody>
+      </p:sp>
+    </p:spTree>
+    <p:extLst>
+      <p:ext uri="{BB962C8B-B14F-4D97-AF65-F5344CB8AC3E}">
+        <p14:creationId xmlns:p14="http://schemas.microsoft.com/office/powerpoint/2010/main" val="1858044111"/>
+      </p:ext>
+    </p:extLst>
+  </p:cSld>
+  <p:clrMapOvr>
+    <a:masterClrMapping/>
+  </p:clrMapOvr>
+</p:sld>
+</file>
+
+<file path=ppt/slides/slide24.xml><?xml version="1.0" encoding="utf-8"?>
+<p:sld xmlns:a="http://schemas.openxmlformats.org/drawingml/2006/main" xmlns:r="http://schemas.openxmlformats.org/officeDocument/2006/relationships" xmlns:p="http://schemas.openxmlformats.org/presentationml/2006/main">
+  <p:cSld>
+    <p:spTree>
+      <p:nvGrpSpPr>
+        <p:cNvPr id="1" name=""/>
+        <p:cNvGrpSpPr/>
+        <p:nvPr/>
+      </p:nvGrpSpPr>
+      <p:grpSpPr>
+        <a:xfrm>
+          <a:off x="0" y="0"/>
+          <a:ext cx="0" cy="0"/>
+          <a:chOff x="0" y="0"/>
+          <a:chExt cx="0" cy="0"/>
+        </a:xfrm>
+      </p:grpSpPr>
+      <p:sp>
+        <p:nvSpPr>
+          <p:cNvPr id="2" name="标题 1"/>
+          <p:cNvSpPr>
+            <a:spLocks noGrp="1"/>
+          </p:cNvSpPr>
+          <p:nvPr>
+            <p:ph type="title"/>
+          </p:nvPr>
+        </p:nvSpPr>
+        <p:spPr/>
+        <p:txBody>
+          <a:bodyPr/>
+          <a:lstStyle/>
+          <a:p>
+            <a:r>
+              <a:rPr lang="zh-CN" altLang="en-US" smtClean="0"/>
+              <a:t>选择其父元素的最后</a:t>
+            </a:r>
+            <a:r>
+              <a:rPr lang="zh-CN" altLang="en-US"/>
+              <a:t>一个元素</a:t>
+            </a:r>
+            <a:endParaRPr lang="zh-CN" altLang="en-US"/>
+          </a:p>
+        </p:txBody>
+      </p:sp>
+      <p:sp>
+        <p:nvSpPr>
+          <p:cNvPr id="3" name="内容占位符 2"/>
+          <p:cNvSpPr>
+            <a:spLocks noGrp="1"/>
+          </p:cNvSpPr>
+          <p:nvPr>
+            <p:ph idx="1"/>
+          </p:nvPr>
+        </p:nvSpPr>
+        <p:spPr/>
+        <p:txBody>
+          <a:bodyPr/>
+          <a:lstStyle/>
+          <a:p>
+            <a:r>
+              <a:rPr lang="en-US" altLang="zh-CN"/>
+              <a:t>:last-child </a:t>
+            </a:r>
+            <a:r>
+              <a:rPr lang="zh-CN" altLang="en-US"/>
+              <a:t>或 </a:t>
+            </a:r>
+            <a:r>
+              <a:rPr lang="en-US" altLang="zh-CN"/>
+              <a:t>&lt;</a:t>
+            </a:r>
+            <a:r>
+              <a:rPr lang="zh-CN" altLang="en-US"/>
+              <a:t>元素</a:t>
+            </a:r>
+            <a:r>
+              <a:rPr lang="en-US" altLang="zh-CN"/>
+              <a:t>&gt;:</a:t>
+            </a:r>
+            <a:r>
+              <a:rPr lang="en-US" altLang="zh-CN" smtClean="0"/>
+              <a:t>last-child</a:t>
+            </a:r>
+          </a:p>
+          <a:p>
+            <a:r>
+              <a:rPr lang="zh-CN" altLang="en-US"/>
+              <a:t>示例</a:t>
+            </a:r>
+            <a:r>
+              <a:rPr lang="zh-CN" altLang="en-US" smtClean="0"/>
+              <a:t>：</a:t>
+            </a:r>
+            <a:endParaRPr lang="en-US" altLang="zh-CN" smtClean="0"/>
+          </a:p>
+          <a:p>
+            <a:r>
+              <a:rPr lang="en-US" altLang="zh-CN" smtClean="0"/>
+              <a:t>:</a:t>
+            </a:r>
+            <a:r>
+              <a:rPr lang="en-US" altLang="zh-CN"/>
+              <a:t>last-child { ... } </a:t>
+            </a:r>
+            <a:r>
+              <a:rPr lang="zh-CN" altLang="en-US"/>
+              <a:t>或 </a:t>
+            </a:r>
+            <a:r>
+              <a:rPr lang="en-US" altLang="zh-CN"/>
+              <a:t>p:last-child { ... }</a:t>
+            </a:r>
+            <a:endParaRPr lang="zh-CN" altLang="en-US"/>
+          </a:p>
+        </p:txBody>
+      </p:sp>
+    </p:spTree>
+    <p:extLst>
+      <p:ext uri="{BB962C8B-B14F-4D97-AF65-F5344CB8AC3E}">
+        <p14:creationId xmlns:p14="http://schemas.microsoft.com/office/powerpoint/2010/main" val="1632430489"/>
+      </p:ext>
+    </p:extLst>
+  </p:cSld>
+  <p:clrMapOvr>
+    <a:masterClrMapping/>
+  </p:clrMapOvr>
+</p:sld>
+</file>
+
+<file path=ppt/slides/slide25.xml><?xml version="1.0" encoding="utf-8"?>
+<p:sld xmlns:a="http://schemas.openxmlformats.org/drawingml/2006/main" xmlns:r="http://schemas.openxmlformats.org/officeDocument/2006/relationships" xmlns:p="http://schemas.openxmlformats.org/presentationml/2006/main">
+  <p:cSld>
+    <p:spTree>
+      <p:nvGrpSpPr>
+        <p:cNvPr id="1" name=""/>
+        <p:cNvGrpSpPr/>
+        <p:nvPr/>
+      </p:nvGrpSpPr>
+      <p:grpSpPr>
+        <a:xfrm>
+          <a:off x="0" y="0"/>
+          <a:ext cx="0" cy="0"/>
+          <a:chOff x="0" y="0"/>
+          <a:chExt cx="0" cy="0"/>
+        </a:xfrm>
+      </p:grpSpPr>
+      <p:sp>
+        <p:nvSpPr>
+          <p:cNvPr id="2" name="标题 1"/>
+          <p:cNvSpPr>
+            <a:spLocks noGrp="1"/>
+          </p:cNvSpPr>
+          <p:nvPr>
+            <p:ph type="title"/>
+          </p:nvPr>
+        </p:nvSpPr>
+        <p:spPr/>
+        <p:txBody>
+          <a:bodyPr/>
+          <a:lstStyle/>
+          <a:p>
+            <a:r>
+              <a:rPr lang="zh-CN" altLang="en-US" smtClean="0"/>
+              <a:t>选择其父元素的指定元素</a:t>
+            </a:r>
+            <a:endParaRPr lang="zh-CN" altLang="en-US"/>
+          </a:p>
+        </p:txBody>
+      </p:sp>
+      <p:sp>
+        <p:nvSpPr>
+          <p:cNvPr id="3" name="内容占位符 2"/>
+          <p:cNvSpPr>
+            <a:spLocks noGrp="1"/>
+          </p:cNvSpPr>
+          <p:nvPr>
+            <p:ph idx="1"/>
+          </p:nvPr>
+        </p:nvSpPr>
+        <p:spPr/>
+        <p:txBody>
+          <a:bodyPr/>
+          <a:lstStyle/>
+          <a:p>
+            <a:r>
+              <a:rPr lang="en-US" altLang="zh-CN" smtClean="0"/>
+              <a:t>:nth-child()</a:t>
+            </a:r>
+          </a:p>
+          <a:p>
+            <a:r>
+              <a:rPr lang="zh-CN" altLang="en-US" smtClean="0"/>
+              <a:t>示例：</a:t>
+            </a:r>
+            <a:endParaRPr lang="en-US" altLang="zh-CN" smtClean="0"/>
+          </a:p>
+          <a:p>
+            <a:r>
+              <a:rPr lang="en-US" altLang="zh-CN" smtClean="0"/>
+              <a:t>p:nth-child(2) {…}</a:t>
+            </a:r>
+            <a:endParaRPr lang="zh-CN" altLang="en-US"/>
+          </a:p>
+        </p:txBody>
+      </p:sp>
+    </p:spTree>
+    <p:extLst>
+      <p:ext uri="{BB962C8B-B14F-4D97-AF65-F5344CB8AC3E}">
+        <p14:creationId xmlns:p14="http://schemas.microsoft.com/office/powerpoint/2010/main" val="1615732471"/>
+      </p:ext>
+    </p:extLst>
+  </p:cSld>
+  <p:clrMapOvr>
+    <a:masterClrMapping/>
+  </p:clrMapOvr>
+</p:sld>
+</file>
+
+<file path=ppt/slides/slide26.xml><?xml version="1.0" encoding="utf-8"?>
+<p:sld xmlns:a="http://schemas.openxmlformats.org/drawingml/2006/main" xmlns:r="http://schemas.openxmlformats.org/officeDocument/2006/relationships" xmlns:p="http://schemas.openxmlformats.org/presentationml/2006/main">
+  <p:cSld>
+    <p:spTree>
+      <p:nvGrpSpPr>
+        <p:cNvPr id="1" name=""/>
+        <p:cNvGrpSpPr/>
+        <p:nvPr/>
+      </p:nvGrpSpPr>
+      <p:grpSpPr>
+        <a:xfrm>
+          <a:off x="0" y="0"/>
+          <a:ext cx="0" cy="0"/>
+          <a:chOff x="0" y="0"/>
+          <a:chExt cx="0" cy="0"/>
+        </a:xfrm>
+      </p:grpSpPr>
+      <p:sp>
+        <p:nvSpPr>
+          <p:cNvPr id="2" name="标题 1"/>
+          <p:cNvSpPr>
+            <a:spLocks noGrp="1"/>
+          </p:cNvSpPr>
+          <p:nvPr>
+            <p:ph type="title"/>
+          </p:nvPr>
+        </p:nvSpPr>
+        <p:spPr/>
+        <p:txBody>
+          <a:bodyPr/>
+          <a:lstStyle/>
+          <a:p>
+            <a:r>
+              <a:rPr lang="zh-CN" altLang="en-US"/>
+              <a:t>选择已勾选的元素</a:t>
+            </a:r>
+          </a:p>
+        </p:txBody>
+      </p:sp>
+      <p:sp>
+        <p:nvSpPr>
+          <p:cNvPr id="3" name="内容占位符 2"/>
+          <p:cNvSpPr>
+            <a:spLocks noGrp="1"/>
+          </p:cNvSpPr>
+          <p:nvPr>
+            <p:ph idx="1"/>
+          </p:nvPr>
+        </p:nvSpPr>
+        <p:spPr/>
+        <p:txBody>
+          <a:bodyPr/>
+          <a:lstStyle/>
+          <a:p>
+            <a:r>
+              <a:rPr lang="en-US" altLang="zh-CN"/>
+              <a:t>:checked { ... } </a:t>
+            </a:r>
+            <a:r>
+              <a:rPr lang="zh-CN" altLang="en-US"/>
+              <a:t>或 </a:t>
+            </a:r>
+            <a:r>
+              <a:rPr lang="en-US" altLang="zh-CN"/>
+              <a:t>&lt;</a:t>
+            </a:r>
+            <a:r>
+              <a:rPr lang="zh-CN" altLang="en-US"/>
+              <a:t>元素</a:t>
+            </a:r>
+            <a:r>
+              <a:rPr lang="en-US" altLang="zh-CN"/>
+              <a:t>&gt;:checked { ... }</a:t>
+            </a:r>
+            <a:endParaRPr lang="zh-CN" altLang="en-US"/>
+          </a:p>
+        </p:txBody>
+      </p:sp>
+    </p:spTree>
+    <p:extLst>
+      <p:ext uri="{BB962C8B-B14F-4D97-AF65-F5344CB8AC3E}">
+        <p14:creationId xmlns:p14="http://schemas.microsoft.com/office/powerpoint/2010/main" val="3949372501"/>
+      </p:ext>
+    </p:extLst>
+  </p:cSld>
+  <p:clrMapOvr>
+    <a:masterClrMapping/>
+  </p:clrMapOvr>
+</p:sld>
+</file>
+
+<file path=ppt/slides/slide27.xml><?xml version="1.0" encoding="utf-8"?>
+<p:sld xmlns:a="http://schemas.openxmlformats.org/drawingml/2006/main" xmlns:r="http://schemas.openxmlformats.org/officeDocument/2006/relationships" xmlns:p="http://schemas.openxmlformats.org/presentationml/2006/main">
+  <p:cSld>
+    <p:spTree>
+      <p:nvGrpSpPr>
+        <p:cNvPr id="1" name=""/>
+        <p:cNvGrpSpPr/>
+        <p:nvPr/>
+      </p:nvGrpSpPr>
+      <p:grpSpPr>
+        <a:xfrm>
+          <a:off x="0" y="0"/>
+          <a:ext cx="0" cy="0"/>
+          <a:chOff x="0" y="0"/>
+          <a:chExt cx="0" cy="0"/>
+        </a:xfrm>
+      </p:grpSpPr>
+      <p:sp>
+        <p:nvSpPr>
+          <p:cNvPr id="2" name="标题 1"/>
+          <p:cNvSpPr>
+            <a:spLocks noGrp="1"/>
+          </p:cNvSpPr>
+          <p:nvPr>
+            <p:ph type="title"/>
+          </p:nvPr>
+        </p:nvSpPr>
+        <p:spPr/>
+        <p:txBody>
+          <a:bodyPr/>
+          <a:lstStyle/>
+          <a:p>
+            <a:r>
+              <a:rPr lang="zh-CN" altLang="en-US"/>
+              <a:t>选择鼠标悬停的元素</a:t>
+            </a:r>
+            <a:endParaRPr lang="zh-CN" altLang="en-US"/>
+          </a:p>
+        </p:txBody>
+      </p:sp>
+      <p:sp>
+        <p:nvSpPr>
+          <p:cNvPr id="3" name="内容占位符 2"/>
+          <p:cNvSpPr>
+            <a:spLocks noGrp="1"/>
+          </p:cNvSpPr>
+          <p:nvPr>
+            <p:ph idx="1"/>
+          </p:nvPr>
+        </p:nvSpPr>
+        <p:spPr/>
+        <p:txBody>
+          <a:bodyPr/>
+          <a:lstStyle/>
+          <a:p>
+            <a:r>
+              <a:rPr lang="en-US" altLang="zh-CN"/>
+              <a:t>:hover { ... } </a:t>
+            </a:r>
+            <a:r>
+              <a:rPr lang="zh-CN" altLang="en-US"/>
+              <a:t>或 </a:t>
+            </a:r>
+            <a:r>
+              <a:rPr lang="en-US" altLang="zh-CN"/>
+              <a:t>&lt;</a:t>
+            </a:r>
+            <a:r>
+              <a:rPr lang="zh-CN" altLang="en-US"/>
+              <a:t>元素</a:t>
+            </a:r>
+            <a:r>
+              <a:rPr lang="en-US" altLang="zh-CN"/>
+              <a:t>&gt;:hover { ... }</a:t>
+            </a:r>
+            <a:endParaRPr lang="zh-CN" altLang="en-US"/>
+          </a:p>
+        </p:txBody>
+      </p:sp>
+    </p:spTree>
+    <p:extLst>
+      <p:ext uri="{BB962C8B-B14F-4D97-AF65-F5344CB8AC3E}">
+        <p14:creationId xmlns:p14="http://schemas.microsoft.com/office/powerpoint/2010/main" val="3660933226"/>
+      </p:ext>
+    </p:extLst>
+  </p:cSld>
+  <p:clrMapOvr>
+    <a:masterClrMapping/>
+  </p:clrMapOvr>
+</p:sld>
+</file>
+
+<file path=ppt/slides/slide28.xml><?xml version="1.0" encoding="utf-8"?>
+<p:sld xmlns:a="http://schemas.openxmlformats.org/drawingml/2006/main" xmlns:r="http://schemas.openxmlformats.org/officeDocument/2006/relationships" xmlns:p="http://schemas.openxmlformats.org/presentationml/2006/main">
+  <p:cSld>
+    <p:spTree>
+      <p:nvGrpSpPr>
+        <p:cNvPr id="1" name=""/>
+        <p:cNvGrpSpPr/>
+        <p:nvPr/>
+      </p:nvGrpSpPr>
+      <p:grpSpPr>
+        <a:xfrm>
+          <a:off x="0" y="0"/>
+          <a:ext cx="0" cy="0"/>
+          <a:chOff x="0" y="0"/>
+          <a:chExt cx="0" cy="0"/>
+        </a:xfrm>
+      </p:grpSpPr>
+      <p:sp>
+        <p:nvSpPr>
+          <p:cNvPr id="2" name="标题 1"/>
+          <p:cNvSpPr>
+            <a:spLocks noGrp="1"/>
+          </p:cNvSpPr>
+          <p:nvPr>
+            <p:ph type="title"/>
+          </p:nvPr>
+        </p:nvSpPr>
+        <p:spPr/>
+        <p:txBody>
+          <a:bodyPr>
+            <a:normAutofit fontScale="90000"/>
+          </a:bodyPr>
+          <a:lstStyle/>
+          <a:p>
+            <a:r>
+              <a:rPr lang="zh-CN" altLang="en-US"/>
+              <a:t>选择被用户激活的元素（例如鼠标单击）</a:t>
+            </a:r>
+            <a:endParaRPr lang="zh-CN" altLang="en-US"/>
+          </a:p>
+        </p:txBody>
+      </p:sp>
+      <p:sp>
+        <p:nvSpPr>
+          <p:cNvPr id="3" name="内容占位符 2"/>
+          <p:cNvSpPr>
+            <a:spLocks noGrp="1"/>
+          </p:cNvSpPr>
+          <p:nvPr>
+            <p:ph idx="1"/>
+          </p:nvPr>
+        </p:nvSpPr>
+        <p:spPr/>
+        <p:txBody>
+          <a:bodyPr/>
+          <a:lstStyle/>
+          <a:p>
+            <a:r>
+              <a:rPr lang="en-US" altLang="zh-CN"/>
+              <a:t>:active { ... } </a:t>
+            </a:r>
+            <a:r>
+              <a:rPr lang="zh-CN" altLang="en-US"/>
+              <a:t>或 </a:t>
+            </a:r>
+            <a:r>
+              <a:rPr lang="en-US" altLang="zh-CN"/>
+              <a:t>&lt;</a:t>
+            </a:r>
+            <a:r>
+              <a:rPr lang="zh-CN" altLang="en-US"/>
+              <a:t>元素</a:t>
+            </a:r>
+            <a:r>
+              <a:rPr lang="en-US" altLang="zh-CN"/>
+              <a:t>&gt;:active { ... }</a:t>
+            </a:r>
+            <a:endParaRPr lang="zh-CN" altLang="en-US"/>
+          </a:p>
+        </p:txBody>
+      </p:sp>
+    </p:spTree>
+    <p:extLst>
+      <p:ext uri="{BB962C8B-B14F-4D97-AF65-F5344CB8AC3E}">
+        <p14:creationId xmlns:p14="http://schemas.microsoft.com/office/powerpoint/2010/main" val="363894258"/>
+      </p:ext>
+    </p:extLst>
+  </p:cSld>
+  <p:clrMapOvr>
+    <a:masterClrMapping/>
+  </p:clrMapOvr>
+</p:sld>
+</file>
+
+<file path=ppt/slides/slide29.xml><?xml version="1.0" encoding="utf-8"?>
+<p:sld xmlns:a="http://schemas.openxmlformats.org/drawingml/2006/main" xmlns:r="http://schemas.openxmlformats.org/officeDocument/2006/relationships" xmlns:p="http://schemas.openxmlformats.org/presentationml/2006/main">
+  <p:cSld>
+    <p:spTree>
+      <p:nvGrpSpPr>
+        <p:cNvPr id="1" name=""/>
+        <p:cNvGrpSpPr/>
+        <p:nvPr/>
+      </p:nvGrpSpPr>
+      <p:grpSpPr>
+        <a:xfrm>
+          <a:off x="0" y="0"/>
+          <a:ext cx="0" cy="0"/>
+          <a:chOff x="0" y="0"/>
+          <a:chExt cx="0" cy="0"/>
+        </a:xfrm>
+      </p:grpSpPr>
+      <p:sp>
+        <p:nvSpPr>
+          <p:cNvPr id="2" name="标题 1"/>
+          <p:cNvSpPr>
+            <a:spLocks noGrp="1"/>
+          </p:cNvSpPr>
+          <p:nvPr>
+            <p:ph type="title"/>
+          </p:nvPr>
+        </p:nvSpPr>
+        <p:spPr/>
+        <p:txBody>
+          <a:bodyPr/>
+          <a:lstStyle/>
+          <a:p>
+            <a:r>
+              <a:rPr lang="zh-CN" altLang="en-US"/>
+              <a:t>否定选择器</a:t>
+            </a:r>
+            <a:endParaRPr lang="zh-CN" altLang="en-US"/>
+          </a:p>
+        </p:txBody>
+      </p:sp>
+      <p:sp>
+        <p:nvSpPr>
+          <p:cNvPr id="3" name="内容占位符 2"/>
+          <p:cNvSpPr>
+            <a:spLocks noGrp="1"/>
+          </p:cNvSpPr>
+          <p:nvPr>
+            <p:ph idx="1"/>
+          </p:nvPr>
+        </p:nvSpPr>
+        <p:spPr/>
+        <p:txBody>
+          <a:bodyPr/>
+          <a:lstStyle/>
+          <a:p>
+            <a:r>
+              <a:rPr lang="en-US" altLang="zh-CN"/>
+              <a:t>:not { ... } </a:t>
+            </a:r>
+            <a:r>
+              <a:rPr lang="zh-CN" altLang="en-US"/>
+              <a:t>或 </a:t>
+            </a:r>
+            <a:r>
+              <a:rPr lang="en-US" altLang="zh-CN"/>
+              <a:t>&lt;</a:t>
+            </a:r>
+            <a:r>
+              <a:rPr lang="zh-CN" altLang="en-US"/>
+              <a:t>元素</a:t>
+            </a:r>
+            <a:r>
+              <a:rPr lang="en-US" altLang="zh-CN"/>
+              <a:t>&gt;:not { ... }</a:t>
+            </a:r>
+            <a:endParaRPr lang="zh-CN" altLang="en-US"/>
+          </a:p>
+        </p:txBody>
+      </p:sp>
+    </p:spTree>
+    <p:extLst>
+      <p:ext uri="{BB962C8B-B14F-4D97-AF65-F5344CB8AC3E}">
+        <p14:creationId xmlns:p14="http://schemas.microsoft.com/office/powerpoint/2010/main" val="4124760334"/>
+      </p:ext>
+    </p:extLst>
+  </p:cSld>
+  <p:clrMapOvr>
+    <a:masterClrMapping/>
+  </p:clrMapOvr>
+</p:sld>
+</file>
+
+<file path=ppt/slides/slide3.xml><?xml version="1.0" encoding="utf-8"?>
+<p:sld xmlns:a="http://schemas.openxmlformats.org/drawingml/2006/main" xmlns:r="http://schemas.openxmlformats.org/officeDocument/2006/relationships" xmlns:p="http://schemas.openxmlformats.org/presentationml/2006/main">
+  <p:cSld>
+    <p:spTree>
+      <p:nvGrpSpPr>
+        <p:cNvPr id="1" name=""/>
+        <p:cNvGrpSpPr/>
+        <p:nvPr/>
+      </p:nvGrpSpPr>
+      <p:grpSpPr>
+        <a:xfrm>
+          <a:off x="0" y="0"/>
+          <a:ext cx="0" cy="0"/>
+          <a:chOff x="0" y="0"/>
+          <a:chExt cx="0" cy="0"/>
+        </a:xfrm>
+      </p:grpSpPr>
+      <p:sp>
+        <p:nvSpPr>
+          <p:cNvPr id="2" name="标题 1"/>
+          <p:cNvSpPr>
+            <a:spLocks noGrp="1"/>
+          </p:cNvSpPr>
+          <p:nvPr>
+            <p:ph type="title"/>
+          </p:nvPr>
+        </p:nvSpPr>
+        <p:spPr/>
+        <p:txBody>
+          <a:bodyPr/>
+          <a:lstStyle/>
+          <a:p>
+            <a:r>
+              <a:rPr lang="zh-CN" altLang="en-US"/>
+              <a:t>元素内嵌样式</a:t>
+            </a:r>
+          </a:p>
+        </p:txBody>
+      </p:sp>
+      <p:sp>
+        <p:nvSpPr>
+          <p:cNvPr id="3" name="内容占位符 2"/>
+          <p:cNvSpPr>
+            <a:spLocks noGrp="1"/>
+          </p:cNvSpPr>
+          <p:nvPr>
+            <p:ph idx="1"/>
+          </p:nvPr>
+        </p:nvSpPr>
+        <p:spPr/>
+        <p:txBody>
+          <a:bodyPr>
+            <a:normAutofit/>
+          </a:bodyPr>
+          <a:lstStyle/>
+          <a:p>
+            <a:pPr marL="0" indent="0">
+              <a:buNone/>
+            </a:pPr>
+            <a:r>
+              <a:rPr lang="zh-CN" altLang="en-US" sz="2800"/>
+              <a:t>使用属性</a:t>
+            </a:r>
+            <a:r>
+              <a:rPr lang="en-US" altLang="zh-CN" sz="2800"/>
+              <a:t>style</a:t>
+            </a:r>
+            <a:r>
+              <a:rPr lang="zh-CN" altLang="en-US" sz="2800"/>
+              <a:t>定义样式。</a:t>
+            </a:r>
+            <a:endParaRPr lang="en-US" altLang="zh-CN" sz="2800"/>
+          </a:p>
+          <a:p>
+            <a:pPr marL="0" indent="0">
+              <a:buNone/>
+            </a:pPr>
+            <a:r>
+              <a:rPr lang="en-US" altLang="zh-CN" sz="2800"/>
+              <a:t>&lt;body&gt;</a:t>
+            </a:r>
+          </a:p>
+          <a:p>
+            <a:pPr marL="0" indent="0">
+              <a:buNone/>
+            </a:pPr>
+            <a:r>
+              <a:rPr lang="en-US" altLang="zh-CN" sz="2800"/>
+              <a:t>	&lt;a href=</a:t>
+            </a:r>
+            <a:r>
+              <a:rPr lang="en-US" altLang="zh-CN" sz="2800">
+                <a:hlinkClick r:id="rId2"/>
+              </a:rPr>
+              <a:t>“www.baidu.com</a:t>
+            </a:r>
+            <a:r>
+              <a:rPr lang="en-US" altLang="zh-CN" sz="2800"/>
+              <a:t>” style=“color:green”&gt;</a:t>
+            </a:r>
+          </a:p>
+          <a:p>
+            <a:pPr marL="0" indent="0">
+              <a:buNone/>
+            </a:pPr>
+            <a:r>
+              <a:rPr lang="en-US" altLang="zh-CN" sz="2800"/>
+              <a:t>		</a:t>
+            </a:r>
+            <a:r>
+              <a:rPr lang="zh-CN" altLang="en-US" sz="2800"/>
+              <a:t>百度</a:t>
+            </a:r>
+            <a:endParaRPr lang="en-US" altLang="zh-CN" sz="2800"/>
+          </a:p>
+          <a:p>
+            <a:pPr marL="0" indent="0">
+              <a:buNone/>
+            </a:pPr>
+            <a:r>
+              <a:rPr lang="en-US" altLang="zh-CN" sz="2800"/>
+              <a:t>	&lt;/a&gt;</a:t>
+            </a:r>
+          </a:p>
+          <a:p>
+            <a:pPr marL="0" indent="0">
+              <a:buNone/>
+            </a:pPr>
+            <a:r>
+              <a:rPr lang="en-US" altLang="zh-CN" sz="2800"/>
+              <a:t>&lt;/body&gt;</a:t>
+            </a:r>
+            <a:endParaRPr lang="zh-CN" altLang="en-US" sz="2800"/>
+          </a:p>
+        </p:txBody>
+      </p:sp>
+    </p:spTree>
+    <p:extLst>
+      <p:ext uri="{BB962C8B-B14F-4D97-AF65-F5344CB8AC3E}">
+        <p14:creationId xmlns:p14="http://schemas.microsoft.com/office/powerpoint/2010/main" val="2200422107"/>
+      </p:ext>
+    </p:extLst>
+  </p:cSld>
+  <p:clrMapOvr>
+    <a:masterClrMapping/>
+  </p:clrMapOvr>
+</p:sld>
+</file>
+
+<file path=ppt/slides/slide30.xml><?xml version="1.0" encoding="utf-8"?>
+<p:sld xmlns:a="http://schemas.openxmlformats.org/drawingml/2006/main" xmlns:r="http://schemas.openxmlformats.org/officeDocument/2006/relationships" xmlns:p="http://schemas.openxmlformats.org/presentationml/2006/main">
+  <p:cSld>
+    <p:spTree>
+      <p:nvGrpSpPr>
+        <p:cNvPr id="1" name=""/>
+        <p:cNvGrpSpPr/>
+        <p:nvPr/>
+      </p:nvGrpSpPr>
+      <p:grpSpPr>
+        <a:xfrm>
+          <a:off x="0" y="0"/>
+          <a:ext cx="0" cy="0"/>
+          <a:chOff x="0" y="0"/>
+          <a:chExt cx="0" cy="0"/>
+        </a:xfrm>
+      </p:grpSpPr>
+      <p:sp>
+        <p:nvSpPr>
+          <p:cNvPr id="2" name="标题 1"/>
+          <p:cNvSpPr>
+            <a:spLocks noGrp="1"/>
+          </p:cNvSpPr>
+          <p:nvPr>
+            <p:ph type="title"/>
+          </p:nvPr>
+        </p:nvSpPr>
+        <p:spPr/>
+        <p:txBody>
+          <a:bodyPr/>
+          <a:lstStyle/>
+          <a:p>
+            <a:r>
+              <a:rPr lang="en-US" altLang="zh-CN" smtClean="0"/>
+              <a:t>UI</a:t>
+            </a:r>
+            <a:r>
+              <a:rPr lang="zh-CN" altLang="en-US" smtClean="0"/>
+              <a:t>伪类选择器</a:t>
+            </a:r>
+            <a:endParaRPr lang="zh-CN" altLang="en-US"/>
+          </a:p>
+        </p:txBody>
+      </p:sp>
+      <p:sp>
+        <p:nvSpPr>
+          <p:cNvPr id="3" name="内容占位符 2"/>
+          <p:cNvSpPr>
+            <a:spLocks noGrp="1"/>
+          </p:cNvSpPr>
+          <p:nvPr>
+            <p:ph idx="1"/>
+          </p:nvPr>
+        </p:nvSpPr>
+        <p:spPr/>
+        <p:txBody>
+          <a:bodyPr/>
+          <a:lstStyle/>
+          <a:p>
+            <a:r>
+              <a:rPr lang="en-US" altLang="zh-CN"/>
+              <a:t>UI</a:t>
+            </a:r>
+            <a:r>
+              <a:rPr lang="zh-CN" altLang="en-US"/>
+              <a:t>伪类</a:t>
+            </a:r>
+            <a:r>
+              <a:rPr lang="zh-CN" altLang="en-US"/>
+              <a:t>选择</a:t>
+            </a:r>
+            <a:r>
+              <a:rPr lang="zh-CN" altLang="en-US" smtClean="0"/>
+              <a:t>器（</a:t>
+            </a:r>
+            <a:r>
+              <a:rPr lang="en-US" altLang="zh-CN" smtClean="0"/>
+              <a:t>:hover</a:t>
+            </a:r>
+            <a:r>
+              <a:rPr lang="zh-CN" altLang="en-US" smtClean="0"/>
+              <a:t>、</a:t>
+            </a:r>
+            <a:r>
+              <a:rPr lang="en-US" altLang="zh-CN" smtClean="0"/>
+              <a:t>:checked</a:t>
+            </a:r>
+            <a:r>
+              <a:rPr lang="zh-CN" altLang="en-US" smtClean="0"/>
+              <a:t>、</a:t>
+            </a:r>
+            <a:r>
+              <a:rPr lang="en-US" altLang="zh-CN" smtClean="0"/>
+              <a:t>:active</a:t>
+            </a:r>
+            <a:r>
+              <a:rPr lang="zh-CN" altLang="en-US" smtClean="0"/>
+              <a:t>）可以</a:t>
+            </a:r>
+            <a:r>
+              <a:rPr lang="zh-CN" altLang="en-US"/>
+              <a:t>作为触发器，触发子元素、后代元素或兄弟元素，但是本身不会受到影响。</a:t>
+            </a:r>
+            <a:endParaRPr lang="zh-CN" altLang="en-US"/>
+          </a:p>
+        </p:txBody>
+      </p:sp>
+    </p:spTree>
+    <p:extLst>
+      <p:ext uri="{BB962C8B-B14F-4D97-AF65-F5344CB8AC3E}">
+        <p14:creationId xmlns:p14="http://schemas.microsoft.com/office/powerpoint/2010/main" val="434818311"/>
+      </p:ext>
+    </p:extLst>
+  </p:cSld>
+  <p:clrMapOvr>
+    <a:masterClrMapping/>
+  </p:clrMapOvr>
+</p:sld>
+</file>
+
+<file path=ppt/slides/slide4.xml><?xml version="1.0" encoding="utf-8"?>
+<p:sld xmlns:a="http://schemas.openxmlformats.org/drawingml/2006/main" xmlns:r="http://schemas.openxmlformats.org/officeDocument/2006/relationships" xmlns:p="http://schemas.openxmlformats.org/presentationml/2006/main">
+  <p:cSld>
+    <p:spTree>
+      <p:nvGrpSpPr>
+        <p:cNvPr id="1" name=""/>
+        <p:cNvGrpSpPr/>
+        <p:nvPr/>
+      </p:nvGrpSpPr>
+      <p:grpSpPr>
+        <a:xfrm>
+          <a:off x="0" y="0"/>
+          <a:ext cx="0" cy="0"/>
+          <a:chOff x="0" y="0"/>
+          <a:chExt cx="0" cy="0"/>
+        </a:xfrm>
+      </p:grpSpPr>
+      <p:sp>
+        <p:nvSpPr>
+          <p:cNvPr id="2" name="标题 1"/>
+          <p:cNvSpPr>
+            <a:spLocks noGrp="1"/>
+          </p:cNvSpPr>
+          <p:nvPr>
+            <p:ph type="title"/>
+          </p:nvPr>
+        </p:nvSpPr>
+        <p:spPr/>
+        <p:txBody>
+          <a:bodyPr/>
+          <a:lstStyle/>
+          <a:p>
+            <a:r>
+              <a:rPr lang="zh-CN" altLang="en-US"/>
               <a:t>使用文档内嵌样式</a:t>
             </a:r>
-            <a:endParaRPr lang="zh-CN" altLang="en-US"/>
           </a:p>
         </p:txBody>
       </p:sp>
@@ -8027,41 +7786,41 @@
           <a:lstStyle/>
           <a:p>
             <a:r>
-              <a:rPr lang="zh-CN" altLang="en-US" smtClean="0"/>
+              <a:rPr lang="zh-CN" altLang="en-US"/>
               <a:t>在</a:t>
             </a:r>
             <a:r>
-              <a:rPr lang="en-US" altLang="zh-CN" smtClean="0"/>
+              <a:rPr lang="en-US" altLang="zh-CN"/>
               <a:t>&lt;head&gt;</a:t>
             </a:r>
             <a:r>
-              <a:rPr lang="zh-CN" altLang="en-US" smtClean="0"/>
+              <a:rPr lang="zh-CN" altLang="en-US"/>
               <a:t>元素中，使用</a:t>
             </a:r>
             <a:r>
-              <a:rPr lang="en-US" altLang="zh-CN" smtClean="0"/>
+              <a:rPr lang="en-US" altLang="zh-CN"/>
               <a:t>&lt;style&gt;</a:t>
             </a:r>
             <a:r>
-              <a:rPr lang="zh-CN" altLang="en-US" smtClean="0"/>
+              <a:rPr lang="zh-CN" altLang="en-US"/>
               <a:t>元素定义文档内嵌样式，通过</a:t>
             </a:r>
             <a:r>
-              <a:rPr lang="en-US" altLang="zh-CN" smtClean="0"/>
+              <a:rPr lang="en-US" altLang="zh-CN"/>
               <a:t>CSS</a:t>
             </a:r>
             <a:r>
-              <a:rPr lang="zh-CN" altLang="en-US" smtClean="0"/>
+              <a:rPr lang="zh-CN" altLang="en-US"/>
               <a:t>选择器选择元素。</a:t>
             </a:r>
-            <a:endParaRPr lang="en-US" altLang="zh-CN" smtClean="0"/>
+            <a:endParaRPr lang="en-US" altLang="zh-CN"/>
           </a:p>
           <a:p>
             <a:pPr marL="0" indent="0">
               <a:buNone/>
             </a:pPr>
             <a:r>
-              <a:rPr lang="en-US" altLang="zh-CN" smtClean="0"/>
+              <a:rPr lang="en-US" altLang="zh-CN"/>
               <a:t>&lt;head&gt;</a:t>
             </a:r>
           </a:p>
@@ -8071,11 +7830,7 @@
             </a:pPr>
             <a:r>
               <a:rPr lang="en-US" altLang="zh-CN"/>
-              <a:t>	</a:t>
-            </a:r>
-            <a:r>
-              <a:rPr lang="en-US" altLang="zh-CN" smtClean="0"/>
-              <a:t>&lt;style&gt;</a:t>
+              <a:t>	&lt;style&gt;</a:t>
             </a:r>
           </a:p>
           <a:p>
@@ -8084,11 +7839,7 @@
             </a:pPr>
             <a:r>
               <a:rPr lang="en-US" altLang="zh-CN"/>
-              <a:t>	</a:t>
-            </a:r>
-            <a:r>
-              <a:rPr lang="en-US" altLang="zh-CN" smtClean="0"/>
-              <a:t>	a {</a:t>
+              <a:t>		a {</a:t>
             </a:r>
           </a:p>
           <a:p>
@@ -8096,7 +7847,7 @@
               <a:buNone/>
             </a:pPr>
             <a:r>
-              <a:rPr lang="en-US" altLang="zh-CN" smtClean="0"/>
+              <a:rPr lang="en-US" altLang="zh-CN"/>
               <a:t>			color:green;</a:t>
             </a:r>
           </a:p>
@@ -8106,20 +7857,15 @@
             </a:pPr>
             <a:r>
               <a:rPr lang="en-US" altLang="zh-CN"/>
-              <a:t>	</a:t>
-            </a:r>
-            <a:r>
-              <a:rPr lang="en-US" altLang="zh-CN" smtClean="0"/>
-              <a:t>		background-color:grey;</a:t>
-            </a:r>
-            <a:endParaRPr lang="en-US" altLang="zh-CN"/>
+              <a:t>			background-color:grey;</a:t>
+            </a:r>
           </a:p>
           <a:p>
             <a:pPr marL="0" indent="0">
               <a:buNone/>
             </a:pPr>
             <a:r>
-              <a:rPr lang="en-US" altLang="zh-CN" smtClean="0"/>
+              <a:rPr lang="en-US" altLang="zh-CN"/>
               <a:t>		}</a:t>
             </a:r>
           </a:p>
@@ -8129,11 +7875,7 @@
             </a:pPr>
             <a:r>
               <a:rPr lang="en-US" altLang="zh-CN"/>
-              <a:t>	</a:t>
-            </a:r>
-            <a:r>
-              <a:rPr lang="en-US" altLang="zh-CN" smtClean="0"/>
-              <a:t>&lt;/style&gt;</a:t>
+              <a:t>	&lt;/style&gt;</a:t>
             </a:r>
           </a:p>
           <a:p>
@@ -8141,7 +7883,7 @@
               <a:buNone/>
             </a:pPr>
             <a:r>
-              <a:rPr lang="en-US" altLang="zh-CN" smtClean="0"/>
+              <a:rPr lang="en-US" altLang="zh-CN"/>
               <a:t>&lt;/head&gt;</a:t>
             </a:r>
           </a:p>
@@ -8150,7 +7892,7 @@
               <a:buNone/>
             </a:pPr>
             <a:r>
-              <a:rPr lang="en-US" altLang="zh-CN" smtClean="0"/>
+              <a:rPr lang="en-US" altLang="zh-CN"/>
               <a:t>&lt;body&gt;</a:t>
             </a:r>
           </a:p>
@@ -8160,18 +7902,14 @@
             </a:pPr>
             <a:r>
               <a:rPr lang="en-US" altLang="zh-CN"/>
-              <a:t>	</a:t>
-            </a:r>
-            <a:r>
-              <a:rPr lang="en-US" altLang="zh-CN" smtClean="0"/>
-              <a:t>&lt;a href=“www.baidu.com”&gt; </a:t>
-            </a:r>
-            <a:r>
-              <a:rPr lang="zh-CN" altLang="en-US" smtClean="0"/>
+              <a:t>	&lt;a href=“www.baidu.com”&gt; </a:t>
+            </a:r>
+            <a:r>
+              <a:rPr lang="zh-CN" altLang="en-US"/>
               <a:t>百度</a:t>
             </a:r>
             <a:r>
-              <a:rPr lang="en-US" altLang="zh-CN" smtClean="0"/>
+              <a:rPr lang="en-US" altLang="zh-CN"/>
               <a:t>&lt;/a&gt;</a:t>
             </a:r>
           </a:p>
@@ -8180,7 +7918,7 @@
               <a:buNone/>
             </a:pPr>
             <a:r>
-              <a:rPr lang="en-US" altLang="zh-CN" smtClean="0"/>
+              <a:rPr lang="en-US" altLang="zh-CN"/>
               <a:t>&lt;/body&gt;</a:t>
             </a:r>
             <a:endParaRPr lang="zh-CN" altLang="en-US"/>
@@ -8383,13 +8121,699 @@
   <p:clrMapOvr>
     <a:masterClrMapping/>
   </p:clrMapOvr>
-  <p:timing>
-    <p:tnLst>
-      <p:par>
-        <p:cTn id="1" dur="indefinite" restart="never" nodeType="tmRoot"/>
-      </p:par>
-    </p:tnLst>
-  </p:timing>
+</p:sld>
+</file>
+
+<file path=ppt/slides/slide5.xml><?xml version="1.0" encoding="utf-8"?>
+<p:sld xmlns:a="http://schemas.openxmlformats.org/drawingml/2006/main" xmlns:r="http://schemas.openxmlformats.org/officeDocument/2006/relationships" xmlns:p="http://schemas.openxmlformats.org/presentationml/2006/main">
+  <p:cSld>
+    <p:spTree>
+      <p:nvGrpSpPr>
+        <p:cNvPr id="1" name=""/>
+        <p:cNvGrpSpPr/>
+        <p:nvPr/>
+      </p:nvGrpSpPr>
+      <p:grpSpPr>
+        <a:xfrm>
+          <a:off x="0" y="0"/>
+          <a:ext cx="0" cy="0"/>
+          <a:chOff x="0" y="0"/>
+          <a:chExt cx="0" cy="0"/>
+        </a:xfrm>
+      </p:grpSpPr>
+      <p:sp>
+        <p:nvSpPr>
+          <p:cNvPr id="2" name="标题 1"/>
+          <p:cNvSpPr>
+            <a:spLocks noGrp="1"/>
+          </p:cNvSpPr>
+          <p:nvPr>
+            <p:ph type="title"/>
+          </p:nvPr>
+        </p:nvSpPr>
+        <p:spPr/>
+        <p:txBody>
+          <a:bodyPr/>
+          <a:lstStyle/>
+          <a:p>
+            <a:r>
+              <a:rPr lang="zh-CN" altLang="en-US"/>
+              <a:t>使用外部样式表</a:t>
+            </a:r>
+          </a:p>
+        </p:txBody>
+      </p:sp>
+      <p:sp>
+        <p:nvSpPr>
+          <p:cNvPr id="3" name="内容占位符 2"/>
+          <p:cNvSpPr>
+            <a:spLocks noGrp="1"/>
+          </p:cNvSpPr>
+          <p:nvPr>
+            <p:ph idx="1"/>
+          </p:nvPr>
+        </p:nvSpPr>
+        <p:spPr/>
+        <p:txBody>
+          <a:bodyPr>
+            <a:normAutofit fontScale="62500" lnSpcReduction="20000"/>
+          </a:bodyPr>
+          <a:lstStyle/>
+          <a:p>
+            <a:r>
+              <a:rPr lang="zh-CN" altLang="en-US"/>
+              <a:t>同一套样式，如果想重复使用，单独建立</a:t>
+            </a:r>
+            <a:r>
+              <a:rPr lang="en-US" altLang="zh-CN"/>
+              <a:t>css</a:t>
+            </a:r>
+            <a:r>
+              <a:rPr lang="zh-CN" altLang="en-US"/>
+              <a:t>文件，通过</a:t>
+            </a:r>
+            <a:r>
+              <a:rPr lang="en-US" altLang="zh-CN"/>
+              <a:t>&lt;link&gt;</a:t>
+            </a:r>
+            <a:r>
+              <a:rPr lang="zh-CN" altLang="en-US"/>
+              <a:t>元素导入外部</a:t>
+            </a:r>
+            <a:r>
+              <a:rPr lang="en-US" altLang="zh-CN"/>
+              <a:t>css</a:t>
+            </a:r>
+            <a:r>
+              <a:rPr lang="zh-CN" altLang="en-US"/>
+              <a:t>文件。</a:t>
+            </a:r>
+            <a:endParaRPr lang="en-US" altLang="zh-CN"/>
+          </a:p>
+          <a:p>
+            <a:r>
+              <a:rPr lang="zh-CN" altLang="en-US"/>
+              <a:t>文件</a:t>
+            </a:r>
+            <a:r>
+              <a:rPr lang="en-US" altLang="zh-CN"/>
+              <a:t>style.css</a:t>
+            </a:r>
+          </a:p>
+          <a:p>
+            <a:pPr marL="0" indent="0">
+              <a:buNone/>
+            </a:pPr>
+            <a:r>
+              <a:rPr lang="en-US" altLang="zh-CN"/>
+              <a:t>a {</a:t>
+            </a:r>
+          </a:p>
+          <a:p>
+            <a:pPr marL="0" indent="0">
+              <a:buNone/>
+            </a:pPr>
+            <a:r>
+              <a:rPr lang="en-US" altLang="zh-CN"/>
+              <a:t>	background-color:grey;</a:t>
+            </a:r>
+          </a:p>
+          <a:p>
+            <a:pPr marL="0" indent="0">
+              <a:buNone/>
+            </a:pPr>
+            <a:r>
+              <a:rPr lang="en-US" altLang="zh-CN"/>
+              <a:t>	color:green;</a:t>
+            </a:r>
+          </a:p>
+          <a:p>
+            <a:pPr marL="0" indent="0">
+              <a:buNone/>
+            </a:pPr>
+            <a:r>
+              <a:rPr lang="en-US" altLang="zh-CN"/>
+              <a:t>}</a:t>
+            </a:r>
+          </a:p>
+          <a:p>
+            <a:r>
+              <a:rPr lang="en-US" altLang="zh-CN"/>
+              <a:t>HTML</a:t>
+            </a:r>
+            <a:r>
+              <a:rPr lang="zh-CN" altLang="en-US"/>
+              <a:t>文件</a:t>
+            </a:r>
+            <a:endParaRPr lang="en-US" altLang="zh-CN"/>
+          </a:p>
+          <a:p>
+            <a:pPr marL="0" indent="0">
+              <a:buNone/>
+            </a:pPr>
+            <a:r>
+              <a:rPr lang="en-US" altLang="zh-CN"/>
+              <a:t>&lt;head&gt;</a:t>
+            </a:r>
+          </a:p>
+          <a:p>
+            <a:pPr marL="0" indent="0">
+              <a:buNone/>
+            </a:pPr>
+            <a:r>
+              <a:rPr lang="en-US" altLang="zh-CN"/>
+              <a:t>	&lt;link rel=“stylesheet” type=“text/css” href=“style.css”&gt;</a:t>
+            </a:r>
+          </a:p>
+          <a:p>
+            <a:pPr marL="0" indent="0">
+              <a:buNone/>
+            </a:pPr>
+            <a:r>
+              <a:rPr lang="en-US" altLang="zh-CN"/>
+              <a:t>&lt;/head&gt;</a:t>
+            </a:r>
+          </a:p>
+          <a:p>
+            <a:pPr marL="0" indent="0">
+              <a:buNone/>
+            </a:pPr>
+            <a:r>
+              <a:rPr lang="en-US" altLang="zh-CN"/>
+              <a:t>&lt;body&gt;</a:t>
+            </a:r>
+          </a:p>
+          <a:p>
+            <a:pPr marL="0" indent="0">
+              <a:buNone/>
+            </a:pPr>
+            <a:r>
+              <a:rPr lang="en-US" altLang="zh-CN"/>
+              <a:t>	&lt;a href=“www.baidu.com”&gt;</a:t>
+            </a:r>
+            <a:r>
+              <a:rPr lang="zh-CN" altLang="en-US"/>
+              <a:t>百度</a:t>
+            </a:r>
+            <a:r>
+              <a:rPr lang="en-US" altLang="zh-CN"/>
+              <a:t>&lt;/a&gt;</a:t>
+            </a:r>
+          </a:p>
+          <a:p>
+            <a:pPr marL="0" indent="0">
+              <a:buNone/>
+            </a:pPr>
+            <a:r>
+              <a:rPr lang="en-US" altLang="zh-CN"/>
+              <a:t>&lt;/body&gt;</a:t>
+            </a:r>
+            <a:endParaRPr lang="zh-CN" altLang="en-US"/>
+          </a:p>
+        </p:txBody>
+      </p:sp>
+    </p:spTree>
+    <p:extLst>
+      <p:ext uri="{BB962C8B-B14F-4D97-AF65-F5344CB8AC3E}">
+        <p14:creationId xmlns:p14="http://schemas.microsoft.com/office/powerpoint/2010/main" val="3294661123"/>
+      </p:ext>
+    </p:extLst>
+  </p:cSld>
+  <p:clrMapOvr>
+    <a:masterClrMapping/>
+  </p:clrMapOvr>
+</p:sld>
+</file>
+
+<file path=ppt/slides/slide6.xml><?xml version="1.0" encoding="utf-8"?>
+<p:sld xmlns:a="http://schemas.openxmlformats.org/drawingml/2006/main" xmlns:r="http://schemas.openxmlformats.org/officeDocument/2006/relationships" xmlns:p="http://schemas.openxmlformats.org/presentationml/2006/main">
+  <p:cSld>
+    <p:spTree>
+      <p:nvGrpSpPr>
+        <p:cNvPr id="1" name=""/>
+        <p:cNvGrpSpPr/>
+        <p:nvPr/>
+      </p:nvGrpSpPr>
+      <p:grpSpPr>
+        <a:xfrm>
+          <a:off x="0" y="0"/>
+          <a:ext cx="0" cy="0"/>
+          <a:chOff x="0" y="0"/>
+          <a:chExt cx="0" cy="0"/>
+        </a:xfrm>
+      </p:grpSpPr>
+      <p:sp>
+        <p:nvSpPr>
+          <p:cNvPr id="2" name="标题 1"/>
+          <p:cNvSpPr>
+            <a:spLocks noGrp="1"/>
+          </p:cNvSpPr>
+          <p:nvPr>
+            <p:ph type="title"/>
+          </p:nvPr>
+        </p:nvSpPr>
+        <p:spPr/>
+        <p:txBody>
+          <a:bodyPr/>
+          <a:lstStyle/>
+          <a:p>
+            <a:r>
+              <a:rPr lang="zh-CN" altLang="en-US"/>
+              <a:t>样式其他的来源</a:t>
+            </a:r>
+          </a:p>
+        </p:txBody>
+      </p:sp>
+      <p:sp>
+        <p:nvSpPr>
+          <p:cNvPr id="3" name="内容占位符 2"/>
+          <p:cNvSpPr>
+            <a:spLocks noGrp="1"/>
+          </p:cNvSpPr>
+          <p:nvPr>
+            <p:ph idx="1"/>
+          </p:nvPr>
+        </p:nvSpPr>
+        <p:spPr/>
+        <p:txBody>
+          <a:bodyPr/>
+          <a:lstStyle/>
+          <a:p>
+            <a:pPr marL="514350" indent="-514350">
+              <a:buFont typeface="+mj-lt"/>
+              <a:buAutoNum type="arabicPeriod"/>
+            </a:pPr>
+            <a:r>
+              <a:rPr lang="zh-CN" altLang="en-US"/>
+              <a:t>浏览器默认样式</a:t>
+            </a:r>
+            <a:endParaRPr lang="en-US" altLang="zh-CN"/>
+          </a:p>
+          <a:p>
+            <a:pPr marL="400050" lvl="1" indent="0">
+              <a:buNone/>
+            </a:pPr>
+            <a:r>
+              <a:rPr lang="zh-CN" altLang="en-US"/>
+              <a:t>有些元素在使用时，浏览器会默认给它设置一些样式。</a:t>
+            </a:r>
+            <a:endParaRPr lang="en-US" altLang="zh-CN"/>
+          </a:p>
+          <a:p>
+            <a:pPr marL="514350" indent="-514350">
+              <a:buFont typeface="+mj-lt"/>
+              <a:buAutoNum type="arabicPeriod"/>
+            </a:pPr>
+            <a:r>
+              <a:rPr lang="zh-CN" altLang="en-US"/>
+              <a:t>继承</a:t>
+            </a:r>
+            <a:endParaRPr lang="en-US" altLang="zh-CN"/>
+          </a:p>
+          <a:p>
+            <a:pPr marL="400050" lvl="1" indent="0">
+              <a:buNone/>
+            </a:pPr>
+            <a:r>
+              <a:rPr lang="zh-CN" altLang="en-US"/>
+              <a:t>如果浏览器在直接相关的样式中找不到某个属性的值，就会继承父元素的值。</a:t>
+            </a:r>
+          </a:p>
+        </p:txBody>
+      </p:sp>
+    </p:spTree>
+    <p:extLst>
+      <p:ext uri="{BB962C8B-B14F-4D97-AF65-F5344CB8AC3E}">
+        <p14:creationId xmlns:p14="http://schemas.microsoft.com/office/powerpoint/2010/main" val="1777979328"/>
+      </p:ext>
+    </p:extLst>
+  </p:cSld>
+  <p:clrMapOvr>
+    <a:masterClrMapping/>
+  </p:clrMapOvr>
+</p:sld>
+</file>
+
+<file path=ppt/slides/slide7.xml><?xml version="1.0" encoding="utf-8"?>
+<p:sld xmlns:a="http://schemas.openxmlformats.org/drawingml/2006/main" xmlns:r="http://schemas.openxmlformats.org/officeDocument/2006/relationships" xmlns:p="http://schemas.openxmlformats.org/presentationml/2006/main">
+  <p:cSld>
+    <p:spTree>
+      <p:nvGrpSpPr>
+        <p:cNvPr id="1" name=""/>
+        <p:cNvGrpSpPr/>
+        <p:nvPr/>
+      </p:nvGrpSpPr>
+      <p:grpSpPr>
+        <a:xfrm>
+          <a:off x="0" y="0"/>
+          <a:ext cx="0" cy="0"/>
+          <a:chOff x="0" y="0"/>
+          <a:chExt cx="0" cy="0"/>
+        </a:xfrm>
+      </p:grpSpPr>
+      <p:sp>
+        <p:nvSpPr>
+          <p:cNvPr id="2" name="标题 1"/>
+          <p:cNvSpPr>
+            <a:spLocks noGrp="1"/>
+          </p:cNvSpPr>
+          <p:nvPr>
+            <p:ph type="title"/>
+          </p:nvPr>
+        </p:nvSpPr>
+        <p:spPr/>
+        <p:txBody>
+          <a:bodyPr/>
+          <a:lstStyle/>
+          <a:p>
+            <a:r>
+              <a:rPr lang="zh-CN" altLang="en-US"/>
+              <a:t>继承</a:t>
+            </a:r>
+          </a:p>
+        </p:txBody>
+      </p:sp>
+      <p:sp>
+        <p:nvSpPr>
+          <p:cNvPr id="3" name="内容占位符 2"/>
+          <p:cNvSpPr>
+            <a:spLocks noGrp="1"/>
+          </p:cNvSpPr>
+          <p:nvPr>
+            <p:ph idx="1"/>
+          </p:nvPr>
+        </p:nvSpPr>
+        <p:spPr/>
+        <p:txBody>
+          <a:bodyPr>
+            <a:normAutofit fontScale="62500" lnSpcReduction="20000"/>
+          </a:bodyPr>
+          <a:lstStyle/>
+          <a:p>
+            <a:pPr marL="0" indent="0">
+              <a:buNone/>
+            </a:pPr>
+            <a:r>
+              <a:rPr lang="en-US" altLang="zh-CN"/>
+              <a:t>&lt;head&gt;</a:t>
+            </a:r>
+          </a:p>
+          <a:p>
+            <a:pPr marL="0" indent="0">
+              <a:buNone/>
+            </a:pPr>
+            <a:r>
+              <a:rPr lang="en-US" altLang="zh-CN"/>
+              <a:t>	&lt;style&gt;</a:t>
+            </a:r>
+          </a:p>
+          <a:p>
+            <a:pPr marL="0" indent="0">
+              <a:buNone/>
+            </a:pPr>
+            <a:r>
+              <a:rPr lang="en-US" altLang="zh-CN"/>
+              <a:t>		p {</a:t>
+            </a:r>
+          </a:p>
+          <a:p>
+            <a:pPr marL="0" indent="0">
+              <a:buNone/>
+            </a:pPr>
+            <a:r>
+              <a:rPr lang="en-US" altLang="zh-CN"/>
+              <a:t>			color:white;</a:t>
+            </a:r>
+          </a:p>
+          <a:p>
+            <a:pPr marL="0" indent="0">
+              <a:buNone/>
+            </a:pPr>
+            <a:r>
+              <a:rPr lang="en-US" altLang="zh-CN"/>
+              <a:t>			background:grey;</a:t>
+            </a:r>
+          </a:p>
+          <a:p>
+            <a:pPr marL="0" indent="0">
+              <a:buNone/>
+            </a:pPr>
+            <a:r>
+              <a:rPr lang="en-US" altLang="zh-CN"/>
+              <a:t>			border:medium solid blakc;</a:t>
+            </a:r>
+          </a:p>
+          <a:p>
+            <a:pPr marL="0" indent="0">
+              <a:buNone/>
+            </a:pPr>
+            <a:r>
+              <a:rPr lang="en-US" altLang="zh-CN"/>
+              <a:t>		}</a:t>
+            </a:r>
+          </a:p>
+          <a:p>
+            <a:pPr marL="0" indent="0">
+              <a:buNone/>
+            </a:pPr>
+            <a:r>
+              <a:rPr lang="en-US" altLang="zh-CN"/>
+              <a:t>	&lt;/style&gt; </a:t>
+            </a:r>
+          </a:p>
+          <a:p>
+            <a:pPr marL="0" indent="0">
+              <a:buNone/>
+            </a:pPr>
+            <a:r>
+              <a:rPr lang="en-US" altLang="zh-CN"/>
+              <a:t>&lt;/head&gt;</a:t>
+            </a:r>
+          </a:p>
+          <a:p>
+            <a:pPr marL="0" indent="0">
+              <a:buNone/>
+            </a:pPr>
+            <a:r>
+              <a:rPr lang="en-US" altLang="zh-CN"/>
+              <a:t>&lt;body&gt;</a:t>
+            </a:r>
+          </a:p>
+          <a:p>
+            <a:pPr marL="0" indent="0">
+              <a:buNone/>
+            </a:pPr>
+            <a:r>
+              <a:rPr lang="en-US" altLang="zh-CN"/>
+              <a:t>	&lt;p&gt;</a:t>
+            </a:r>
+            <a:r>
+              <a:rPr lang="zh-CN" altLang="en-US"/>
+              <a:t>我喜欢</a:t>
+            </a:r>
+            <a:r>
+              <a:rPr lang="en-US" altLang="zh-CN"/>
+              <a:t>&lt;span&gt;</a:t>
+            </a:r>
+            <a:r>
+              <a:rPr lang="zh-CN" altLang="en-US"/>
+              <a:t>苹果</a:t>
+            </a:r>
+            <a:r>
+              <a:rPr lang="en-US" altLang="zh-CN"/>
+              <a:t>&lt;span&gt;</a:t>
+            </a:r>
+            <a:r>
+              <a:rPr lang="zh-CN" altLang="en-US"/>
+              <a:t>和橘子</a:t>
+            </a:r>
+            <a:r>
+              <a:rPr lang="en-US" altLang="zh-CN"/>
+              <a:t>&lt;/p&gt;</a:t>
+            </a:r>
+          </a:p>
+          <a:p>
+            <a:pPr marL="0" indent="0">
+              <a:buNone/>
+            </a:pPr>
+            <a:r>
+              <a:rPr lang="en-US" altLang="zh-CN"/>
+              <a:t>&lt;/body&gt;</a:t>
+            </a:r>
+          </a:p>
+          <a:p>
+            <a:pPr marL="0" indent="0">
+              <a:buNone/>
+            </a:pPr>
+            <a:r>
+              <a:rPr lang="en-US" altLang="zh-CN"/>
+              <a:t>&lt;span&gt;</a:t>
+            </a:r>
+            <a:r>
+              <a:rPr lang="zh-CN" altLang="en-US"/>
+              <a:t>元素字体颜色和背景色继承了父元素，但是边框却没有。</a:t>
+            </a:r>
+            <a:endParaRPr lang="en-US" altLang="zh-CN"/>
+          </a:p>
+          <a:p>
+            <a:pPr marL="0" indent="0">
+              <a:buNone/>
+            </a:pPr>
+            <a:r>
+              <a:rPr lang="zh-CN" altLang="en-US"/>
+              <a:t>可以使用</a:t>
+            </a:r>
+            <a:r>
+              <a:rPr lang="en-US" altLang="zh-CN"/>
+              <a:t>inherit</a:t>
+            </a:r>
+            <a:r>
+              <a:rPr lang="zh-CN" altLang="en-US"/>
+              <a:t>这个特殊的值强行继承。</a:t>
+            </a:r>
+          </a:p>
+        </p:txBody>
+      </p:sp>
+    </p:spTree>
+    <p:extLst>
+      <p:ext uri="{BB962C8B-B14F-4D97-AF65-F5344CB8AC3E}">
+        <p14:creationId xmlns:p14="http://schemas.microsoft.com/office/powerpoint/2010/main" val="1054382264"/>
+      </p:ext>
+    </p:extLst>
+  </p:cSld>
+  <p:clrMapOvr>
+    <a:masterClrMapping/>
+  </p:clrMapOvr>
+</p:sld>
+</file>
+
+<file path=ppt/slides/slide8.xml><?xml version="1.0" encoding="utf-8"?>
+<p:sld xmlns:a="http://schemas.openxmlformats.org/drawingml/2006/main" xmlns:r="http://schemas.openxmlformats.org/officeDocument/2006/relationships" xmlns:p="http://schemas.openxmlformats.org/presentationml/2006/main">
+  <p:cSld>
+    <p:spTree>
+      <p:nvGrpSpPr>
+        <p:cNvPr id="1" name=""/>
+        <p:cNvGrpSpPr/>
+        <p:nvPr/>
+      </p:nvGrpSpPr>
+      <p:grpSpPr>
+        <a:xfrm>
+          <a:off x="0" y="0"/>
+          <a:ext cx="0" cy="0"/>
+          <a:chOff x="0" y="0"/>
+          <a:chExt cx="0" cy="0"/>
+        </a:xfrm>
+      </p:grpSpPr>
+      <p:sp>
+        <p:nvSpPr>
+          <p:cNvPr id="2" name="标题 1"/>
+          <p:cNvSpPr>
+            <a:spLocks noGrp="1"/>
+          </p:cNvSpPr>
+          <p:nvPr>
+            <p:ph type="title"/>
+          </p:nvPr>
+        </p:nvSpPr>
+        <p:spPr/>
+        <p:txBody>
+          <a:bodyPr/>
+          <a:lstStyle/>
+          <a:p>
+            <a:r>
+              <a:rPr lang="zh-CN" altLang="en-US"/>
+              <a:t>层叠顺序</a:t>
+            </a:r>
+          </a:p>
+        </p:txBody>
+      </p:sp>
+      <p:sp>
+        <p:nvSpPr>
+          <p:cNvPr id="3" name="内容占位符 2"/>
+          <p:cNvSpPr>
+            <a:spLocks noGrp="1"/>
+          </p:cNvSpPr>
+          <p:nvPr>
+            <p:ph idx="1"/>
+          </p:nvPr>
+        </p:nvSpPr>
+        <p:spPr/>
+        <p:txBody>
+          <a:bodyPr/>
+          <a:lstStyle/>
+          <a:p>
+            <a:pPr marL="514350" indent="-514350">
+              <a:buFont typeface="+mj-lt"/>
+              <a:buAutoNum type="arabicPeriod"/>
+            </a:pPr>
+            <a:r>
+              <a:rPr lang="zh-CN" altLang="en-US"/>
+              <a:t>如果样式属性值标记为</a:t>
+            </a:r>
+            <a:r>
+              <a:rPr lang="en-US" altLang="zh-CN"/>
+              <a:t>important</a:t>
+            </a:r>
+            <a:r>
+              <a:rPr lang="zh-CN" altLang="en-US"/>
+              <a:t>。</a:t>
+            </a:r>
+            <a:endParaRPr lang="en-US" altLang="zh-CN"/>
+          </a:p>
+          <a:p>
+            <a:pPr marL="514350" indent="-514350">
+              <a:buFont typeface="+mj-lt"/>
+              <a:buAutoNum type="arabicPeriod"/>
+            </a:pPr>
+            <a:r>
+              <a:rPr lang="zh-CN" altLang="en-US"/>
+              <a:t>元素内嵌样式</a:t>
+            </a:r>
+            <a:endParaRPr lang="en-US" altLang="zh-CN"/>
+          </a:p>
+          <a:p>
+            <a:pPr marL="514350" indent="-514350">
+              <a:buFont typeface="+mj-lt"/>
+              <a:buAutoNum type="arabicPeriod"/>
+            </a:pPr>
+            <a:r>
+              <a:rPr lang="zh-CN" altLang="en-US"/>
+              <a:t>文档内嵌样式</a:t>
+            </a:r>
+            <a:endParaRPr lang="en-US" altLang="zh-CN"/>
+          </a:p>
+          <a:p>
+            <a:pPr marL="514350" indent="-514350">
+              <a:buFont typeface="+mj-lt"/>
+              <a:buAutoNum type="arabicPeriod"/>
+            </a:pPr>
+            <a:r>
+              <a:rPr lang="zh-CN" altLang="en-US"/>
+              <a:t>外部样式</a:t>
+            </a:r>
+            <a:endParaRPr lang="en-US" altLang="zh-CN"/>
+          </a:p>
+          <a:p>
+            <a:pPr marL="514350" indent="-514350">
+              <a:buFont typeface="+mj-lt"/>
+              <a:buAutoNum type="arabicPeriod"/>
+            </a:pPr>
+            <a:r>
+              <a:rPr lang="zh-CN" altLang="en-US"/>
+              <a:t>浏览器样式</a:t>
+            </a:r>
+          </a:p>
+        </p:txBody>
+      </p:sp>
+    </p:spTree>
+    <p:extLst>
+      <p:ext uri="{BB962C8B-B14F-4D97-AF65-F5344CB8AC3E}">
+        <p14:creationId xmlns:p14="http://schemas.microsoft.com/office/powerpoint/2010/main" val="2112186898"/>
+      </p:ext>
+    </p:extLst>
+  </p:cSld>
+  <p:clrMapOvr>
+    <a:masterClrMapping/>
+  </p:clrMapOvr>
 </p:sld>
 </file>
 
@@ -8417,200 +8841,40 @@
             <a:spLocks noGrp="1"/>
           </p:cNvSpPr>
           <p:nvPr>
-            <p:ph type="title"/>
-          </p:nvPr>
-        </p:nvSpPr>
-        <p:spPr/>
-        <p:txBody>
-          <a:bodyPr/>
-          <a:lstStyle/>
-          <a:p>
-            <a:r>
-              <a:rPr lang="zh-CN" altLang="en-US" smtClean="0"/>
-              <a:t>使用外部样式表</a:t>
-            </a:r>
-            <a:endParaRPr lang="zh-CN" altLang="en-US"/>
-          </a:p>
-        </p:txBody>
-      </p:sp>
-      <p:sp>
-        <p:nvSpPr>
-          <p:cNvPr id="3" name="内容占位符 2"/>
-          <p:cNvSpPr>
-            <a:spLocks noGrp="1"/>
-          </p:cNvSpPr>
-          <p:nvPr>
-            <p:ph idx="1"/>
-          </p:nvPr>
-        </p:nvSpPr>
-        <p:spPr/>
-        <p:txBody>
-          <a:bodyPr>
-            <a:normAutofit fontScale="62500" lnSpcReduction="20000"/>
-          </a:bodyPr>
-          <a:lstStyle/>
-          <a:p>
-            <a:r>
-              <a:rPr lang="zh-CN" altLang="en-US" smtClean="0"/>
-              <a:t>同一套样式，如果想重复使用，单独建立</a:t>
-            </a:r>
-            <a:r>
-              <a:rPr lang="en-US" altLang="zh-CN" smtClean="0"/>
-              <a:t>css</a:t>
-            </a:r>
-            <a:r>
-              <a:rPr lang="zh-CN" altLang="en-US" smtClean="0"/>
-              <a:t>文件，通过</a:t>
-            </a:r>
-            <a:r>
-              <a:rPr lang="en-US" altLang="zh-CN" smtClean="0"/>
-              <a:t>&lt;link&gt;</a:t>
-            </a:r>
-            <a:r>
-              <a:rPr lang="zh-CN" altLang="en-US" smtClean="0"/>
-              <a:t>元素导入外部</a:t>
-            </a:r>
-            <a:r>
-              <a:rPr lang="en-US" altLang="zh-CN" smtClean="0"/>
-              <a:t>css</a:t>
-            </a:r>
-            <a:r>
-              <a:rPr lang="zh-CN" altLang="en-US" smtClean="0"/>
-              <a:t>文件。</a:t>
-            </a:r>
-            <a:endParaRPr lang="en-US" altLang="zh-CN" smtClean="0"/>
-          </a:p>
-          <a:p>
-            <a:r>
-              <a:rPr lang="zh-CN" altLang="en-US" smtClean="0"/>
-              <a:t>文件</a:t>
-            </a:r>
-            <a:r>
-              <a:rPr lang="en-US" altLang="zh-CN" smtClean="0"/>
-              <a:t>style.css</a:t>
-            </a:r>
-          </a:p>
-          <a:p>
-            <a:pPr marL="0" indent="0">
-              <a:buNone/>
-            </a:pPr>
-            <a:r>
-              <a:rPr lang="en-US" altLang="zh-CN" smtClean="0"/>
-              <a:t>a {</a:t>
-            </a:r>
-          </a:p>
-          <a:p>
-            <a:pPr marL="0" indent="0">
-              <a:buNone/>
-            </a:pPr>
-            <a:r>
-              <a:rPr lang="en-US" altLang="zh-CN" smtClean="0"/>
-              <a:t>	background-color:grey;</a:t>
-            </a:r>
-          </a:p>
-          <a:p>
-            <a:pPr marL="0" indent="0">
-              <a:buNone/>
-            </a:pPr>
-            <a:r>
-              <a:rPr lang="en-US" altLang="zh-CN"/>
-              <a:t>	</a:t>
-            </a:r>
-            <a:r>
-              <a:rPr lang="en-US" altLang="zh-CN" smtClean="0"/>
-              <a:t>color:green;</a:t>
-            </a:r>
-            <a:endParaRPr lang="en-US" altLang="zh-CN"/>
-          </a:p>
-          <a:p>
-            <a:pPr marL="0" indent="0">
-              <a:buNone/>
-            </a:pPr>
-            <a:r>
-              <a:rPr lang="en-US" altLang="zh-CN" smtClean="0"/>
-              <a:t>}</a:t>
-            </a:r>
-          </a:p>
-          <a:p>
-            <a:r>
-              <a:rPr lang="en-US" altLang="zh-CN" smtClean="0"/>
-              <a:t>HTML</a:t>
-            </a:r>
-            <a:r>
-              <a:rPr lang="zh-CN" altLang="en-US" smtClean="0"/>
-              <a:t>文件</a:t>
-            </a:r>
-            <a:endParaRPr lang="en-US" altLang="zh-CN" smtClean="0"/>
-          </a:p>
-          <a:p>
-            <a:pPr marL="0" indent="0">
-              <a:buNone/>
-            </a:pPr>
-            <a:r>
-              <a:rPr lang="en-US" altLang="zh-CN" smtClean="0"/>
-              <a:t>&lt;head&gt;</a:t>
-            </a:r>
-          </a:p>
-          <a:p>
-            <a:pPr marL="0" indent="0">
-              <a:buNone/>
-            </a:pPr>
-            <a:r>
-              <a:rPr lang="en-US" altLang="zh-CN"/>
-              <a:t>	</a:t>
-            </a:r>
-            <a:r>
-              <a:rPr lang="en-US" altLang="zh-CN" smtClean="0"/>
-              <a:t>&lt;link rel=“stylesheet” type=“text/css” href=“style.css”&gt;</a:t>
-            </a:r>
-          </a:p>
-          <a:p>
-            <a:pPr marL="0" indent="0">
-              <a:buNone/>
-            </a:pPr>
-            <a:r>
-              <a:rPr lang="en-US" altLang="zh-CN" smtClean="0"/>
-              <a:t>&lt;/head&gt;</a:t>
-            </a:r>
-          </a:p>
-          <a:p>
-            <a:pPr marL="0" indent="0">
-              <a:buNone/>
-            </a:pPr>
-            <a:r>
-              <a:rPr lang="en-US" altLang="zh-CN" smtClean="0"/>
-              <a:t>&lt;body&gt;</a:t>
-            </a:r>
-          </a:p>
-          <a:p>
-            <a:pPr marL="0" indent="0">
-              <a:buNone/>
-            </a:pPr>
-            <a:r>
-              <a:rPr lang="en-US" altLang="zh-CN"/>
-              <a:t>	</a:t>
-            </a:r>
-            <a:r>
-              <a:rPr lang="en-US" altLang="zh-CN" smtClean="0"/>
-              <a:t>&lt;a href=“www.baidu.com”&gt;</a:t>
-            </a:r>
-            <a:r>
-              <a:rPr lang="zh-CN" altLang="en-US" smtClean="0"/>
-              <a:t>百度</a:t>
-            </a:r>
-            <a:r>
-              <a:rPr lang="en-US" altLang="zh-CN" smtClean="0"/>
-              <a:t>&lt;/a&gt;</a:t>
-            </a:r>
-          </a:p>
-          <a:p>
-            <a:pPr marL="0" indent="0">
-              <a:buNone/>
-            </a:pPr>
-            <a:r>
-              <a:rPr lang="en-US" altLang="zh-CN" smtClean="0"/>
-              <a:t>&lt;/body&gt;</a:t>
-            </a:r>
+            <p:ph type="ctrTitle"/>
+          </p:nvPr>
+        </p:nvSpPr>
+        <p:spPr/>
+        <p:txBody>
+          <a:bodyPr/>
+          <a:lstStyle/>
+          <a:p>
+            <a:r>
+              <a:rPr lang="en-US" altLang="zh-CN"/>
+              <a:t>CSS</a:t>
+            </a:r>
+            <a:r>
+              <a:rPr lang="zh-CN" altLang="en-US"/>
+              <a:t>基础选择器</a:t>
+            </a:r>
+          </a:p>
+        </p:txBody>
+      </p:sp>
+      <p:sp>
+        <p:nvSpPr>
+          <p:cNvPr id="3" name="副标题 2"/>
+          <p:cNvSpPr>
+            <a:spLocks noGrp="1"/>
+          </p:cNvSpPr>
+          <p:nvPr>
+            <p:ph type="subTitle" idx="1"/>
+          </p:nvPr>
+        </p:nvSpPr>
+        <p:spPr/>
+        <p:txBody>
+          <a:bodyPr/>
+          <a:lstStyle/>
+          <a:p>
             <a:endParaRPr lang="zh-CN" altLang="en-US"/>
           </a:p>
         </p:txBody>
@@ -8618,20 +8882,13 @@
     </p:spTree>
     <p:extLst>
       <p:ext uri="{BB962C8B-B14F-4D97-AF65-F5344CB8AC3E}">
-        <p14:creationId xmlns:p14="http://schemas.microsoft.com/office/powerpoint/2010/main" val="3294661123"/>
+        <p14:creationId xmlns:p14="http://schemas.microsoft.com/office/powerpoint/2010/main" val="2374383559"/>
       </p:ext>
     </p:extLst>
   </p:cSld>
   <p:clrMapOvr>
     <a:masterClrMapping/>
   </p:clrMapOvr>
-  <p:timing>
-    <p:tnLst>
-      <p:par>
-        <p:cTn id="1" dur="indefinite" restart="never" nodeType="tmRoot"/>
-      </p:par>
-    </p:tnLst>
-  </p:timing>
 </p:sld>
 </file>
 
